--- a/Presentacion caso 3.pptx
+++ b/Presentacion caso 3.pptx
@@ -8,9 +8,12 @@
     <p:sldId id="256" r:id="rId2"/>
     <p:sldId id="257" r:id="rId3"/>
     <p:sldId id="258" r:id="rId4"/>
-    <p:sldId id="259" r:id="rId5"/>
-    <p:sldId id="260" r:id="rId6"/>
-    <p:sldId id="261" r:id="rId7"/>
+    <p:sldId id="264" r:id="rId5"/>
+    <p:sldId id="262" r:id="rId6"/>
+    <p:sldId id="263" r:id="rId7"/>
+    <p:sldId id="259" r:id="rId8"/>
+    <p:sldId id="260" r:id="rId9"/>
+    <p:sldId id="261" r:id="rId10"/>
   </p:sldIdLst>
   <p:sldSz cx="12192000" cy="6858000"/>
   <p:notesSz cx="6858000" cy="9144000"/>
@@ -109,6 +112,11 @@
       </a:defRPr>
     </a:lvl9pPr>
   </p:defaultTextStyle>
+  <p:extLst>
+    <p:ext uri="{EFAFB233-063F-42B5-8137-9DF3F51BA10A}">
+      <p15:sldGuideLst xmlns:p15="http://schemas.microsoft.com/office/powerpoint/2012/main"/>
+    </p:ext>
+  </p:extLst>
 </p:presentation>
 </file>
 
@@ -251,7 +259,7 @@
           <a:p>
             <a:fld id="{48A87A34-81AB-432B-8DAE-1953F412C126}" type="datetimeFigureOut">
               <a:rPr lang="en-US" dirty="0"/>
-              <a:t>4/4/2025</a:t>
+              <a:t>4/9/2025</a:t>
             </a:fld>
             <a:endParaRPr lang="en-US" dirty="0"/>
           </a:p>
@@ -457,7 +465,7 @@
           <a:p>
             <a:fld id="{48A87A34-81AB-432B-8DAE-1953F412C126}" type="datetimeFigureOut">
               <a:rPr lang="en-US" dirty="0"/>
-              <a:t>4/4/2025</a:t>
+              <a:t>4/9/2025</a:t>
             </a:fld>
             <a:endParaRPr lang="en-US" dirty="0"/>
           </a:p>
@@ -667,7 +675,7 @@
           <a:p>
             <a:fld id="{48A87A34-81AB-432B-8DAE-1953F412C126}" type="datetimeFigureOut">
               <a:rPr lang="en-US" dirty="0"/>
-              <a:t>4/4/2025</a:t>
+              <a:t>4/9/2025</a:t>
             </a:fld>
             <a:endParaRPr lang="en-US" dirty="0"/>
           </a:p>
@@ -863,7 +871,7 @@
           <a:p>
             <a:fld id="{48A87A34-81AB-432B-8DAE-1953F412C126}" type="datetimeFigureOut">
               <a:rPr lang="en-US" dirty="0"/>
-              <a:t>4/4/2025</a:t>
+              <a:t>4/9/2025</a:t>
             </a:fld>
             <a:endParaRPr lang="en-US" dirty="0"/>
           </a:p>
@@ -1137,7 +1145,7 @@
           <a:p>
             <a:fld id="{48A87A34-81AB-432B-8DAE-1953F412C126}" type="datetimeFigureOut">
               <a:rPr lang="en-US" dirty="0"/>
-              <a:t>4/4/2025</a:t>
+              <a:t>4/9/2025</a:t>
             </a:fld>
             <a:endParaRPr lang="en-US" dirty="0"/>
           </a:p>
@@ -1400,7 +1408,7 @@
           <a:p>
             <a:fld id="{48A87A34-81AB-432B-8DAE-1953F412C126}" type="datetimeFigureOut">
               <a:rPr lang="en-US" dirty="0"/>
-              <a:t>4/4/2025</a:t>
+              <a:t>4/9/2025</a:t>
             </a:fld>
             <a:endParaRPr lang="en-US" dirty="0"/>
           </a:p>
@@ -1811,7 +1819,7 @@
           <a:p>
             <a:fld id="{48A87A34-81AB-432B-8DAE-1953F412C126}" type="datetimeFigureOut">
               <a:rPr lang="en-US" dirty="0"/>
-              <a:t>4/4/2025</a:t>
+              <a:t>4/9/2025</a:t>
             </a:fld>
             <a:endParaRPr lang="en-US" dirty="0"/>
           </a:p>
@@ -1955,7 +1963,7 @@
           <a:p>
             <a:fld id="{48A87A34-81AB-432B-8DAE-1953F412C126}" type="datetimeFigureOut">
               <a:rPr lang="en-US" dirty="0"/>
-              <a:t>4/4/2025</a:t>
+              <a:t>4/9/2025</a:t>
             </a:fld>
             <a:endParaRPr lang="en-US" dirty="0"/>
           </a:p>
@@ -2076,7 +2084,7 @@
           <a:p>
             <a:fld id="{48A87A34-81AB-432B-8DAE-1953F412C126}" type="datetimeFigureOut">
               <a:rPr lang="en-US" dirty="0"/>
-              <a:t>4/4/2025</a:t>
+              <a:t>4/9/2025</a:t>
             </a:fld>
             <a:endParaRPr lang="en-US" dirty="0"/>
           </a:p>
@@ -2322,7 +2330,7 @@
           <a:p>
             <a:fld id="{48A87A34-81AB-432B-8DAE-1953F412C126}" type="datetimeFigureOut">
               <a:rPr lang="en-US" dirty="0"/>
-              <a:t>4/4/2025</a:t>
+              <a:t>4/9/2025</a:t>
             </a:fld>
             <a:endParaRPr lang="en-US" dirty="0"/>
           </a:p>
@@ -2763,7 +2771,7 @@
             <a:fld id="{48A87A34-81AB-432B-8DAE-1953F412C126}" type="datetimeFigureOut">
               <a:rPr lang="en-US" dirty="0"/>
               <a:pPr/>
-              <a:t>4/4/2025</a:t>
+              <a:t>4/9/2025</a:t>
             </a:fld>
             <a:endParaRPr lang="en-US" dirty="0"/>
           </a:p>
@@ -3086,7 +3094,7 @@
             <a:fld id="{48A87A34-81AB-432B-8DAE-1953F412C126}" type="datetimeFigureOut">
               <a:rPr lang="en-US" dirty="0"/>
               <a:pPr/>
-              <a:t>4/4/2025</a:t>
+              <a:t>4/9/2025</a:t>
             </a:fld>
             <a:endParaRPr lang="en-US" dirty="0"/>
           </a:p>
@@ -3881,6 +3889,2652 @@
 <file path=ppt/slides/slide4.xml><?xml version="1.0" encoding="utf-8"?>
 <p:sld xmlns:a="http://schemas.openxmlformats.org/drawingml/2006/main" xmlns:r="http://schemas.openxmlformats.org/officeDocument/2006/relationships" xmlns:p="http://schemas.openxmlformats.org/presentationml/2006/main">
   <p:cSld>
+    <p:bg>
+      <p:bgPr>
+        <a:gradFill rotWithShape="1">
+          <a:gsLst>
+            <a:gs pos="0">
+              <a:schemeClr val="bg2">
+                <a:tint val="94000"/>
+                <a:satMod val="80000"/>
+                <a:lumMod val="106000"/>
+              </a:schemeClr>
+            </a:gs>
+            <a:gs pos="100000">
+              <a:schemeClr val="bg2">
+                <a:shade val="80000"/>
+              </a:schemeClr>
+            </a:gs>
+          </a:gsLst>
+          <a:path path="circle">
+            <a:fillToRect l="43000" r="43000" b="100000"/>
+          </a:path>
+        </a:gradFill>
+        <a:effectLst/>
+      </p:bgPr>
+    </p:bg>
+    <p:spTree>
+      <p:nvGrpSpPr>
+        <p:cNvPr id="1" name=""/>
+        <p:cNvGrpSpPr/>
+        <p:nvPr/>
+      </p:nvGrpSpPr>
+      <p:grpSpPr>
+        <a:xfrm>
+          <a:off x="0" y="0"/>
+          <a:ext cx="0" cy="0"/>
+          <a:chOff x="0" y="0"/>
+          <a:chExt cx="0" cy="0"/>
+        </a:xfrm>
+      </p:grpSpPr>
+      <p:sp>
+        <p:nvSpPr>
+          <p:cNvPr id="9" name="Rectangle 8">
+            <a:extLst>
+              <a:ext uri="{FF2B5EF4-FFF2-40B4-BE49-F238E27FC236}">
+                <a16:creationId xmlns:a16="http://schemas.microsoft.com/office/drawing/2014/main" id="{0CABCAE3-64FC-4149-819F-2C1812824154}"/>
+              </a:ext>
+              <a:ext uri="{C183D7F6-B498-43B3-948B-1728B52AA6E4}">
+                <adec:decorative xmlns:adec="http://schemas.microsoft.com/office/drawing/2017/decorative" val="1"/>
+              </a:ext>
+            </a:extLst>
+          </p:cNvPr>
+          <p:cNvSpPr>
+            <a:spLocks noGrp="1" noRot="1" noChangeAspect="1" noMove="1" noResize="1" noEditPoints="1" noAdjustHandles="1" noChangeArrowheads="1" noChangeShapeType="1" noTextEdit="1"/>
+          </p:cNvSpPr>
+          <p:nvPr>
+            <p:extLst>
+              <p:ext uri="{386F3935-93C4-4BCD-93E2-E3B085C9AB24}">
+                <p16:designElem xmlns:p16="http://schemas.microsoft.com/office/powerpoint/2015/main" val="1"/>
+              </p:ext>
+            </p:extLst>
+          </p:nvPr>
+        </p:nvSpPr>
+        <p:spPr>
+          <a:xfrm>
+            <a:off x="0" y="2019476"/>
+            <a:ext cx="12192000" cy="4105941"/>
+          </a:xfrm>
+          <a:prstGeom prst="rect">
+            <a:avLst/>
+          </a:prstGeom>
+          <a:gradFill flip="none" rotWithShape="1">
+            <a:gsLst>
+              <a:gs pos="0">
+                <a:schemeClr val="bg2">
+                  <a:alpha val="0"/>
+                </a:schemeClr>
+              </a:gs>
+              <a:gs pos="100000">
+                <a:schemeClr val="bg2"/>
+              </a:gs>
+            </a:gsLst>
+            <a:lin ang="5400000" scaled="0"/>
+            <a:tileRect/>
+          </a:gradFill>
+          <a:ln>
+            <a:noFill/>
+          </a:ln>
+        </p:spPr>
+        <p:style>
+          <a:lnRef idx="2">
+            <a:schemeClr val="accent1">
+              <a:shade val="50000"/>
+            </a:schemeClr>
+          </a:lnRef>
+          <a:fillRef idx="1">
+            <a:schemeClr val="accent1"/>
+          </a:fillRef>
+          <a:effectRef idx="0">
+            <a:schemeClr val="accent1"/>
+          </a:effectRef>
+          <a:fontRef idx="minor">
+            <a:schemeClr val="lt1"/>
+          </a:fontRef>
+        </p:style>
+        <p:txBody>
+          <a:bodyPr/>
+          <a:lstStyle/>
+          <a:p>
+            <a:endParaRPr lang="en-US"/>
+          </a:p>
+        </p:txBody>
+      </p:sp>
+      <p:pic>
+        <p:nvPicPr>
+          <p:cNvPr id="11" name="Picture 10">
+            <a:extLst>
+              <a:ext uri="{FF2B5EF4-FFF2-40B4-BE49-F238E27FC236}">
+                <a16:creationId xmlns:a16="http://schemas.microsoft.com/office/drawing/2014/main" id="{012FDCFE-9AD2-4D8A-8CBF-B3AA37EBF6DD}"/>
+              </a:ext>
+              <a:ext uri="{C183D7F6-B498-43B3-948B-1728B52AA6E4}">
+                <adec:decorative xmlns:adec="http://schemas.microsoft.com/office/drawing/2017/decorative" val="1"/>
+              </a:ext>
+            </a:extLst>
+          </p:cNvPr>
+          <p:cNvPicPr>
+            <a:picLocks noGrp="1" noRot="1" noChangeAspect="1" noMove="1" noResize="1" noEditPoints="1" noAdjustHandles="1" noChangeArrowheads="1" noChangeShapeType="1" noCrop="1"/>
+          </p:cNvPicPr>
+          <p:nvPr>
+            <p:extLst>
+              <p:ext uri="{386F3935-93C4-4BCD-93E2-E3B085C9AB24}">
+                <p16:designElem xmlns:p16="http://schemas.microsoft.com/office/powerpoint/2015/main" val="1"/>
+              </p:ext>
+            </p:extLst>
+          </p:nvPr>
+        </p:nvPicPr>
+        <p:blipFill rotWithShape="1">
+          <a:blip r:embed="rId2">
+            <a:extLst>
+              <a:ext uri="{28A0092B-C50C-407E-A947-70E740481C1C}">
+                <a14:useLocalDpi xmlns:a14="http://schemas.microsoft.com/office/drawing/2010/main" val="0"/>
+              </a:ext>
+            </a:extLst>
+          </a:blip>
+          <a:srcRect t="1538" b="-1538"/>
+          <a:stretch/>
+        </p:blipFill>
+        <p:spPr bwMode="black">
+          <a:xfrm>
+            <a:off x="0" y="6126480"/>
+            <a:ext cx="12192000" cy="742950"/>
+          </a:xfrm>
+          <a:prstGeom prst="rect">
+            <a:avLst/>
+          </a:prstGeom>
+        </p:spPr>
+      </p:pic>
+      <p:cxnSp>
+        <p:nvCxnSpPr>
+          <p:cNvPr id="13" name="Straight Connector 12">
+            <a:extLst>
+              <a:ext uri="{FF2B5EF4-FFF2-40B4-BE49-F238E27FC236}">
+                <a16:creationId xmlns:a16="http://schemas.microsoft.com/office/drawing/2014/main" id="{FBD463FC-4CA8-4FF4-85A3-AF9F4B98D210}"/>
+              </a:ext>
+              <a:ext uri="{C183D7F6-B498-43B3-948B-1728B52AA6E4}">
+                <adec:decorative xmlns:adec="http://schemas.microsoft.com/office/drawing/2017/decorative" val="1"/>
+              </a:ext>
+            </a:extLst>
+          </p:cNvPr>
+          <p:cNvCxnSpPr>
+            <a:cxnSpLocks noGrp="1" noRot="1" noChangeAspect="1" noMove="1" noResize="1" noEditPoints="1" noAdjustHandles="1" noChangeArrowheads="1" noChangeShapeType="1"/>
+          </p:cNvCxnSpPr>
+          <p:nvPr>
+            <p:extLst>
+              <p:ext uri="{386F3935-93C4-4BCD-93E2-E3B085C9AB24}">
+                <p16:designElem xmlns:p16="http://schemas.microsoft.com/office/powerpoint/2015/main" val="1"/>
+              </p:ext>
+            </p:extLst>
+          </p:nvPr>
+        </p:nvCxnSpPr>
+        <p:spPr>
+          <a:xfrm>
+            <a:off x="0" y="6128413"/>
+            <a:ext cx="12192000" cy="0"/>
+          </a:xfrm>
+          <a:prstGeom prst="line">
+            <a:avLst/>
+          </a:prstGeom>
+          <a:ln w="12700">
+            <a:solidFill>
+              <a:srgbClr val="000001">
+                <a:alpha val="20000"/>
+              </a:srgbClr>
+            </a:solidFill>
+          </a:ln>
+        </p:spPr>
+        <p:style>
+          <a:lnRef idx="1">
+            <a:schemeClr val="accent1"/>
+          </a:lnRef>
+          <a:fillRef idx="0">
+            <a:schemeClr val="accent1"/>
+          </a:fillRef>
+          <a:effectRef idx="0">
+            <a:schemeClr val="accent1"/>
+          </a:effectRef>
+          <a:fontRef idx="minor">
+            <a:schemeClr val="tx1"/>
+          </a:fontRef>
+        </p:style>
+      </p:cxnSp>
+      <p:cxnSp>
+        <p:nvCxnSpPr>
+          <p:cNvPr id="15" name="Straight Connector 14">
+            <a:extLst>
+              <a:ext uri="{FF2B5EF4-FFF2-40B4-BE49-F238E27FC236}">
+                <a16:creationId xmlns:a16="http://schemas.microsoft.com/office/drawing/2014/main" id="{BECF35C3-8B44-4F4B-BD25-4C01823DB22A}"/>
+              </a:ext>
+              <a:ext uri="{C183D7F6-B498-43B3-948B-1728B52AA6E4}">
+                <adec:decorative xmlns:adec="http://schemas.microsoft.com/office/drawing/2017/decorative" val="1"/>
+              </a:ext>
+            </a:extLst>
+          </p:cNvPr>
+          <p:cNvCxnSpPr>
+            <a:cxnSpLocks noGrp="1" noRot="1" noChangeAspect="1" noMove="1" noResize="1" noEditPoints="1" noAdjustHandles="1" noChangeArrowheads="1" noChangeShapeType="1"/>
+          </p:cNvCxnSpPr>
+          <p:nvPr>
+            <p:extLst>
+              <p:ext uri="{386F3935-93C4-4BCD-93E2-E3B085C9AB24}">
+                <p16:designElem xmlns:p16="http://schemas.microsoft.com/office/powerpoint/2015/main" val="1"/>
+              </p:ext>
+            </p:extLst>
+          </p:nvPr>
+        </p:nvCxnSpPr>
+        <p:spPr>
+          <a:xfrm>
+            <a:off x="2417780" y="3528542"/>
+            <a:ext cx="8637072" cy="0"/>
+          </a:xfrm>
+          <a:prstGeom prst="line">
+            <a:avLst/>
+          </a:prstGeom>
+          <a:ln w="31750"/>
+        </p:spPr>
+        <p:style>
+          <a:lnRef idx="3">
+            <a:schemeClr val="accent1"/>
+          </a:lnRef>
+          <a:fillRef idx="0">
+            <a:schemeClr val="accent1"/>
+          </a:fillRef>
+          <a:effectRef idx="2">
+            <a:schemeClr val="accent1"/>
+          </a:effectRef>
+          <a:fontRef idx="minor">
+            <a:schemeClr val="tx1"/>
+          </a:fontRef>
+        </p:style>
+      </p:cxnSp>
+      <p:sp useBgFill="1">
+        <p:nvSpPr>
+          <p:cNvPr id="17" name="Rectangle 16">
+            <a:extLst>
+              <a:ext uri="{FF2B5EF4-FFF2-40B4-BE49-F238E27FC236}">
+                <a16:creationId xmlns:a16="http://schemas.microsoft.com/office/drawing/2014/main" id="{2FA7AD0A-1871-4DF8-9235-F49D0513B9C1}"/>
+              </a:ext>
+              <a:ext uri="{C183D7F6-B498-43B3-948B-1728B52AA6E4}">
+                <adec:decorative xmlns:adec="http://schemas.microsoft.com/office/drawing/2017/decorative" val="1"/>
+              </a:ext>
+            </a:extLst>
+          </p:cNvPr>
+          <p:cNvSpPr>
+            <a:spLocks noGrp="1" noRot="1" noChangeAspect="1" noMove="1" noResize="1" noEditPoints="1" noAdjustHandles="1" noChangeArrowheads="1" noChangeShapeType="1" noTextEdit="1"/>
+          </p:cNvSpPr>
+          <p:nvPr>
+            <p:extLst>
+              <p:ext uri="{386F3935-93C4-4BCD-93E2-E3B085C9AB24}">
+                <p16:designElem xmlns:p16="http://schemas.microsoft.com/office/powerpoint/2015/main" val="1"/>
+              </p:ext>
+            </p:extLst>
+          </p:nvPr>
+        </p:nvSpPr>
+        <p:spPr>
+          <a:xfrm>
+            <a:off x="2" y="0"/>
+            <a:ext cx="12191695" cy="6858000"/>
+          </a:xfrm>
+          <a:prstGeom prst="rect">
+            <a:avLst/>
+          </a:prstGeom>
+          <a:ln>
+            <a:noFill/>
+          </a:ln>
+        </p:spPr>
+        <p:style>
+          <a:lnRef idx="2">
+            <a:schemeClr val="accent1">
+              <a:shade val="50000"/>
+            </a:schemeClr>
+          </a:lnRef>
+          <a:fillRef idx="1">
+            <a:schemeClr val="accent1"/>
+          </a:fillRef>
+          <a:effectRef idx="0">
+            <a:schemeClr val="accent1"/>
+          </a:effectRef>
+          <a:fontRef idx="minor">
+            <a:schemeClr val="lt1"/>
+          </a:fontRef>
+        </p:style>
+        <p:txBody>
+          <a:bodyPr rtlCol="0" anchor="ctr"/>
+          <a:lstStyle/>
+          <a:p>
+            <a:pPr algn="ctr"/>
+            <a:endParaRPr lang="en-US"/>
+          </a:p>
+        </p:txBody>
+      </p:sp>
+      <p:sp>
+        <p:nvSpPr>
+          <p:cNvPr id="19" name="Rectangle 18">
+            <a:extLst>
+              <a:ext uri="{FF2B5EF4-FFF2-40B4-BE49-F238E27FC236}">
+                <a16:creationId xmlns:a16="http://schemas.microsoft.com/office/drawing/2014/main" id="{36B04CFB-FAE5-47DD-9B3E-4E9BA7A89CC1}"/>
+              </a:ext>
+              <a:ext uri="{C183D7F6-B498-43B3-948B-1728B52AA6E4}">
+                <adec:decorative xmlns:adec="http://schemas.microsoft.com/office/drawing/2017/decorative" val="1"/>
+              </a:ext>
+            </a:extLst>
+          </p:cNvPr>
+          <p:cNvSpPr>
+            <a:spLocks noGrp="1" noRot="1" noChangeAspect="1" noMove="1" noResize="1" noEditPoints="1" noAdjustHandles="1" noChangeArrowheads="1" noChangeShapeType="1" noTextEdit="1"/>
+          </p:cNvSpPr>
+          <p:nvPr>
+            <p:extLst>
+              <p:ext uri="{386F3935-93C4-4BCD-93E2-E3B085C9AB24}">
+                <p16:designElem xmlns:p16="http://schemas.microsoft.com/office/powerpoint/2015/main" val="1"/>
+              </p:ext>
+            </p:extLst>
+          </p:nvPr>
+        </p:nvSpPr>
+        <p:spPr>
+          <a:xfrm>
+            <a:off x="0" y="2019476"/>
+            <a:ext cx="12192000" cy="4105941"/>
+          </a:xfrm>
+          <a:prstGeom prst="rect">
+            <a:avLst/>
+          </a:prstGeom>
+          <a:gradFill flip="none" rotWithShape="1">
+            <a:gsLst>
+              <a:gs pos="0">
+                <a:schemeClr val="bg2">
+                  <a:alpha val="0"/>
+                </a:schemeClr>
+              </a:gs>
+              <a:gs pos="100000">
+                <a:schemeClr val="bg2"/>
+              </a:gs>
+            </a:gsLst>
+            <a:lin ang="5400000" scaled="0"/>
+            <a:tileRect/>
+          </a:gradFill>
+          <a:ln>
+            <a:noFill/>
+          </a:ln>
+        </p:spPr>
+        <p:style>
+          <a:lnRef idx="2">
+            <a:schemeClr val="accent1">
+              <a:shade val="50000"/>
+            </a:schemeClr>
+          </a:lnRef>
+          <a:fillRef idx="1">
+            <a:schemeClr val="accent1"/>
+          </a:fillRef>
+          <a:effectRef idx="0">
+            <a:schemeClr val="accent1"/>
+          </a:effectRef>
+          <a:fontRef idx="minor">
+            <a:schemeClr val="lt1"/>
+          </a:fontRef>
+        </p:style>
+        <p:txBody>
+          <a:bodyPr rtlCol="0" anchor="ctr"/>
+          <a:lstStyle/>
+          <a:p>
+            <a:pPr lvl="0" algn="ctr"/>
+            <a:endParaRPr lang="en-US"/>
+          </a:p>
+        </p:txBody>
+      </p:sp>
+      <p:sp>
+        <p:nvSpPr>
+          <p:cNvPr id="2" name="Título 1">
+            <a:extLst>
+              <a:ext uri="{FF2B5EF4-FFF2-40B4-BE49-F238E27FC236}">
+                <a16:creationId xmlns:a16="http://schemas.microsoft.com/office/drawing/2014/main" id="{AABD4FC1-7783-0E75-7F28-1CD52CB684A9}"/>
+              </a:ext>
+            </a:extLst>
+          </p:cNvPr>
+          <p:cNvSpPr>
+            <a:spLocks noGrp="1"/>
+          </p:cNvSpPr>
+          <p:nvPr>
+            <p:ph type="title"/>
+          </p:nvPr>
+        </p:nvSpPr>
+        <p:spPr>
+          <a:xfrm>
+            <a:off x="659301" y="1474969"/>
+            <a:ext cx="2823919" cy="1868760"/>
+          </a:xfrm>
+        </p:spPr>
+        <p:txBody>
+          <a:bodyPr vert="horz" lIns="91440" tIns="45720" rIns="91440" bIns="0" rtlCol="0" anchor="b">
+            <a:normAutofit/>
+          </a:bodyPr>
+          <a:lstStyle/>
+          <a:p>
+            <a:r>
+              <a:rPr lang="en-US" sz="3600"/>
+              <a:t>Diagrama casos de uso</a:t>
+            </a:r>
+          </a:p>
+        </p:txBody>
+      </p:sp>
+      <p:cxnSp>
+        <p:nvCxnSpPr>
+          <p:cNvPr id="21" name="Straight Connector 20">
+            <a:extLst>
+              <a:ext uri="{FF2B5EF4-FFF2-40B4-BE49-F238E27FC236}">
+                <a16:creationId xmlns:a16="http://schemas.microsoft.com/office/drawing/2014/main" id="{EE68D41B-9286-479F-9AB7-678C8E348D71}"/>
+              </a:ext>
+              <a:ext uri="{C183D7F6-B498-43B3-948B-1728B52AA6E4}">
+                <adec:decorative xmlns:adec="http://schemas.microsoft.com/office/drawing/2017/decorative" val="1"/>
+              </a:ext>
+            </a:extLst>
+          </p:cNvPr>
+          <p:cNvCxnSpPr>
+            <a:cxnSpLocks noGrp="1" noRot="1" noChangeAspect="1" noMove="1" noResize="1" noEditPoints="1" noAdjustHandles="1" noChangeArrowheads="1" noChangeShapeType="1"/>
+          </p:cNvCxnSpPr>
+          <p:nvPr>
+            <p:extLst>
+              <p:ext uri="{386F3935-93C4-4BCD-93E2-E3B085C9AB24}">
+                <p16:designElem xmlns:p16="http://schemas.microsoft.com/office/powerpoint/2015/main" val="1"/>
+              </p:ext>
+            </p:extLst>
+          </p:nvPr>
+        </p:nvCxnSpPr>
+        <p:spPr>
+          <a:xfrm>
+            <a:off x="659301" y="3528543"/>
+            <a:ext cx="2823919" cy="0"/>
+          </a:xfrm>
+          <a:prstGeom prst="line">
+            <a:avLst/>
+          </a:prstGeom>
+          <a:ln w="31750"/>
+        </p:spPr>
+        <p:style>
+          <a:lnRef idx="3">
+            <a:schemeClr val="accent1"/>
+          </a:lnRef>
+          <a:fillRef idx="0">
+            <a:schemeClr val="accent1"/>
+          </a:fillRef>
+          <a:effectRef idx="2">
+            <a:schemeClr val="accent1"/>
+          </a:effectRef>
+          <a:fontRef idx="minor">
+            <a:schemeClr val="tx1"/>
+          </a:fontRef>
+        </p:style>
+      </p:cxnSp>
+      <p:grpSp>
+        <p:nvGrpSpPr>
+          <p:cNvPr id="23" name="Group 22">
+            <a:extLst>
+              <a:ext uri="{FF2B5EF4-FFF2-40B4-BE49-F238E27FC236}">
+                <a16:creationId xmlns:a16="http://schemas.microsoft.com/office/drawing/2014/main" id="{E8ACF89C-CFC3-4D68-B3C4-2BEFB7BBE5F7}"/>
+              </a:ext>
+              <a:ext uri="{C183D7F6-B498-43B3-948B-1728B52AA6E4}">
+                <adec:decorative xmlns:adec="http://schemas.microsoft.com/office/drawing/2017/decorative" val="1"/>
+              </a:ext>
+            </a:extLst>
+          </p:cNvPr>
+          <p:cNvGrpSpPr>
+            <a:grpSpLocks noGrp="1" noUngrp="1" noRot="1" noChangeAspect="1" noMove="1" noResize="1"/>
+          </p:cNvGrpSpPr>
+          <p:nvPr>
+            <p:extLst>
+              <p:ext uri="{386F3935-93C4-4BCD-93E2-E3B085C9AB24}">
+                <p16:designElem xmlns:p16="http://schemas.microsoft.com/office/powerpoint/2015/main" val="1"/>
+              </p:ext>
+            </p:extLst>
+          </p:nvPr>
+        </p:nvGrpSpPr>
+        <p:grpSpPr>
+          <a:xfrm>
+            <a:off x="3979389" y="482171"/>
+            <a:ext cx="7560115" cy="5149101"/>
+            <a:chOff x="3979389" y="482171"/>
+            <a:chExt cx="7560115" cy="5149101"/>
+          </a:xfrm>
+        </p:grpSpPr>
+        <p:sp>
+          <p:nvSpPr>
+            <p:cNvPr id="24" name="Rectangle 23">
+              <a:extLst>
+                <a:ext uri="{FF2B5EF4-FFF2-40B4-BE49-F238E27FC236}">
+                  <a16:creationId xmlns:a16="http://schemas.microsoft.com/office/drawing/2014/main" id="{3B770B7D-3C5C-4682-8DF0-20783592F3B6}"/>
+                </a:ext>
+                <a:ext uri="{C183D7F6-B498-43B3-948B-1728B52AA6E4}">
+                  <adec:decorative xmlns:adec="http://schemas.microsoft.com/office/drawing/2017/decorative" val="1"/>
+                </a:ext>
+              </a:extLst>
+            </p:cNvPr>
+            <p:cNvSpPr/>
+            <p:nvPr>
+              <p:extLst>
+                <p:ext uri="{386F3935-93C4-4BCD-93E2-E3B085C9AB24}">
+                  <p16:designElem xmlns:p16="http://schemas.microsoft.com/office/powerpoint/2015/main" val="1"/>
+                </p:ext>
+              </p:extLst>
+            </p:nvPr>
+          </p:nvSpPr>
+          <p:spPr>
+            <a:xfrm>
+              <a:off x="3979389" y="482171"/>
+              <a:ext cx="7560115" cy="5149101"/>
+            </a:xfrm>
+            <a:prstGeom prst="rect">
+              <a:avLst/>
+            </a:prstGeom>
+            <a:gradFill>
+              <a:gsLst>
+                <a:gs pos="0">
+                  <a:srgbClr val="000001"/>
+                </a:gs>
+                <a:gs pos="100000">
+                  <a:srgbClr val="191919"/>
+                </a:gs>
+              </a:gsLst>
+            </a:gradFill>
+            <a:ln w="76200" cmpd="sng">
+              <a:noFill/>
+              <a:miter lim="800000"/>
+            </a:ln>
+            <a:effectLst>
+              <a:outerShdw blurRad="127000" dist="228600" dir="4740000" sx="98000" sy="98000" algn="tl" rotWithShape="0">
+                <a:srgbClr val="000000">
+                  <a:alpha val="34000"/>
+                </a:srgbClr>
+              </a:outerShdw>
+            </a:effectLst>
+            <a:scene3d>
+              <a:camera prst="orthographicFront"/>
+              <a:lightRig rig="threePt" dir="t"/>
+            </a:scene3d>
+            <a:sp3d>
+              <a:bevelT w="152400" h="50800" prst="softRound"/>
+            </a:sp3d>
+          </p:spPr>
+          <p:style>
+            <a:lnRef idx="1">
+              <a:schemeClr val="accent1"/>
+            </a:lnRef>
+            <a:fillRef idx="3">
+              <a:schemeClr val="accent1"/>
+            </a:fillRef>
+            <a:effectRef idx="2">
+              <a:schemeClr val="accent1"/>
+            </a:effectRef>
+            <a:fontRef idx="minor">
+              <a:schemeClr val="lt1"/>
+            </a:fontRef>
+          </p:style>
+          <p:txBody>
+            <a:bodyPr rtlCol="0" anchor="ctr"/>
+            <a:lstStyle/>
+            <a:p>
+              <a:pPr algn="ctr"/>
+              <a:endParaRPr lang="en-US"/>
+            </a:p>
+          </p:txBody>
+        </p:sp>
+        <p:sp>
+          <p:nvSpPr>
+            <p:cNvPr id="25" name="Rectangle 24">
+              <a:extLst>
+                <a:ext uri="{FF2B5EF4-FFF2-40B4-BE49-F238E27FC236}">
+                  <a16:creationId xmlns:a16="http://schemas.microsoft.com/office/drawing/2014/main" id="{A6893E11-7EC1-4EB6-A2A8-0B693F8FE576}"/>
+                </a:ext>
+                <a:ext uri="{C183D7F6-B498-43B3-948B-1728B52AA6E4}">
+                  <adec:decorative xmlns:adec="http://schemas.microsoft.com/office/drawing/2017/decorative" val="1"/>
+                </a:ext>
+              </a:extLst>
+            </p:cNvPr>
+            <p:cNvSpPr/>
+            <p:nvPr>
+              <p:extLst>
+                <p:ext uri="{386F3935-93C4-4BCD-93E2-E3B085C9AB24}">
+                  <p16:designElem xmlns:p16="http://schemas.microsoft.com/office/powerpoint/2015/main" val="1"/>
+                </p:ext>
+              </p:extLst>
+            </p:nvPr>
+          </p:nvSpPr>
+          <p:spPr>
+            <a:xfrm>
+              <a:off x="4292448" y="812507"/>
+              <a:ext cx="6928279" cy="4466452"/>
+            </a:xfrm>
+            <a:prstGeom prst="rect">
+              <a:avLst/>
+            </a:prstGeom>
+            <a:gradFill>
+              <a:gsLst>
+                <a:gs pos="0">
+                  <a:srgbClr val="DADADA"/>
+                </a:gs>
+                <a:gs pos="100000">
+                  <a:srgbClr val="FFFFFE"/>
+                </a:gs>
+              </a:gsLst>
+              <a:lin ang="16200000" scaled="0"/>
+            </a:gradFill>
+            <a:ln w="50800" cmpd="sng">
+              <a:solidFill>
+                <a:srgbClr val="191919"/>
+              </a:solidFill>
+              <a:miter lim="800000"/>
+            </a:ln>
+            <a:effectLst>
+              <a:innerShdw blurRad="63500" dist="88900" dir="14100000">
+                <a:srgbClr val="000000">
+                  <a:alpha val="30000"/>
+                </a:srgbClr>
+              </a:innerShdw>
+            </a:effectLst>
+            <a:scene3d>
+              <a:camera prst="orthographicFront"/>
+              <a:lightRig rig="threePt" dir="t"/>
+            </a:scene3d>
+            <a:sp3d>
+              <a:bevelT prst="relaxedInset"/>
+            </a:sp3d>
+          </p:spPr>
+          <p:style>
+            <a:lnRef idx="1">
+              <a:schemeClr val="accent1"/>
+            </a:lnRef>
+            <a:fillRef idx="3">
+              <a:schemeClr val="accent1"/>
+            </a:fillRef>
+            <a:effectRef idx="2">
+              <a:schemeClr val="accent1"/>
+            </a:effectRef>
+            <a:fontRef idx="minor">
+              <a:schemeClr val="lt1"/>
+            </a:fontRef>
+          </p:style>
+          <p:txBody>
+            <a:bodyPr rtlCol="0" anchor="ctr"/>
+            <a:lstStyle/>
+            <a:p>
+              <a:pPr algn="ctr"/>
+              <a:endParaRPr lang="en-US"/>
+            </a:p>
+          </p:txBody>
+        </p:sp>
+      </p:grpSp>
+      <p:sp>
+        <p:nvSpPr>
+          <p:cNvPr id="27" name="Rectangle 26">
+            <a:extLst>
+              <a:ext uri="{FF2B5EF4-FFF2-40B4-BE49-F238E27FC236}">
+                <a16:creationId xmlns:a16="http://schemas.microsoft.com/office/drawing/2014/main" id="{622F7FD7-8884-4FD5-95AB-0B5C6033ADF7}"/>
+              </a:ext>
+              <a:ext uri="{C183D7F6-B498-43B3-948B-1728B52AA6E4}">
+                <adec:decorative xmlns:adec="http://schemas.microsoft.com/office/drawing/2017/decorative" val="1"/>
+              </a:ext>
+            </a:extLst>
+          </p:cNvPr>
+          <p:cNvSpPr>
+            <a:spLocks noGrp="1" noRot="1" noChangeAspect="1" noMove="1" noResize="1" noEditPoints="1" noAdjustHandles="1" noChangeArrowheads="1" noChangeShapeType="1" noTextEdit="1"/>
+          </p:cNvSpPr>
+          <p:nvPr>
+            <p:extLst>
+              <p:ext uri="{386F3935-93C4-4BCD-93E2-E3B085C9AB24}">
+                <p16:designElem xmlns:p16="http://schemas.microsoft.com/office/powerpoint/2015/main" val="1"/>
+              </p:ext>
+            </p:extLst>
+          </p:nvPr>
+        </p:nvSpPr>
+        <p:spPr>
+          <a:xfrm>
+            <a:off x="4455487" y="977965"/>
+            <a:ext cx="6615582" cy="4135339"/>
+          </a:xfrm>
+          <a:prstGeom prst="rect">
+            <a:avLst/>
+          </a:prstGeom>
+          <a:solidFill>
+            <a:schemeClr val="bg1"/>
+          </a:solidFill>
+          <a:ln w="6350">
+            <a:solidFill>
+              <a:schemeClr val="bg2"/>
+            </a:solidFill>
+          </a:ln>
+        </p:spPr>
+        <p:style>
+          <a:lnRef idx="2">
+            <a:schemeClr val="accent1">
+              <a:shade val="50000"/>
+            </a:schemeClr>
+          </a:lnRef>
+          <a:fillRef idx="1">
+            <a:schemeClr val="accent1"/>
+          </a:fillRef>
+          <a:effectRef idx="0">
+            <a:schemeClr val="accent1"/>
+          </a:effectRef>
+          <a:fontRef idx="minor">
+            <a:schemeClr val="lt1"/>
+          </a:fontRef>
+        </p:style>
+        <p:txBody>
+          <a:bodyPr rtlCol="0" anchor="ctr"/>
+          <a:lstStyle/>
+          <a:p>
+            <a:pPr algn="ctr"/>
+            <a:endParaRPr lang="en-US"/>
+          </a:p>
+        </p:txBody>
+      </p:sp>
+      <p:pic>
+        <p:nvPicPr>
+          <p:cNvPr id="4" name="image4.png" descr="Diagrama&#10;&#10;El contenido generado por IA puede ser incorrecto.">
+            <a:extLst>
+              <a:ext uri="{FF2B5EF4-FFF2-40B4-BE49-F238E27FC236}">
+                <a16:creationId xmlns:a16="http://schemas.microsoft.com/office/drawing/2014/main" id="{7BA60E06-11F2-3625-E8A5-7EFE2400B46F}"/>
+              </a:ext>
+            </a:extLst>
+          </p:cNvPr>
+          <p:cNvPicPr>
+            <a:picLocks noGrp="1"/>
+          </p:cNvPicPr>
+          <p:nvPr>
+            <p:ph idx="1"/>
+          </p:nvPr>
+        </p:nvPicPr>
+        <p:blipFill>
+          <a:blip r:embed="rId3"/>
+          <a:stretch>
+            <a:fillRect/>
+          </a:stretch>
+        </p:blipFill>
+        <p:spPr>
+          <a:xfrm>
+            <a:off x="4618374" y="1549384"/>
+            <a:ext cx="6282919" cy="3000093"/>
+          </a:xfrm>
+          <a:prstGeom prst="rect">
+            <a:avLst/>
+          </a:prstGeom>
+        </p:spPr>
+      </p:pic>
+      <p:pic>
+        <p:nvPicPr>
+          <p:cNvPr id="29" name="Picture 28">
+            <a:extLst>
+              <a:ext uri="{FF2B5EF4-FFF2-40B4-BE49-F238E27FC236}">
+                <a16:creationId xmlns:a16="http://schemas.microsoft.com/office/drawing/2014/main" id="{16EFE474-4FE0-4E8F-8F09-5ED2C9E76A84}"/>
+              </a:ext>
+              <a:ext uri="{C183D7F6-B498-43B3-948B-1728B52AA6E4}">
+                <adec:decorative xmlns:adec="http://schemas.microsoft.com/office/drawing/2017/decorative" val="1"/>
+              </a:ext>
+            </a:extLst>
+          </p:cNvPr>
+          <p:cNvPicPr>
+            <a:picLocks noGrp="1" noRot="1" noChangeAspect="1" noMove="1" noResize="1" noEditPoints="1" noAdjustHandles="1" noChangeArrowheads="1" noChangeShapeType="1" noCrop="1"/>
+          </p:cNvPicPr>
+          <p:nvPr>
+            <p:extLst>
+              <p:ext uri="{386F3935-93C4-4BCD-93E2-E3B085C9AB24}">
+                <p16:designElem xmlns:p16="http://schemas.microsoft.com/office/powerpoint/2015/main" val="1"/>
+              </p:ext>
+            </p:extLst>
+          </p:nvPr>
+        </p:nvPicPr>
+        <p:blipFill rotWithShape="1">
+          <a:blip r:embed="rId2">
+            <a:extLst>
+              <a:ext uri="{28A0092B-C50C-407E-A947-70E740481C1C}">
+                <a14:useLocalDpi xmlns:a14="http://schemas.microsoft.com/office/drawing/2010/main" val="0"/>
+              </a:ext>
+            </a:extLst>
+          </a:blip>
+          <a:srcRect t="1538" b="-1538"/>
+          <a:stretch/>
+        </p:blipFill>
+        <p:spPr bwMode="black">
+          <a:xfrm>
+            <a:off x="0" y="6126480"/>
+            <a:ext cx="12192000" cy="742950"/>
+          </a:xfrm>
+          <a:prstGeom prst="rect">
+            <a:avLst/>
+          </a:prstGeom>
+        </p:spPr>
+      </p:pic>
+      <p:cxnSp>
+        <p:nvCxnSpPr>
+          <p:cNvPr id="31" name="Straight Connector 30">
+            <a:extLst>
+              <a:ext uri="{FF2B5EF4-FFF2-40B4-BE49-F238E27FC236}">
+                <a16:creationId xmlns:a16="http://schemas.microsoft.com/office/drawing/2014/main" id="{CF8B8C81-54DC-4AF5-B682-3A2C70A6B55C}"/>
+              </a:ext>
+              <a:ext uri="{C183D7F6-B498-43B3-948B-1728B52AA6E4}">
+                <adec:decorative xmlns:adec="http://schemas.microsoft.com/office/drawing/2017/decorative" val="1"/>
+              </a:ext>
+            </a:extLst>
+          </p:cNvPr>
+          <p:cNvCxnSpPr>
+            <a:cxnSpLocks noGrp="1" noRot="1" noChangeAspect="1" noMove="1" noResize="1" noEditPoints="1" noAdjustHandles="1" noChangeArrowheads="1" noChangeShapeType="1"/>
+          </p:cNvCxnSpPr>
+          <p:nvPr>
+            <p:extLst>
+              <p:ext uri="{386F3935-93C4-4BCD-93E2-E3B085C9AB24}">
+                <p16:designElem xmlns:p16="http://schemas.microsoft.com/office/powerpoint/2015/main" val="1"/>
+              </p:ext>
+            </p:extLst>
+          </p:nvPr>
+        </p:nvCxnSpPr>
+        <p:spPr>
+          <a:xfrm>
+            <a:off x="0" y="6128413"/>
+            <a:ext cx="12192000" cy="0"/>
+          </a:xfrm>
+          <a:prstGeom prst="line">
+            <a:avLst/>
+          </a:prstGeom>
+          <a:ln w="12700">
+            <a:solidFill>
+              <a:srgbClr val="000001">
+                <a:alpha val="20000"/>
+              </a:srgbClr>
+            </a:solidFill>
+          </a:ln>
+        </p:spPr>
+        <p:style>
+          <a:lnRef idx="1">
+            <a:schemeClr val="accent1"/>
+          </a:lnRef>
+          <a:fillRef idx="0">
+            <a:schemeClr val="accent1"/>
+          </a:fillRef>
+          <a:effectRef idx="0">
+            <a:schemeClr val="accent1"/>
+          </a:effectRef>
+          <a:fontRef idx="minor">
+            <a:schemeClr val="tx1"/>
+          </a:fontRef>
+        </p:style>
+      </p:cxnSp>
+    </p:spTree>
+    <p:extLst>
+      <p:ext uri="{BB962C8B-B14F-4D97-AF65-F5344CB8AC3E}">
+        <p14:creationId xmlns:p14="http://schemas.microsoft.com/office/powerpoint/2010/main" val="1768130206"/>
+      </p:ext>
+    </p:extLst>
+  </p:cSld>
+  <p:clrMapOvr>
+    <a:masterClrMapping/>
+  </p:clrMapOvr>
+</p:sld>
+</file>
+
+<file path=ppt/slides/slide5.xml><?xml version="1.0" encoding="utf-8"?>
+<p:sld xmlns:a="http://schemas.openxmlformats.org/drawingml/2006/main" xmlns:r="http://schemas.openxmlformats.org/officeDocument/2006/relationships" xmlns:p="http://schemas.openxmlformats.org/presentationml/2006/main">
+  <p:cSld>
+    <p:bg>
+      <p:bgPr>
+        <a:gradFill rotWithShape="1">
+          <a:gsLst>
+            <a:gs pos="0">
+              <a:schemeClr val="bg2">
+                <a:tint val="94000"/>
+                <a:satMod val="80000"/>
+                <a:lumMod val="106000"/>
+              </a:schemeClr>
+            </a:gs>
+            <a:gs pos="100000">
+              <a:schemeClr val="bg2">
+                <a:shade val="80000"/>
+              </a:schemeClr>
+            </a:gs>
+          </a:gsLst>
+          <a:path path="circle">
+            <a:fillToRect l="43000" r="43000" b="100000"/>
+          </a:path>
+        </a:gradFill>
+        <a:effectLst/>
+      </p:bgPr>
+    </p:bg>
+    <p:spTree>
+      <p:nvGrpSpPr>
+        <p:cNvPr id="1" name=""/>
+        <p:cNvGrpSpPr/>
+        <p:nvPr/>
+      </p:nvGrpSpPr>
+      <p:grpSpPr>
+        <a:xfrm>
+          <a:off x="0" y="0"/>
+          <a:ext cx="0" cy="0"/>
+          <a:chOff x="0" y="0"/>
+          <a:chExt cx="0" cy="0"/>
+        </a:xfrm>
+      </p:grpSpPr>
+      <p:sp>
+        <p:nvSpPr>
+          <p:cNvPr id="33" name="Rectangle 8">
+            <a:extLst>
+              <a:ext uri="{FF2B5EF4-FFF2-40B4-BE49-F238E27FC236}">
+                <a16:creationId xmlns:a16="http://schemas.microsoft.com/office/drawing/2014/main" id="{0CABCAE3-64FC-4149-819F-2C1812824154}"/>
+              </a:ext>
+              <a:ext uri="{C183D7F6-B498-43B3-948B-1728B52AA6E4}">
+                <adec:decorative xmlns:adec="http://schemas.microsoft.com/office/drawing/2017/decorative" val="1"/>
+              </a:ext>
+            </a:extLst>
+          </p:cNvPr>
+          <p:cNvSpPr>
+            <a:spLocks noGrp="1" noRot="1" noChangeAspect="1" noMove="1" noResize="1" noEditPoints="1" noAdjustHandles="1" noChangeArrowheads="1" noChangeShapeType="1" noTextEdit="1"/>
+          </p:cNvSpPr>
+          <p:nvPr>
+            <p:extLst>
+              <p:ext uri="{386F3935-93C4-4BCD-93E2-E3B085C9AB24}">
+                <p16:designElem xmlns:p16="http://schemas.microsoft.com/office/powerpoint/2015/main" val="1"/>
+              </p:ext>
+            </p:extLst>
+          </p:nvPr>
+        </p:nvSpPr>
+        <p:spPr>
+          <a:xfrm>
+            <a:off x="0" y="2019476"/>
+            <a:ext cx="12192000" cy="4105941"/>
+          </a:xfrm>
+          <a:prstGeom prst="rect">
+            <a:avLst/>
+          </a:prstGeom>
+          <a:gradFill flip="none" rotWithShape="1">
+            <a:gsLst>
+              <a:gs pos="0">
+                <a:schemeClr val="bg2">
+                  <a:alpha val="0"/>
+                </a:schemeClr>
+              </a:gs>
+              <a:gs pos="100000">
+                <a:schemeClr val="bg2"/>
+              </a:gs>
+            </a:gsLst>
+            <a:lin ang="5400000" scaled="0"/>
+            <a:tileRect/>
+          </a:gradFill>
+          <a:ln>
+            <a:noFill/>
+          </a:ln>
+        </p:spPr>
+        <p:style>
+          <a:lnRef idx="2">
+            <a:schemeClr val="accent1">
+              <a:shade val="50000"/>
+            </a:schemeClr>
+          </a:lnRef>
+          <a:fillRef idx="1">
+            <a:schemeClr val="accent1"/>
+          </a:fillRef>
+          <a:effectRef idx="0">
+            <a:schemeClr val="accent1"/>
+          </a:effectRef>
+          <a:fontRef idx="minor">
+            <a:schemeClr val="lt1"/>
+          </a:fontRef>
+        </p:style>
+        <p:txBody>
+          <a:bodyPr/>
+          <a:lstStyle/>
+          <a:p>
+            <a:endParaRPr lang="en-US"/>
+          </a:p>
+        </p:txBody>
+      </p:sp>
+      <p:pic>
+        <p:nvPicPr>
+          <p:cNvPr id="34" name="Picture 10">
+            <a:extLst>
+              <a:ext uri="{FF2B5EF4-FFF2-40B4-BE49-F238E27FC236}">
+                <a16:creationId xmlns:a16="http://schemas.microsoft.com/office/drawing/2014/main" id="{012FDCFE-9AD2-4D8A-8CBF-B3AA37EBF6DD}"/>
+              </a:ext>
+              <a:ext uri="{C183D7F6-B498-43B3-948B-1728B52AA6E4}">
+                <adec:decorative xmlns:adec="http://schemas.microsoft.com/office/drawing/2017/decorative" val="1"/>
+              </a:ext>
+            </a:extLst>
+          </p:cNvPr>
+          <p:cNvPicPr>
+            <a:picLocks noGrp="1" noRot="1" noChangeAspect="1" noMove="1" noResize="1" noEditPoints="1" noAdjustHandles="1" noChangeArrowheads="1" noChangeShapeType="1" noCrop="1"/>
+          </p:cNvPicPr>
+          <p:nvPr>
+            <p:extLst>
+              <p:ext uri="{386F3935-93C4-4BCD-93E2-E3B085C9AB24}">
+                <p16:designElem xmlns:p16="http://schemas.microsoft.com/office/powerpoint/2015/main" val="1"/>
+              </p:ext>
+            </p:extLst>
+          </p:nvPr>
+        </p:nvPicPr>
+        <p:blipFill rotWithShape="1">
+          <a:blip r:embed="rId2">
+            <a:extLst>
+              <a:ext uri="{28A0092B-C50C-407E-A947-70E740481C1C}">
+                <a14:useLocalDpi xmlns:a14="http://schemas.microsoft.com/office/drawing/2010/main" val="0"/>
+              </a:ext>
+            </a:extLst>
+          </a:blip>
+          <a:srcRect t="1538" b="-1538"/>
+          <a:stretch/>
+        </p:blipFill>
+        <p:spPr bwMode="black">
+          <a:xfrm>
+            <a:off x="0" y="6126480"/>
+            <a:ext cx="12192000" cy="742950"/>
+          </a:xfrm>
+          <a:prstGeom prst="rect">
+            <a:avLst/>
+          </a:prstGeom>
+        </p:spPr>
+      </p:pic>
+      <p:cxnSp>
+        <p:nvCxnSpPr>
+          <p:cNvPr id="35" name="Straight Connector 12">
+            <a:extLst>
+              <a:ext uri="{FF2B5EF4-FFF2-40B4-BE49-F238E27FC236}">
+                <a16:creationId xmlns:a16="http://schemas.microsoft.com/office/drawing/2014/main" id="{FBD463FC-4CA8-4FF4-85A3-AF9F4B98D210}"/>
+              </a:ext>
+              <a:ext uri="{C183D7F6-B498-43B3-948B-1728B52AA6E4}">
+                <adec:decorative xmlns:adec="http://schemas.microsoft.com/office/drawing/2017/decorative" val="1"/>
+              </a:ext>
+            </a:extLst>
+          </p:cNvPr>
+          <p:cNvCxnSpPr>
+            <a:cxnSpLocks noGrp="1" noRot="1" noChangeAspect="1" noMove="1" noResize="1" noEditPoints="1" noAdjustHandles="1" noChangeArrowheads="1" noChangeShapeType="1"/>
+          </p:cNvCxnSpPr>
+          <p:nvPr>
+            <p:extLst>
+              <p:ext uri="{386F3935-93C4-4BCD-93E2-E3B085C9AB24}">
+                <p16:designElem xmlns:p16="http://schemas.microsoft.com/office/powerpoint/2015/main" val="1"/>
+              </p:ext>
+            </p:extLst>
+          </p:nvPr>
+        </p:nvCxnSpPr>
+        <p:spPr>
+          <a:xfrm>
+            <a:off x="0" y="6128413"/>
+            <a:ext cx="12192000" cy="0"/>
+          </a:xfrm>
+          <a:prstGeom prst="line">
+            <a:avLst/>
+          </a:prstGeom>
+          <a:ln w="12700">
+            <a:solidFill>
+              <a:srgbClr val="000001">
+                <a:alpha val="20000"/>
+              </a:srgbClr>
+            </a:solidFill>
+          </a:ln>
+        </p:spPr>
+        <p:style>
+          <a:lnRef idx="1">
+            <a:schemeClr val="accent1"/>
+          </a:lnRef>
+          <a:fillRef idx="0">
+            <a:schemeClr val="accent1"/>
+          </a:fillRef>
+          <a:effectRef idx="0">
+            <a:schemeClr val="accent1"/>
+          </a:effectRef>
+          <a:fontRef idx="minor">
+            <a:schemeClr val="tx1"/>
+          </a:fontRef>
+        </p:style>
+      </p:cxnSp>
+      <p:cxnSp>
+        <p:nvCxnSpPr>
+          <p:cNvPr id="36" name="Straight Connector 14">
+            <a:extLst>
+              <a:ext uri="{FF2B5EF4-FFF2-40B4-BE49-F238E27FC236}">
+                <a16:creationId xmlns:a16="http://schemas.microsoft.com/office/drawing/2014/main" id="{BECF35C3-8B44-4F4B-BD25-4C01823DB22A}"/>
+              </a:ext>
+              <a:ext uri="{C183D7F6-B498-43B3-948B-1728B52AA6E4}">
+                <adec:decorative xmlns:adec="http://schemas.microsoft.com/office/drawing/2017/decorative" val="1"/>
+              </a:ext>
+            </a:extLst>
+          </p:cNvPr>
+          <p:cNvCxnSpPr>
+            <a:cxnSpLocks noGrp="1" noRot="1" noChangeAspect="1" noMove="1" noResize="1" noEditPoints="1" noAdjustHandles="1" noChangeArrowheads="1" noChangeShapeType="1"/>
+          </p:cNvCxnSpPr>
+          <p:nvPr>
+            <p:extLst>
+              <p:ext uri="{386F3935-93C4-4BCD-93E2-E3B085C9AB24}">
+                <p16:designElem xmlns:p16="http://schemas.microsoft.com/office/powerpoint/2015/main" val="1"/>
+              </p:ext>
+            </p:extLst>
+          </p:nvPr>
+        </p:nvCxnSpPr>
+        <p:spPr>
+          <a:xfrm>
+            <a:off x="2417780" y="3528542"/>
+            <a:ext cx="8637072" cy="0"/>
+          </a:xfrm>
+          <a:prstGeom prst="line">
+            <a:avLst/>
+          </a:prstGeom>
+          <a:ln w="31750"/>
+        </p:spPr>
+        <p:style>
+          <a:lnRef idx="3">
+            <a:schemeClr val="accent1"/>
+          </a:lnRef>
+          <a:fillRef idx="0">
+            <a:schemeClr val="accent1"/>
+          </a:fillRef>
+          <a:effectRef idx="2">
+            <a:schemeClr val="accent1"/>
+          </a:effectRef>
+          <a:fontRef idx="minor">
+            <a:schemeClr val="tx1"/>
+          </a:fontRef>
+        </p:style>
+      </p:cxnSp>
+      <p:sp useBgFill="1">
+        <p:nvSpPr>
+          <p:cNvPr id="37" name="Rectangle 16">
+            <a:extLst>
+              <a:ext uri="{FF2B5EF4-FFF2-40B4-BE49-F238E27FC236}">
+                <a16:creationId xmlns:a16="http://schemas.microsoft.com/office/drawing/2014/main" id="{56412368-7E6B-4064-B6FA-72DF6DA0C2DB}"/>
+              </a:ext>
+              <a:ext uri="{C183D7F6-B498-43B3-948B-1728B52AA6E4}">
+                <adec:decorative xmlns:adec="http://schemas.microsoft.com/office/drawing/2017/decorative" val="1"/>
+              </a:ext>
+            </a:extLst>
+          </p:cNvPr>
+          <p:cNvSpPr>
+            <a:spLocks noGrp="1" noRot="1" noChangeAspect="1" noMove="1" noResize="1" noEditPoints="1" noAdjustHandles="1" noChangeArrowheads="1" noChangeShapeType="1" noTextEdit="1"/>
+          </p:cNvSpPr>
+          <p:nvPr>
+            <p:extLst>
+              <p:ext uri="{386F3935-93C4-4BCD-93E2-E3B085C9AB24}">
+                <p16:designElem xmlns:p16="http://schemas.microsoft.com/office/powerpoint/2015/main" val="1"/>
+              </p:ext>
+            </p:extLst>
+          </p:nvPr>
+        </p:nvSpPr>
+        <p:spPr>
+          <a:xfrm>
+            <a:off x="2" y="0"/>
+            <a:ext cx="12191695" cy="6858000"/>
+          </a:xfrm>
+          <a:prstGeom prst="rect">
+            <a:avLst/>
+          </a:prstGeom>
+          <a:ln>
+            <a:noFill/>
+          </a:ln>
+        </p:spPr>
+        <p:style>
+          <a:lnRef idx="2">
+            <a:schemeClr val="accent1">
+              <a:shade val="50000"/>
+            </a:schemeClr>
+          </a:lnRef>
+          <a:fillRef idx="1">
+            <a:schemeClr val="accent1"/>
+          </a:fillRef>
+          <a:effectRef idx="0">
+            <a:schemeClr val="accent1"/>
+          </a:effectRef>
+          <a:fontRef idx="minor">
+            <a:schemeClr val="lt1"/>
+          </a:fontRef>
+        </p:style>
+        <p:txBody>
+          <a:bodyPr rtlCol="0" anchor="ctr"/>
+          <a:lstStyle/>
+          <a:p>
+            <a:pPr algn="ctr"/>
+            <a:endParaRPr lang="en-US"/>
+          </a:p>
+        </p:txBody>
+      </p:sp>
+      <p:sp>
+        <p:nvSpPr>
+          <p:cNvPr id="38" name="Rectangle 18">
+            <a:extLst>
+              <a:ext uri="{FF2B5EF4-FFF2-40B4-BE49-F238E27FC236}">
+                <a16:creationId xmlns:a16="http://schemas.microsoft.com/office/drawing/2014/main" id="{8014FE20-9BCC-4219-A8AD-B1C110BD558D}"/>
+              </a:ext>
+              <a:ext uri="{C183D7F6-B498-43B3-948B-1728B52AA6E4}">
+                <adec:decorative xmlns:adec="http://schemas.microsoft.com/office/drawing/2017/decorative" val="1"/>
+              </a:ext>
+            </a:extLst>
+          </p:cNvPr>
+          <p:cNvSpPr>
+            <a:spLocks noGrp="1" noRot="1" noChangeAspect="1" noMove="1" noResize="1" noEditPoints="1" noAdjustHandles="1" noChangeArrowheads="1" noChangeShapeType="1" noTextEdit="1"/>
+          </p:cNvSpPr>
+          <p:nvPr>
+            <p:extLst>
+              <p:ext uri="{386F3935-93C4-4BCD-93E2-E3B085C9AB24}">
+                <p16:designElem xmlns:p16="http://schemas.microsoft.com/office/powerpoint/2015/main" val="1"/>
+              </p:ext>
+            </p:extLst>
+          </p:nvPr>
+        </p:nvSpPr>
+        <p:spPr>
+          <a:xfrm>
+            <a:off x="0" y="2019476"/>
+            <a:ext cx="12192000" cy="4105941"/>
+          </a:xfrm>
+          <a:prstGeom prst="rect">
+            <a:avLst/>
+          </a:prstGeom>
+          <a:gradFill flip="none" rotWithShape="1">
+            <a:gsLst>
+              <a:gs pos="0">
+                <a:schemeClr val="bg2">
+                  <a:alpha val="0"/>
+                </a:schemeClr>
+              </a:gs>
+              <a:gs pos="100000">
+                <a:schemeClr val="bg2"/>
+              </a:gs>
+            </a:gsLst>
+            <a:lin ang="5400000" scaled="0"/>
+            <a:tileRect/>
+          </a:gradFill>
+          <a:ln>
+            <a:noFill/>
+          </a:ln>
+        </p:spPr>
+        <p:style>
+          <a:lnRef idx="2">
+            <a:schemeClr val="accent1">
+              <a:shade val="50000"/>
+            </a:schemeClr>
+          </a:lnRef>
+          <a:fillRef idx="1">
+            <a:schemeClr val="accent1"/>
+          </a:fillRef>
+          <a:effectRef idx="0">
+            <a:schemeClr val="accent1"/>
+          </a:effectRef>
+          <a:fontRef idx="minor">
+            <a:schemeClr val="lt1"/>
+          </a:fontRef>
+        </p:style>
+        <p:txBody>
+          <a:bodyPr rtlCol="0" anchor="ctr"/>
+          <a:lstStyle/>
+          <a:p>
+            <a:pPr lvl="0" algn="ctr"/>
+            <a:endParaRPr lang="en-US"/>
+          </a:p>
+        </p:txBody>
+      </p:sp>
+      <p:sp>
+        <p:nvSpPr>
+          <p:cNvPr id="2" name="Título 1">
+            <a:extLst>
+              <a:ext uri="{FF2B5EF4-FFF2-40B4-BE49-F238E27FC236}">
+                <a16:creationId xmlns:a16="http://schemas.microsoft.com/office/drawing/2014/main" id="{B94CB96A-A1CB-0400-C93E-37ED4C784608}"/>
+              </a:ext>
+            </a:extLst>
+          </p:cNvPr>
+          <p:cNvSpPr>
+            <a:spLocks noGrp="1"/>
+          </p:cNvSpPr>
+          <p:nvPr>
+            <p:ph type="title"/>
+          </p:nvPr>
+        </p:nvSpPr>
+        <p:spPr>
+          <a:xfrm>
+            <a:off x="1452617" y="976508"/>
+            <a:ext cx="5525305" cy="2367221"/>
+          </a:xfrm>
+        </p:spPr>
+        <p:txBody>
+          <a:bodyPr vert="horz" lIns="91440" tIns="45720" rIns="91440" bIns="0" rtlCol="0" anchor="b">
+            <a:normAutofit/>
+          </a:bodyPr>
+          <a:lstStyle/>
+          <a:p>
+            <a:r>
+              <a:rPr lang="en-US" sz="5400"/>
+              <a:t>Diagrama de clases</a:t>
+            </a:r>
+          </a:p>
+        </p:txBody>
+      </p:sp>
+      <p:cxnSp>
+        <p:nvCxnSpPr>
+          <p:cNvPr id="39" name="Straight Connector 20">
+            <a:extLst>
+              <a:ext uri="{FF2B5EF4-FFF2-40B4-BE49-F238E27FC236}">
+                <a16:creationId xmlns:a16="http://schemas.microsoft.com/office/drawing/2014/main" id="{A661C966-C6C8-4667-903D-E68521C357FC}"/>
+              </a:ext>
+              <a:ext uri="{C183D7F6-B498-43B3-948B-1728B52AA6E4}">
+                <adec:decorative xmlns:adec="http://schemas.microsoft.com/office/drawing/2017/decorative" val="1"/>
+              </a:ext>
+            </a:extLst>
+          </p:cNvPr>
+          <p:cNvCxnSpPr>
+            <a:cxnSpLocks noGrp="1" noRot="1" noChangeAspect="1" noMove="1" noResize="1" noEditPoints="1" noAdjustHandles="1" noChangeArrowheads="1" noChangeShapeType="1"/>
+          </p:cNvCxnSpPr>
+          <p:nvPr>
+            <p:extLst>
+              <p:ext uri="{386F3935-93C4-4BCD-93E2-E3B085C9AB24}">
+                <p16:designElem xmlns:p16="http://schemas.microsoft.com/office/powerpoint/2015/main" val="1"/>
+              </p:ext>
+            </p:extLst>
+          </p:nvPr>
+        </p:nvCxnSpPr>
+        <p:spPr>
+          <a:xfrm>
+            <a:off x="1452618" y="3528543"/>
+            <a:ext cx="5536119" cy="0"/>
+          </a:xfrm>
+          <a:prstGeom prst="line">
+            <a:avLst/>
+          </a:prstGeom>
+          <a:ln w="31750"/>
+        </p:spPr>
+        <p:style>
+          <a:lnRef idx="3">
+            <a:schemeClr val="accent1"/>
+          </a:lnRef>
+          <a:fillRef idx="0">
+            <a:schemeClr val="accent1"/>
+          </a:fillRef>
+          <a:effectRef idx="2">
+            <a:schemeClr val="accent1"/>
+          </a:effectRef>
+          <a:fontRef idx="minor">
+            <a:schemeClr val="tx1"/>
+          </a:fontRef>
+        </p:style>
+      </p:cxnSp>
+      <p:grpSp>
+        <p:nvGrpSpPr>
+          <p:cNvPr id="40" name="Group 22">
+            <a:extLst>
+              <a:ext uri="{FF2B5EF4-FFF2-40B4-BE49-F238E27FC236}">
+                <a16:creationId xmlns:a16="http://schemas.microsoft.com/office/drawing/2014/main" id="{36439133-030D-427C-AADE-2B48B1991785}"/>
+              </a:ext>
+              <a:ext uri="{C183D7F6-B498-43B3-948B-1728B52AA6E4}">
+                <adec:decorative xmlns:adec="http://schemas.microsoft.com/office/drawing/2017/decorative" val="1"/>
+              </a:ext>
+            </a:extLst>
+          </p:cNvPr>
+          <p:cNvGrpSpPr>
+            <a:grpSpLocks noGrp="1" noUngrp="1" noRot="1" noChangeAspect="1" noMove="1" noResize="1"/>
+          </p:cNvGrpSpPr>
+          <p:nvPr>
+            <p:extLst>
+              <p:ext uri="{386F3935-93C4-4BCD-93E2-E3B085C9AB24}">
+                <p16:designElem xmlns:p16="http://schemas.microsoft.com/office/powerpoint/2015/main" val="1"/>
+              </p:ext>
+            </p:extLst>
+          </p:nvPr>
+        </p:nvGrpSpPr>
+        <p:grpSpPr>
+          <a:xfrm>
+            <a:off x="7477388" y="482171"/>
+            <a:ext cx="4074533" cy="5149101"/>
+            <a:chOff x="7477388" y="482171"/>
+            <a:chExt cx="4074533" cy="5149101"/>
+          </a:xfrm>
+        </p:grpSpPr>
+        <p:sp>
+          <p:nvSpPr>
+            <p:cNvPr id="41" name="Rectangle 23">
+              <a:extLst>
+                <a:ext uri="{FF2B5EF4-FFF2-40B4-BE49-F238E27FC236}">
+                  <a16:creationId xmlns:a16="http://schemas.microsoft.com/office/drawing/2014/main" id="{2C11378B-6628-411A-9A79-CF10232D7DFD}"/>
+                </a:ext>
+                <a:ext uri="{C183D7F6-B498-43B3-948B-1728B52AA6E4}">
+                  <adec:decorative xmlns:adec="http://schemas.microsoft.com/office/drawing/2017/decorative" val="1"/>
+                </a:ext>
+              </a:extLst>
+            </p:cNvPr>
+            <p:cNvSpPr/>
+            <p:nvPr>
+              <p:extLst>
+                <p:ext uri="{386F3935-93C4-4BCD-93E2-E3B085C9AB24}">
+                  <p16:designElem xmlns:p16="http://schemas.microsoft.com/office/powerpoint/2015/main" val="1"/>
+                </p:ext>
+              </p:extLst>
+            </p:nvPr>
+          </p:nvSpPr>
+          <p:spPr>
+            <a:xfrm>
+              <a:off x="7477388" y="482171"/>
+              <a:ext cx="4074533" cy="5149101"/>
+            </a:xfrm>
+            <a:prstGeom prst="rect">
+              <a:avLst/>
+            </a:prstGeom>
+            <a:gradFill>
+              <a:gsLst>
+                <a:gs pos="0">
+                  <a:srgbClr val="000001"/>
+                </a:gs>
+                <a:gs pos="100000">
+                  <a:srgbClr val="191919"/>
+                </a:gs>
+              </a:gsLst>
+            </a:gradFill>
+            <a:ln w="76200" cmpd="sng">
+              <a:noFill/>
+              <a:miter lim="800000"/>
+            </a:ln>
+            <a:effectLst>
+              <a:outerShdw blurRad="127000" dist="228600" dir="4740000" sx="98000" sy="98000" algn="tl" rotWithShape="0">
+                <a:srgbClr val="000000">
+                  <a:alpha val="34000"/>
+                </a:srgbClr>
+              </a:outerShdw>
+            </a:effectLst>
+            <a:scene3d>
+              <a:camera prst="orthographicFront"/>
+              <a:lightRig rig="threePt" dir="t"/>
+            </a:scene3d>
+            <a:sp3d>
+              <a:bevelT w="152400" h="50800" prst="softRound"/>
+            </a:sp3d>
+          </p:spPr>
+          <p:style>
+            <a:lnRef idx="1">
+              <a:schemeClr val="accent1"/>
+            </a:lnRef>
+            <a:fillRef idx="3">
+              <a:schemeClr val="accent1"/>
+            </a:fillRef>
+            <a:effectRef idx="2">
+              <a:schemeClr val="accent1"/>
+            </a:effectRef>
+            <a:fontRef idx="minor">
+              <a:schemeClr val="lt1"/>
+            </a:fontRef>
+          </p:style>
+          <p:txBody>
+            <a:bodyPr rtlCol="0" anchor="ctr"/>
+            <a:lstStyle/>
+            <a:p>
+              <a:pPr algn="ctr"/>
+              <a:endParaRPr lang="en-US"/>
+            </a:p>
+          </p:txBody>
+        </p:sp>
+        <p:sp>
+          <p:nvSpPr>
+            <p:cNvPr id="42" name="Rectangle 24">
+              <a:extLst>
+                <a:ext uri="{FF2B5EF4-FFF2-40B4-BE49-F238E27FC236}">
+                  <a16:creationId xmlns:a16="http://schemas.microsoft.com/office/drawing/2014/main" id="{08E6BF6A-26B8-45E6-887E-FE78A7984F48}"/>
+                </a:ext>
+                <a:ext uri="{C183D7F6-B498-43B3-948B-1728B52AA6E4}">
+                  <adec:decorative xmlns:adec="http://schemas.microsoft.com/office/drawing/2017/decorative" val="1"/>
+                </a:ext>
+              </a:extLst>
+            </p:cNvPr>
+            <p:cNvSpPr/>
+            <p:nvPr>
+              <p:extLst>
+                <p:ext uri="{386F3935-93C4-4BCD-93E2-E3B085C9AB24}">
+                  <p16:designElem xmlns:p16="http://schemas.microsoft.com/office/powerpoint/2015/main" val="1"/>
+                </p:ext>
+              </p:extLst>
+            </p:nvPr>
+          </p:nvSpPr>
+          <p:spPr>
+            <a:xfrm>
+              <a:off x="7790447" y="812507"/>
+              <a:ext cx="3450289" cy="4466452"/>
+            </a:xfrm>
+            <a:prstGeom prst="rect">
+              <a:avLst/>
+            </a:prstGeom>
+            <a:gradFill>
+              <a:gsLst>
+                <a:gs pos="0">
+                  <a:srgbClr val="DADADA"/>
+                </a:gs>
+                <a:gs pos="100000">
+                  <a:srgbClr val="FFFFFE"/>
+                </a:gs>
+              </a:gsLst>
+              <a:lin ang="16200000" scaled="0"/>
+            </a:gradFill>
+            <a:ln w="50800" cmpd="sng">
+              <a:solidFill>
+                <a:srgbClr val="191919"/>
+              </a:solidFill>
+              <a:miter lim="800000"/>
+            </a:ln>
+            <a:effectLst>
+              <a:innerShdw blurRad="63500" dist="88900" dir="14100000">
+                <a:srgbClr val="000000">
+                  <a:alpha val="30000"/>
+                </a:srgbClr>
+              </a:innerShdw>
+            </a:effectLst>
+            <a:scene3d>
+              <a:camera prst="orthographicFront"/>
+              <a:lightRig rig="threePt" dir="t"/>
+            </a:scene3d>
+            <a:sp3d>
+              <a:bevelT prst="relaxedInset"/>
+            </a:sp3d>
+          </p:spPr>
+          <p:style>
+            <a:lnRef idx="1">
+              <a:schemeClr val="accent1"/>
+            </a:lnRef>
+            <a:fillRef idx="3">
+              <a:schemeClr val="accent1"/>
+            </a:fillRef>
+            <a:effectRef idx="2">
+              <a:schemeClr val="accent1"/>
+            </a:effectRef>
+            <a:fontRef idx="minor">
+              <a:schemeClr val="lt1"/>
+            </a:fontRef>
+          </p:style>
+          <p:txBody>
+            <a:bodyPr rtlCol="0" anchor="ctr"/>
+            <a:lstStyle/>
+            <a:p>
+              <a:pPr algn="ctr"/>
+              <a:endParaRPr lang="en-US"/>
+            </a:p>
+          </p:txBody>
+        </p:sp>
+      </p:grpSp>
+      <p:sp>
+        <p:nvSpPr>
+          <p:cNvPr id="43" name="Rectangle 26">
+            <a:extLst>
+              <a:ext uri="{FF2B5EF4-FFF2-40B4-BE49-F238E27FC236}">
+                <a16:creationId xmlns:a16="http://schemas.microsoft.com/office/drawing/2014/main" id="{82388B0B-738B-4313-8674-79D97E74A005}"/>
+              </a:ext>
+              <a:ext uri="{C183D7F6-B498-43B3-948B-1728B52AA6E4}">
+                <adec:decorative xmlns:adec="http://schemas.microsoft.com/office/drawing/2017/decorative" val="1"/>
+              </a:ext>
+            </a:extLst>
+          </p:cNvPr>
+          <p:cNvSpPr>
+            <a:spLocks noGrp="1" noRot="1" noChangeAspect="1" noMove="1" noResize="1" noEditPoints="1" noAdjustHandles="1" noChangeArrowheads="1" noChangeShapeType="1" noTextEdit="1"/>
+          </p:cNvSpPr>
+          <p:nvPr>
+            <p:extLst>
+              <p:ext uri="{386F3935-93C4-4BCD-93E2-E3B085C9AB24}">
+                <p16:designElem xmlns:p16="http://schemas.microsoft.com/office/powerpoint/2015/main" val="1"/>
+              </p:ext>
+            </p:extLst>
+          </p:nvPr>
+        </p:nvSpPr>
+        <p:spPr>
+          <a:xfrm>
+            <a:off x="7951624" y="977965"/>
+            <a:ext cx="3119444" cy="4135339"/>
+          </a:xfrm>
+          <a:prstGeom prst="rect">
+            <a:avLst/>
+          </a:prstGeom>
+          <a:solidFill>
+            <a:schemeClr val="bg1"/>
+          </a:solidFill>
+          <a:ln w="6350">
+            <a:solidFill>
+              <a:schemeClr val="bg2"/>
+            </a:solidFill>
+          </a:ln>
+        </p:spPr>
+        <p:style>
+          <a:lnRef idx="2">
+            <a:schemeClr val="accent1">
+              <a:shade val="50000"/>
+            </a:schemeClr>
+          </a:lnRef>
+          <a:fillRef idx="1">
+            <a:schemeClr val="accent1"/>
+          </a:fillRef>
+          <a:effectRef idx="0">
+            <a:schemeClr val="accent1"/>
+          </a:effectRef>
+          <a:fontRef idx="minor">
+            <a:schemeClr val="lt1"/>
+          </a:fontRef>
+        </p:style>
+        <p:txBody>
+          <a:bodyPr rtlCol="0" anchor="ctr"/>
+          <a:lstStyle/>
+          <a:p>
+            <a:pPr algn="ctr"/>
+            <a:endParaRPr lang="en-US"/>
+          </a:p>
+        </p:txBody>
+      </p:sp>
+      <p:pic>
+        <p:nvPicPr>
+          <p:cNvPr id="4" name="image3.png">
+            <a:extLst>
+              <a:ext uri="{FF2B5EF4-FFF2-40B4-BE49-F238E27FC236}">
+                <a16:creationId xmlns:a16="http://schemas.microsoft.com/office/drawing/2014/main" id="{8C0A6C8C-013D-B9C2-C809-900B58868ADD}"/>
+              </a:ext>
+            </a:extLst>
+          </p:cNvPr>
+          <p:cNvPicPr>
+            <a:picLocks noGrp="1"/>
+          </p:cNvPicPr>
+          <p:nvPr>
+            <p:ph idx="1"/>
+          </p:nvPr>
+        </p:nvPicPr>
+        <p:blipFill>
+          <a:blip r:embed="rId3"/>
+          <a:stretch>
+            <a:fillRect/>
+          </a:stretch>
+        </p:blipFill>
+        <p:spPr>
+          <a:xfrm>
+            <a:off x="8283582" y="1116345"/>
+            <a:ext cx="2464684" cy="3866172"/>
+          </a:xfrm>
+          <a:prstGeom prst="rect">
+            <a:avLst/>
+          </a:prstGeom>
+        </p:spPr>
+      </p:pic>
+      <p:pic>
+        <p:nvPicPr>
+          <p:cNvPr id="44" name="Picture 28">
+            <a:extLst>
+              <a:ext uri="{FF2B5EF4-FFF2-40B4-BE49-F238E27FC236}">
+                <a16:creationId xmlns:a16="http://schemas.microsoft.com/office/drawing/2014/main" id="{6DF84359-5DD6-461B-9519-90AA2F46C1BE}"/>
+              </a:ext>
+              <a:ext uri="{C183D7F6-B498-43B3-948B-1728B52AA6E4}">
+                <adec:decorative xmlns:adec="http://schemas.microsoft.com/office/drawing/2017/decorative" val="1"/>
+              </a:ext>
+            </a:extLst>
+          </p:cNvPr>
+          <p:cNvPicPr>
+            <a:picLocks noGrp="1" noRot="1" noChangeAspect="1" noMove="1" noResize="1" noEditPoints="1" noAdjustHandles="1" noChangeArrowheads="1" noChangeShapeType="1" noCrop="1"/>
+          </p:cNvPicPr>
+          <p:nvPr>
+            <p:extLst>
+              <p:ext uri="{386F3935-93C4-4BCD-93E2-E3B085C9AB24}">
+                <p16:designElem xmlns:p16="http://schemas.microsoft.com/office/powerpoint/2015/main" val="1"/>
+              </p:ext>
+            </p:extLst>
+          </p:nvPr>
+        </p:nvPicPr>
+        <p:blipFill rotWithShape="1">
+          <a:blip r:embed="rId2">
+            <a:extLst>
+              <a:ext uri="{28A0092B-C50C-407E-A947-70E740481C1C}">
+                <a14:useLocalDpi xmlns:a14="http://schemas.microsoft.com/office/drawing/2010/main" val="0"/>
+              </a:ext>
+            </a:extLst>
+          </a:blip>
+          <a:srcRect t="1538" b="-1538"/>
+          <a:stretch/>
+        </p:blipFill>
+        <p:spPr bwMode="black">
+          <a:xfrm>
+            <a:off x="0" y="6126480"/>
+            <a:ext cx="12192000" cy="742950"/>
+          </a:xfrm>
+          <a:prstGeom prst="rect">
+            <a:avLst/>
+          </a:prstGeom>
+        </p:spPr>
+      </p:pic>
+      <p:cxnSp>
+        <p:nvCxnSpPr>
+          <p:cNvPr id="45" name="Straight Connector 30">
+            <a:extLst>
+              <a:ext uri="{FF2B5EF4-FFF2-40B4-BE49-F238E27FC236}">
+                <a16:creationId xmlns:a16="http://schemas.microsoft.com/office/drawing/2014/main" id="{E90BC892-CE86-41EE-8A3B-2178D5170C7C}"/>
+              </a:ext>
+              <a:ext uri="{C183D7F6-B498-43B3-948B-1728B52AA6E4}">
+                <adec:decorative xmlns:adec="http://schemas.microsoft.com/office/drawing/2017/decorative" val="1"/>
+              </a:ext>
+            </a:extLst>
+          </p:cNvPr>
+          <p:cNvCxnSpPr>
+            <a:cxnSpLocks noGrp="1" noRot="1" noChangeAspect="1" noMove="1" noResize="1" noEditPoints="1" noAdjustHandles="1" noChangeArrowheads="1" noChangeShapeType="1"/>
+          </p:cNvCxnSpPr>
+          <p:nvPr>
+            <p:extLst>
+              <p:ext uri="{386F3935-93C4-4BCD-93E2-E3B085C9AB24}">
+                <p16:designElem xmlns:p16="http://schemas.microsoft.com/office/powerpoint/2015/main" val="1"/>
+              </p:ext>
+            </p:extLst>
+          </p:nvPr>
+        </p:nvCxnSpPr>
+        <p:spPr>
+          <a:xfrm>
+            <a:off x="0" y="6128413"/>
+            <a:ext cx="12192000" cy="0"/>
+          </a:xfrm>
+          <a:prstGeom prst="line">
+            <a:avLst/>
+          </a:prstGeom>
+          <a:ln w="12700">
+            <a:solidFill>
+              <a:srgbClr val="000001">
+                <a:alpha val="20000"/>
+              </a:srgbClr>
+            </a:solidFill>
+          </a:ln>
+        </p:spPr>
+        <p:style>
+          <a:lnRef idx="1">
+            <a:schemeClr val="accent1"/>
+          </a:lnRef>
+          <a:fillRef idx="0">
+            <a:schemeClr val="accent1"/>
+          </a:fillRef>
+          <a:effectRef idx="0">
+            <a:schemeClr val="accent1"/>
+          </a:effectRef>
+          <a:fontRef idx="minor">
+            <a:schemeClr val="tx1"/>
+          </a:fontRef>
+        </p:style>
+      </p:cxnSp>
+    </p:spTree>
+    <p:extLst>
+      <p:ext uri="{BB962C8B-B14F-4D97-AF65-F5344CB8AC3E}">
+        <p14:creationId xmlns:p14="http://schemas.microsoft.com/office/powerpoint/2010/main" val="2975869970"/>
+      </p:ext>
+    </p:extLst>
+  </p:cSld>
+  <p:clrMapOvr>
+    <a:masterClrMapping/>
+  </p:clrMapOvr>
+</p:sld>
+</file>
+
+<file path=ppt/slides/slide6.xml><?xml version="1.0" encoding="utf-8"?>
+<p:sld xmlns:a="http://schemas.openxmlformats.org/drawingml/2006/main" xmlns:r="http://schemas.openxmlformats.org/officeDocument/2006/relationships" xmlns:p="http://schemas.openxmlformats.org/presentationml/2006/main">
+  <p:cSld>
+    <p:bg>
+      <p:bgPr>
+        <a:gradFill rotWithShape="1">
+          <a:gsLst>
+            <a:gs pos="0">
+              <a:schemeClr val="bg2">
+                <a:tint val="94000"/>
+                <a:satMod val="80000"/>
+                <a:lumMod val="106000"/>
+              </a:schemeClr>
+            </a:gs>
+            <a:gs pos="100000">
+              <a:schemeClr val="bg2">
+                <a:shade val="80000"/>
+              </a:schemeClr>
+            </a:gs>
+          </a:gsLst>
+          <a:path path="circle">
+            <a:fillToRect l="43000" r="43000" b="100000"/>
+          </a:path>
+        </a:gradFill>
+        <a:effectLst/>
+      </p:bgPr>
+    </p:bg>
+    <p:spTree>
+      <p:nvGrpSpPr>
+        <p:cNvPr id="1" name=""/>
+        <p:cNvGrpSpPr/>
+        <p:nvPr/>
+      </p:nvGrpSpPr>
+      <p:grpSpPr>
+        <a:xfrm>
+          <a:off x="0" y="0"/>
+          <a:ext cx="0" cy="0"/>
+          <a:chOff x="0" y="0"/>
+          <a:chExt cx="0" cy="0"/>
+        </a:xfrm>
+      </p:grpSpPr>
+      <p:sp>
+        <p:nvSpPr>
+          <p:cNvPr id="12" name="Rectangle 11">
+            <a:extLst>
+              <a:ext uri="{FF2B5EF4-FFF2-40B4-BE49-F238E27FC236}">
+                <a16:creationId xmlns:a16="http://schemas.microsoft.com/office/drawing/2014/main" id="{0CABCAE3-64FC-4149-819F-2C1812824154}"/>
+              </a:ext>
+              <a:ext uri="{C183D7F6-B498-43B3-948B-1728B52AA6E4}">
+                <adec:decorative xmlns:adec="http://schemas.microsoft.com/office/drawing/2017/decorative" val="1"/>
+              </a:ext>
+            </a:extLst>
+          </p:cNvPr>
+          <p:cNvSpPr>
+            <a:spLocks noGrp="1" noRot="1" noChangeAspect="1" noMove="1" noResize="1" noEditPoints="1" noAdjustHandles="1" noChangeArrowheads="1" noChangeShapeType="1" noTextEdit="1"/>
+          </p:cNvSpPr>
+          <p:nvPr>
+            <p:extLst>
+              <p:ext uri="{386F3935-93C4-4BCD-93E2-E3B085C9AB24}">
+                <p16:designElem xmlns:p16="http://schemas.microsoft.com/office/powerpoint/2015/main" val="1"/>
+              </p:ext>
+            </p:extLst>
+          </p:nvPr>
+        </p:nvSpPr>
+        <p:spPr>
+          <a:xfrm>
+            <a:off x="0" y="2019476"/>
+            <a:ext cx="12192000" cy="4105941"/>
+          </a:xfrm>
+          <a:prstGeom prst="rect">
+            <a:avLst/>
+          </a:prstGeom>
+          <a:gradFill flip="none" rotWithShape="1">
+            <a:gsLst>
+              <a:gs pos="0">
+                <a:schemeClr val="bg2">
+                  <a:alpha val="0"/>
+                </a:schemeClr>
+              </a:gs>
+              <a:gs pos="100000">
+                <a:schemeClr val="bg2"/>
+              </a:gs>
+            </a:gsLst>
+            <a:lin ang="5400000" scaled="0"/>
+            <a:tileRect/>
+          </a:gradFill>
+          <a:ln>
+            <a:noFill/>
+          </a:ln>
+        </p:spPr>
+        <p:style>
+          <a:lnRef idx="2">
+            <a:schemeClr val="accent1">
+              <a:shade val="50000"/>
+            </a:schemeClr>
+          </a:lnRef>
+          <a:fillRef idx="1">
+            <a:schemeClr val="accent1"/>
+          </a:fillRef>
+          <a:effectRef idx="0">
+            <a:schemeClr val="accent1"/>
+          </a:effectRef>
+          <a:fontRef idx="minor">
+            <a:schemeClr val="lt1"/>
+          </a:fontRef>
+        </p:style>
+        <p:txBody>
+          <a:bodyPr/>
+          <a:lstStyle/>
+          <a:p>
+            <a:endParaRPr lang="en-US"/>
+          </a:p>
+        </p:txBody>
+      </p:sp>
+      <p:pic>
+        <p:nvPicPr>
+          <p:cNvPr id="14" name="Picture 13">
+            <a:extLst>
+              <a:ext uri="{FF2B5EF4-FFF2-40B4-BE49-F238E27FC236}">
+                <a16:creationId xmlns:a16="http://schemas.microsoft.com/office/drawing/2014/main" id="{012FDCFE-9AD2-4D8A-8CBF-B3AA37EBF6DD}"/>
+              </a:ext>
+              <a:ext uri="{C183D7F6-B498-43B3-948B-1728B52AA6E4}">
+                <adec:decorative xmlns:adec="http://schemas.microsoft.com/office/drawing/2017/decorative" val="1"/>
+              </a:ext>
+            </a:extLst>
+          </p:cNvPr>
+          <p:cNvPicPr>
+            <a:picLocks noGrp="1" noRot="1" noChangeAspect="1" noMove="1" noResize="1" noEditPoints="1" noAdjustHandles="1" noChangeArrowheads="1" noChangeShapeType="1" noCrop="1"/>
+          </p:cNvPicPr>
+          <p:nvPr>
+            <p:extLst>
+              <p:ext uri="{386F3935-93C4-4BCD-93E2-E3B085C9AB24}">
+                <p16:designElem xmlns:p16="http://schemas.microsoft.com/office/powerpoint/2015/main" val="1"/>
+              </p:ext>
+            </p:extLst>
+          </p:nvPr>
+        </p:nvPicPr>
+        <p:blipFill rotWithShape="1">
+          <a:blip r:embed="rId2">
+            <a:extLst>
+              <a:ext uri="{28A0092B-C50C-407E-A947-70E740481C1C}">
+                <a14:useLocalDpi xmlns:a14="http://schemas.microsoft.com/office/drawing/2010/main" val="0"/>
+              </a:ext>
+            </a:extLst>
+          </a:blip>
+          <a:srcRect t="1538" b="-1538"/>
+          <a:stretch/>
+        </p:blipFill>
+        <p:spPr bwMode="black">
+          <a:xfrm>
+            <a:off x="0" y="6126480"/>
+            <a:ext cx="12192000" cy="742950"/>
+          </a:xfrm>
+          <a:prstGeom prst="rect">
+            <a:avLst/>
+          </a:prstGeom>
+        </p:spPr>
+      </p:pic>
+      <p:cxnSp>
+        <p:nvCxnSpPr>
+          <p:cNvPr id="16" name="Straight Connector 15">
+            <a:extLst>
+              <a:ext uri="{FF2B5EF4-FFF2-40B4-BE49-F238E27FC236}">
+                <a16:creationId xmlns:a16="http://schemas.microsoft.com/office/drawing/2014/main" id="{FBD463FC-4CA8-4FF4-85A3-AF9F4B98D210}"/>
+              </a:ext>
+              <a:ext uri="{C183D7F6-B498-43B3-948B-1728B52AA6E4}">
+                <adec:decorative xmlns:adec="http://schemas.microsoft.com/office/drawing/2017/decorative" val="1"/>
+              </a:ext>
+            </a:extLst>
+          </p:cNvPr>
+          <p:cNvCxnSpPr>
+            <a:cxnSpLocks noGrp="1" noRot="1" noChangeAspect="1" noMove="1" noResize="1" noEditPoints="1" noAdjustHandles="1" noChangeArrowheads="1" noChangeShapeType="1"/>
+          </p:cNvCxnSpPr>
+          <p:nvPr>
+            <p:extLst>
+              <p:ext uri="{386F3935-93C4-4BCD-93E2-E3B085C9AB24}">
+                <p16:designElem xmlns:p16="http://schemas.microsoft.com/office/powerpoint/2015/main" val="1"/>
+              </p:ext>
+            </p:extLst>
+          </p:nvPr>
+        </p:nvCxnSpPr>
+        <p:spPr>
+          <a:xfrm>
+            <a:off x="0" y="6128413"/>
+            <a:ext cx="12192000" cy="0"/>
+          </a:xfrm>
+          <a:prstGeom prst="line">
+            <a:avLst/>
+          </a:prstGeom>
+          <a:ln w="12700">
+            <a:solidFill>
+              <a:srgbClr val="000001">
+                <a:alpha val="20000"/>
+              </a:srgbClr>
+            </a:solidFill>
+          </a:ln>
+        </p:spPr>
+        <p:style>
+          <a:lnRef idx="1">
+            <a:schemeClr val="accent1"/>
+          </a:lnRef>
+          <a:fillRef idx="0">
+            <a:schemeClr val="accent1"/>
+          </a:fillRef>
+          <a:effectRef idx="0">
+            <a:schemeClr val="accent1"/>
+          </a:effectRef>
+          <a:fontRef idx="minor">
+            <a:schemeClr val="tx1"/>
+          </a:fontRef>
+        </p:style>
+      </p:cxnSp>
+      <p:cxnSp>
+        <p:nvCxnSpPr>
+          <p:cNvPr id="18" name="Straight Connector 17">
+            <a:extLst>
+              <a:ext uri="{FF2B5EF4-FFF2-40B4-BE49-F238E27FC236}">
+                <a16:creationId xmlns:a16="http://schemas.microsoft.com/office/drawing/2014/main" id="{BECF35C3-8B44-4F4B-BD25-4C01823DB22A}"/>
+              </a:ext>
+              <a:ext uri="{C183D7F6-B498-43B3-948B-1728B52AA6E4}">
+                <adec:decorative xmlns:adec="http://schemas.microsoft.com/office/drawing/2017/decorative" val="1"/>
+              </a:ext>
+            </a:extLst>
+          </p:cNvPr>
+          <p:cNvCxnSpPr>
+            <a:cxnSpLocks noGrp="1" noRot="1" noChangeAspect="1" noMove="1" noResize="1" noEditPoints="1" noAdjustHandles="1" noChangeArrowheads="1" noChangeShapeType="1"/>
+          </p:cNvCxnSpPr>
+          <p:nvPr>
+            <p:extLst>
+              <p:ext uri="{386F3935-93C4-4BCD-93E2-E3B085C9AB24}">
+                <p16:designElem xmlns:p16="http://schemas.microsoft.com/office/powerpoint/2015/main" val="1"/>
+              </p:ext>
+            </p:extLst>
+          </p:nvPr>
+        </p:nvCxnSpPr>
+        <p:spPr>
+          <a:xfrm>
+            <a:off x="2417780" y="3528542"/>
+            <a:ext cx="8637072" cy="0"/>
+          </a:xfrm>
+          <a:prstGeom prst="line">
+            <a:avLst/>
+          </a:prstGeom>
+          <a:ln w="31750"/>
+        </p:spPr>
+        <p:style>
+          <a:lnRef idx="3">
+            <a:schemeClr val="accent1"/>
+          </a:lnRef>
+          <a:fillRef idx="0">
+            <a:schemeClr val="accent1"/>
+          </a:fillRef>
+          <a:effectRef idx="2">
+            <a:schemeClr val="accent1"/>
+          </a:effectRef>
+          <a:fontRef idx="minor">
+            <a:schemeClr val="tx1"/>
+          </a:fontRef>
+        </p:style>
+      </p:cxnSp>
+      <p:sp useBgFill="1">
+        <p:nvSpPr>
+          <p:cNvPr id="20" name="Rectangle 19">
+            <a:extLst>
+              <a:ext uri="{FF2B5EF4-FFF2-40B4-BE49-F238E27FC236}">
+                <a16:creationId xmlns:a16="http://schemas.microsoft.com/office/drawing/2014/main" id="{2FA7AD0A-1871-4DF8-9235-F49D0513B9C1}"/>
+              </a:ext>
+              <a:ext uri="{C183D7F6-B498-43B3-948B-1728B52AA6E4}">
+                <adec:decorative xmlns:adec="http://schemas.microsoft.com/office/drawing/2017/decorative" val="1"/>
+              </a:ext>
+            </a:extLst>
+          </p:cNvPr>
+          <p:cNvSpPr>
+            <a:spLocks noGrp="1" noRot="1" noChangeAspect="1" noMove="1" noResize="1" noEditPoints="1" noAdjustHandles="1" noChangeArrowheads="1" noChangeShapeType="1" noTextEdit="1"/>
+          </p:cNvSpPr>
+          <p:nvPr>
+            <p:extLst>
+              <p:ext uri="{386F3935-93C4-4BCD-93E2-E3B085C9AB24}">
+                <p16:designElem xmlns:p16="http://schemas.microsoft.com/office/powerpoint/2015/main" val="1"/>
+              </p:ext>
+            </p:extLst>
+          </p:nvPr>
+        </p:nvSpPr>
+        <p:spPr>
+          <a:xfrm>
+            <a:off x="2" y="0"/>
+            <a:ext cx="12191695" cy="6858000"/>
+          </a:xfrm>
+          <a:prstGeom prst="rect">
+            <a:avLst/>
+          </a:prstGeom>
+          <a:ln>
+            <a:noFill/>
+          </a:ln>
+        </p:spPr>
+        <p:style>
+          <a:lnRef idx="2">
+            <a:schemeClr val="accent1">
+              <a:shade val="50000"/>
+            </a:schemeClr>
+          </a:lnRef>
+          <a:fillRef idx="1">
+            <a:schemeClr val="accent1"/>
+          </a:fillRef>
+          <a:effectRef idx="0">
+            <a:schemeClr val="accent1"/>
+          </a:effectRef>
+          <a:fontRef idx="minor">
+            <a:schemeClr val="lt1"/>
+          </a:fontRef>
+        </p:style>
+        <p:txBody>
+          <a:bodyPr rtlCol="0" anchor="ctr"/>
+          <a:lstStyle/>
+          <a:p>
+            <a:pPr algn="ctr"/>
+            <a:endParaRPr lang="en-US"/>
+          </a:p>
+        </p:txBody>
+      </p:sp>
+      <p:sp>
+        <p:nvSpPr>
+          <p:cNvPr id="22" name="Rectangle 21">
+            <a:extLst>
+              <a:ext uri="{FF2B5EF4-FFF2-40B4-BE49-F238E27FC236}">
+                <a16:creationId xmlns:a16="http://schemas.microsoft.com/office/drawing/2014/main" id="{36B04CFB-FAE5-47DD-9B3E-4E9BA7A89CC1}"/>
+              </a:ext>
+              <a:ext uri="{C183D7F6-B498-43B3-948B-1728B52AA6E4}">
+                <adec:decorative xmlns:adec="http://schemas.microsoft.com/office/drawing/2017/decorative" val="1"/>
+              </a:ext>
+            </a:extLst>
+          </p:cNvPr>
+          <p:cNvSpPr>
+            <a:spLocks noGrp="1" noRot="1" noChangeAspect="1" noMove="1" noResize="1" noEditPoints="1" noAdjustHandles="1" noChangeArrowheads="1" noChangeShapeType="1" noTextEdit="1"/>
+          </p:cNvSpPr>
+          <p:nvPr>
+            <p:extLst>
+              <p:ext uri="{386F3935-93C4-4BCD-93E2-E3B085C9AB24}">
+                <p16:designElem xmlns:p16="http://schemas.microsoft.com/office/powerpoint/2015/main" val="1"/>
+              </p:ext>
+            </p:extLst>
+          </p:nvPr>
+        </p:nvSpPr>
+        <p:spPr>
+          <a:xfrm>
+            <a:off x="0" y="2019476"/>
+            <a:ext cx="12192000" cy="4105941"/>
+          </a:xfrm>
+          <a:prstGeom prst="rect">
+            <a:avLst/>
+          </a:prstGeom>
+          <a:gradFill flip="none" rotWithShape="1">
+            <a:gsLst>
+              <a:gs pos="0">
+                <a:schemeClr val="bg2">
+                  <a:alpha val="0"/>
+                </a:schemeClr>
+              </a:gs>
+              <a:gs pos="100000">
+                <a:schemeClr val="bg2"/>
+              </a:gs>
+            </a:gsLst>
+            <a:lin ang="5400000" scaled="0"/>
+            <a:tileRect/>
+          </a:gradFill>
+          <a:ln>
+            <a:noFill/>
+          </a:ln>
+        </p:spPr>
+        <p:style>
+          <a:lnRef idx="2">
+            <a:schemeClr val="accent1">
+              <a:shade val="50000"/>
+            </a:schemeClr>
+          </a:lnRef>
+          <a:fillRef idx="1">
+            <a:schemeClr val="accent1"/>
+          </a:fillRef>
+          <a:effectRef idx="0">
+            <a:schemeClr val="accent1"/>
+          </a:effectRef>
+          <a:fontRef idx="minor">
+            <a:schemeClr val="lt1"/>
+          </a:fontRef>
+        </p:style>
+        <p:txBody>
+          <a:bodyPr rtlCol="0" anchor="ctr"/>
+          <a:lstStyle/>
+          <a:p>
+            <a:pPr lvl="0" algn="ctr"/>
+            <a:endParaRPr lang="en-US"/>
+          </a:p>
+        </p:txBody>
+      </p:sp>
+      <p:sp>
+        <p:nvSpPr>
+          <p:cNvPr id="2" name="Título 1">
+            <a:extLst>
+              <a:ext uri="{FF2B5EF4-FFF2-40B4-BE49-F238E27FC236}">
+                <a16:creationId xmlns:a16="http://schemas.microsoft.com/office/drawing/2014/main" id="{2DB70E27-CD28-A56D-EA87-6A4CD92D4B5C}"/>
+              </a:ext>
+            </a:extLst>
+          </p:cNvPr>
+          <p:cNvSpPr>
+            <a:spLocks noGrp="1"/>
+          </p:cNvSpPr>
+          <p:nvPr>
+            <p:ph type="title"/>
+          </p:nvPr>
+        </p:nvSpPr>
+        <p:spPr>
+          <a:xfrm>
+            <a:off x="659301" y="1474969"/>
+            <a:ext cx="2823919" cy="1868760"/>
+          </a:xfrm>
+        </p:spPr>
+        <p:txBody>
+          <a:bodyPr vert="horz" lIns="91440" tIns="45720" rIns="91440" bIns="0" rtlCol="0" anchor="b">
+            <a:normAutofit/>
+          </a:bodyPr>
+          <a:lstStyle/>
+          <a:p>
+            <a:r>
+              <a:rPr lang="en-US" sz="3600"/>
+              <a:t>Diagrama de despliegue</a:t>
+            </a:r>
+          </a:p>
+        </p:txBody>
+      </p:sp>
+      <p:cxnSp>
+        <p:nvCxnSpPr>
+          <p:cNvPr id="24" name="Straight Connector 23">
+            <a:extLst>
+              <a:ext uri="{FF2B5EF4-FFF2-40B4-BE49-F238E27FC236}">
+                <a16:creationId xmlns:a16="http://schemas.microsoft.com/office/drawing/2014/main" id="{EE68D41B-9286-479F-9AB7-678C8E348D71}"/>
+              </a:ext>
+              <a:ext uri="{C183D7F6-B498-43B3-948B-1728B52AA6E4}">
+                <adec:decorative xmlns:adec="http://schemas.microsoft.com/office/drawing/2017/decorative" val="1"/>
+              </a:ext>
+            </a:extLst>
+          </p:cNvPr>
+          <p:cNvCxnSpPr>
+            <a:cxnSpLocks noGrp="1" noRot="1" noChangeAspect="1" noMove="1" noResize="1" noEditPoints="1" noAdjustHandles="1" noChangeArrowheads="1" noChangeShapeType="1"/>
+          </p:cNvCxnSpPr>
+          <p:nvPr>
+            <p:extLst>
+              <p:ext uri="{386F3935-93C4-4BCD-93E2-E3B085C9AB24}">
+                <p16:designElem xmlns:p16="http://schemas.microsoft.com/office/powerpoint/2015/main" val="1"/>
+              </p:ext>
+            </p:extLst>
+          </p:nvPr>
+        </p:nvCxnSpPr>
+        <p:spPr>
+          <a:xfrm>
+            <a:off x="659301" y="3528543"/>
+            <a:ext cx="2823919" cy="0"/>
+          </a:xfrm>
+          <a:prstGeom prst="line">
+            <a:avLst/>
+          </a:prstGeom>
+          <a:ln w="31750"/>
+        </p:spPr>
+        <p:style>
+          <a:lnRef idx="3">
+            <a:schemeClr val="accent1"/>
+          </a:lnRef>
+          <a:fillRef idx="0">
+            <a:schemeClr val="accent1"/>
+          </a:fillRef>
+          <a:effectRef idx="2">
+            <a:schemeClr val="accent1"/>
+          </a:effectRef>
+          <a:fontRef idx="minor">
+            <a:schemeClr val="tx1"/>
+          </a:fontRef>
+        </p:style>
+      </p:cxnSp>
+      <p:grpSp>
+        <p:nvGrpSpPr>
+          <p:cNvPr id="26" name="Group 25">
+            <a:extLst>
+              <a:ext uri="{FF2B5EF4-FFF2-40B4-BE49-F238E27FC236}">
+                <a16:creationId xmlns:a16="http://schemas.microsoft.com/office/drawing/2014/main" id="{E8ACF89C-CFC3-4D68-B3C4-2BEFB7BBE5F7}"/>
+              </a:ext>
+              <a:ext uri="{C183D7F6-B498-43B3-948B-1728B52AA6E4}">
+                <adec:decorative xmlns:adec="http://schemas.microsoft.com/office/drawing/2017/decorative" val="1"/>
+              </a:ext>
+            </a:extLst>
+          </p:cNvPr>
+          <p:cNvGrpSpPr>
+            <a:grpSpLocks noGrp="1" noUngrp="1" noRot="1" noChangeAspect="1" noMove="1" noResize="1"/>
+          </p:cNvGrpSpPr>
+          <p:nvPr>
+            <p:extLst>
+              <p:ext uri="{386F3935-93C4-4BCD-93E2-E3B085C9AB24}">
+                <p16:designElem xmlns:p16="http://schemas.microsoft.com/office/powerpoint/2015/main" val="1"/>
+              </p:ext>
+            </p:extLst>
+          </p:nvPr>
+        </p:nvGrpSpPr>
+        <p:grpSpPr>
+          <a:xfrm>
+            <a:off x="3979389" y="482171"/>
+            <a:ext cx="7560115" cy="5149101"/>
+            <a:chOff x="3979389" y="482171"/>
+            <a:chExt cx="7560115" cy="5149101"/>
+          </a:xfrm>
+        </p:grpSpPr>
+        <p:sp>
+          <p:nvSpPr>
+            <p:cNvPr id="27" name="Rectangle 26">
+              <a:extLst>
+                <a:ext uri="{FF2B5EF4-FFF2-40B4-BE49-F238E27FC236}">
+                  <a16:creationId xmlns:a16="http://schemas.microsoft.com/office/drawing/2014/main" id="{3B770B7D-3C5C-4682-8DF0-20783592F3B6}"/>
+                </a:ext>
+                <a:ext uri="{C183D7F6-B498-43B3-948B-1728B52AA6E4}">
+                  <adec:decorative xmlns:adec="http://schemas.microsoft.com/office/drawing/2017/decorative" val="1"/>
+                </a:ext>
+              </a:extLst>
+            </p:cNvPr>
+            <p:cNvSpPr/>
+            <p:nvPr>
+              <p:extLst>
+                <p:ext uri="{386F3935-93C4-4BCD-93E2-E3B085C9AB24}">
+                  <p16:designElem xmlns:p16="http://schemas.microsoft.com/office/powerpoint/2015/main" val="1"/>
+                </p:ext>
+              </p:extLst>
+            </p:nvPr>
+          </p:nvSpPr>
+          <p:spPr>
+            <a:xfrm>
+              <a:off x="3979389" y="482171"/>
+              <a:ext cx="7560115" cy="5149101"/>
+            </a:xfrm>
+            <a:prstGeom prst="rect">
+              <a:avLst/>
+            </a:prstGeom>
+            <a:gradFill>
+              <a:gsLst>
+                <a:gs pos="0">
+                  <a:srgbClr val="000001"/>
+                </a:gs>
+                <a:gs pos="100000">
+                  <a:srgbClr val="191919"/>
+                </a:gs>
+              </a:gsLst>
+            </a:gradFill>
+            <a:ln w="76200" cmpd="sng">
+              <a:noFill/>
+              <a:miter lim="800000"/>
+            </a:ln>
+            <a:effectLst>
+              <a:outerShdw blurRad="127000" dist="228600" dir="4740000" sx="98000" sy="98000" algn="tl" rotWithShape="0">
+                <a:srgbClr val="000000">
+                  <a:alpha val="34000"/>
+                </a:srgbClr>
+              </a:outerShdw>
+            </a:effectLst>
+            <a:scene3d>
+              <a:camera prst="orthographicFront"/>
+              <a:lightRig rig="threePt" dir="t"/>
+            </a:scene3d>
+            <a:sp3d>
+              <a:bevelT w="152400" h="50800" prst="softRound"/>
+            </a:sp3d>
+          </p:spPr>
+          <p:style>
+            <a:lnRef idx="1">
+              <a:schemeClr val="accent1"/>
+            </a:lnRef>
+            <a:fillRef idx="3">
+              <a:schemeClr val="accent1"/>
+            </a:fillRef>
+            <a:effectRef idx="2">
+              <a:schemeClr val="accent1"/>
+            </a:effectRef>
+            <a:fontRef idx="minor">
+              <a:schemeClr val="lt1"/>
+            </a:fontRef>
+          </p:style>
+          <p:txBody>
+            <a:bodyPr rtlCol="0" anchor="ctr"/>
+            <a:lstStyle/>
+            <a:p>
+              <a:pPr algn="ctr"/>
+              <a:endParaRPr lang="en-US"/>
+            </a:p>
+          </p:txBody>
+        </p:sp>
+        <p:sp>
+          <p:nvSpPr>
+            <p:cNvPr id="28" name="Rectangle 27">
+              <a:extLst>
+                <a:ext uri="{FF2B5EF4-FFF2-40B4-BE49-F238E27FC236}">
+                  <a16:creationId xmlns:a16="http://schemas.microsoft.com/office/drawing/2014/main" id="{A6893E11-7EC1-4EB6-A2A8-0B693F8FE576}"/>
+                </a:ext>
+                <a:ext uri="{C183D7F6-B498-43B3-948B-1728B52AA6E4}">
+                  <adec:decorative xmlns:adec="http://schemas.microsoft.com/office/drawing/2017/decorative" val="1"/>
+                </a:ext>
+              </a:extLst>
+            </p:cNvPr>
+            <p:cNvSpPr/>
+            <p:nvPr>
+              <p:extLst>
+                <p:ext uri="{386F3935-93C4-4BCD-93E2-E3B085C9AB24}">
+                  <p16:designElem xmlns:p16="http://schemas.microsoft.com/office/powerpoint/2015/main" val="1"/>
+                </p:ext>
+              </p:extLst>
+            </p:nvPr>
+          </p:nvSpPr>
+          <p:spPr>
+            <a:xfrm>
+              <a:off x="4292448" y="812507"/>
+              <a:ext cx="6928279" cy="4466452"/>
+            </a:xfrm>
+            <a:prstGeom prst="rect">
+              <a:avLst/>
+            </a:prstGeom>
+            <a:gradFill>
+              <a:gsLst>
+                <a:gs pos="0">
+                  <a:srgbClr val="DADADA"/>
+                </a:gs>
+                <a:gs pos="100000">
+                  <a:srgbClr val="FFFFFE"/>
+                </a:gs>
+              </a:gsLst>
+              <a:lin ang="16200000" scaled="0"/>
+            </a:gradFill>
+            <a:ln w="50800" cmpd="sng">
+              <a:solidFill>
+                <a:srgbClr val="191919"/>
+              </a:solidFill>
+              <a:miter lim="800000"/>
+            </a:ln>
+            <a:effectLst>
+              <a:innerShdw blurRad="63500" dist="88900" dir="14100000">
+                <a:srgbClr val="000000">
+                  <a:alpha val="30000"/>
+                </a:srgbClr>
+              </a:innerShdw>
+            </a:effectLst>
+            <a:scene3d>
+              <a:camera prst="orthographicFront"/>
+              <a:lightRig rig="threePt" dir="t"/>
+            </a:scene3d>
+            <a:sp3d>
+              <a:bevelT prst="relaxedInset"/>
+            </a:sp3d>
+          </p:spPr>
+          <p:style>
+            <a:lnRef idx="1">
+              <a:schemeClr val="accent1"/>
+            </a:lnRef>
+            <a:fillRef idx="3">
+              <a:schemeClr val="accent1"/>
+            </a:fillRef>
+            <a:effectRef idx="2">
+              <a:schemeClr val="accent1"/>
+            </a:effectRef>
+            <a:fontRef idx="minor">
+              <a:schemeClr val="lt1"/>
+            </a:fontRef>
+          </p:style>
+          <p:txBody>
+            <a:bodyPr rtlCol="0" anchor="ctr"/>
+            <a:lstStyle/>
+            <a:p>
+              <a:pPr algn="ctr"/>
+              <a:endParaRPr lang="en-US"/>
+            </a:p>
+          </p:txBody>
+        </p:sp>
+      </p:grpSp>
+      <p:sp>
+        <p:nvSpPr>
+          <p:cNvPr id="30" name="Rectangle 29">
+            <a:extLst>
+              <a:ext uri="{FF2B5EF4-FFF2-40B4-BE49-F238E27FC236}">
+                <a16:creationId xmlns:a16="http://schemas.microsoft.com/office/drawing/2014/main" id="{622F7FD7-8884-4FD5-95AB-0B5C6033ADF7}"/>
+              </a:ext>
+              <a:ext uri="{C183D7F6-B498-43B3-948B-1728B52AA6E4}">
+                <adec:decorative xmlns:adec="http://schemas.microsoft.com/office/drawing/2017/decorative" val="1"/>
+              </a:ext>
+            </a:extLst>
+          </p:cNvPr>
+          <p:cNvSpPr>
+            <a:spLocks noGrp="1" noRot="1" noChangeAspect="1" noMove="1" noResize="1" noEditPoints="1" noAdjustHandles="1" noChangeArrowheads="1" noChangeShapeType="1" noTextEdit="1"/>
+          </p:cNvSpPr>
+          <p:nvPr>
+            <p:extLst>
+              <p:ext uri="{386F3935-93C4-4BCD-93E2-E3B085C9AB24}">
+                <p16:designElem xmlns:p16="http://schemas.microsoft.com/office/powerpoint/2015/main" val="1"/>
+              </p:ext>
+            </p:extLst>
+          </p:nvPr>
+        </p:nvSpPr>
+        <p:spPr>
+          <a:xfrm>
+            <a:off x="4455487" y="977965"/>
+            <a:ext cx="6615582" cy="4135339"/>
+          </a:xfrm>
+          <a:prstGeom prst="rect">
+            <a:avLst/>
+          </a:prstGeom>
+          <a:solidFill>
+            <a:schemeClr val="bg1"/>
+          </a:solidFill>
+          <a:ln w="6350">
+            <a:solidFill>
+              <a:schemeClr val="bg2"/>
+            </a:solidFill>
+          </a:ln>
+        </p:spPr>
+        <p:style>
+          <a:lnRef idx="2">
+            <a:schemeClr val="accent1">
+              <a:shade val="50000"/>
+            </a:schemeClr>
+          </a:lnRef>
+          <a:fillRef idx="1">
+            <a:schemeClr val="accent1"/>
+          </a:fillRef>
+          <a:effectRef idx="0">
+            <a:schemeClr val="accent1"/>
+          </a:effectRef>
+          <a:fontRef idx="minor">
+            <a:schemeClr val="lt1"/>
+          </a:fontRef>
+        </p:style>
+        <p:txBody>
+          <a:bodyPr rtlCol="0" anchor="ctr"/>
+          <a:lstStyle/>
+          <a:p>
+            <a:pPr algn="ctr"/>
+            <a:endParaRPr lang="en-US"/>
+          </a:p>
+        </p:txBody>
+      </p:sp>
+      <p:pic>
+        <p:nvPicPr>
+          <p:cNvPr id="7" name="image2.png">
+            <a:extLst>
+              <a:ext uri="{FF2B5EF4-FFF2-40B4-BE49-F238E27FC236}">
+                <a16:creationId xmlns:a16="http://schemas.microsoft.com/office/drawing/2014/main" id="{DADD915C-6A7E-4D36-644E-BB94C61B80D4}"/>
+              </a:ext>
+            </a:extLst>
+          </p:cNvPr>
+          <p:cNvPicPr>
+            <a:picLocks noGrp="1"/>
+          </p:cNvPicPr>
+          <p:nvPr>
+            <p:ph idx="1"/>
+          </p:nvPr>
+        </p:nvPicPr>
+        <p:blipFill>
+          <a:blip r:embed="rId3"/>
+          <a:stretch>
+            <a:fillRect/>
+          </a:stretch>
+        </p:blipFill>
+        <p:spPr>
+          <a:xfrm>
+            <a:off x="4618374" y="1627920"/>
+            <a:ext cx="6282919" cy="2843021"/>
+          </a:xfrm>
+          <a:prstGeom prst="rect">
+            <a:avLst/>
+          </a:prstGeom>
+        </p:spPr>
+      </p:pic>
+      <p:pic>
+        <p:nvPicPr>
+          <p:cNvPr id="32" name="Picture 31">
+            <a:extLst>
+              <a:ext uri="{FF2B5EF4-FFF2-40B4-BE49-F238E27FC236}">
+                <a16:creationId xmlns:a16="http://schemas.microsoft.com/office/drawing/2014/main" id="{16EFE474-4FE0-4E8F-8F09-5ED2C9E76A84}"/>
+              </a:ext>
+              <a:ext uri="{C183D7F6-B498-43B3-948B-1728B52AA6E4}">
+                <adec:decorative xmlns:adec="http://schemas.microsoft.com/office/drawing/2017/decorative" val="1"/>
+              </a:ext>
+            </a:extLst>
+          </p:cNvPr>
+          <p:cNvPicPr>
+            <a:picLocks noGrp="1" noRot="1" noChangeAspect="1" noMove="1" noResize="1" noEditPoints="1" noAdjustHandles="1" noChangeArrowheads="1" noChangeShapeType="1" noCrop="1"/>
+          </p:cNvPicPr>
+          <p:nvPr>
+            <p:extLst>
+              <p:ext uri="{386F3935-93C4-4BCD-93E2-E3B085C9AB24}">
+                <p16:designElem xmlns:p16="http://schemas.microsoft.com/office/powerpoint/2015/main" val="1"/>
+              </p:ext>
+            </p:extLst>
+          </p:nvPr>
+        </p:nvPicPr>
+        <p:blipFill rotWithShape="1">
+          <a:blip r:embed="rId2">
+            <a:extLst>
+              <a:ext uri="{28A0092B-C50C-407E-A947-70E740481C1C}">
+                <a14:useLocalDpi xmlns:a14="http://schemas.microsoft.com/office/drawing/2010/main" val="0"/>
+              </a:ext>
+            </a:extLst>
+          </a:blip>
+          <a:srcRect t="1538" b="-1538"/>
+          <a:stretch/>
+        </p:blipFill>
+        <p:spPr bwMode="black">
+          <a:xfrm>
+            <a:off x="0" y="6126480"/>
+            <a:ext cx="12192000" cy="742950"/>
+          </a:xfrm>
+          <a:prstGeom prst="rect">
+            <a:avLst/>
+          </a:prstGeom>
+        </p:spPr>
+      </p:pic>
+      <p:cxnSp>
+        <p:nvCxnSpPr>
+          <p:cNvPr id="34" name="Straight Connector 33">
+            <a:extLst>
+              <a:ext uri="{FF2B5EF4-FFF2-40B4-BE49-F238E27FC236}">
+                <a16:creationId xmlns:a16="http://schemas.microsoft.com/office/drawing/2014/main" id="{CF8B8C81-54DC-4AF5-B682-3A2C70A6B55C}"/>
+              </a:ext>
+              <a:ext uri="{C183D7F6-B498-43B3-948B-1728B52AA6E4}">
+                <adec:decorative xmlns:adec="http://schemas.microsoft.com/office/drawing/2017/decorative" val="1"/>
+              </a:ext>
+            </a:extLst>
+          </p:cNvPr>
+          <p:cNvCxnSpPr>
+            <a:cxnSpLocks noGrp="1" noRot="1" noChangeAspect="1" noMove="1" noResize="1" noEditPoints="1" noAdjustHandles="1" noChangeArrowheads="1" noChangeShapeType="1"/>
+          </p:cNvCxnSpPr>
+          <p:nvPr>
+            <p:extLst>
+              <p:ext uri="{386F3935-93C4-4BCD-93E2-E3B085C9AB24}">
+                <p16:designElem xmlns:p16="http://schemas.microsoft.com/office/powerpoint/2015/main" val="1"/>
+              </p:ext>
+            </p:extLst>
+          </p:nvPr>
+        </p:nvCxnSpPr>
+        <p:spPr>
+          <a:xfrm>
+            <a:off x="0" y="6128413"/>
+            <a:ext cx="12192000" cy="0"/>
+          </a:xfrm>
+          <a:prstGeom prst="line">
+            <a:avLst/>
+          </a:prstGeom>
+          <a:ln w="12700">
+            <a:solidFill>
+              <a:srgbClr val="000001">
+                <a:alpha val="20000"/>
+              </a:srgbClr>
+            </a:solidFill>
+          </a:ln>
+        </p:spPr>
+        <p:style>
+          <a:lnRef idx="1">
+            <a:schemeClr val="accent1"/>
+          </a:lnRef>
+          <a:fillRef idx="0">
+            <a:schemeClr val="accent1"/>
+          </a:fillRef>
+          <a:effectRef idx="0">
+            <a:schemeClr val="accent1"/>
+          </a:effectRef>
+          <a:fontRef idx="minor">
+            <a:schemeClr val="tx1"/>
+          </a:fontRef>
+        </p:style>
+      </p:cxnSp>
+    </p:spTree>
+    <p:extLst>
+      <p:ext uri="{BB962C8B-B14F-4D97-AF65-F5344CB8AC3E}">
+        <p14:creationId xmlns:p14="http://schemas.microsoft.com/office/powerpoint/2010/main" val="1280940986"/>
+      </p:ext>
+    </p:extLst>
+  </p:cSld>
+  <p:clrMapOvr>
+    <a:masterClrMapping/>
+  </p:clrMapOvr>
+</p:sld>
+</file>
+
+<file path=ppt/slides/slide7.xml><?xml version="1.0" encoding="utf-8"?>
+<p:sld xmlns:a="http://schemas.openxmlformats.org/drawingml/2006/main" xmlns:r="http://schemas.openxmlformats.org/officeDocument/2006/relationships" xmlns:p="http://schemas.openxmlformats.org/presentationml/2006/main">
+  <p:cSld>
     <p:spTree>
       <p:nvGrpSpPr>
         <p:cNvPr id="1" name=""/>
@@ -4292,7 +6946,7 @@
 </p:sld>
 </file>
 
-<file path=ppt/slides/slide5.xml><?xml version="1.0" encoding="utf-8"?>
+<file path=ppt/slides/slide8.xml><?xml version="1.0" encoding="utf-8"?>
 <p:sld xmlns:a="http://schemas.openxmlformats.org/drawingml/2006/main" xmlns:r="http://schemas.openxmlformats.org/officeDocument/2006/relationships" xmlns:p="http://schemas.openxmlformats.org/presentationml/2006/main">
   <p:cSld>
     <p:spTree>
@@ -4390,7 +7044,7 @@
 </p:sld>
 </file>
 
-<file path=ppt/slides/slide6.xml><?xml version="1.0" encoding="utf-8"?>
+<file path=ppt/slides/slide9.xml><?xml version="1.0" encoding="utf-8"?>
 <p:sld xmlns:a="http://schemas.openxmlformats.org/drawingml/2006/main" xmlns:r="http://schemas.openxmlformats.org/officeDocument/2006/relationships" xmlns:p="http://schemas.openxmlformats.org/presentationml/2006/main">
   <p:cSld>
     <p:spTree>

--- a/Presentacion caso 3.pptx
+++ b/Presentacion caso 3.pptx
@@ -8,12 +8,14 @@
     <p:sldId id="256" r:id="rId2"/>
     <p:sldId id="257" r:id="rId3"/>
     <p:sldId id="258" r:id="rId4"/>
-    <p:sldId id="264" r:id="rId5"/>
-    <p:sldId id="262" r:id="rId6"/>
-    <p:sldId id="263" r:id="rId7"/>
-    <p:sldId id="259" r:id="rId8"/>
-    <p:sldId id="260" r:id="rId9"/>
-    <p:sldId id="261" r:id="rId10"/>
+    <p:sldId id="265" r:id="rId5"/>
+    <p:sldId id="266" r:id="rId6"/>
+    <p:sldId id="264" r:id="rId7"/>
+    <p:sldId id="262" r:id="rId8"/>
+    <p:sldId id="263" r:id="rId9"/>
+    <p:sldId id="259" r:id="rId10"/>
+    <p:sldId id="260" r:id="rId11"/>
+    <p:sldId id="261" r:id="rId12"/>
   </p:sldIdLst>
   <p:sldSz cx="12192000" cy="6858000"/>
   <p:notesSz cx="6858000" cy="9144000"/>
@@ -3671,6 +3673,204 @@
 </p:sld>
 </file>
 
+<file path=ppt/slides/slide10.xml><?xml version="1.0" encoding="utf-8"?>
+<p:sld xmlns:a="http://schemas.openxmlformats.org/drawingml/2006/main" xmlns:r="http://schemas.openxmlformats.org/officeDocument/2006/relationships" xmlns:p="http://schemas.openxmlformats.org/presentationml/2006/main">
+  <p:cSld>
+    <p:spTree>
+      <p:nvGrpSpPr>
+        <p:cNvPr id="1" name=""/>
+        <p:cNvGrpSpPr/>
+        <p:nvPr/>
+      </p:nvGrpSpPr>
+      <p:grpSpPr>
+        <a:xfrm>
+          <a:off x="0" y="0"/>
+          <a:ext cx="0" cy="0"/>
+          <a:chOff x="0" y="0"/>
+          <a:chExt cx="0" cy="0"/>
+        </a:xfrm>
+      </p:grpSpPr>
+      <p:sp>
+        <p:nvSpPr>
+          <p:cNvPr id="2" name="Título 1">
+            <a:extLst>
+              <a:ext uri="{FF2B5EF4-FFF2-40B4-BE49-F238E27FC236}">
+                <a16:creationId xmlns:a16="http://schemas.microsoft.com/office/drawing/2014/main" id="{91CD9692-978A-17DE-38F1-B467E213EB30}"/>
+              </a:ext>
+            </a:extLst>
+          </p:cNvPr>
+          <p:cNvSpPr>
+            <a:spLocks noGrp="1"/>
+          </p:cNvSpPr>
+          <p:nvPr>
+            <p:ph type="title"/>
+          </p:nvPr>
+        </p:nvSpPr>
+        <p:spPr/>
+        <p:txBody>
+          <a:bodyPr/>
+          <a:lstStyle/>
+          <a:p>
+            <a:pPr algn="ctr"/>
+            <a:r>
+              <a:rPr lang="es-CL" dirty="0"/>
+              <a:t>Trabajo en equipo </a:t>
+            </a:r>
+          </a:p>
+        </p:txBody>
+      </p:sp>
+      <p:sp>
+        <p:nvSpPr>
+          <p:cNvPr id="3" name="Marcador de contenido 2">
+            <a:extLst>
+              <a:ext uri="{FF2B5EF4-FFF2-40B4-BE49-F238E27FC236}">
+                <a16:creationId xmlns:a16="http://schemas.microsoft.com/office/drawing/2014/main" id="{9A68AC55-5748-B596-E3B6-83DBE3D7C0BD}"/>
+              </a:ext>
+            </a:extLst>
+          </p:cNvPr>
+          <p:cNvSpPr>
+            <a:spLocks noGrp="1"/>
+          </p:cNvSpPr>
+          <p:nvPr>
+            <p:ph idx="1"/>
+          </p:nvPr>
+        </p:nvSpPr>
+        <p:spPr/>
+        <p:txBody>
+          <a:bodyPr>
+            <a:normAutofit/>
+          </a:bodyPr>
+          <a:lstStyle/>
+          <a:p>
+            <a:r>
+              <a:rPr lang="es-MX" b="0" i="0" u="none" strike="noStrike" dirty="0">
+                <a:solidFill>
+                  <a:srgbClr val="000000"/>
+                </a:solidFill>
+                <a:effectLst/>
+                <a:latin typeface="Gill Sans MT (Cuerpo)"/>
+              </a:rPr>
+              <a:t>Planificamos con Miro, usamos GitHub para controlar versiones y colaboramos por WhatsApp y Discord. Nos organizamos por tareas y cada uno trabajó en microservicios específicos.</a:t>
+            </a:r>
+            <a:endParaRPr lang="es-CL" dirty="0">
+              <a:latin typeface="Gill Sans MT (Cuerpo)"/>
+            </a:endParaRPr>
+          </a:p>
+        </p:txBody>
+      </p:sp>
+    </p:spTree>
+    <p:extLst>
+      <p:ext uri="{BB962C8B-B14F-4D97-AF65-F5344CB8AC3E}">
+        <p14:creationId xmlns:p14="http://schemas.microsoft.com/office/powerpoint/2010/main" val="2074516302"/>
+      </p:ext>
+    </p:extLst>
+  </p:cSld>
+  <p:clrMapOvr>
+    <a:masterClrMapping/>
+  </p:clrMapOvr>
+</p:sld>
+</file>
+
+<file path=ppt/slides/slide11.xml><?xml version="1.0" encoding="utf-8"?>
+<p:sld xmlns:a="http://schemas.openxmlformats.org/drawingml/2006/main" xmlns:r="http://schemas.openxmlformats.org/officeDocument/2006/relationships" xmlns:p="http://schemas.openxmlformats.org/presentationml/2006/main">
+  <p:cSld>
+    <p:spTree>
+      <p:nvGrpSpPr>
+        <p:cNvPr id="1" name=""/>
+        <p:cNvGrpSpPr/>
+        <p:nvPr/>
+      </p:nvGrpSpPr>
+      <p:grpSpPr>
+        <a:xfrm>
+          <a:off x="0" y="0"/>
+          <a:ext cx="0" cy="0"/>
+          <a:chOff x="0" y="0"/>
+          <a:chExt cx="0" cy="0"/>
+        </a:xfrm>
+      </p:grpSpPr>
+      <p:sp>
+        <p:nvSpPr>
+          <p:cNvPr id="2" name="Título 1">
+            <a:extLst>
+              <a:ext uri="{FF2B5EF4-FFF2-40B4-BE49-F238E27FC236}">
+                <a16:creationId xmlns:a16="http://schemas.microsoft.com/office/drawing/2014/main" id="{0494E2F3-0FFE-5F19-C8D2-4B9EBF86A9FC}"/>
+              </a:ext>
+            </a:extLst>
+          </p:cNvPr>
+          <p:cNvSpPr>
+            <a:spLocks noGrp="1"/>
+          </p:cNvSpPr>
+          <p:nvPr>
+            <p:ph type="title"/>
+          </p:nvPr>
+        </p:nvSpPr>
+        <p:spPr/>
+        <p:txBody>
+          <a:bodyPr/>
+          <a:lstStyle/>
+          <a:p>
+            <a:pPr algn="ctr"/>
+            <a:r>
+              <a:rPr lang="es-CL" dirty="0"/>
+              <a:t>Ética y privacidad </a:t>
+            </a:r>
+          </a:p>
+        </p:txBody>
+      </p:sp>
+      <p:sp>
+        <p:nvSpPr>
+          <p:cNvPr id="3" name="Marcador de contenido 2">
+            <a:extLst>
+              <a:ext uri="{FF2B5EF4-FFF2-40B4-BE49-F238E27FC236}">
+                <a16:creationId xmlns:a16="http://schemas.microsoft.com/office/drawing/2014/main" id="{FC7160DC-9634-479F-8FFA-41E8587450FA}"/>
+              </a:ext>
+            </a:extLst>
+          </p:cNvPr>
+          <p:cNvSpPr>
+            <a:spLocks noGrp="1"/>
+          </p:cNvSpPr>
+          <p:nvPr>
+            <p:ph idx="1"/>
+          </p:nvPr>
+        </p:nvSpPr>
+        <p:spPr/>
+        <p:txBody>
+          <a:bodyPr>
+            <a:normAutofit/>
+          </a:bodyPr>
+          <a:lstStyle/>
+          <a:p>
+            <a:r>
+              <a:rPr lang="es-MX" b="0" i="0" u="none" strike="noStrike" dirty="0">
+                <a:solidFill>
+                  <a:srgbClr val="000000"/>
+                </a:solidFill>
+                <a:effectLst/>
+                <a:latin typeface="Gill Sans MT (Cuerpo)"/>
+                <a:cs typeface="Arial" panose="020B0604020202020204" pitchFamily="34" charset="0"/>
+              </a:rPr>
+              <a:t>Protegemos los datos personales con cifrado y roles de acceso. Nos aseguramos de que solo usuarios autorizados accedan a ciertas funciones y evitamos mostrar información sensible</a:t>
+            </a:r>
+            <a:endParaRPr lang="es-CL" dirty="0">
+              <a:latin typeface="Gill Sans MT (Cuerpo)"/>
+              <a:cs typeface="Arial" panose="020B0604020202020204" pitchFamily="34" charset="0"/>
+            </a:endParaRPr>
+          </a:p>
+        </p:txBody>
+      </p:sp>
+    </p:spTree>
+    <p:extLst>
+      <p:ext uri="{BB962C8B-B14F-4D97-AF65-F5344CB8AC3E}">
+        <p14:creationId xmlns:p14="http://schemas.microsoft.com/office/powerpoint/2010/main" val="2640588625"/>
+      </p:ext>
+    </p:extLst>
+  </p:cSld>
+  <p:clrMapOvr>
+    <a:masterClrMapping/>
+  </p:clrMapOvr>
+</p:sld>
+</file>
+
 <file path=ppt/slides/slide2.xml><?xml version="1.0" encoding="utf-8"?>
 <p:sld xmlns:a="http://schemas.openxmlformats.org/drawingml/2006/main" xmlns:r="http://schemas.openxmlformats.org/officeDocument/2006/relationships" xmlns:p="http://schemas.openxmlformats.org/presentationml/2006/main">
   <p:cSld>
@@ -3887,6 +4087,1208 @@
 </file>
 
 <file path=ppt/slides/slide4.xml><?xml version="1.0" encoding="utf-8"?>
+<p:sld xmlns:a="http://schemas.openxmlformats.org/drawingml/2006/main" xmlns:r="http://schemas.openxmlformats.org/officeDocument/2006/relationships" xmlns:p="http://schemas.openxmlformats.org/presentationml/2006/main">
+  <p:cSld>
+    <p:spTree>
+      <p:nvGrpSpPr>
+        <p:cNvPr id="1" name=""/>
+        <p:cNvGrpSpPr/>
+        <p:nvPr/>
+      </p:nvGrpSpPr>
+      <p:grpSpPr>
+        <a:xfrm>
+          <a:off x="0" y="0"/>
+          <a:ext cx="0" cy="0"/>
+          <a:chOff x="0" y="0"/>
+          <a:chExt cx="0" cy="0"/>
+        </a:xfrm>
+      </p:grpSpPr>
+      <p:sp>
+        <p:nvSpPr>
+          <p:cNvPr id="2" name="Título 1">
+            <a:extLst>
+              <a:ext uri="{FF2B5EF4-FFF2-40B4-BE49-F238E27FC236}">
+                <a16:creationId xmlns:a16="http://schemas.microsoft.com/office/drawing/2014/main" id="{DF52677F-7B41-1C16-AEE2-D91397DCB4DE}"/>
+              </a:ext>
+            </a:extLst>
+          </p:cNvPr>
+          <p:cNvSpPr>
+            <a:spLocks noGrp="1"/>
+          </p:cNvSpPr>
+          <p:nvPr>
+            <p:ph type="title"/>
+          </p:nvPr>
+        </p:nvSpPr>
+        <p:spPr/>
+        <p:txBody>
+          <a:bodyPr/>
+          <a:lstStyle/>
+          <a:p>
+            <a:r>
+              <a:rPr lang="es-ES" dirty="0"/>
+              <a:t>Requisitos funcionales</a:t>
+            </a:r>
+            <a:endParaRPr lang="en-US" dirty="0"/>
+          </a:p>
+        </p:txBody>
+      </p:sp>
+      <p:sp>
+        <p:nvSpPr>
+          <p:cNvPr id="3" name="Marcador de contenido 2">
+            <a:extLst>
+              <a:ext uri="{FF2B5EF4-FFF2-40B4-BE49-F238E27FC236}">
+                <a16:creationId xmlns:a16="http://schemas.microsoft.com/office/drawing/2014/main" id="{826461B6-819A-C29B-D854-B6D494EA764D}"/>
+              </a:ext>
+            </a:extLst>
+          </p:cNvPr>
+          <p:cNvSpPr>
+            <a:spLocks noGrp="1"/>
+          </p:cNvSpPr>
+          <p:nvPr>
+            <p:ph idx="1"/>
+          </p:nvPr>
+        </p:nvSpPr>
+        <p:spPr>
+          <a:xfrm>
+            <a:off x="1451579" y="2015732"/>
+            <a:ext cx="4464589" cy="3450613"/>
+          </a:xfrm>
+        </p:spPr>
+        <p:txBody>
+          <a:bodyPr>
+            <a:normAutofit fontScale="70000" lnSpcReduction="20000"/>
+          </a:bodyPr>
+          <a:lstStyle/>
+          <a:p>
+            <a:pPr marL="342900" marR="0" lvl="0" indent="-342900">
+              <a:lnSpc>
+                <a:spcPct val="115000"/>
+              </a:lnSpc>
+              <a:spcAft>
+                <a:spcPts val="1000"/>
+              </a:spcAft>
+              <a:buFont typeface="Arial" panose="020B0604020202020204" pitchFamily="34" charset="0"/>
+              <a:buChar char="●"/>
+            </a:pPr>
+            <a:r>
+              <a:rPr lang="es-CL" sz="1800" u="none" strike="noStrike" dirty="0">
+                <a:effectLst/>
+                <a:latin typeface="Arial" panose="020B0604020202020204" pitchFamily="34" charset="0"/>
+                <a:ea typeface="Arial" panose="020B0604020202020204" pitchFamily="34" charset="0"/>
+              </a:rPr>
+              <a:t>Gestión de Usuarios</a:t>
+            </a:r>
+            <a:r>
+              <a:rPr lang="es-CL" sz="1800" dirty="0">
+                <a:effectLst/>
+                <a:latin typeface="Arial" panose="020B0604020202020204" pitchFamily="34" charset="0"/>
+                <a:ea typeface="Arial" panose="020B0604020202020204" pitchFamily="34" charset="0"/>
+              </a:rPr>
+              <a:t> </a:t>
+            </a:r>
+            <a:endParaRPr lang="en-US" sz="1800" dirty="0">
+              <a:effectLst/>
+              <a:latin typeface="Calibri" panose="020F0502020204030204" pitchFamily="34" charset="0"/>
+              <a:ea typeface="Calibri" panose="020F0502020204030204" pitchFamily="34" charset="0"/>
+            </a:endParaRPr>
+          </a:p>
+          <a:p>
+            <a:pPr marL="342900" marR="0" lvl="0" indent="-342900">
+              <a:lnSpc>
+                <a:spcPct val="115000"/>
+              </a:lnSpc>
+              <a:spcAft>
+                <a:spcPts val="1000"/>
+              </a:spcAft>
+              <a:buFont typeface="Arial" panose="020B0604020202020204" pitchFamily="34" charset="0"/>
+              <a:buChar char="●"/>
+            </a:pPr>
+            <a:r>
+              <a:rPr lang="es-CL" sz="1800" u="none" strike="noStrike" dirty="0">
+                <a:effectLst/>
+                <a:latin typeface="Arial" panose="020B0604020202020204" pitchFamily="34" charset="0"/>
+                <a:ea typeface="Arial" panose="020B0604020202020204" pitchFamily="34" charset="0"/>
+              </a:rPr>
+              <a:t>Configurar Permisos</a:t>
+            </a:r>
+            <a:r>
+              <a:rPr lang="es-CL" sz="1800" dirty="0">
+                <a:effectLst/>
+                <a:latin typeface="Arial" panose="020B0604020202020204" pitchFamily="34" charset="0"/>
+                <a:ea typeface="Arial" panose="020B0604020202020204" pitchFamily="34" charset="0"/>
+              </a:rPr>
+              <a:t> </a:t>
+            </a:r>
+            <a:endParaRPr lang="en-US" sz="1800" dirty="0">
+              <a:effectLst/>
+              <a:latin typeface="Calibri" panose="020F0502020204030204" pitchFamily="34" charset="0"/>
+              <a:ea typeface="Calibri" panose="020F0502020204030204" pitchFamily="34" charset="0"/>
+            </a:endParaRPr>
+          </a:p>
+          <a:p>
+            <a:pPr marL="342900" marR="0" lvl="0" indent="-342900">
+              <a:lnSpc>
+                <a:spcPct val="115000"/>
+              </a:lnSpc>
+              <a:spcAft>
+                <a:spcPts val="1000"/>
+              </a:spcAft>
+              <a:buFont typeface="Arial" panose="020B0604020202020204" pitchFamily="34" charset="0"/>
+              <a:buChar char="●"/>
+            </a:pPr>
+            <a:r>
+              <a:rPr lang="es-CL" sz="1800" u="none" strike="noStrike" dirty="0">
+                <a:effectLst/>
+                <a:latin typeface="Arial" panose="020B0604020202020204" pitchFamily="34" charset="0"/>
+                <a:ea typeface="Arial" panose="020B0604020202020204" pitchFamily="34" charset="0"/>
+              </a:rPr>
+              <a:t>Monitorización Del Sistema</a:t>
+            </a:r>
+            <a:endParaRPr lang="en-US" sz="1800" dirty="0">
+              <a:effectLst/>
+              <a:latin typeface="Calibri" panose="020F0502020204030204" pitchFamily="34" charset="0"/>
+              <a:ea typeface="Calibri" panose="020F0502020204030204" pitchFamily="34" charset="0"/>
+            </a:endParaRPr>
+          </a:p>
+          <a:p>
+            <a:pPr marL="342900" marR="0" lvl="0" indent="-342900">
+              <a:lnSpc>
+                <a:spcPct val="115000"/>
+              </a:lnSpc>
+              <a:spcAft>
+                <a:spcPts val="1000"/>
+              </a:spcAft>
+              <a:buFont typeface="Arial" panose="020B0604020202020204" pitchFamily="34" charset="0"/>
+              <a:buChar char="●"/>
+            </a:pPr>
+            <a:r>
+              <a:rPr lang="es-CL" sz="1800" u="none" strike="noStrike" dirty="0">
+                <a:effectLst/>
+                <a:latin typeface="Arial" panose="020B0604020202020204" pitchFamily="34" charset="0"/>
+                <a:ea typeface="Arial" panose="020B0604020202020204" pitchFamily="34" charset="0"/>
+              </a:rPr>
+              <a:t>Respaldo y Restaurar Datos</a:t>
+            </a:r>
+          </a:p>
+          <a:p>
+            <a:pPr marL="342900" marR="0" lvl="0" indent="-342900">
+              <a:lnSpc>
+                <a:spcPct val="115000"/>
+              </a:lnSpc>
+              <a:spcAft>
+                <a:spcPts val="1000"/>
+              </a:spcAft>
+              <a:buFont typeface="Arial" panose="020B0604020202020204" pitchFamily="34" charset="0"/>
+              <a:buChar char="●"/>
+            </a:pPr>
+            <a:r>
+              <a:rPr lang="es-CL" sz="1800" u="none" strike="noStrike" dirty="0">
+                <a:effectLst/>
+                <a:latin typeface="Arial" panose="020B0604020202020204" pitchFamily="34" charset="0"/>
+                <a:ea typeface="Arial" panose="020B0604020202020204" pitchFamily="34" charset="0"/>
+              </a:rPr>
+              <a:t>Gestionar Inventarios</a:t>
+            </a:r>
+          </a:p>
+          <a:p>
+            <a:pPr marL="342900" marR="0" lvl="0" indent="-342900">
+              <a:lnSpc>
+                <a:spcPct val="115000"/>
+              </a:lnSpc>
+              <a:spcAft>
+                <a:spcPts val="1000"/>
+              </a:spcAft>
+              <a:buFont typeface="Arial" panose="020B0604020202020204" pitchFamily="34" charset="0"/>
+              <a:buChar char="●"/>
+            </a:pPr>
+            <a:r>
+              <a:rPr lang="es-CL" sz="1800" u="none" strike="noStrike" dirty="0">
+                <a:effectLst/>
+                <a:latin typeface="Arial" panose="020B0604020202020204" pitchFamily="34" charset="0"/>
+                <a:ea typeface="Arial" panose="020B0604020202020204" pitchFamily="34" charset="0"/>
+              </a:rPr>
+              <a:t>Generar Reportes</a:t>
+            </a:r>
+            <a:endParaRPr lang="en-US" sz="1800" dirty="0">
+              <a:effectLst/>
+              <a:latin typeface="Calibri" panose="020F0502020204030204" pitchFamily="34" charset="0"/>
+              <a:ea typeface="Calibri" panose="020F0502020204030204" pitchFamily="34" charset="0"/>
+            </a:endParaRPr>
+          </a:p>
+          <a:p>
+            <a:pPr marL="342900" marR="0" lvl="0" indent="-342900">
+              <a:lnSpc>
+                <a:spcPct val="115000"/>
+              </a:lnSpc>
+              <a:spcAft>
+                <a:spcPts val="1000"/>
+              </a:spcAft>
+              <a:buFont typeface="Arial" panose="020B0604020202020204" pitchFamily="34" charset="0"/>
+              <a:buChar char="●"/>
+            </a:pPr>
+            <a:r>
+              <a:rPr lang="es-CL" sz="1800" u="none" strike="noStrike" dirty="0">
+                <a:effectLst/>
+                <a:latin typeface="Arial" panose="020B0604020202020204" pitchFamily="34" charset="0"/>
+                <a:ea typeface="Arial" panose="020B0604020202020204" pitchFamily="34" charset="0"/>
+              </a:rPr>
+              <a:t>Gestionar Tiendas</a:t>
+            </a:r>
+          </a:p>
+          <a:p>
+            <a:pPr marL="342900" marR="0" lvl="0" indent="-342900">
+              <a:lnSpc>
+                <a:spcPct val="115000"/>
+              </a:lnSpc>
+              <a:spcAft>
+                <a:spcPts val="1000"/>
+              </a:spcAft>
+              <a:buFont typeface="Arial" panose="020B0604020202020204" pitchFamily="34" charset="0"/>
+              <a:buChar char="●"/>
+            </a:pPr>
+            <a:r>
+              <a:rPr lang="es-CL" sz="1800" dirty="0">
+                <a:effectLst/>
+                <a:latin typeface="Arial" panose="020B0604020202020204" pitchFamily="34" charset="0"/>
+                <a:ea typeface="Arial" panose="020B0604020202020204" pitchFamily="34" charset="0"/>
+              </a:rPr>
+              <a:t>Gestionar pedidos</a:t>
+            </a:r>
+            <a:endParaRPr lang="en-US" dirty="0"/>
+          </a:p>
+        </p:txBody>
+      </p:sp>
+      <p:sp>
+        <p:nvSpPr>
+          <p:cNvPr id="5" name="Marcador de contenido 2">
+            <a:extLst>
+              <a:ext uri="{FF2B5EF4-FFF2-40B4-BE49-F238E27FC236}">
+                <a16:creationId xmlns:a16="http://schemas.microsoft.com/office/drawing/2014/main" id="{AF5E889E-60F0-C695-9FAC-D05E4925A3F1}"/>
+              </a:ext>
+            </a:extLst>
+          </p:cNvPr>
+          <p:cNvSpPr txBox="1">
+            <a:spLocks/>
+          </p:cNvSpPr>
+          <p:nvPr/>
+        </p:nvSpPr>
+        <p:spPr>
+          <a:xfrm>
+            <a:off x="6275832" y="2025880"/>
+            <a:ext cx="4464589" cy="3450613"/>
+          </a:xfrm>
+          <a:prstGeom prst="rect">
+            <a:avLst/>
+          </a:prstGeom>
+        </p:spPr>
+        <p:txBody>
+          <a:bodyPr vert="horz" lIns="91440" tIns="45720" rIns="91440" bIns="45720" rtlCol="0" anchor="t">
+            <a:normAutofit fontScale="70000" lnSpcReduction="20000"/>
+          </a:bodyPr>
+          <a:lstStyle>
+            <a:lvl1pPr marL="228600" indent="-228600" algn="l" defTabSz="914400" rtl="0" eaLnBrk="1" latinLnBrk="0" hangingPunct="1">
+              <a:lnSpc>
+                <a:spcPct val="120000"/>
+              </a:lnSpc>
+              <a:spcBef>
+                <a:spcPts val="1000"/>
+              </a:spcBef>
+              <a:buClr>
+                <a:schemeClr val="accent1"/>
+              </a:buClr>
+              <a:buSzPct val="100000"/>
+              <a:buFont typeface="Arial" panose="020B0604020202020204" pitchFamily="34" charset="0"/>
+              <a:buChar char="•"/>
+              <a:defRPr sz="2000" kern="1200">
+                <a:solidFill>
+                  <a:schemeClr val="tx1"/>
+                </a:solidFill>
+                <a:effectLst/>
+                <a:latin typeface="+mn-lt"/>
+                <a:ea typeface="+mn-ea"/>
+                <a:cs typeface="+mn-cs"/>
+              </a:defRPr>
+            </a:lvl1pPr>
+            <a:lvl2pPr marL="685800" indent="-228600" algn="l" defTabSz="914400" rtl="0" eaLnBrk="1" latinLnBrk="0" hangingPunct="1">
+              <a:lnSpc>
+                <a:spcPct val="120000"/>
+              </a:lnSpc>
+              <a:spcBef>
+                <a:spcPts val="500"/>
+              </a:spcBef>
+              <a:buClr>
+                <a:schemeClr val="accent1"/>
+              </a:buClr>
+              <a:buSzPct val="100000"/>
+              <a:buFont typeface="Arial" panose="020B0604020202020204" pitchFamily="34" charset="0"/>
+              <a:buChar char="•"/>
+              <a:defRPr sz="1800" kern="1200" cap="none" baseline="0">
+                <a:solidFill>
+                  <a:schemeClr val="tx1"/>
+                </a:solidFill>
+                <a:effectLst/>
+                <a:latin typeface="+mn-lt"/>
+                <a:ea typeface="+mn-ea"/>
+                <a:cs typeface="+mn-cs"/>
+              </a:defRPr>
+            </a:lvl2pPr>
+            <a:lvl3pPr marL="1143000" indent="-228600" algn="l" defTabSz="914400" rtl="0" eaLnBrk="1" latinLnBrk="0" hangingPunct="1">
+              <a:lnSpc>
+                <a:spcPct val="120000"/>
+              </a:lnSpc>
+              <a:spcBef>
+                <a:spcPts val="500"/>
+              </a:spcBef>
+              <a:buClr>
+                <a:schemeClr val="accent1"/>
+              </a:buClr>
+              <a:buSzPct val="100000"/>
+              <a:buFont typeface="Arial" panose="020B0604020202020204" pitchFamily="34" charset="0"/>
+              <a:buChar char="•"/>
+              <a:defRPr sz="1600" kern="1200">
+                <a:solidFill>
+                  <a:schemeClr val="tx1"/>
+                </a:solidFill>
+                <a:effectLst/>
+                <a:latin typeface="+mn-lt"/>
+                <a:ea typeface="+mn-ea"/>
+                <a:cs typeface="+mn-cs"/>
+              </a:defRPr>
+            </a:lvl3pPr>
+            <a:lvl4pPr marL="1600200" indent="-228600" algn="l" defTabSz="914400" rtl="0" eaLnBrk="1" latinLnBrk="0" hangingPunct="1">
+              <a:lnSpc>
+                <a:spcPct val="120000"/>
+              </a:lnSpc>
+              <a:spcBef>
+                <a:spcPts val="500"/>
+              </a:spcBef>
+              <a:buClr>
+                <a:schemeClr val="accent1"/>
+              </a:buClr>
+              <a:buSzPct val="100000"/>
+              <a:buFont typeface="Arial" panose="020B0604020202020204" pitchFamily="34" charset="0"/>
+              <a:buChar char="•"/>
+              <a:defRPr sz="1400" kern="1200" cap="none" baseline="0">
+                <a:solidFill>
+                  <a:schemeClr val="tx1"/>
+                </a:solidFill>
+                <a:effectLst/>
+                <a:latin typeface="+mn-lt"/>
+                <a:ea typeface="+mn-ea"/>
+                <a:cs typeface="+mn-cs"/>
+              </a:defRPr>
+            </a:lvl4pPr>
+            <a:lvl5pPr marL="2057400" indent="-228600" algn="l" defTabSz="914400" rtl="0" eaLnBrk="1" latinLnBrk="0" hangingPunct="1">
+              <a:lnSpc>
+                <a:spcPct val="120000"/>
+              </a:lnSpc>
+              <a:spcBef>
+                <a:spcPts val="500"/>
+              </a:spcBef>
+              <a:buClr>
+                <a:schemeClr val="accent1"/>
+              </a:buClr>
+              <a:buSzPct val="100000"/>
+              <a:buFont typeface="Arial" panose="020B0604020202020204" pitchFamily="34" charset="0"/>
+              <a:buChar char="•"/>
+              <a:defRPr sz="1200" kern="1200">
+                <a:solidFill>
+                  <a:schemeClr val="tx1"/>
+                </a:solidFill>
+                <a:effectLst/>
+                <a:latin typeface="+mn-lt"/>
+                <a:ea typeface="+mn-ea"/>
+                <a:cs typeface="+mn-cs"/>
+              </a:defRPr>
+            </a:lvl5pPr>
+            <a:lvl6pPr marL="2514600" indent="-228600" algn="l" defTabSz="914400" rtl="0" eaLnBrk="1" latinLnBrk="0" hangingPunct="1">
+              <a:lnSpc>
+                <a:spcPct val="120000"/>
+              </a:lnSpc>
+              <a:spcBef>
+                <a:spcPts val="500"/>
+              </a:spcBef>
+              <a:buClr>
+                <a:schemeClr val="accent1"/>
+              </a:buClr>
+              <a:buSzPct val="100000"/>
+              <a:buFont typeface="Arial" panose="020B0604020202020204" pitchFamily="34" charset="0"/>
+              <a:buChar char="•"/>
+              <a:defRPr sz="1200" kern="1200">
+                <a:solidFill>
+                  <a:schemeClr val="tx1"/>
+                </a:solidFill>
+                <a:effectLst/>
+                <a:latin typeface="+mn-lt"/>
+                <a:ea typeface="+mn-ea"/>
+                <a:cs typeface="+mn-cs"/>
+              </a:defRPr>
+            </a:lvl6pPr>
+            <a:lvl7pPr marL="2971800" indent="-228600" algn="l" defTabSz="914400" rtl="0" eaLnBrk="1" latinLnBrk="0" hangingPunct="1">
+              <a:lnSpc>
+                <a:spcPct val="120000"/>
+              </a:lnSpc>
+              <a:spcBef>
+                <a:spcPts val="500"/>
+              </a:spcBef>
+              <a:buClr>
+                <a:schemeClr val="accent1"/>
+              </a:buClr>
+              <a:buSzPct val="100000"/>
+              <a:buFont typeface="Arial" panose="020B0604020202020204" pitchFamily="34" charset="0"/>
+              <a:buChar char="•"/>
+              <a:defRPr sz="1200" kern="1200">
+                <a:solidFill>
+                  <a:schemeClr val="tx1"/>
+                </a:solidFill>
+                <a:effectLst/>
+                <a:latin typeface="+mn-lt"/>
+                <a:ea typeface="+mn-ea"/>
+                <a:cs typeface="+mn-cs"/>
+              </a:defRPr>
+            </a:lvl7pPr>
+            <a:lvl8pPr marL="3429000" indent="-228600" algn="l" defTabSz="914400" rtl="0" eaLnBrk="1" latinLnBrk="0" hangingPunct="1">
+              <a:lnSpc>
+                <a:spcPct val="120000"/>
+              </a:lnSpc>
+              <a:spcBef>
+                <a:spcPts val="500"/>
+              </a:spcBef>
+              <a:buClr>
+                <a:schemeClr val="accent1"/>
+              </a:buClr>
+              <a:buSzPct val="100000"/>
+              <a:buFont typeface="Arial" panose="020B0604020202020204" pitchFamily="34" charset="0"/>
+              <a:buChar char="•"/>
+              <a:defRPr sz="1200" kern="1200" baseline="0">
+                <a:solidFill>
+                  <a:schemeClr val="tx1"/>
+                </a:solidFill>
+                <a:effectLst/>
+                <a:latin typeface="+mn-lt"/>
+                <a:ea typeface="+mn-ea"/>
+                <a:cs typeface="+mn-cs"/>
+              </a:defRPr>
+            </a:lvl8pPr>
+            <a:lvl9pPr marL="3886200" indent="-228600" algn="l" defTabSz="914400" rtl="0" eaLnBrk="1" latinLnBrk="0" hangingPunct="1">
+              <a:lnSpc>
+                <a:spcPct val="120000"/>
+              </a:lnSpc>
+              <a:spcBef>
+                <a:spcPts val="500"/>
+              </a:spcBef>
+              <a:buClr>
+                <a:schemeClr val="accent1"/>
+              </a:buClr>
+              <a:buSzPct val="100000"/>
+              <a:buFont typeface="Arial" panose="020B0604020202020204" pitchFamily="34" charset="0"/>
+              <a:buChar char="•"/>
+              <a:defRPr sz="1200" kern="1200" baseline="0">
+                <a:solidFill>
+                  <a:schemeClr val="tx1"/>
+                </a:solidFill>
+                <a:effectLst/>
+                <a:latin typeface="+mn-lt"/>
+                <a:ea typeface="+mn-ea"/>
+                <a:cs typeface="+mn-cs"/>
+              </a:defRPr>
+            </a:lvl9pPr>
+          </a:lstStyle>
+          <a:p>
+            <a:pPr marL="342900" marR="0" lvl="0" indent="-342900">
+              <a:lnSpc>
+                <a:spcPct val="115000"/>
+              </a:lnSpc>
+              <a:spcAft>
+                <a:spcPts val="1000"/>
+              </a:spcAft>
+              <a:buFont typeface="Arial" panose="020B0604020202020204" pitchFamily="34" charset="0"/>
+              <a:buChar char="●"/>
+            </a:pPr>
+            <a:r>
+              <a:rPr lang="es-CL" sz="1800" u="none" strike="noStrike" dirty="0">
+                <a:effectLst/>
+                <a:latin typeface="Arial" panose="020B0604020202020204" pitchFamily="34" charset="0"/>
+                <a:ea typeface="Arial" panose="020B0604020202020204" pitchFamily="34" charset="0"/>
+              </a:rPr>
+              <a:t>Registrar Ventas</a:t>
+            </a:r>
+          </a:p>
+          <a:p>
+            <a:pPr marL="342900" marR="0" lvl="0" indent="-342900">
+              <a:lnSpc>
+                <a:spcPct val="115000"/>
+              </a:lnSpc>
+              <a:spcAft>
+                <a:spcPts val="1000"/>
+              </a:spcAft>
+              <a:buFont typeface="Arial" panose="020B0604020202020204" pitchFamily="34" charset="0"/>
+              <a:buChar char="●"/>
+            </a:pPr>
+            <a:r>
+              <a:rPr lang="es-CL" sz="1800" u="none" strike="noStrike" dirty="0">
+                <a:effectLst/>
+                <a:latin typeface="Arial" panose="020B0604020202020204" pitchFamily="34" charset="0"/>
+                <a:ea typeface="Arial" panose="020B0604020202020204" pitchFamily="34" charset="0"/>
+              </a:rPr>
+              <a:t>Atender Devoluciones y Reclamaciones</a:t>
+            </a:r>
+          </a:p>
+          <a:p>
+            <a:pPr marL="342900" marR="0" lvl="0" indent="-342900">
+              <a:lnSpc>
+                <a:spcPct val="115000"/>
+              </a:lnSpc>
+              <a:spcAft>
+                <a:spcPts val="1000"/>
+              </a:spcAft>
+              <a:buFont typeface="Arial" panose="020B0604020202020204" pitchFamily="34" charset="0"/>
+              <a:buChar char="●"/>
+            </a:pPr>
+            <a:r>
+              <a:rPr lang="es-CL" sz="1800" u="none" strike="noStrike" dirty="0">
+                <a:effectLst/>
+                <a:latin typeface="Arial" panose="020B0604020202020204" pitchFamily="34" charset="0"/>
+                <a:ea typeface="Arial" panose="020B0604020202020204" pitchFamily="34" charset="0"/>
+              </a:rPr>
+              <a:t>Consultar Inventario</a:t>
+            </a:r>
+          </a:p>
+          <a:p>
+            <a:pPr marL="342900" marR="0" lvl="0" indent="-342900">
+              <a:lnSpc>
+                <a:spcPct val="115000"/>
+              </a:lnSpc>
+              <a:spcAft>
+                <a:spcPts val="1000"/>
+              </a:spcAft>
+              <a:buFont typeface="Arial" panose="020B0604020202020204" pitchFamily="34" charset="0"/>
+              <a:buChar char="●"/>
+            </a:pPr>
+            <a:r>
+              <a:rPr lang="es-CL" sz="1800" dirty="0">
+                <a:effectLst/>
+                <a:latin typeface="Arial" panose="020B0604020202020204" pitchFamily="34" charset="0"/>
+                <a:ea typeface="Arial" panose="020B0604020202020204" pitchFamily="34" charset="0"/>
+              </a:rPr>
+              <a:t>Generar facturas</a:t>
+            </a:r>
+          </a:p>
+          <a:p>
+            <a:pPr marL="342900" marR="0" lvl="0" indent="-342900">
+              <a:lnSpc>
+                <a:spcPct val="115000"/>
+              </a:lnSpc>
+              <a:spcAft>
+                <a:spcPts val="1000"/>
+              </a:spcAft>
+              <a:buFont typeface="Arial" panose="020B0604020202020204" pitchFamily="34" charset="0"/>
+              <a:buChar char="●"/>
+            </a:pPr>
+            <a:r>
+              <a:rPr lang="es-CL" sz="1800" u="none" strike="noStrike" dirty="0">
+                <a:effectLst/>
+                <a:latin typeface="Arial" panose="020B0604020202020204" pitchFamily="34" charset="0"/>
+                <a:ea typeface="Arial" panose="020B0604020202020204" pitchFamily="34" charset="0"/>
+              </a:rPr>
+              <a:t>Gestionar Envíos</a:t>
+            </a:r>
+          </a:p>
+          <a:p>
+            <a:pPr marL="342900" marR="0" lvl="0" indent="-342900">
+              <a:lnSpc>
+                <a:spcPct val="115000"/>
+              </a:lnSpc>
+              <a:spcAft>
+                <a:spcPts val="1000"/>
+              </a:spcAft>
+              <a:buFont typeface="Arial" panose="020B0604020202020204" pitchFamily="34" charset="0"/>
+              <a:buChar char="●"/>
+            </a:pPr>
+            <a:r>
+              <a:rPr lang="es-CL" sz="1800" u="none" strike="noStrike" dirty="0">
+                <a:effectLst/>
+                <a:latin typeface="Arial" panose="020B0604020202020204" pitchFamily="34" charset="0"/>
+                <a:ea typeface="Arial" panose="020B0604020202020204" pitchFamily="34" charset="0"/>
+              </a:rPr>
+              <a:t>Optimizar rutas</a:t>
+            </a:r>
+          </a:p>
+          <a:p>
+            <a:pPr marL="342900" marR="0" lvl="0" indent="-342900">
+              <a:lnSpc>
+                <a:spcPct val="115000"/>
+              </a:lnSpc>
+              <a:spcAft>
+                <a:spcPts val="1000"/>
+              </a:spcAft>
+              <a:buFont typeface="Arial" panose="020B0604020202020204" pitchFamily="34" charset="0"/>
+              <a:buChar char="●"/>
+            </a:pPr>
+            <a:r>
+              <a:rPr lang="es-CL" sz="1800" u="none" strike="noStrike" dirty="0">
+                <a:effectLst/>
+                <a:latin typeface="Arial" panose="020B0604020202020204" pitchFamily="34" charset="0"/>
+                <a:ea typeface="Arial" panose="020B0604020202020204" pitchFamily="34" charset="0"/>
+              </a:rPr>
+              <a:t>Actualizar Estado De Pedidos</a:t>
+            </a:r>
+          </a:p>
+          <a:p>
+            <a:pPr marL="342900" marR="0" lvl="0" indent="-342900">
+              <a:lnSpc>
+                <a:spcPct val="115000"/>
+              </a:lnSpc>
+              <a:spcAft>
+                <a:spcPts val="1000"/>
+              </a:spcAft>
+              <a:buFont typeface="Arial" panose="020B0604020202020204" pitchFamily="34" charset="0"/>
+              <a:buChar char="●"/>
+            </a:pPr>
+            <a:r>
+              <a:rPr lang="es-CL" sz="1800" dirty="0">
+                <a:effectLst/>
+                <a:latin typeface="Arial" panose="020B0604020202020204" pitchFamily="34" charset="0"/>
+                <a:ea typeface="Arial" panose="020B0604020202020204" pitchFamily="34" charset="0"/>
+              </a:rPr>
+              <a:t>Gestionar Proveedores</a:t>
+            </a:r>
+            <a:endParaRPr lang="en-US" sz="1800" dirty="0"/>
+          </a:p>
+        </p:txBody>
+      </p:sp>
+    </p:spTree>
+    <p:extLst>
+      <p:ext uri="{BB962C8B-B14F-4D97-AF65-F5344CB8AC3E}">
+        <p14:creationId xmlns:p14="http://schemas.microsoft.com/office/powerpoint/2010/main" val="3922938182"/>
+      </p:ext>
+    </p:extLst>
+  </p:cSld>
+  <p:clrMapOvr>
+    <a:masterClrMapping/>
+  </p:clrMapOvr>
+</p:sld>
+</file>
+
+<file path=ppt/slides/slide5.xml><?xml version="1.0" encoding="utf-8"?>
+<p:sld xmlns:a="http://schemas.openxmlformats.org/drawingml/2006/main" xmlns:r="http://schemas.openxmlformats.org/officeDocument/2006/relationships" xmlns:p="http://schemas.openxmlformats.org/presentationml/2006/main">
+  <p:cSld>
+    <p:spTree>
+      <p:nvGrpSpPr>
+        <p:cNvPr id="1" name=""/>
+        <p:cNvGrpSpPr/>
+        <p:nvPr/>
+      </p:nvGrpSpPr>
+      <p:grpSpPr>
+        <a:xfrm>
+          <a:off x="0" y="0"/>
+          <a:ext cx="0" cy="0"/>
+          <a:chOff x="0" y="0"/>
+          <a:chExt cx="0" cy="0"/>
+        </a:xfrm>
+      </p:grpSpPr>
+      <p:sp>
+        <p:nvSpPr>
+          <p:cNvPr id="3" name="Marcador de contenido 2">
+            <a:extLst>
+              <a:ext uri="{FF2B5EF4-FFF2-40B4-BE49-F238E27FC236}">
+                <a16:creationId xmlns:a16="http://schemas.microsoft.com/office/drawing/2014/main" id="{A24673D4-8E2D-2929-67FE-3B609B30BC52}"/>
+              </a:ext>
+            </a:extLst>
+          </p:cNvPr>
+          <p:cNvSpPr>
+            <a:spLocks noGrp="1"/>
+          </p:cNvSpPr>
+          <p:nvPr>
+            <p:ph idx="1"/>
+          </p:nvPr>
+        </p:nvSpPr>
+        <p:spPr>
+          <a:xfrm>
+            <a:off x="1451579" y="2015732"/>
+            <a:ext cx="5031517" cy="3450613"/>
+          </a:xfrm>
+        </p:spPr>
+        <p:txBody>
+          <a:bodyPr>
+            <a:normAutofit/>
+          </a:bodyPr>
+          <a:lstStyle/>
+          <a:p>
+            <a:pPr marL="342900" marR="0" lvl="0" indent="-342900">
+              <a:lnSpc>
+                <a:spcPct val="115000"/>
+              </a:lnSpc>
+              <a:spcAft>
+                <a:spcPts val="1000"/>
+              </a:spcAft>
+              <a:buFont typeface="Arial" panose="020B0604020202020204" pitchFamily="34" charset="0"/>
+              <a:buChar char="●"/>
+            </a:pPr>
+            <a:r>
+              <a:rPr lang="es-CL" sz="1800" u="none" strike="noStrike" dirty="0">
+                <a:effectLst/>
+                <a:latin typeface="Arial" panose="020B0604020202020204" pitchFamily="34" charset="0"/>
+                <a:ea typeface="Arial" panose="020B0604020202020204" pitchFamily="34" charset="0"/>
+              </a:rPr>
+              <a:t>Crear Cuentas</a:t>
+            </a:r>
+            <a:endParaRPr lang="en-US" sz="1800" dirty="0">
+              <a:effectLst/>
+              <a:latin typeface="Calibri" panose="020F0502020204030204" pitchFamily="34" charset="0"/>
+              <a:ea typeface="Calibri" panose="020F0502020204030204" pitchFamily="34" charset="0"/>
+            </a:endParaRPr>
+          </a:p>
+          <a:p>
+            <a:pPr marL="342900" marR="0" lvl="0" indent="-342900">
+              <a:lnSpc>
+                <a:spcPct val="115000"/>
+              </a:lnSpc>
+              <a:spcAft>
+                <a:spcPts val="1000"/>
+              </a:spcAft>
+              <a:buFont typeface="Arial" panose="020B0604020202020204" pitchFamily="34" charset="0"/>
+              <a:buChar char="●"/>
+            </a:pPr>
+            <a:r>
+              <a:rPr lang="es-CL" sz="1800" u="none" strike="noStrike" dirty="0">
+                <a:effectLst/>
+                <a:latin typeface="Arial" panose="020B0604020202020204" pitchFamily="34" charset="0"/>
+                <a:ea typeface="Arial" panose="020B0604020202020204" pitchFamily="34" charset="0"/>
+              </a:rPr>
+              <a:t>Iniciar sesión</a:t>
+            </a:r>
+            <a:endParaRPr lang="en-US" sz="1800" dirty="0">
+              <a:effectLst/>
+              <a:latin typeface="Calibri" panose="020F0502020204030204" pitchFamily="34" charset="0"/>
+              <a:ea typeface="Calibri" panose="020F0502020204030204" pitchFamily="34" charset="0"/>
+            </a:endParaRPr>
+          </a:p>
+          <a:p>
+            <a:pPr marL="342900" marR="0" lvl="0" indent="-342900">
+              <a:lnSpc>
+                <a:spcPct val="115000"/>
+              </a:lnSpc>
+              <a:spcAft>
+                <a:spcPts val="1000"/>
+              </a:spcAft>
+              <a:buFont typeface="Arial" panose="020B0604020202020204" pitchFamily="34" charset="0"/>
+              <a:buChar char="●"/>
+            </a:pPr>
+            <a:r>
+              <a:rPr lang="es-CL" sz="1800" u="none" strike="noStrike" dirty="0">
+                <a:effectLst/>
+                <a:latin typeface="Arial" panose="020B0604020202020204" pitchFamily="34" charset="0"/>
+                <a:ea typeface="Arial" panose="020B0604020202020204" pitchFamily="34" charset="0"/>
+              </a:rPr>
+              <a:t>Navegar y Buscar Productos</a:t>
+            </a:r>
+          </a:p>
+          <a:p>
+            <a:pPr marL="342900" marR="0" lvl="0" indent="-342900">
+              <a:lnSpc>
+                <a:spcPct val="115000"/>
+              </a:lnSpc>
+              <a:spcAft>
+                <a:spcPts val="1000"/>
+              </a:spcAft>
+              <a:buFont typeface="Arial" panose="020B0604020202020204" pitchFamily="34" charset="0"/>
+              <a:buChar char="●"/>
+            </a:pPr>
+            <a:r>
+              <a:rPr lang="es-CL" sz="1800" u="none" strike="noStrike" dirty="0">
+                <a:effectLst/>
+                <a:latin typeface="Arial" panose="020B0604020202020204" pitchFamily="34" charset="0"/>
+                <a:ea typeface="Arial" panose="020B0604020202020204" pitchFamily="34" charset="0"/>
+              </a:rPr>
+              <a:t>Agregar Productos Al Carrito</a:t>
+            </a:r>
+            <a:endParaRPr lang="en-US" sz="1800" dirty="0">
+              <a:effectLst/>
+              <a:latin typeface="Calibri" panose="020F0502020204030204" pitchFamily="34" charset="0"/>
+              <a:ea typeface="Calibri" panose="020F0502020204030204" pitchFamily="34" charset="0"/>
+            </a:endParaRPr>
+          </a:p>
+          <a:p>
+            <a:pPr marL="342900" marR="0" lvl="0" indent="-342900">
+              <a:lnSpc>
+                <a:spcPct val="115000"/>
+              </a:lnSpc>
+              <a:spcAft>
+                <a:spcPts val="1000"/>
+              </a:spcAft>
+              <a:buFont typeface="Arial" panose="020B0604020202020204" pitchFamily="34" charset="0"/>
+              <a:buChar char="●"/>
+            </a:pPr>
+            <a:r>
+              <a:rPr lang="es-CL" sz="1800" u="none" strike="noStrike" dirty="0">
+                <a:effectLst/>
+                <a:latin typeface="Arial" panose="020B0604020202020204" pitchFamily="34" charset="0"/>
+                <a:ea typeface="Arial" panose="020B0604020202020204" pitchFamily="34" charset="0"/>
+              </a:rPr>
+              <a:t>Realizar pedidos</a:t>
+            </a:r>
+          </a:p>
+          <a:p>
+            <a:pPr marL="342900" marR="0" lvl="0" indent="-342900">
+              <a:lnSpc>
+                <a:spcPct val="115000"/>
+              </a:lnSpc>
+              <a:spcAft>
+                <a:spcPts val="1000"/>
+              </a:spcAft>
+              <a:buFont typeface="Arial" panose="020B0604020202020204" pitchFamily="34" charset="0"/>
+              <a:buChar char="●"/>
+            </a:pPr>
+            <a:r>
+              <a:rPr lang="es-CL" sz="1800" u="none" strike="noStrike" dirty="0">
+                <a:effectLst/>
+                <a:latin typeface="Arial" panose="020B0604020202020204" pitchFamily="34" charset="0"/>
+                <a:ea typeface="Arial" panose="020B0604020202020204" pitchFamily="34" charset="0"/>
+              </a:rPr>
+              <a:t>Consultar Historial</a:t>
+            </a:r>
+          </a:p>
+        </p:txBody>
+      </p:sp>
+      <p:sp>
+        <p:nvSpPr>
+          <p:cNvPr id="4" name="Marcador de contenido 2">
+            <a:extLst>
+              <a:ext uri="{FF2B5EF4-FFF2-40B4-BE49-F238E27FC236}">
+                <a16:creationId xmlns:a16="http://schemas.microsoft.com/office/drawing/2014/main" id="{0AC740C6-552B-A861-F4B8-C6E170900151}"/>
+              </a:ext>
+            </a:extLst>
+          </p:cNvPr>
+          <p:cNvSpPr txBox="1">
+            <a:spLocks/>
+          </p:cNvSpPr>
+          <p:nvPr/>
+        </p:nvSpPr>
+        <p:spPr>
+          <a:xfrm>
+            <a:off x="6253216" y="2015732"/>
+            <a:ext cx="5031517" cy="3450613"/>
+          </a:xfrm>
+          <a:prstGeom prst="rect">
+            <a:avLst/>
+          </a:prstGeom>
+        </p:spPr>
+        <p:txBody>
+          <a:bodyPr vert="horz" lIns="91440" tIns="45720" rIns="91440" bIns="45720" rtlCol="0" anchor="t">
+            <a:normAutofit/>
+          </a:bodyPr>
+          <a:lstStyle>
+            <a:lvl1pPr marL="228600" indent="-228600" algn="l" defTabSz="914400" rtl="0" eaLnBrk="1" latinLnBrk="0" hangingPunct="1">
+              <a:lnSpc>
+                <a:spcPct val="120000"/>
+              </a:lnSpc>
+              <a:spcBef>
+                <a:spcPts val="1000"/>
+              </a:spcBef>
+              <a:buClr>
+                <a:schemeClr val="accent1"/>
+              </a:buClr>
+              <a:buSzPct val="100000"/>
+              <a:buFont typeface="Arial" panose="020B0604020202020204" pitchFamily="34" charset="0"/>
+              <a:buChar char="•"/>
+              <a:defRPr sz="2000" kern="1200">
+                <a:solidFill>
+                  <a:schemeClr val="tx1"/>
+                </a:solidFill>
+                <a:effectLst/>
+                <a:latin typeface="+mn-lt"/>
+                <a:ea typeface="+mn-ea"/>
+                <a:cs typeface="+mn-cs"/>
+              </a:defRPr>
+            </a:lvl1pPr>
+            <a:lvl2pPr marL="685800" indent="-228600" algn="l" defTabSz="914400" rtl="0" eaLnBrk="1" latinLnBrk="0" hangingPunct="1">
+              <a:lnSpc>
+                <a:spcPct val="120000"/>
+              </a:lnSpc>
+              <a:spcBef>
+                <a:spcPts val="500"/>
+              </a:spcBef>
+              <a:buClr>
+                <a:schemeClr val="accent1"/>
+              </a:buClr>
+              <a:buSzPct val="100000"/>
+              <a:buFont typeface="Arial" panose="020B0604020202020204" pitchFamily="34" charset="0"/>
+              <a:buChar char="•"/>
+              <a:defRPr sz="1800" kern="1200" cap="none" baseline="0">
+                <a:solidFill>
+                  <a:schemeClr val="tx1"/>
+                </a:solidFill>
+                <a:effectLst/>
+                <a:latin typeface="+mn-lt"/>
+                <a:ea typeface="+mn-ea"/>
+                <a:cs typeface="+mn-cs"/>
+              </a:defRPr>
+            </a:lvl2pPr>
+            <a:lvl3pPr marL="1143000" indent="-228600" algn="l" defTabSz="914400" rtl="0" eaLnBrk="1" latinLnBrk="0" hangingPunct="1">
+              <a:lnSpc>
+                <a:spcPct val="120000"/>
+              </a:lnSpc>
+              <a:spcBef>
+                <a:spcPts val="500"/>
+              </a:spcBef>
+              <a:buClr>
+                <a:schemeClr val="accent1"/>
+              </a:buClr>
+              <a:buSzPct val="100000"/>
+              <a:buFont typeface="Arial" panose="020B0604020202020204" pitchFamily="34" charset="0"/>
+              <a:buChar char="•"/>
+              <a:defRPr sz="1600" kern="1200">
+                <a:solidFill>
+                  <a:schemeClr val="tx1"/>
+                </a:solidFill>
+                <a:effectLst/>
+                <a:latin typeface="+mn-lt"/>
+                <a:ea typeface="+mn-ea"/>
+                <a:cs typeface="+mn-cs"/>
+              </a:defRPr>
+            </a:lvl3pPr>
+            <a:lvl4pPr marL="1600200" indent="-228600" algn="l" defTabSz="914400" rtl="0" eaLnBrk="1" latinLnBrk="0" hangingPunct="1">
+              <a:lnSpc>
+                <a:spcPct val="120000"/>
+              </a:lnSpc>
+              <a:spcBef>
+                <a:spcPts val="500"/>
+              </a:spcBef>
+              <a:buClr>
+                <a:schemeClr val="accent1"/>
+              </a:buClr>
+              <a:buSzPct val="100000"/>
+              <a:buFont typeface="Arial" panose="020B0604020202020204" pitchFamily="34" charset="0"/>
+              <a:buChar char="•"/>
+              <a:defRPr sz="1400" kern="1200" cap="none" baseline="0">
+                <a:solidFill>
+                  <a:schemeClr val="tx1"/>
+                </a:solidFill>
+                <a:effectLst/>
+                <a:latin typeface="+mn-lt"/>
+                <a:ea typeface="+mn-ea"/>
+                <a:cs typeface="+mn-cs"/>
+              </a:defRPr>
+            </a:lvl4pPr>
+            <a:lvl5pPr marL="2057400" indent="-228600" algn="l" defTabSz="914400" rtl="0" eaLnBrk="1" latinLnBrk="0" hangingPunct="1">
+              <a:lnSpc>
+                <a:spcPct val="120000"/>
+              </a:lnSpc>
+              <a:spcBef>
+                <a:spcPts val="500"/>
+              </a:spcBef>
+              <a:buClr>
+                <a:schemeClr val="accent1"/>
+              </a:buClr>
+              <a:buSzPct val="100000"/>
+              <a:buFont typeface="Arial" panose="020B0604020202020204" pitchFamily="34" charset="0"/>
+              <a:buChar char="•"/>
+              <a:defRPr sz="1200" kern="1200">
+                <a:solidFill>
+                  <a:schemeClr val="tx1"/>
+                </a:solidFill>
+                <a:effectLst/>
+                <a:latin typeface="+mn-lt"/>
+                <a:ea typeface="+mn-ea"/>
+                <a:cs typeface="+mn-cs"/>
+              </a:defRPr>
+            </a:lvl5pPr>
+            <a:lvl6pPr marL="2514600" indent="-228600" algn="l" defTabSz="914400" rtl="0" eaLnBrk="1" latinLnBrk="0" hangingPunct="1">
+              <a:lnSpc>
+                <a:spcPct val="120000"/>
+              </a:lnSpc>
+              <a:spcBef>
+                <a:spcPts val="500"/>
+              </a:spcBef>
+              <a:buClr>
+                <a:schemeClr val="accent1"/>
+              </a:buClr>
+              <a:buSzPct val="100000"/>
+              <a:buFont typeface="Arial" panose="020B0604020202020204" pitchFamily="34" charset="0"/>
+              <a:buChar char="•"/>
+              <a:defRPr sz="1200" kern="1200">
+                <a:solidFill>
+                  <a:schemeClr val="tx1"/>
+                </a:solidFill>
+                <a:effectLst/>
+                <a:latin typeface="+mn-lt"/>
+                <a:ea typeface="+mn-ea"/>
+                <a:cs typeface="+mn-cs"/>
+              </a:defRPr>
+            </a:lvl6pPr>
+            <a:lvl7pPr marL="2971800" indent="-228600" algn="l" defTabSz="914400" rtl="0" eaLnBrk="1" latinLnBrk="0" hangingPunct="1">
+              <a:lnSpc>
+                <a:spcPct val="120000"/>
+              </a:lnSpc>
+              <a:spcBef>
+                <a:spcPts val="500"/>
+              </a:spcBef>
+              <a:buClr>
+                <a:schemeClr val="accent1"/>
+              </a:buClr>
+              <a:buSzPct val="100000"/>
+              <a:buFont typeface="Arial" panose="020B0604020202020204" pitchFamily="34" charset="0"/>
+              <a:buChar char="•"/>
+              <a:defRPr sz="1200" kern="1200">
+                <a:solidFill>
+                  <a:schemeClr val="tx1"/>
+                </a:solidFill>
+                <a:effectLst/>
+                <a:latin typeface="+mn-lt"/>
+                <a:ea typeface="+mn-ea"/>
+                <a:cs typeface="+mn-cs"/>
+              </a:defRPr>
+            </a:lvl7pPr>
+            <a:lvl8pPr marL="3429000" indent="-228600" algn="l" defTabSz="914400" rtl="0" eaLnBrk="1" latinLnBrk="0" hangingPunct="1">
+              <a:lnSpc>
+                <a:spcPct val="120000"/>
+              </a:lnSpc>
+              <a:spcBef>
+                <a:spcPts val="500"/>
+              </a:spcBef>
+              <a:buClr>
+                <a:schemeClr val="accent1"/>
+              </a:buClr>
+              <a:buSzPct val="100000"/>
+              <a:buFont typeface="Arial" panose="020B0604020202020204" pitchFamily="34" charset="0"/>
+              <a:buChar char="•"/>
+              <a:defRPr sz="1200" kern="1200" baseline="0">
+                <a:solidFill>
+                  <a:schemeClr val="tx1"/>
+                </a:solidFill>
+                <a:effectLst/>
+                <a:latin typeface="+mn-lt"/>
+                <a:ea typeface="+mn-ea"/>
+                <a:cs typeface="+mn-cs"/>
+              </a:defRPr>
+            </a:lvl8pPr>
+            <a:lvl9pPr marL="3886200" indent="-228600" algn="l" defTabSz="914400" rtl="0" eaLnBrk="1" latinLnBrk="0" hangingPunct="1">
+              <a:lnSpc>
+                <a:spcPct val="120000"/>
+              </a:lnSpc>
+              <a:spcBef>
+                <a:spcPts val="500"/>
+              </a:spcBef>
+              <a:buClr>
+                <a:schemeClr val="accent1"/>
+              </a:buClr>
+              <a:buSzPct val="100000"/>
+              <a:buFont typeface="Arial" panose="020B0604020202020204" pitchFamily="34" charset="0"/>
+              <a:buChar char="•"/>
+              <a:defRPr sz="1200" kern="1200" baseline="0">
+                <a:solidFill>
+                  <a:schemeClr val="tx1"/>
+                </a:solidFill>
+                <a:effectLst/>
+                <a:latin typeface="+mn-lt"/>
+                <a:ea typeface="+mn-ea"/>
+                <a:cs typeface="+mn-cs"/>
+              </a:defRPr>
+            </a:lvl9pPr>
+          </a:lstStyle>
+          <a:p>
+            <a:pPr marL="342900" marR="0" lvl="0" indent="-342900">
+              <a:lnSpc>
+                <a:spcPct val="115000"/>
+              </a:lnSpc>
+              <a:spcAft>
+                <a:spcPts val="1000"/>
+              </a:spcAft>
+              <a:buFont typeface="Arial" panose="020B0604020202020204" pitchFamily="34" charset="0"/>
+              <a:buChar char="●"/>
+            </a:pPr>
+            <a:r>
+              <a:rPr lang="es-CL" sz="1800" u="none" strike="noStrike" dirty="0">
+                <a:effectLst/>
+                <a:latin typeface="Arial" panose="020B0604020202020204" pitchFamily="34" charset="0"/>
+                <a:ea typeface="Arial" panose="020B0604020202020204" pitchFamily="34" charset="0"/>
+              </a:rPr>
+              <a:t>Gestionar Perfiles</a:t>
+            </a:r>
+            <a:endParaRPr lang="en-US" sz="1800" dirty="0">
+              <a:effectLst/>
+              <a:latin typeface="Calibri" panose="020F0502020204030204" pitchFamily="34" charset="0"/>
+              <a:ea typeface="Calibri" panose="020F0502020204030204" pitchFamily="34" charset="0"/>
+            </a:endParaRPr>
+          </a:p>
+          <a:p>
+            <a:pPr marL="342900" marR="0" lvl="0" indent="-342900">
+              <a:lnSpc>
+                <a:spcPct val="115000"/>
+              </a:lnSpc>
+              <a:spcAft>
+                <a:spcPts val="1000"/>
+              </a:spcAft>
+              <a:buFont typeface="Arial" panose="020B0604020202020204" pitchFamily="34" charset="0"/>
+              <a:buChar char="●"/>
+            </a:pPr>
+            <a:r>
+              <a:rPr lang="es-CL" sz="1800" u="none" strike="noStrike" dirty="0">
+                <a:effectLst/>
+                <a:latin typeface="Arial" panose="020B0604020202020204" pitchFamily="34" charset="0"/>
+                <a:ea typeface="Arial" panose="020B0604020202020204" pitchFamily="34" charset="0"/>
+              </a:rPr>
+              <a:t>Solicitar Soporte</a:t>
+            </a:r>
+          </a:p>
+          <a:p>
+            <a:pPr marL="342900" marR="0" lvl="0" indent="-342900">
+              <a:lnSpc>
+                <a:spcPct val="115000"/>
+              </a:lnSpc>
+              <a:spcAft>
+                <a:spcPts val="1000"/>
+              </a:spcAft>
+              <a:buFont typeface="Arial" panose="020B0604020202020204" pitchFamily="34" charset="0"/>
+              <a:buChar char="●"/>
+            </a:pPr>
+            <a:r>
+              <a:rPr lang="es-CL" sz="1800" u="none" strike="noStrike" dirty="0">
+                <a:effectLst/>
+                <a:latin typeface="Arial" panose="020B0604020202020204" pitchFamily="34" charset="0"/>
+                <a:ea typeface="Arial" panose="020B0604020202020204" pitchFamily="34" charset="0"/>
+              </a:rPr>
+              <a:t>Dejar Reseñas y Calificaciones</a:t>
+            </a:r>
+          </a:p>
+          <a:p>
+            <a:pPr marL="342900" marR="0" lvl="0" indent="-342900">
+              <a:lnSpc>
+                <a:spcPct val="115000"/>
+              </a:lnSpc>
+              <a:spcAft>
+                <a:spcPts val="1000"/>
+              </a:spcAft>
+              <a:buFont typeface="Arial" panose="020B0604020202020204" pitchFamily="34" charset="0"/>
+              <a:buChar char="●"/>
+            </a:pPr>
+            <a:r>
+              <a:rPr lang="es-CL" sz="1800" dirty="0">
+                <a:effectLst/>
+                <a:latin typeface="Arial" panose="020B0604020202020204" pitchFamily="34" charset="0"/>
+                <a:ea typeface="Arial" panose="020B0604020202020204" pitchFamily="34" charset="0"/>
+              </a:rPr>
+              <a:t>Aplicar Cupones y Descuentos</a:t>
+            </a:r>
+            <a:endParaRPr lang="en-US" sz="1800" dirty="0"/>
+          </a:p>
+        </p:txBody>
+      </p:sp>
+    </p:spTree>
+    <p:extLst>
+      <p:ext uri="{BB962C8B-B14F-4D97-AF65-F5344CB8AC3E}">
+        <p14:creationId xmlns:p14="http://schemas.microsoft.com/office/powerpoint/2010/main" val="2282770362"/>
+      </p:ext>
+    </p:extLst>
+  </p:cSld>
+  <p:clrMapOvr>
+    <a:masterClrMapping/>
+  </p:clrMapOvr>
+</p:sld>
+</file>
+
+<file path=ppt/slides/slide6.xml><?xml version="1.0" encoding="utf-8"?>
 <p:sld xmlns:a="http://schemas.openxmlformats.org/drawingml/2006/main" xmlns:r="http://schemas.openxmlformats.org/officeDocument/2006/relationships" xmlns:p="http://schemas.openxmlformats.org/presentationml/2006/main">
   <p:cSld>
     <p:bg>
@@ -4768,7 +6170,7 @@
 </p:sld>
 </file>
 
-<file path=ppt/slides/slide5.xml><?xml version="1.0" encoding="utf-8"?>
+<file path=ppt/slides/slide7.xml><?xml version="1.0" encoding="utf-8"?>
 <p:sld xmlns:a="http://schemas.openxmlformats.org/drawingml/2006/main" xmlns:r="http://schemas.openxmlformats.org/officeDocument/2006/relationships" xmlns:p="http://schemas.openxmlformats.org/presentationml/2006/main">
   <p:cSld>
     <p:bg>
@@ -5650,7 +7052,7 @@
 </p:sld>
 </file>
 
-<file path=ppt/slides/slide6.xml><?xml version="1.0" encoding="utf-8"?>
+<file path=ppt/slides/slide8.xml><?xml version="1.0" encoding="utf-8"?>
 <p:sld xmlns:a="http://schemas.openxmlformats.org/drawingml/2006/main" xmlns:r="http://schemas.openxmlformats.org/officeDocument/2006/relationships" xmlns:p="http://schemas.openxmlformats.org/presentationml/2006/main">
   <p:cSld>
     <p:bg>
@@ -6532,7 +7934,7 @@
 </p:sld>
 </file>
 
-<file path=ppt/slides/slide7.xml><?xml version="1.0" encoding="utf-8"?>
+<file path=ppt/slides/slide9.xml><?xml version="1.0" encoding="utf-8"?>
 <p:sld xmlns:a="http://schemas.openxmlformats.org/drawingml/2006/main" xmlns:r="http://schemas.openxmlformats.org/officeDocument/2006/relationships" xmlns:p="http://schemas.openxmlformats.org/presentationml/2006/main">
   <p:cSld>
     <p:spTree>
@@ -6937,204 +8339,6 @@
     <p:extLst>
       <p:ext uri="{BB962C8B-B14F-4D97-AF65-F5344CB8AC3E}">
         <p14:creationId xmlns:p14="http://schemas.microsoft.com/office/powerpoint/2010/main" val="3337918867"/>
-      </p:ext>
-    </p:extLst>
-  </p:cSld>
-  <p:clrMapOvr>
-    <a:masterClrMapping/>
-  </p:clrMapOvr>
-</p:sld>
-</file>
-
-<file path=ppt/slides/slide8.xml><?xml version="1.0" encoding="utf-8"?>
-<p:sld xmlns:a="http://schemas.openxmlformats.org/drawingml/2006/main" xmlns:r="http://schemas.openxmlformats.org/officeDocument/2006/relationships" xmlns:p="http://schemas.openxmlformats.org/presentationml/2006/main">
-  <p:cSld>
-    <p:spTree>
-      <p:nvGrpSpPr>
-        <p:cNvPr id="1" name=""/>
-        <p:cNvGrpSpPr/>
-        <p:nvPr/>
-      </p:nvGrpSpPr>
-      <p:grpSpPr>
-        <a:xfrm>
-          <a:off x="0" y="0"/>
-          <a:ext cx="0" cy="0"/>
-          <a:chOff x="0" y="0"/>
-          <a:chExt cx="0" cy="0"/>
-        </a:xfrm>
-      </p:grpSpPr>
-      <p:sp>
-        <p:nvSpPr>
-          <p:cNvPr id="2" name="Título 1">
-            <a:extLst>
-              <a:ext uri="{FF2B5EF4-FFF2-40B4-BE49-F238E27FC236}">
-                <a16:creationId xmlns:a16="http://schemas.microsoft.com/office/drawing/2014/main" id="{91CD9692-978A-17DE-38F1-B467E213EB30}"/>
-              </a:ext>
-            </a:extLst>
-          </p:cNvPr>
-          <p:cNvSpPr>
-            <a:spLocks noGrp="1"/>
-          </p:cNvSpPr>
-          <p:nvPr>
-            <p:ph type="title"/>
-          </p:nvPr>
-        </p:nvSpPr>
-        <p:spPr/>
-        <p:txBody>
-          <a:bodyPr/>
-          <a:lstStyle/>
-          <a:p>
-            <a:pPr algn="ctr"/>
-            <a:r>
-              <a:rPr lang="es-CL" dirty="0"/>
-              <a:t>Trabajo en equipo </a:t>
-            </a:r>
-          </a:p>
-        </p:txBody>
-      </p:sp>
-      <p:sp>
-        <p:nvSpPr>
-          <p:cNvPr id="3" name="Marcador de contenido 2">
-            <a:extLst>
-              <a:ext uri="{FF2B5EF4-FFF2-40B4-BE49-F238E27FC236}">
-                <a16:creationId xmlns:a16="http://schemas.microsoft.com/office/drawing/2014/main" id="{9A68AC55-5748-B596-E3B6-83DBE3D7C0BD}"/>
-              </a:ext>
-            </a:extLst>
-          </p:cNvPr>
-          <p:cNvSpPr>
-            <a:spLocks noGrp="1"/>
-          </p:cNvSpPr>
-          <p:nvPr>
-            <p:ph idx="1"/>
-          </p:nvPr>
-        </p:nvSpPr>
-        <p:spPr/>
-        <p:txBody>
-          <a:bodyPr>
-            <a:normAutofit/>
-          </a:bodyPr>
-          <a:lstStyle/>
-          <a:p>
-            <a:r>
-              <a:rPr lang="es-MX" b="0" i="0" u="none" strike="noStrike" dirty="0">
-                <a:solidFill>
-                  <a:srgbClr val="000000"/>
-                </a:solidFill>
-                <a:effectLst/>
-                <a:latin typeface="Gill Sans MT (Cuerpo)"/>
-              </a:rPr>
-              <a:t>Planificamos con Miro, usamos GitHub para controlar versiones y colaboramos por WhatsApp y Discord. Nos organizamos por tareas y cada uno trabajó en microservicios específicos.</a:t>
-            </a:r>
-            <a:endParaRPr lang="es-CL" dirty="0">
-              <a:latin typeface="Gill Sans MT (Cuerpo)"/>
-            </a:endParaRPr>
-          </a:p>
-        </p:txBody>
-      </p:sp>
-    </p:spTree>
-    <p:extLst>
-      <p:ext uri="{BB962C8B-B14F-4D97-AF65-F5344CB8AC3E}">
-        <p14:creationId xmlns:p14="http://schemas.microsoft.com/office/powerpoint/2010/main" val="2074516302"/>
-      </p:ext>
-    </p:extLst>
-  </p:cSld>
-  <p:clrMapOvr>
-    <a:masterClrMapping/>
-  </p:clrMapOvr>
-</p:sld>
-</file>
-
-<file path=ppt/slides/slide9.xml><?xml version="1.0" encoding="utf-8"?>
-<p:sld xmlns:a="http://schemas.openxmlformats.org/drawingml/2006/main" xmlns:r="http://schemas.openxmlformats.org/officeDocument/2006/relationships" xmlns:p="http://schemas.openxmlformats.org/presentationml/2006/main">
-  <p:cSld>
-    <p:spTree>
-      <p:nvGrpSpPr>
-        <p:cNvPr id="1" name=""/>
-        <p:cNvGrpSpPr/>
-        <p:nvPr/>
-      </p:nvGrpSpPr>
-      <p:grpSpPr>
-        <a:xfrm>
-          <a:off x="0" y="0"/>
-          <a:ext cx="0" cy="0"/>
-          <a:chOff x="0" y="0"/>
-          <a:chExt cx="0" cy="0"/>
-        </a:xfrm>
-      </p:grpSpPr>
-      <p:sp>
-        <p:nvSpPr>
-          <p:cNvPr id="2" name="Título 1">
-            <a:extLst>
-              <a:ext uri="{FF2B5EF4-FFF2-40B4-BE49-F238E27FC236}">
-                <a16:creationId xmlns:a16="http://schemas.microsoft.com/office/drawing/2014/main" id="{0494E2F3-0FFE-5F19-C8D2-4B9EBF86A9FC}"/>
-              </a:ext>
-            </a:extLst>
-          </p:cNvPr>
-          <p:cNvSpPr>
-            <a:spLocks noGrp="1"/>
-          </p:cNvSpPr>
-          <p:nvPr>
-            <p:ph type="title"/>
-          </p:nvPr>
-        </p:nvSpPr>
-        <p:spPr/>
-        <p:txBody>
-          <a:bodyPr/>
-          <a:lstStyle/>
-          <a:p>
-            <a:pPr algn="ctr"/>
-            <a:r>
-              <a:rPr lang="es-CL" dirty="0"/>
-              <a:t>Ética y privacidad </a:t>
-            </a:r>
-          </a:p>
-        </p:txBody>
-      </p:sp>
-      <p:sp>
-        <p:nvSpPr>
-          <p:cNvPr id="3" name="Marcador de contenido 2">
-            <a:extLst>
-              <a:ext uri="{FF2B5EF4-FFF2-40B4-BE49-F238E27FC236}">
-                <a16:creationId xmlns:a16="http://schemas.microsoft.com/office/drawing/2014/main" id="{FC7160DC-9634-479F-8FFA-41E8587450FA}"/>
-              </a:ext>
-            </a:extLst>
-          </p:cNvPr>
-          <p:cNvSpPr>
-            <a:spLocks noGrp="1"/>
-          </p:cNvSpPr>
-          <p:nvPr>
-            <p:ph idx="1"/>
-          </p:nvPr>
-        </p:nvSpPr>
-        <p:spPr/>
-        <p:txBody>
-          <a:bodyPr>
-            <a:normAutofit/>
-          </a:bodyPr>
-          <a:lstStyle/>
-          <a:p>
-            <a:r>
-              <a:rPr lang="es-MX" b="0" i="0" u="none" strike="noStrike" dirty="0">
-                <a:solidFill>
-                  <a:srgbClr val="000000"/>
-                </a:solidFill>
-                <a:effectLst/>
-                <a:latin typeface="Gill Sans MT (Cuerpo)"/>
-                <a:cs typeface="Arial" panose="020B0604020202020204" pitchFamily="34" charset="0"/>
-              </a:rPr>
-              <a:t>Protegemos los datos personales con cifrado y roles de acceso. Nos aseguramos de que solo usuarios autorizados accedan a ciertas funciones y evitamos mostrar información sensible</a:t>
-            </a:r>
-            <a:endParaRPr lang="es-CL" dirty="0">
-              <a:latin typeface="Gill Sans MT (Cuerpo)"/>
-              <a:cs typeface="Arial" panose="020B0604020202020204" pitchFamily="34" charset="0"/>
-            </a:endParaRPr>
-          </a:p>
-        </p:txBody>
-      </p:sp>
-    </p:spTree>
-    <p:extLst>
-      <p:ext uri="{BB962C8B-B14F-4D97-AF65-F5344CB8AC3E}">
-        <p14:creationId xmlns:p14="http://schemas.microsoft.com/office/powerpoint/2010/main" val="2640588625"/>
       </p:ext>
     </p:extLst>
   </p:cSld>

--- a/Presentacion caso 3.pptx
+++ b/Presentacion caso 3.pptx
@@ -10,12 +10,13 @@
     <p:sldId id="258" r:id="rId4"/>
     <p:sldId id="265" r:id="rId5"/>
     <p:sldId id="266" r:id="rId6"/>
-    <p:sldId id="264" r:id="rId7"/>
-    <p:sldId id="262" r:id="rId8"/>
-    <p:sldId id="263" r:id="rId9"/>
-    <p:sldId id="259" r:id="rId10"/>
-    <p:sldId id="260" r:id="rId11"/>
-    <p:sldId id="261" r:id="rId12"/>
+    <p:sldId id="267" r:id="rId7"/>
+    <p:sldId id="264" r:id="rId8"/>
+    <p:sldId id="262" r:id="rId9"/>
+    <p:sldId id="263" r:id="rId10"/>
+    <p:sldId id="259" r:id="rId11"/>
+    <p:sldId id="260" r:id="rId12"/>
+    <p:sldId id="261" r:id="rId13"/>
   </p:sldIdLst>
   <p:sldSz cx="12192000" cy="6858000"/>
   <p:notesSz cx="6858000" cy="9144000"/>
@@ -3695,6 +3696,420 @@
           <p:cNvPr id="2" name="Título 1">
             <a:extLst>
               <a:ext uri="{FF2B5EF4-FFF2-40B4-BE49-F238E27FC236}">
+                <a16:creationId xmlns:a16="http://schemas.microsoft.com/office/drawing/2014/main" id="{81B67B40-0D05-367E-11B1-3BB9197AC337}"/>
+              </a:ext>
+            </a:extLst>
+          </p:cNvPr>
+          <p:cNvSpPr>
+            <a:spLocks noGrp="1"/>
+          </p:cNvSpPr>
+          <p:nvPr>
+            <p:ph type="title"/>
+          </p:nvPr>
+        </p:nvSpPr>
+        <p:spPr>
+          <a:xfrm>
+            <a:off x="1451579" y="580232"/>
+            <a:ext cx="9603275" cy="1049235"/>
+          </a:xfrm>
+        </p:spPr>
+        <p:txBody>
+          <a:bodyPr/>
+          <a:lstStyle/>
+          <a:p>
+            <a:pPr algn="ctr"/>
+            <a:r>
+              <a:rPr lang="es-CL" dirty="0"/>
+              <a:t>Herramientas usadas</a:t>
+            </a:r>
+          </a:p>
+        </p:txBody>
+      </p:sp>
+      <p:sp>
+        <p:nvSpPr>
+          <p:cNvPr id="3" name="Marcador de contenido 2">
+            <a:extLst>
+              <a:ext uri="{FF2B5EF4-FFF2-40B4-BE49-F238E27FC236}">
+                <a16:creationId xmlns:a16="http://schemas.microsoft.com/office/drawing/2014/main" id="{2888648A-4786-043C-274B-095D56882F45}"/>
+              </a:ext>
+            </a:extLst>
+          </p:cNvPr>
+          <p:cNvSpPr>
+            <a:spLocks noGrp="1"/>
+          </p:cNvSpPr>
+          <p:nvPr>
+            <p:ph idx="1"/>
+          </p:nvPr>
+        </p:nvSpPr>
+        <p:spPr>
+          <a:xfrm>
+            <a:off x="1451579" y="1840942"/>
+            <a:ext cx="9603275" cy="4436826"/>
+          </a:xfrm>
+        </p:spPr>
+        <p:txBody>
+          <a:bodyPr>
+            <a:normAutofit fontScale="25000" lnSpcReduction="20000"/>
+          </a:bodyPr>
+          <a:lstStyle/>
+          <a:p>
+            <a:pPr marR="381000" rtl="0" fontAlgn="base">
+              <a:spcBef>
+                <a:spcPts val="1200"/>
+              </a:spcBef>
+              <a:buFont typeface="Arial" panose="020B0604020202020204" pitchFamily="34" charset="0"/>
+              <a:buChar char="•"/>
+            </a:pPr>
+            <a:r>
+              <a:rPr lang="es-CL" sz="5000" b="1" i="0" u="none" strike="noStrike" dirty="0">
+                <a:solidFill>
+                  <a:srgbClr val="000000"/>
+                </a:solidFill>
+                <a:effectLst/>
+                <a:latin typeface="Arial" panose="020B0604020202020204" pitchFamily="34" charset="0"/>
+              </a:rPr>
+              <a:t>Gestión de Usuarios</a:t>
+            </a:r>
+            <a:r>
+              <a:rPr lang="es-CL" sz="5000" b="0" i="0" u="none" strike="noStrike" dirty="0">
+                <a:solidFill>
+                  <a:srgbClr val="000000"/>
+                </a:solidFill>
+                <a:effectLst/>
+                <a:latin typeface="Arial" panose="020B0604020202020204" pitchFamily="34" charset="0"/>
+              </a:rPr>
+              <a:t>: Spring Boot o Express.js + MySQL</a:t>
+            </a:r>
+            <a:br>
+              <a:rPr lang="es-CL" sz="5000" b="0" i="0" u="none" strike="noStrike" dirty="0">
+                <a:solidFill>
+                  <a:srgbClr val="000000"/>
+                </a:solidFill>
+                <a:effectLst/>
+                <a:latin typeface="Arial" panose="020B0604020202020204" pitchFamily="34" charset="0"/>
+              </a:rPr>
+            </a:br>
+            <a:br>
+              <a:rPr lang="es-CL" sz="5000" b="0" i="0" u="none" strike="noStrike" dirty="0">
+                <a:solidFill>
+                  <a:srgbClr val="000000"/>
+                </a:solidFill>
+                <a:effectLst/>
+                <a:latin typeface="Arial" panose="020B0604020202020204" pitchFamily="34" charset="0"/>
+              </a:rPr>
+            </a:br>
+            <a:endParaRPr lang="es-CL" sz="5000" b="0" i="0" u="none" strike="noStrike" dirty="0">
+              <a:solidFill>
+                <a:srgbClr val="000000"/>
+              </a:solidFill>
+              <a:effectLst/>
+              <a:latin typeface="Arial" panose="020B0604020202020204" pitchFamily="34" charset="0"/>
+            </a:endParaRPr>
+          </a:p>
+          <a:p>
+            <a:pPr marR="381000" rtl="0" fontAlgn="base">
+              <a:buFont typeface="Arial" panose="020B0604020202020204" pitchFamily="34" charset="0"/>
+              <a:buChar char="•"/>
+            </a:pPr>
+            <a:r>
+              <a:rPr lang="es-CL" sz="5000" b="1" i="0" u="none" strike="noStrike" dirty="0">
+                <a:solidFill>
+                  <a:srgbClr val="000000"/>
+                </a:solidFill>
+                <a:effectLst/>
+                <a:latin typeface="Arial" panose="020B0604020202020204" pitchFamily="34" charset="0"/>
+              </a:rPr>
+              <a:t>Inventario</a:t>
+            </a:r>
+            <a:r>
+              <a:rPr lang="es-CL" sz="5000" b="0" i="0" u="none" strike="noStrike" dirty="0">
+                <a:solidFill>
+                  <a:srgbClr val="000000"/>
+                </a:solidFill>
+                <a:effectLst/>
+                <a:latin typeface="Arial" panose="020B0604020202020204" pitchFamily="34" charset="0"/>
+              </a:rPr>
+              <a:t>: Django o Flask + MySQL</a:t>
+            </a:r>
+            <a:br>
+              <a:rPr lang="es-CL" sz="5000" b="0" i="0" u="none" strike="noStrike" dirty="0">
+                <a:solidFill>
+                  <a:srgbClr val="000000"/>
+                </a:solidFill>
+                <a:effectLst/>
+                <a:latin typeface="Arial" panose="020B0604020202020204" pitchFamily="34" charset="0"/>
+              </a:rPr>
+            </a:br>
+            <a:br>
+              <a:rPr lang="es-CL" sz="5000" b="0" i="0" u="none" strike="noStrike" dirty="0">
+                <a:solidFill>
+                  <a:srgbClr val="000000"/>
+                </a:solidFill>
+                <a:effectLst/>
+                <a:latin typeface="Arial" panose="020B0604020202020204" pitchFamily="34" charset="0"/>
+              </a:rPr>
+            </a:br>
+            <a:endParaRPr lang="es-CL" sz="5000" b="0" i="0" u="none" strike="noStrike" dirty="0">
+              <a:solidFill>
+                <a:srgbClr val="000000"/>
+              </a:solidFill>
+              <a:effectLst/>
+              <a:latin typeface="Arial" panose="020B0604020202020204" pitchFamily="34" charset="0"/>
+            </a:endParaRPr>
+          </a:p>
+          <a:p>
+            <a:pPr marR="381000" rtl="0" fontAlgn="base">
+              <a:buFont typeface="Arial" panose="020B0604020202020204" pitchFamily="34" charset="0"/>
+              <a:buChar char="•"/>
+            </a:pPr>
+            <a:r>
+              <a:rPr lang="es-CL" sz="5000" b="1" i="0" u="none" strike="noStrike" dirty="0">
+                <a:solidFill>
+                  <a:srgbClr val="000000"/>
+                </a:solidFill>
+                <a:effectLst/>
+                <a:latin typeface="Arial" panose="020B0604020202020204" pitchFamily="34" charset="0"/>
+              </a:rPr>
+              <a:t>Pedidos</a:t>
+            </a:r>
+            <a:r>
+              <a:rPr lang="es-CL" sz="5000" b="0" i="0" u="none" strike="noStrike" dirty="0">
+                <a:solidFill>
+                  <a:srgbClr val="000000"/>
+                </a:solidFill>
+                <a:effectLst/>
+                <a:latin typeface="Arial" panose="020B0604020202020204" pitchFamily="34" charset="0"/>
+              </a:rPr>
+              <a:t>: Spring Boot o Ruby on Rails + MySQL</a:t>
+            </a:r>
+            <a:br>
+              <a:rPr lang="es-CL" sz="5000" b="0" i="0" u="none" strike="noStrike" dirty="0">
+                <a:solidFill>
+                  <a:srgbClr val="000000"/>
+                </a:solidFill>
+                <a:effectLst/>
+                <a:latin typeface="Arial" panose="020B0604020202020204" pitchFamily="34" charset="0"/>
+              </a:rPr>
+            </a:br>
+            <a:br>
+              <a:rPr lang="es-CL" sz="5000" b="0" i="0" u="none" strike="noStrike" dirty="0">
+                <a:solidFill>
+                  <a:srgbClr val="000000"/>
+                </a:solidFill>
+                <a:effectLst/>
+                <a:latin typeface="Arial" panose="020B0604020202020204" pitchFamily="34" charset="0"/>
+              </a:rPr>
+            </a:br>
+            <a:endParaRPr lang="es-CL" sz="5000" b="0" i="0" u="none" strike="noStrike" dirty="0">
+              <a:solidFill>
+                <a:srgbClr val="000000"/>
+              </a:solidFill>
+              <a:effectLst/>
+              <a:latin typeface="Arial" panose="020B0604020202020204" pitchFamily="34" charset="0"/>
+            </a:endParaRPr>
+          </a:p>
+          <a:p>
+            <a:pPr marR="381000" rtl="0" fontAlgn="base">
+              <a:buFont typeface="Arial" panose="020B0604020202020204" pitchFamily="34" charset="0"/>
+              <a:buChar char="•"/>
+            </a:pPr>
+            <a:r>
+              <a:rPr lang="es-CL" sz="5000" b="1" i="0" u="none" strike="noStrike" dirty="0">
+                <a:solidFill>
+                  <a:srgbClr val="000000"/>
+                </a:solidFill>
+                <a:effectLst/>
+                <a:latin typeface="Arial" panose="020B0604020202020204" pitchFamily="34" charset="0"/>
+              </a:rPr>
+              <a:t>Envíos</a:t>
+            </a:r>
+            <a:r>
+              <a:rPr lang="es-CL" sz="5000" b="0" i="0" u="none" strike="noStrike" dirty="0">
+                <a:solidFill>
+                  <a:srgbClr val="000000"/>
+                </a:solidFill>
+                <a:effectLst/>
+                <a:latin typeface="Arial" panose="020B0604020202020204" pitchFamily="34" charset="0"/>
+              </a:rPr>
+              <a:t>: Node.js o ASP.NET Core + MySQL</a:t>
+            </a:r>
+            <a:br>
+              <a:rPr lang="es-CL" sz="5000" b="0" i="0" u="none" strike="noStrike" dirty="0">
+                <a:solidFill>
+                  <a:srgbClr val="000000"/>
+                </a:solidFill>
+                <a:effectLst/>
+                <a:latin typeface="Arial" panose="020B0604020202020204" pitchFamily="34" charset="0"/>
+              </a:rPr>
+            </a:br>
+            <a:br>
+              <a:rPr lang="es-CL" sz="5000" b="0" i="0" u="none" strike="noStrike" dirty="0">
+                <a:solidFill>
+                  <a:srgbClr val="000000"/>
+                </a:solidFill>
+                <a:effectLst/>
+                <a:latin typeface="Arial" panose="020B0604020202020204" pitchFamily="34" charset="0"/>
+              </a:rPr>
+            </a:br>
+            <a:endParaRPr lang="es-CL" sz="5000" b="0" i="0" u="none" strike="noStrike" dirty="0">
+              <a:solidFill>
+                <a:srgbClr val="000000"/>
+              </a:solidFill>
+              <a:effectLst/>
+              <a:latin typeface="Arial" panose="020B0604020202020204" pitchFamily="34" charset="0"/>
+            </a:endParaRPr>
+          </a:p>
+          <a:p>
+            <a:pPr marR="381000" rtl="0" fontAlgn="base">
+              <a:buFont typeface="Arial" panose="020B0604020202020204" pitchFamily="34" charset="0"/>
+              <a:buChar char="•"/>
+            </a:pPr>
+            <a:r>
+              <a:rPr lang="es-CL" sz="5000" b="1" i="0" u="none" strike="noStrike" dirty="0">
+                <a:solidFill>
+                  <a:srgbClr val="000000"/>
+                </a:solidFill>
+                <a:effectLst/>
+                <a:latin typeface="Arial" panose="020B0604020202020204" pitchFamily="34" charset="0"/>
+              </a:rPr>
+              <a:t>Atención al Cliente</a:t>
+            </a:r>
+            <a:r>
+              <a:rPr lang="es-CL" sz="5000" b="0" i="0" u="none" strike="noStrike" dirty="0">
+                <a:solidFill>
+                  <a:srgbClr val="000000"/>
+                </a:solidFill>
+                <a:effectLst/>
+                <a:latin typeface="Arial" panose="020B0604020202020204" pitchFamily="34" charset="0"/>
+              </a:rPr>
+              <a:t>: Flask o Express.js + MySQL</a:t>
+            </a:r>
+            <a:br>
+              <a:rPr lang="es-CL" sz="5000" b="0" i="0" u="none" strike="noStrike" dirty="0">
+                <a:solidFill>
+                  <a:srgbClr val="000000"/>
+                </a:solidFill>
+                <a:effectLst/>
+                <a:latin typeface="Arial" panose="020B0604020202020204" pitchFamily="34" charset="0"/>
+              </a:rPr>
+            </a:br>
+            <a:br>
+              <a:rPr lang="es-CL" sz="5000" b="0" i="0" u="none" strike="noStrike" dirty="0">
+                <a:solidFill>
+                  <a:srgbClr val="000000"/>
+                </a:solidFill>
+                <a:effectLst/>
+                <a:latin typeface="Arial" panose="020B0604020202020204" pitchFamily="34" charset="0"/>
+              </a:rPr>
+            </a:br>
+            <a:endParaRPr lang="es-CL" sz="5000" b="0" i="0" u="none" strike="noStrike" dirty="0">
+              <a:solidFill>
+                <a:srgbClr val="000000"/>
+              </a:solidFill>
+              <a:effectLst/>
+              <a:latin typeface="Arial" panose="020B0604020202020204" pitchFamily="34" charset="0"/>
+            </a:endParaRPr>
+          </a:p>
+          <a:p>
+            <a:pPr marR="381000" rtl="0" fontAlgn="base">
+              <a:buFont typeface="Arial" panose="020B0604020202020204" pitchFamily="34" charset="0"/>
+              <a:buChar char="•"/>
+            </a:pPr>
+            <a:r>
+              <a:rPr lang="es-CL" sz="5000" b="1" i="0" u="none" strike="noStrike" dirty="0">
+                <a:solidFill>
+                  <a:srgbClr val="000000"/>
+                </a:solidFill>
+                <a:effectLst/>
+                <a:latin typeface="Arial" panose="020B0604020202020204" pitchFamily="34" charset="0"/>
+              </a:rPr>
+              <a:t>Reportes</a:t>
+            </a:r>
+            <a:r>
+              <a:rPr lang="es-CL" sz="5000" b="0" i="0" u="none" strike="noStrike" dirty="0">
+                <a:solidFill>
+                  <a:srgbClr val="000000"/>
+                </a:solidFill>
+                <a:effectLst/>
+                <a:latin typeface="Arial" panose="020B0604020202020204" pitchFamily="34" charset="0"/>
+              </a:rPr>
+              <a:t>: Spring Boot o Django + MySQL</a:t>
+            </a:r>
+          </a:p>
+          <a:p>
+            <a:pPr marL="457200" marR="381000" rtl="0">
+              <a:buNone/>
+            </a:pPr>
+            <a:r>
+              <a:rPr lang="es-CL" sz="5000" b="0" i="0" u="none" strike="noStrike" dirty="0">
+                <a:solidFill>
+                  <a:srgbClr val="000000"/>
+                </a:solidFill>
+                <a:effectLst/>
+                <a:latin typeface="Arial" panose="020B0604020202020204" pitchFamily="34" charset="0"/>
+              </a:rPr>
+              <a:t>Estas tecnologías fueron elegidas por su eficiencia, compatibilidad con microservicios y facilidad de integración</a:t>
+            </a:r>
+            <a:r>
+              <a:rPr lang="es-CL" sz="1800" b="0" i="0" u="none" strike="noStrike" dirty="0">
+                <a:solidFill>
+                  <a:srgbClr val="000000"/>
+                </a:solidFill>
+                <a:effectLst/>
+                <a:latin typeface="Arial" panose="020B0604020202020204" pitchFamily="34" charset="0"/>
+              </a:rPr>
+              <a:t>.</a:t>
+            </a:r>
+            <a:endParaRPr lang="es-CL" b="0" dirty="0">
+              <a:effectLst/>
+            </a:endParaRPr>
+          </a:p>
+          <a:p>
+            <a:pPr>
+              <a:buNone/>
+            </a:pPr>
+            <a:br>
+              <a:rPr lang="es-CL" dirty="0"/>
+            </a:br>
+            <a:endParaRPr lang="es-CL" dirty="0"/>
+          </a:p>
+        </p:txBody>
+      </p:sp>
+    </p:spTree>
+    <p:extLst>
+      <p:ext uri="{BB962C8B-B14F-4D97-AF65-F5344CB8AC3E}">
+        <p14:creationId xmlns:p14="http://schemas.microsoft.com/office/powerpoint/2010/main" val="3337918867"/>
+      </p:ext>
+    </p:extLst>
+  </p:cSld>
+  <p:clrMapOvr>
+    <a:masterClrMapping/>
+  </p:clrMapOvr>
+</p:sld>
+</file>
+
+<file path=ppt/slides/slide11.xml><?xml version="1.0" encoding="utf-8"?>
+<p:sld xmlns:a="http://schemas.openxmlformats.org/drawingml/2006/main" xmlns:r="http://schemas.openxmlformats.org/officeDocument/2006/relationships" xmlns:p="http://schemas.openxmlformats.org/presentationml/2006/main">
+  <p:cSld>
+    <p:spTree>
+      <p:nvGrpSpPr>
+        <p:cNvPr id="1" name=""/>
+        <p:cNvGrpSpPr/>
+        <p:nvPr/>
+      </p:nvGrpSpPr>
+      <p:grpSpPr>
+        <a:xfrm>
+          <a:off x="0" y="0"/>
+          <a:ext cx="0" cy="0"/>
+          <a:chOff x="0" y="0"/>
+          <a:chExt cx="0" cy="0"/>
+        </a:xfrm>
+      </p:grpSpPr>
+      <p:sp>
+        <p:nvSpPr>
+          <p:cNvPr id="2" name="Título 1">
+            <a:extLst>
+              <a:ext uri="{FF2B5EF4-FFF2-40B4-BE49-F238E27FC236}">
                 <a16:creationId xmlns:a16="http://schemas.microsoft.com/office/drawing/2014/main" id="{91CD9692-978A-17DE-38F1-B467E213EB30}"/>
               </a:ext>
             </a:extLst>
@@ -3771,7 +4186,7 @@
 </p:sld>
 </file>
 
-<file path=ppt/slides/slide11.xml><?xml version="1.0" encoding="utf-8"?>
+<file path=ppt/slides/slide12.xml><?xml version="1.0" encoding="utf-8"?>
 <p:sld xmlns:a="http://schemas.openxmlformats.org/drawingml/2006/main" xmlns:r="http://schemas.openxmlformats.org/officeDocument/2006/relationships" xmlns:p="http://schemas.openxmlformats.org/presentationml/2006/main">
   <p:cSld>
     <p:spTree>
@@ -5291,6 +5706,255 @@
 <file path=ppt/slides/slide6.xml><?xml version="1.0" encoding="utf-8"?>
 <p:sld xmlns:a="http://schemas.openxmlformats.org/drawingml/2006/main" xmlns:r="http://schemas.openxmlformats.org/officeDocument/2006/relationships" xmlns:p="http://schemas.openxmlformats.org/presentationml/2006/main">
   <p:cSld>
+    <p:spTree>
+      <p:nvGrpSpPr>
+        <p:cNvPr id="1" name=""/>
+        <p:cNvGrpSpPr/>
+        <p:nvPr/>
+      </p:nvGrpSpPr>
+      <p:grpSpPr>
+        <a:xfrm>
+          <a:off x="0" y="0"/>
+          <a:ext cx="0" cy="0"/>
+          <a:chOff x="0" y="0"/>
+          <a:chExt cx="0" cy="0"/>
+        </a:xfrm>
+      </p:grpSpPr>
+      <p:sp>
+        <p:nvSpPr>
+          <p:cNvPr id="2" name="Título 1">
+            <a:extLst>
+              <a:ext uri="{FF2B5EF4-FFF2-40B4-BE49-F238E27FC236}">
+                <a16:creationId xmlns:a16="http://schemas.microsoft.com/office/drawing/2014/main" id="{E5251064-A5DF-0E2C-9C49-A84F2DFED06F}"/>
+              </a:ext>
+            </a:extLst>
+          </p:cNvPr>
+          <p:cNvSpPr>
+            <a:spLocks noGrp="1"/>
+          </p:cNvSpPr>
+          <p:nvPr>
+            <p:ph type="title"/>
+          </p:nvPr>
+        </p:nvSpPr>
+        <p:spPr/>
+        <p:txBody>
+          <a:bodyPr/>
+          <a:lstStyle/>
+          <a:p>
+            <a:r>
+              <a:rPr lang="es-ES" dirty="0"/>
+              <a:t>Requisitos no funcionales</a:t>
+            </a:r>
+            <a:endParaRPr lang="en-US" dirty="0"/>
+          </a:p>
+        </p:txBody>
+      </p:sp>
+      <p:sp>
+        <p:nvSpPr>
+          <p:cNvPr id="3" name="Marcador de contenido 2">
+            <a:extLst>
+              <a:ext uri="{FF2B5EF4-FFF2-40B4-BE49-F238E27FC236}">
+                <a16:creationId xmlns:a16="http://schemas.microsoft.com/office/drawing/2014/main" id="{A9134FAE-786A-90AB-1E2D-9FAF7CD5B2A0}"/>
+              </a:ext>
+            </a:extLst>
+          </p:cNvPr>
+          <p:cNvSpPr>
+            <a:spLocks noGrp="1"/>
+          </p:cNvSpPr>
+          <p:nvPr>
+            <p:ph idx="1"/>
+          </p:nvPr>
+        </p:nvSpPr>
+        <p:spPr/>
+        <p:txBody>
+          <a:bodyPr>
+            <a:normAutofit fontScale="85000" lnSpcReduction="20000"/>
+          </a:bodyPr>
+          <a:lstStyle/>
+          <a:p>
+            <a:pPr marL="342900" marR="0" lvl="0" indent="-342900">
+              <a:lnSpc>
+                <a:spcPct val="115000"/>
+              </a:lnSpc>
+              <a:spcAft>
+                <a:spcPts val="2100"/>
+              </a:spcAft>
+              <a:buFont typeface="Arial" panose="020B0604020202020204" pitchFamily="34" charset="0"/>
+              <a:buChar char="●"/>
+            </a:pPr>
+            <a:r>
+              <a:rPr lang="es-CL" sz="1800" u="none" strike="noStrike" dirty="0">
+                <a:effectLst/>
+                <a:latin typeface="Arial" panose="020B0604020202020204" pitchFamily="34" charset="0"/>
+                <a:ea typeface="Arial" panose="020B0604020202020204" pitchFamily="34" charset="0"/>
+              </a:rPr>
+              <a:t>Rendimiento</a:t>
+            </a:r>
+            <a:r>
+              <a:rPr lang="es-CL" sz="1800" b="1" u="none" strike="noStrike" dirty="0">
+                <a:effectLst/>
+                <a:latin typeface="Arial" panose="020B0604020202020204" pitchFamily="34" charset="0"/>
+                <a:ea typeface="Arial" panose="020B0604020202020204" pitchFamily="34" charset="0"/>
+              </a:rPr>
+              <a:t>:</a:t>
+            </a:r>
+            <a:r>
+              <a:rPr lang="es-CL" sz="1800" u="none" strike="noStrike" dirty="0">
+                <a:effectLst/>
+                <a:latin typeface="Arial" panose="020B0604020202020204" pitchFamily="34" charset="0"/>
+                <a:ea typeface="Arial" panose="020B0604020202020204" pitchFamily="34" charset="0"/>
+              </a:rPr>
+              <a:t> El sistema debe manejar al menos 1000 transacciones simultáneas sin degradar el rendimiento.</a:t>
+            </a:r>
+            <a:endParaRPr lang="en-US" sz="1800" u="none" strike="noStrike" dirty="0">
+              <a:effectLst/>
+              <a:latin typeface="Calibri" panose="020F0502020204030204" pitchFamily="34" charset="0"/>
+              <a:ea typeface="Calibri" panose="020F0502020204030204" pitchFamily="34" charset="0"/>
+            </a:endParaRPr>
+          </a:p>
+          <a:p>
+            <a:pPr marL="342900" marR="0" lvl="0" indent="-342900">
+              <a:lnSpc>
+                <a:spcPct val="115000"/>
+              </a:lnSpc>
+              <a:spcAft>
+                <a:spcPts val="2100"/>
+              </a:spcAft>
+              <a:buFont typeface="Arial" panose="020B0604020202020204" pitchFamily="34" charset="0"/>
+              <a:buChar char="●"/>
+            </a:pPr>
+            <a:r>
+              <a:rPr lang="es-CL" sz="1800" u="none" strike="noStrike" dirty="0">
+                <a:effectLst/>
+                <a:latin typeface="Arial" panose="020B0604020202020204" pitchFamily="34" charset="0"/>
+                <a:ea typeface="Arial" panose="020B0604020202020204" pitchFamily="34" charset="0"/>
+              </a:rPr>
+              <a:t>Escalabilidad: Debe ser capaz de escalar horizontalmente para soportar un aumento en la carga de usuarios y transacciones.</a:t>
+            </a:r>
+            <a:endParaRPr lang="en-US" sz="1800" u="none" strike="noStrike" dirty="0">
+              <a:effectLst/>
+              <a:latin typeface="Calibri" panose="020F0502020204030204" pitchFamily="34" charset="0"/>
+              <a:ea typeface="Calibri" panose="020F0502020204030204" pitchFamily="34" charset="0"/>
+            </a:endParaRPr>
+          </a:p>
+          <a:p>
+            <a:pPr marL="342900" marR="0" lvl="0" indent="-342900">
+              <a:lnSpc>
+                <a:spcPct val="115000"/>
+              </a:lnSpc>
+              <a:spcAft>
+                <a:spcPts val="1000"/>
+              </a:spcAft>
+              <a:buFont typeface="Arial" panose="020B0604020202020204" pitchFamily="34" charset="0"/>
+              <a:buChar char="●"/>
+            </a:pPr>
+            <a:r>
+              <a:rPr lang="es-CL" sz="1800" u="none" strike="noStrike" dirty="0">
+                <a:effectLst/>
+                <a:latin typeface="Arial" panose="020B0604020202020204" pitchFamily="34" charset="0"/>
+                <a:ea typeface="Arial" panose="020B0604020202020204" pitchFamily="34" charset="0"/>
+              </a:rPr>
+              <a:t>Seguridad: Implementar medidas de seguridad para proteger datos sensibles de usuarios y transacciones.</a:t>
+            </a:r>
+            <a:endParaRPr lang="en-US" sz="1800" dirty="0">
+              <a:effectLst/>
+              <a:latin typeface="Calibri" panose="020F0502020204030204" pitchFamily="34" charset="0"/>
+              <a:ea typeface="Calibri" panose="020F0502020204030204" pitchFamily="34" charset="0"/>
+            </a:endParaRPr>
+          </a:p>
+          <a:p>
+            <a:pPr marL="342900" marR="0" lvl="0" indent="-342900">
+              <a:lnSpc>
+                <a:spcPct val="115000"/>
+              </a:lnSpc>
+              <a:spcAft>
+                <a:spcPts val="1000"/>
+              </a:spcAft>
+              <a:buFont typeface="Arial" panose="020B0604020202020204" pitchFamily="34" charset="0"/>
+              <a:buChar char="●"/>
+            </a:pPr>
+            <a:r>
+              <a:rPr lang="es-CL" sz="1800" u="none" strike="noStrike" dirty="0">
+                <a:effectLst/>
+                <a:latin typeface="Arial" panose="020B0604020202020204" pitchFamily="34" charset="0"/>
+                <a:ea typeface="Arial" panose="020B0604020202020204" pitchFamily="34" charset="0"/>
+              </a:rPr>
+              <a:t>Disponibilidad: El sistema debe estar disponible al menos el 99% del tiempo.</a:t>
+            </a:r>
+            <a:endParaRPr lang="en-US" sz="1800" dirty="0">
+              <a:effectLst/>
+              <a:latin typeface="Calibri" panose="020F0502020204030204" pitchFamily="34" charset="0"/>
+              <a:ea typeface="Calibri" panose="020F0502020204030204" pitchFamily="34" charset="0"/>
+            </a:endParaRPr>
+          </a:p>
+          <a:p>
+            <a:pPr marL="342900" marR="0" lvl="0" indent="-342900">
+              <a:lnSpc>
+                <a:spcPct val="115000"/>
+              </a:lnSpc>
+              <a:spcAft>
+                <a:spcPts val="1000"/>
+              </a:spcAft>
+              <a:buFont typeface="Arial" panose="020B0604020202020204" pitchFamily="34" charset="0"/>
+              <a:buChar char="●"/>
+            </a:pPr>
+            <a:r>
+              <a:rPr lang="es-CL" sz="1800" u="none" strike="noStrike" dirty="0">
+                <a:effectLst/>
+                <a:latin typeface="Arial" panose="020B0604020202020204" pitchFamily="34" charset="0"/>
+                <a:ea typeface="Arial" panose="020B0604020202020204" pitchFamily="34" charset="0"/>
+              </a:rPr>
+              <a:t>Usabilidad: La interfaz debe ser intuitiva y fácil de usar para todos los perfiles de usuario.</a:t>
+            </a:r>
+            <a:endParaRPr lang="en-US" sz="1800" dirty="0">
+              <a:effectLst/>
+              <a:latin typeface="Calibri" panose="020F0502020204030204" pitchFamily="34" charset="0"/>
+              <a:ea typeface="Calibri" panose="020F0502020204030204" pitchFamily="34" charset="0"/>
+            </a:endParaRPr>
+          </a:p>
+          <a:p>
+            <a:pPr marL="342900" marR="0" lvl="0" indent="-342900">
+              <a:lnSpc>
+                <a:spcPct val="115000"/>
+              </a:lnSpc>
+              <a:spcAft>
+                <a:spcPts val="2100"/>
+              </a:spcAft>
+              <a:buFont typeface="Arial" panose="020B0604020202020204" pitchFamily="34" charset="0"/>
+              <a:buChar char="●"/>
+            </a:pPr>
+            <a:r>
+              <a:rPr lang="es-CL" sz="1800" u="none" strike="noStrike" dirty="0">
+                <a:effectLst/>
+                <a:latin typeface="Arial" panose="020B0604020202020204" pitchFamily="34" charset="0"/>
+                <a:ea typeface="Arial" panose="020B0604020202020204" pitchFamily="34" charset="0"/>
+              </a:rPr>
+              <a:t>Mantenibilidad: El sistema debe ser fácil de mantener y actualizar sin interrumpir el servicio.</a:t>
+            </a:r>
+            <a:endParaRPr lang="en-US" sz="1800" u="none" strike="noStrike" dirty="0">
+              <a:effectLst/>
+              <a:latin typeface="Calibri" panose="020F0502020204030204" pitchFamily="34" charset="0"/>
+              <a:ea typeface="Calibri" panose="020F0502020204030204" pitchFamily="34" charset="0"/>
+            </a:endParaRPr>
+          </a:p>
+        </p:txBody>
+      </p:sp>
+    </p:spTree>
+    <p:extLst>
+      <p:ext uri="{BB962C8B-B14F-4D97-AF65-F5344CB8AC3E}">
+        <p14:creationId xmlns:p14="http://schemas.microsoft.com/office/powerpoint/2010/main" val="2525411953"/>
+      </p:ext>
+    </p:extLst>
+  </p:cSld>
+  <p:clrMapOvr>
+    <a:masterClrMapping/>
+  </p:clrMapOvr>
+</p:sld>
+</file>
+
+<file path=ppt/slides/slide7.xml><?xml version="1.0" encoding="utf-8"?>
+<p:sld xmlns:a="http://schemas.openxmlformats.org/drawingml/2006/main" xmlns:r="http://schemas.openxmlformats.org/officeDocument/2006/relationships" xmlns:p="http://schemas.openxmlformats.org/presentationml/2006/main">
+  <p:cSld>
     <p:bg>
       <p:bgPr>
         <a:gradFill rotWithShape="1">
@@ -6170,7 +6834,7 @@
 </p:sld>
 </file>
 
-<file path=ppt/slides/slide7.xml><?xml version="1.0" encoding="utf-8"?>
+<file path=ppt/slides/slide8.xml><?xml version="1.0" encoding="utf-8"?>
 <p:sld xmlns:a="http://schemas.openxmlformats.org/drawingml/2006/main" xmlns:r="http://schemas.openxmlformats.org/officeDocument/2006/relationships" xmlns:p="http://schemas.openxmlformats.org/presentationml/2006/main">
   <p:cSld>
     <p:bg>
@@ -7052,7 +7716,7 @@
 </p:sld>
 </file>
 
-<file path=ppt/slides/slide8.xml><?xml version="1.0" encoding="utf-8"?>
+<file path=ppt/slides/slide9.xml><?xml version="1.0" encoding="utf-8"?>
 <p:sld xmlns:a="http://schemas.openxmlformats.org/drawingml/2006/main" xmlns:r="http://schemas.openxmlformats.org/officeDocument/2006/relationships" xmlns:p="http://schemas.openxmlformats.org/presentationml/2006/main">
   <p:cSld>
     <p:bg>
@@ -7925,420 +8589,6 @@
     <p:extLst>
       <p:ext uri="{BB962C8B-B14F-4D97-AF65-F5344CB8AC3E}">
         <p14:creationId xmlns:p14="http://schemas.microsoft.com/office/powerpoint/2010/main" val="1280940986"/>
-      </p:ext>
-    </p:extLst>
-  </p:cSld>
-  <p:clrMapOvr>
-    <a:masterClrMapping/>
-  </p:clrMapOvr>
-</p:sld>
-</file>
-
-<file path=ppt/slides/slide9.xml><?xml version="1.0" encoding="utf-8"?>
-<p:sld xmlns:a="http://schemas.openxmlformats.org/drawingml/2006/main" xmlns:r="http://schemas.openxmlformats.org/officeDocument/2006/relationships" xmlns:p="http://schemas.openxmlformats.org/presentationml/2006/main">
-  <p:cSld>
-    <p:spTree>
-      <p:nvGrpSpPr>
-        <p:cNvPr id="1" name=""/>
-        <p:cNvGrpSpPr/>
-        <p:nvPr/>
-      </p:nvGrpSpPr>
-      <p:grpSpPr>
-        <a:xfrm>
-          <a:off x="0" y="0"/>
-          <a:ext cx="0" cy="0"/>
-          <a:chOff x="0" y="0"/>
-          <a:chExt cx="0" cy="0"/>
-        </a:xfrm>
-      </p:grpSpPr>
-      <p:sp>
-        <p:nvSpPr>
-          <p:cNvPr id="2" name="Título 1">
-            <a:extLst>
-              <a:ext uri="{FF2B5EF4-FFF2-40B4-BE49-F238E27FC236}">
-                <a16:creationId xmlns:a16="http://schemas.microsoft.com/office/drawing/2014/main" id="{81B67B40-0D05-367E-11B1-3BB9197AC337}"/>
-              </a:ext>
-            </a:extLst>
-          </p:cNvPr>
-          <p:cNvSpPr>
-            <a:spLocks noGrp="1"/>
-          </p:cNvSpPr>
-          <p:nvPr>
-            <p:ph type="title"/>
-          </p:nvPr>
-        </p:nvSpPr>
-        <p:spPr>
-          <a:xfrm>
-            <a:off x="1451579" y="580232"/>
-            <a:ext cx="9603275" cy="1049235"/>
-          </a:xfrm>
-        </p:spPr>
-        <p:txBody>
-          <a:bodyPr/>
-          <a:lstStyle/>
-          <a:p>
-            <a:pPr algn="ctr"/>
-            <a:r>
-              <a:rPr lang="es-CL" dirty="0"/>
-              <a:t>Herramientas usadas</a:t>
-            </a:r>
-          </a:p>
-        </p:txBody>
-      </p:sp>
-      <p:sp>
-        <p:nvSpPr>
-          <p:cNvPr id="3" name="Marcador de contenido 2">
-            <a:extLst>
-              <a:ext uri="{FF2B5EF4-FFF2-40B4-BE49-F238E27FC236}">
-                <a16:creationId xmlns:a16="http://schemas.microsoft.com/office/drawing/2014/main" id="{2888648A-4786-043C-274B-095D56882F45}"/>
-              </a:ext>
-            </a:extLst>
-          </p:cNvPr>
-          <p:cNvSpPr>
-            <a:spLocks noGrp="1"/>
-          </p:cNvSpPr>
-          <p:nvPr>
-            <p:ph idx="1"/>
-          </p:nvPr>
-        </p:nvSpPr>
-        <p:spPr>
-          <a:xfrm>
-            <a:off x="1451579" y="1840942"/>
-            <a:ext cx="9603275" cy="4436826"/>
-          </a:xfrm>
-        </p:spPr>
-        <p:txBody>
-          <a:bodyPr>
-            <a:normAutofit fontScale="25000" lnSpcReduction="20000"/>
-          </a:bodyPr>
-          <a:lstStyle/>
-          <a:p>
-            <a:pPr marR="381000" rtl="0" fontAlgn="base">
-              <a:spcBef>
-                <a:spcPts val="1200"/>
-              </a:spcBef>
-              <a:buFont typeface="Arial" panose="020B0604020202020204" pitchFamily="34" charset="0"/>
-              <a:buChar char="•"/>
-            </a:pPr>
-            <a:r>
-              <a:rPr lang="es-CL" sz="5000" b="1" i="0" u="none" strike="noStrike" dirty="0">
-                <a:solidFill>
-                  <a:srgbClr val="000000"/>
-                </a:solidFill>
-                <a:effectLst/>
-                <a:latin typeface="Arial" panose="020B0604020202020204" pitchFamily="34" charset="0"/>
-              </a:rPr>
-              <a:t>Gestión de Usuarios</a:t>
-            </a:r>
-            <a:r>
-              <a:rPr lang="es-CL" sz="5000" b="0" i="0" u="none" strike="noStrike" dirty="0">
-                <a:solidFill>
-                  <a:srgbClr val="000000"/>
-                </a:solidFill>
-                <a:effectLst/>
-                <a:latin typeface="Arial" panose="020B0604020202020204" pitchFamily="34" charset="0"/>
-              </a:rPr>
-              <a:t>: Spring Boot o Express.js + MySQL</a:t>
-            </a:r>
-            <a:br>
-              <a:rPr lang="es-CL" sz="5000" b="0" i="0" u="none" strike="noStrike" dirty="0">
-                <a:solidFill>
-                  <a:srgbClr val="000000"/>
-                </a:solidFill>
-                <a:effectLst/>
-                <a:latin typeface="Arial" panose="020B0604020202020204" pitchFamily="34" charset="0"/>
-              </a:rPr>
-            </a:br>
-            <a:br>
-              <a:rPr lang="es-CL" sz="5000" b="0" i="0" u="none" strike="noStrike" dirty="0">
-                <a:solidFill>
-                  <a:srgbClr val="000000"/>
-                </a:solidFill>
-                <a:effectLst/>
-                <a:latin typeface="Arial" panose="020B0604020202020204" pitchFamily="34" charset="0"/>
-              </a:rPr>
-            </a:br>
-            <a:endParaRPr lang="es-CL" sz="5000" b="0" i="0" u="none" strike="noStrike" dirty="0">
-              <a:solidFill>
-                <a:srgbClr val="000000"/>
-              </a:solidFill>
-              <a:effectLst/>
-              <a:latin typeface="Arial" panose="020B0604020202020204" pitchFamily="34" charset="0"/>
-            </a:endParaRPr>
-          </a:p>
-          <a:p>
-            <a:pPr marR="381000" rtl="0" fontAlgn="base">
-              <a:buFont typeface="Arial" panose="020B0604020202020204" pitchFamily="34" charset="0"/>
-              <a:buChar char="•"/>
-            </a:pPr>
-            <a:r>
-              <a:rPr lang="es-CL" sz="5000" b="1" i="0" u="none" strike="noStrike" dirty="0">
-                <a:solidFill>
-                  <a:srgbClr val="000000"/>
-                </a:solidFill>
-                <a:effectLst/>
-                <a:latin typeface="Arial" panose="020B0604020202020204" pitchFamily="34" charset="0"/>
-              </a:rPr>
-              <a:t>Inventario</a:t>
-            </a:r>
-            <a:r>
-              <a:rPr lang="es-CL" sz="5000" b="0" i="0" u="none" strike="noStrike" dirty="0">
-                <a:solidFill>
-                  <a:srgbClr val="000000"/>
-                </a:solidFill>
-                <a:effectLst/>
-                <a:latin typeface="Arial" panose="020B0604020202020204" pitchFamily="34" charset="0"/>
-              </a:rPr>
-              <a:t>: Django o Flask + MySQL</a:t>
-            </a:r>
-            <a:br>
-              <a:rPr lang="es-CL" sz="5000" b="0" i="0" u="none" strike="noStrike" dirty="0">
-                <a:solidFill>
-                  <a:srgbClr val="000000"/>
-                </a:solidFill>
-                <a:effectLst/>
-                <a:latin typeface="Arial" panose="020B0604020202020204" pitchFamily="34" charset="0"/>
-              </a:rPr>
-            </a:br>
-            <a:br>
-              <a:rPr lang="es-CL" sz="5000" b="0" i="0" u="none" strike="noStrike" dirty="0">
-                <a:solidFill>
-                  <a:srgbClr val="000000"/>
-                </a:solidFill>
-                <a:effectLst/>
-                <a:latin typeface="Arial" panose="020B0604020202020204" pitchFamily="34" charset="0"/>
-              </a:rPr>
-            </a:br>
-            <a:endParaRPr lang="es-CL" sz="5000" b="0" i="0" u="none" strike="noStrike" dirty="0">
-              <a:solidFill>
-                <a:srgbClr val="000000"/>
-              </a:solidFill>
-              <a:effectLst/>
-              <a:latin typeface="Arial" panose="020B0604020202020204" pitchFamily="34" charset="0"/>
-            </a:endParaRPr>
-          </a:p>
-          <a:p>
-            <a:pPr marR="381000" rtl="0" fontAlgn="base">
-              <a:buFont typeface="Arial" panose="020B0604020202020204" pitchFamily="34" charset="0"/>
-              <a:buChar char="•"/>
-            </a:pPr>
-            <a:r>
-              <a:rPr lang="es-CL" sz="5000" b="1" i="0" u="none" strike="noStrike" dirty="0">
-                <a:solidFill>
-                  <a:srgbClr val="000000"/>
-                </a:solidFill>
-                <a:effectLst/>
-                <a:latin typeface="Arial" panose="020B0604020202020204" pitchFamily="34" charset="0"/>
-              </a:rPr>
-              <a:t>Pedidos</a:t>
-            </a:r>
-            <a:r>
-              <a:rPr lang="es-CL" sz="5000" b="0" i="0" u="none" strike="noStrike" dirty="0">
-                <a:solidFill>
-                  <a:srgbClr val="000000"/>
-                </a:solidFill>
-                <a:effectLst/>
-                <a:latin typeface="Arial" panose="020B0604020202020204" pitchFamily="34" charset="0"/>
-              </a:rPr>
-              <a:t>: Spring Boot o Ruby on Rails + MySQL</a:t>
-            </a:r>
-            <a:br>
-              <a:rPr lang="es-CL" sz="5000" b="0" i="0" u="none" strike="noStrike" dirty="0">
-                <a:solidFill>
-                  <a:srgbClr val="000000"/>
-                </a:solidFill>
-                <a:effectLst/>
-                <a:latin typeface="Arial" panose="020B0604020202020204" pitchFamily="34" charset="0"/>
-              </a:rPr>
-            </a:br>
-            <a:br>
-              <a:rPr lang="es-CL" sz="5000" b="0" i="0" u="none" strike="noStrike" dirty="0">
-                <a:solidFill>
-                  <a:srgbClr val="000000"/>
-                </a:solidFill>
-                <a:effectLst/>
-                <a:latin typeface="Arial" panose="020B0604020202020204" pitchFamily="34" charset="0"/>
-              </a:rPr>
-            </a:br>
-            <a:endParaRPr lang="es-CL" sz="5000" b="0" i="0" u="none" strike="noStrike" dirty="0">
-              <a:solidFill>
-                <a:srgbClr val="000000"/>
-              </a:solidFill>
-              <a:effectLst/>
-              <a:latin typeface="Arial" panose="020B0604020202020204" pitchFamily="34" charset="0"/>
-            </a:endParaRPr>
-          </a:p>
-          <a:p>
-            <a:pPr marR="381000" rtl="0" fontAlgn="base">
-              <a:buFont typeface="Arial" panose="020B0604020202020204" pitchFamily="34" charset="0"/>
-              <a:buChar char="•"/>
-            </a:pPr>
-            <a:r>
-              <a:rPr lang="es-CL" sz="5000" b="1" i="0" u="none" strike="noStrike" dirty="0">
-                <a:solidFill>
-                  <a:srgbClr val="000000"/>
-                </a:solidFill>
-                <a:effectLst/>
-                <a:latin typeface="Arial" panose="020B0604020202020204" pitchFamily="34" charset="0"/>
-              </a:rPr>
-              <a:t>Envíos</a:t>
-            </a:r>
-            <a:r>
-              <a:rPr lang="es-CL" sz="5000" b="0" i="0" u="none" strike="noStrike" dirty="0">
-                <a:solidFill>
-                  <a:srgbClr val="000000"/>
-                </a:solidFill>
-                <a:effectLst/>
-                <a:latin typeface="Arial" panose="020B0604020202020204" pitchFamily="34" charset="0"/>
-              </a:rPr>
-              <a:t>: Node.js o ASP.NET Core + MySQL</a:t>
-            </a:r>
-            <a:br>
-              <a:rPr lang="es-CL" sz="5000" b="0" i="0" u="none" strike="noStrike" dirty="0">
-                <a:solidFill>
-                  <a:srgbClr val="000000"/>
-                </a:solidFill>
-                <a:effectLst/>
-                <a:latin typeface="Arial" panose="020B0604020202020204" pitchFamily="34" charset="0"/>
-              </a:rPr>
-            </a:br>
-            <a:br>
-              <a:rPr lang="es-CL" sz="5000" b="0" i="0" u="none" strike="noStrike" dirty="0">
-                <a:solidFill>
-                  <a:srgbClr val="000000"/>
-                </a:solidFill>
-                <a:effectLst/>
-                <a:latin typeface="Arial" panose="020B0604020202020204" pitchFamily="34" charset="0"/>
-              </a:rPr>
-            </a:br>
-            <a:endParaRPr lang="es-CL" sz="5000" b="0" i="0" u="none" strike="noStrike" dirty="0">
-              <a:solidFill>
-                <a:srgbClr val="000000"/>
-              </a:solidFill>
-              <a:effectLst/>
-              <a:latin typeface="Arial" panose="020B0604020202020204" pitchFamily="34" charset="0"/>
-            </a:endParaRPr>
-          </a:p>
-          <a:p>
-            <a:pPr marR="381000" rtl="0" fontAlgn="base">
-              <a:buFont typeface="Arial" panose="020B0604020202020204" pitchFamily="34" charset="0"/>
-              <a:buChar char="•"/>
-            </a:pPr>
-            <a:r>
-              <a:rPr lang="es-CL" sz="5000" b="1" i="0" u="none" strike="noStrike" dirty="0">
-                <a:solidFill>
-                  <a:srgbClr val="000000"/>
-                </a:solidFill>
-                <a:effectLst/>
-                <a:latin typeface="Arial" panose="020B0604020202020204" pitchFamily="34" charset="0"/>
-              </a:rPr>
-              <a:t>Atención al Cliente</a:t>
-            </a:r>
-            <a:r>
-              <a:rPr lang="es-CL" sz="5000" b="0" i="0" u="none" strike="noStrike" dirty="0">
-                <a:solidFill>
-                  <a:srgbClr val="000000"/>
-                </a:solidFill>
-                <a:effectLst/>
-                <a:latin typeface="Arial" panose="020B0604020202020204" pitchFamily="34" charset="0"/>
-              </a:rPr>
-              <a:t>: Flask o Express.js + MySQL</a:t>
-            </a:r>
-            <a:br>
-              <a:rPr lang="es-CL" sz="5000" b="0" i="0" u="none" strike="noStrike" dirty="0">
-                <a:solidFill>
-                  <a:srgbClr val="000000"/>
-                </a:solidFill>
-                <a:effectLst/>
-                <a:latin typeface="Arial" panose="020B0604020202020204" pitchFamily="34" charset="0"/>
-              </a:rPr>
-            </a:br>
-            <a:br>
-              <a:rPr lang="es-CL" sz="5000" b="0" i="0" u="none" strike="noStrike" dirty="0">
-                <a:solidFill>
-                  <a:srgbClr val="000000"/>
-                </a:solidFill>
-                <a:effectLst/>
-                <a:latin typeface="Arial" panose="020B0604020202020204" pitchFamily="34" charset="0"/>
-              </a:rPr>
-            </a:br>
-            <a:endParaRPr lang="es-CL" sz="5000" b="0" i="0" u="none" strike="noStrike" dirty="0">
-              <a:solidFill>
-                <a:srgbClr val="000000"/>
-              </a:solidFill>
-              <a:effectLst/>
-              <a:latin typeface="Arial" panose="020B0604020202020204" pitchFamily="34" charset="0"/>
-            </a:endParaRPr>
-          </a:p>
-          <a:p>
-            <a:pPr marR="381000" rtl="0" fontAlgn="base">
-              <a:buFont typeface="Arial" panose="020B0604020202020204" pitchFamily="34" charset="0"/>
-              <a:buChar char="•"/>
-            </a:pPr>
-            <a:r>
-              <a:rPr lang="es-CL" sz="5000" b="1" i="0" u="none" strike="noStrike" dirty="0">
-                <a:solidFill>
-                  <a:srgbClr val="000000"/>
-                </a:solidFill>
-                <a:effectLst/>
-                <a:latin typeface="Arial" panose="020B0604020202020204" pitchFamily="34" charset="0"/>
-              </a:rPr>
-              <a:t>Reportes</a:t>
-            </a:r>
-            <a:r>
-              <a:rPr lang="es-CL" sz="5000" b="0" i="0" u="none" strike="noStrike" dirty="0">
-                <a:solidFill>
-                  <a:srgbClr val="000000"/>
-                </a:solidFill>
-                <a:effectLst/>
-                <a:latin typeface="Arial" panose="020B0604020202020204" pitchFamily="34" charset="0"/>
-              </a:rPr>
-              <a:t>: Spring Boot o Django + MySQL</a:t>
-            </a:r>
-          </a:p>
-          <a:p>
-            <a:pPr marL="457200" marR="381000" rtl="0">
-              <a:buNone/>
-            </a:pPr>
-            <a:r>
-              <a:rPr lang="es-CL" sz="5000" b="0" i="0" u="none" strike="noStrike" dirty="0">
-                <a:solidFill>
-                  <a:srgbClr val="000000"/>
-                </a:solidFill>
-                <a:effectLst/>
-                <a:latin typeface="Arial" panose="020B0604020202020204" pitchFamily="34" charset="0"/>
-              </a:rPr>
-              <a:t>Estas tecnologías fueron elegidas por su eficiencia, compatibilidad con microservicios y facilidad de integración</a:t>
-            </a:r>
-            <a:r>
-              <a:rPr lang="es-CL" sz="1800" b="0" i="0" u="none" strike="noStrike" dirty="0">
-                <a:solidFill>
-                  <a:srgbClr val="000000"/>
-                </a:solidFill>
-                <a:effectLst/>
-                <a:latin typeface="Arial" panose="020B0604020202020204" pitchFamily="34" charset="0"/>
-              </a:rPr>
-              <a:t>.</a:t>
-            </a:r>
-            <a:endParaRPr lang="es-CL" b="0" dirty="0">
-              <a:effectLst/>
-            </a:endParaRPr>
-          </a:p>
-          <a:p>
-            <a:pPr>
-              <a:buNone/>
-            </a:pPr>
-            <a:br>
-              <a:rPr lang="es-CL" dirty="0"/>
-            </a:br>
-            <a:endParaRPr lang="es-CL" dirty="0"/>
-          </a:p>
-        </p:txBody>
-      </p:sp>
-    </p:spTree>
-    <p:extLst>
-      <p:ext uri="{BB962C8B-B14F-4D97-AF65-F5344CB8AC3E}">
-        <p14:creationId xmlns:p14="http://schemas.microsoft.com/office/powerpoint/2010/main" val="3337918867"/>
       </p:ext>
     </p:extLst>
   </p:cSld>

--- a/Presentacion caso 3.pptx
+++ b/Presentacion caso 3.pptx
@@ -7,16 +7,18 @@
   <p:sldIdLst>
     <p:sldId id="256" r:id="rId2"/>
     <p:sldId id="257" r:id="rId3"/>
-    <p:sldId id="258" r:id="rId4"/>
+    <p:sldId id="268" r:id="rId4"/>
     <p:sldId id="265" r:id="rId5"/>
     <p:sldId id="266" r:id="rId6"/>
     <p:sldId id="267" r:id="rId7"/>
-    <p:sldId id="264" r:id="rId8"/>
-    <p:sldId id="262" r:id="rId9"/>
-    <p:sldId id="263" r:id="rId10"/>
-    <p:sldId id="259" r:id="rId11"/>
-    <p:sldId id="260" r:id="rId12"/>
-    <p:sldId id="261" r:id="rId13"/>
+    <p:sldId id="258" r:id="rId8"/>
+    <p:sldId id="264" r:id="rId9"/>
+    <p:sldId id="262" r:id="rId10"/>
+    <p:sldId id="263" r:id="rId11"/>
+    <p:sldId id="259" r:id="rId12"/>
+    <p:sldId id="269" r:id="rId13"/>
+    <p:sldId id="260" r:id="rId14"/>
+    <p:sldId id="261" r:id="rId15"/>
   </p:sldIdLst>
   <p:sldSz cx="12192000" cy="6858000"/>
   <p:notesSz cx="6858000" cy="9144000"/>
@@ -3677,6 +3679,30 @@
 <file path=ppt/slides/slide10.xml><?xml version="1.0" encoding="utf-8"?>
 <p:sld xmlns:a="http://schemas.openxmlformats.org/drawingml/2006/main" xmlns:r="http://schemas.openxmlformats.org/officeDocument/2006/relationships" xmlns:p="http://schemas.openxmlformats.org/presentationml/2006/main">
   <p:cSld>
+    <p:bg>
+      <p:bgPr>
+        <a:gradFill rotWithShape="1">
+          <a:gsLst>
+            <a:gs pos="0">
+              <a:schemeClr val="bg2">
+                <a:tint val="94000"/>
+                <a:satMod val="80000"/>
+                <a:lumMod val="106000"/>
+              </a:schemeClr>
+            </a:gs>
+            <a:gs pos="100000">
+              <a:schemeClr val="bg2">
+                <a:shade val="80000"/>
+              </a:schemeClr>
+            </a:gs>
+          </a:gsLst>
+          <a:path path="circle">
+            <a:fillToRect l="43000" r="43000" b="100000"/>
+          </a:path>
+        </a:gradFill>
+        <a:effectLst/>
+      </p:bgPr>
+    </p:bg>
     <p:spTree>
       <p:nvGrpSpPr>
         <p:cNvPr id="1" name=""/>
@@ -3693,10 +3719,363 @@
       </p:grpSpPr>
       <p:sp>
         <p:nvSpPr>
+          <p:cNvPr id="12" name="Rectangle 11">
+            <a:extLst>
+              <a:ext uri="{FF2B5EF4-FFF2-40B4-BE49-F238E27FC236}">
+                <a16:creationId xmlns:a16="http://schemas.microsoft.com/office/drawing/2014/main" id="{0CABCAE3-64FC-4149-819F-2C1812824154}"/>
+              </a:ext>
+              <a:ext uri="{C183D7F6-B498-43B3-948B-1728B52AA6E4}">
+                <adec:decorative xmlns:adec="http://schemas.microsoft.com/office/drawing/2017/decorative" val="1"/>
+              </a:ext>
+            </a:extLst>
+          </p:cNvPr>
+          <p:cNvSpPr>
+            <a:spLocks noGrp="1" noRot="1" noChangeAspect="1" noMove="1" noResize="1" noEditPoints="1" noAdjustHandles="1" noChangeArrowheads="1" noChangeShapeType="1" noTextEdit="1"/>
+          </p:cNvSpPr>
+          <p:nvPr>
+            <p:extLst>
+              <p:ext uri="{386F3935-93C4-4BCD-93E2-E3B085C9AB24}">
+                <p16:designElem xmlns:p16="http://schemas.microsoft.com/office/powerpoint/2015/main" val="1"/>
+              </p:ext>
+            </p:extLst>
+          </p:nvPr>
+        </p:nvSpPr>
+        <p:spPr>
+          <a:xfrm>
+            <a:off x="0" y="2019476"/>
+            <a:ext cx="12192000" cy="4105941"/>
+          </a:xfrm>
+          <a:prstGeom prst="rect">
+            <a:avLst/>
+          </a:prstGeom>
+          <a:gradFill flip="none" rotWithShape="1">
+            <a:gsLst>
+              <a:gs pos="0">
+                <a:schemeClr val="bg2">
+                  <a:alpha val="0"/>
+                </a:schemeClr>
+              </a:gs>
+              <a:gs pos="100000">
+                <a:schemeClr val="bg2"/>
+              </a:gs>
+            </a:gsLst>
+            <a:lin ang="5400000" scaled="0"/>
+            <a:tileRect/>
+          </a:gradFill>
+          <a:ln>
+            <a:noFill/>
+          </a:ln>
+        </p:spPr>
+        <p:style>
+          <a:lnRef idx="2">
+            <a:schemeClr val="accent1">
+              <a:shade val="50000"/>
+            </a:schemeClr>
+          </a:lnRef>
+          <a:fillRef idx="1">
+            <a:schemeClr val="accent1"/>
+          </a:fillRef>
+          <a:effectRef idx="0">
+            <a:schemeClr val="accent1"/>
+          </a:effectRef>
+          <a:fontRef idx="minor">
+            <a:schemeClr val="lt1"/>
+          </a:fontRef>
+        </p:style>
+        <p:txBody>
+          <a:bodyPr/>
+          <a:lstStyle/>
+          <a:p>
+            <a:endParaRPr lang="en-US"/>
+          </a:p>
+        </p:txBody>
+      </p:sp>
+      <p:pic>
+        <p:nvPicPr>
+          <p:cNvPr id="14" name="Picture 13">
+            <a:extLst>
+              <a:ext uri="{FF2B5EF4-FFF2-40B4-BE49-F238E27FC236}">
+                <a16:creationId xmlns:a16="http://schemas.microsoft.com/office/drawing/2014/main" id="{012FDCFE-9AD2-4D8A-8CBF-B3AA37EBF6DD}"/>
+              </a:ext>
+              <a:ext uri="{C183D7F6-B498-43B3-948B-1728B52AA6E4}">
+                <adec:decorative xmlns:adec="http://schemas.microsoft.com/office/drawing/2017/decorative" val="1"/>
+              </a:ext>
+            </a:extLst>
+          </p:cNvPr>
+          <p:cNvPicPr>
+            <a:picLocks noGrp="1" noRot="1" noChangeAspect="1" noMove="1" noResize="1" noEditPoints="1" noAdjustHandles="1" noChangeArrowheads="1" noChangeShapeType="1" noCrop="1"/>
+          </p:cNvPicPr>
+          <p:nvPr>
+            <p:extLst>
+              <p:ext uri="{386F3935-93C4-4BCD-93E2-E3B085C9AB24}">
+                <p16:designElem xmlns:p16="http://schemas.microsoft.com/office/powerpoint/2015/main" val="1"/>
+              </p:ext>
+            </p:extLst>
+          </p:nvPr>
+        </p:nvPicPr>
+        <p:blipFill rotWithShape="1">
+          <a:blip r:embed="rId2">
+            <a:extLst>
+              <a:ext uri="{28A0092B-C50C-407E-A947-70E740481C1C}">
+                <a14:useLocalDpi xmlns:a14="http://schemas.microsoft.com/office/drawing/2010/main" val="0"/>
+              </a:ext>
+            </a:extLst>
+          </a:blip>
+          <a:srcRect t="1538" b="-1538"/>
+          <a:stretch/>
+        </p:blipFill>
+        <p:spPr bwMode="black">
+          <a:xfrm>
+            <a:off x="0" y="6126480"/>
+            <a:ext cx="12192000" cy="742950"/>
+          </a:xfrm>
+          <a:prstGeom prst="rect">
+            <a:avLst/>
+          </a:prstGeom>
+        </p:spPr>
+      </p:pic>
+      <p:cxnSp>
+        <p:nvCxnSpPr>
+          <p:cNvPr id="16" name="Straight Connector 15">
+            <a:extLst>
+              <a:ext uri="{FF2B5EF4-FFF2-40B4-BE49-F238E27FC236}">
+                <a16:creationId xmlns:a16="http://schemas.microsoft.com/office/drawing/2014/main" id="{FBD463FC-4CA8-4FF4-85A3-AF9F4B98D210}"/>
+              </a:ext>
+              <a:ext uri="{C183D7F6-B498-43B3-948B-1728B52AA6E4}">
+                <adec:decorative xmlns:adec="http://schemas.microsoft.com/office/drawing/2017/decorative" val="1"/>
+              </a:ext>
+            </a:extLst>
+          </p:cNvPr>
+          <p:cNvCxnSpPr>
+            <a:cxnSpLocks noGrp="1" noRot="1" noChangeAspect="1" noMove="1" noResize="1" noEditPoints="1" noAdjustHandles="1" noChangeArrowheads="1" noChangeShapeType="1"/>
+          </p:cNvCxnSpPr>
+          <p:nvPr>
+            <p:extLst>
+              <p:ext uri="{386F3935-93C4-4BCD-93E2-E3B085C9AB24}">
+                <p16:designElem xmlns:p16="http://schemas.microsoft.com/office/powerpoint/2015/main" val="1"/>
+              </p:ext>
+            </p:extLst>
+          </p:nvPr>
+        </p:nvCxnSpPr>
+        <p:spPr>
+          <a:xfrm>
+            <a:off x="0" y="6128413"/>
+            <a:ext cx="12192000" cy="0"/>
+          </a:xfrm>
+          <a:prstGeom prst="line">
+            <a:avLst/>
+          </a:prstGeom>
+          <a:ln w="12700">
+            <a:solidFill>
+              <a:srgbClr val="000001">
+                <a:alpha val="20000"/>
+              </a:srgbClr>
+            </a:solidFill>
+          </a:ln>
+        </p:spPr>
+        <p:style>
+          <a:lnRef idx="1">
+            <a:schemeClr val="accent1"/>
+          </a:lnRef>
+          <a:fillRef idx="0">
+            <a:schemeClr val="accent1"/>
+          </a:fillRef>
+          <a:effectRef idx="0">
+            <a:schemeClr val="accent1"/>
+          </a:effectRef>
+          <a:fontRef idx="minor">
+            <a:schemeClr val="tx1"/>
+          </a:fontRef>
+        </p:style>
+      </p:cxnSp>
+      <p:cxnSp>
+        <p:nvCxnSpPr>
+          <p:cNvPr id="18" name="Straight Connector 17">
+            <a:extLst>
+              <a:ext uri="{FF2B5EF4-FFF2-40B4-BE49-F238E27FC236}">
+                <a16:creationId xmlns:a16="http://schemas.microsoft.com/office/drawing/2014/main" id="{BECF35C3-8B44-4F4B-BD25-4C01823DB22A}"/>
+              </a:ext>
+              <a:ext uri="{C183D7F6-B498-43B3-948B-1728B52AA6E4}">
+                <adec:decorative xmlns:adec="http://schemas.microsoft.com/office/drawing/2017/decorative" val="1"/>
+              </a:ext>
+            </a:extLst>
+          </p:cNvPr>
+          <p:cNvCxnSpPr>
+            <a:cxnSpLocks noGrp="1" noRot="1" noChangeAspect="1" noMove="1" noResize="1" noEditPoints="1" noAdjustHandles="1" noChangeArrowheads="1" noChangeShapeType="1"/>
+          </p:cNvCxnSpPr>
+          <p:nvPr>
+            <p:extLst>
+              <p:ext uri="{386F3935-93C4-4BCD-93E2-E3B085C9AB24}">
+                <p16:designElem xmlns:p16="http://schemas.microsoft.com/office/powerpoint/2015/main" val="1"/>
+              </p:ext>
+            </p:extLst>
+          </p:nvPr>
+        </p:nvCxnSpPr>
+        <p:spPr>
+          <a:xfrm>
+            <a:off x="2417780" y="3528542"/>
+            <a:ext cx="8637072" cy="0"/>
+          </a:xfrm>
+          <a:prstGeom prst="line">
+            <a:avLst/>
+          </a:prstGeom>
+          <a:ln w="31750"/>
+        </p:spPr>
+        <p:style>
+          <a:lnRef idx="3">
+            <a:schemeClr val="accent1"/>
+          </a:lnRef>
+          <a:fillRef idx="0">
+            <a:schemeClr val="accent1"/>
+          </a:fillRef>
+          <a:effectRef idx="2">
+            <a:schemeClr val="accent1"/>
+          </a:effectRef>
+          <a:fontRef idx="minor">
+            <a:schemeClr val="tx1"/>
+          </a:fontRef>
+        </p:style>
+      </p:cxnSp>
+      <p:sp useBgFill="1">
+        <p:nvSpPr>
+          <p:cNvPr id="20" name="Rectangle 19">
+            <a:extLst>
+              <a:ext uri="{FF2B5EF4-FFF2-40B4-BE49-F238E27FC236}">
+                <a16:creationId xmlns:a16="http://schemas.microsoft.com/office/drawing/2014/main" id="{2FA7AD0A-1871-4DF8-9235-F49D0513B9C1}"/>
+              </a:ext>
+              <a:ext uri="{C183D7F6-B498-43B3-948B-1728B52AA6E4}">
+                <adec:decorative xmlns:adec="http://schemas.microsoft.com/office/drawing/2017/decorative" val="1"/>
+              </a:ext>
+            </a:extLst>
+          </p:cNvPr>
+          <p:cNvSpPr>
+            <a:spLocks noGrp="1" noRot="1" noChangeAspect="1" noMove="1" noResize="1" noEditPoints="1" noAdjustHandles="1" noChangeArrowheads="1" noChangeShapeType="1" noTextEdit="1"/>
+          </p:cNvSpPr>
+          <p:nvPr>
+            <p:extLst>
+              <p:ext uri="{386F3935-93C4-4BCD-93E2-E3B085C9AB24}">
+                <p16:designElem xmlns:p16="http://schemas.microsoft.com/office/powerpoint/2015/main" val="1"/>
+              </p:ext>
+            </p:extLst>
+          </p:nvPr>
+        </p:nvSpPr>
+        <p:spPr>
+          <a:xfrm>
+            <a:off x="2" y="0"/>
+            <a:ext cx="12191695" cy="6858000"/>
+          </a:xfrm>
+          <a:prstGeom prst="rect">
+            <a:avLst/>
+          </a:prstGeom>
+          <a:ln>
+            <a:noFill/>
+          </a:ln>
+        </p:spPr>
+        <p:style>
+          <a:lnRef idx="2">
+            <a:schemeClr val="accent1">
+              <a:shade val="50000"/>
+            </a:schemeClr>
+          </a:lnRef>
+          <a:fillRef idx="1">
+            <a:schemeClr val="accent1"/>
+          </a:fillRef>
+          <a:effectRef idx="0">
+            <a:schemeClr val="accent1"/>
+          </a:effectRef>
+          <a:fontRef idx="minor">
+            <a:schemeClr val="lt1"/>
+          </a:fontRef>
+        </p:style>
+        <p:txBody>
+          <a:bodyPr rtlCol="0" anchor="ctr"/>
+          <a:lstStyle/>
+          <a:p>
+            <a:pPr algn="ctr"/>
+            <a:endParaRPr lang="en-US"/>
+          </a:p>
+        </p:txBody>
+      </p:sp>
+      <p:sp>
+        <p:nvSpPr>
+          <p:cNvPr id="22" name="Rectangle 21">
+            <a:extLst>
+              <a:ext uri="{FF2B5EF4-FFF2-40B4-BE49-F238E27FC236}">
+                <a16:creationId xmlns:a16="http://schemas.microsoft.com/office/drawing/2014/main" id="{36B04CFB-FAE5-47DD-9B3E-4E9BA7A89CC1}"/>
+              </a:ext>
+              <a:ext uri="{C183D7F6-B498-43B3-948B-1728B52AA6E4}">
+                <adec:decorative xmlns:adec="http://schemas.microsoft.com/office/drawing/2017/decorative" val="1"/>
+              </a:ext>
+            </a:extLst>
+          </p:cNvPr>
+          <p:cNvSpPr>
+            <a:spLocks noGrp="1" noRot="1" noChangeAspect="1" noMove="1" noResize="1" noEditPoints="1" noAdjustHandles="1" noChangeArrowheads="1" noChangeShapeType="1" noTextEdit="1"/>
+          </p:cNvSpPr>
+          <p:nvPr>
+            <p:extLst>
+              <p:ext uri="{386F3935-93C4-4BCD-93E2-E3B085C9AB24}">
+                <p16:designElem xmlns:p16="http://schemas.microsoft.com/office/powerpoint/2015/main" val="1"/>
+              </p:ext>
+            </p:extLst>
+          </p:nvPr>
+        </p:nvSpPr>
+        <p:spPr>
+          <a:xfrm>
+            <a:off x="0" y="2019476"/>
+            <a:ext cx="12192000" cy="4105941"/>
+          </a:xfrm>
+          <a:prstGeom prst="rect">
+            <a:avLst/>
+          </a:prstGeom>
+          <a:gradFill flip="none" rotWithShape="1">
+            <a:gsLst>
+              <a:gs pos="0">
+                <a:schemeClr val="bg2">
+                  <a:alpha val="0"/>
+                </a:schemeClr>
+              </a:gs>
+              <a:gs pos="100000">
+                <a:schemeClr val="bg2"/>
+              </a:gs>
+            </a:gsLst>
+            <a:lin ang="5400000" scaled="0"/>
+            <a:tileRect/>
+          </a:gradFill>
+          <a:ln>
+            <a:noFill/>
+          </a:ln>
+        </p:spPr>
+        <p:style>
+          <a:lnRef idx="2">
+            <a:schemeClr val="accent1">
+              <a:shade val="50000"/>
+            </a:schemeClr>
+          </a:lnRef>
+          <a:fillRef idx="1">
+            <a:schemeClr val="accent1"/>
+          </a:fillRef>
+          <a:effectRef idx="0">
+            <a:schemeClr val="accent1"/>
+          </a:effectRef>
+          <a:fontRef idx="minor">
+            <a:schemeClr val="lt1"/>
+          </a:fontRef>
+        </p:style>
+        <p:txBody>
+          <a:bodyPr rtlCol="0" anchor="ctr"/>
+          <a:lstStyle/>
+          <a:p>
+            <a:pPr lvl="0" algn="ctr"/>
+            <a:endParaRPr lang="en-US"/>
+          </a:p>
+        </p:txBody>
+      </p:sp>
+      <p:sp>
+        <p:nvSpPr>
           <p:cNvPr id="2" name="Título 1">
             <a:extLst>
               <a:ext uri="{FF2B5EF4-FFF2-40B4-BE49-F238E27FC236}">
-                <a16:creationId xmlns:a16="http://schemas.microsoft.com/office/drawing/2014/main" id="{81B67B40-0D05-367E-11B1-3BB9197AC337}"/>
+                <a16:creationId xmlns:a16="http://schemas.microsoft.com/office/drawing/2014/main" id="{2DB70E27-CD28-A56D-EA87-6A4CD92D4B5C}"/>
               </a:ext>
             </a:extLst>
           </p:cNvPr>
@@ -3709,376 +4088,467 @@
         </p:nvSpPr>
         <p:spPr>
           <a:xfrm>
-            <a:off x="1451579" y="580232"/>
-            <a:ext cx="9603275" cy="1049235"/>
+            <a:off x="659301" y="1474969"/>
+            <a:ext cx="2823919" cy="1868760"/>
           </a:xfrm>
         </p:spPr>
         <p:txBody>
-          <a:bodyPr/>
+          <a:bodyPr vert="horz" lIns="91440" tIns="45720" rIns="91440" bIns="0" rtlCol="0" anchor="b">
+            <a:normAutofit/>
+          </a:bodyPr>
           <a:lstStyle/>
           <a:p>
-            <a:pPr algn="ctr"/>
-            <a:r>
-              <a:rPr lang="es-CL" dirty="0"/>
-              <a:t>Herramientas usadas</a:t>
-            </a:r>
-          </a:p>
-        </p:txBody>
-      </p:sp>
-      <p:sp>
-        <p:nvSpPr>
-          <p:cNvPr id="3" name="Marcador de contenido 2">
+            <a:r>
+              <a:rPr lang="en-US" sz="3600"/>
+              <a:t>Diagrama de despliegue</a:t>
+            </a:r>
+          </a:p>
+        </p:txBody>
+      </p:sp>
+      <p:cxnSp>
+        <p:nvCxnSpPr>
+          <p:cNvPr id="24" name="Straight Connector 23">
             <a:extLst>
               <a:ext uri="{FF2B5EF4-FFF2-40B4-BE49-F238E27FC236}">
-                <a16:creationId xmlns:a16="http://schemas.microsoft.com/office/drawing/2014/main" id="{2888648A-4786-043C-274B-095D56882F45}"/>
+                <a16:creationId xmlns:a16="http://schemas.microsoft.com/office/drawing/2014/main" id="{EE68D41B-9286-479F-9AB7-678C8E348D71}"/>
+              </a:ext>
+              <a:ext uri="{C183D7F6-B498-43B3-948B-1728B52AA6E4}">
+                <adec:decorative xmlns:adec="http://schemas.microsoft.com/office/drawing/2017/decorative" val="1"/>
               </a:ext>
             </a:extLst>
           </p:cNvPr>
-          <p:cNvSpPr>
-            <a:spLocks noGrp="1"/>
-          </p:cNvSpPr>
-          <p:nvPr>
-            <p:ph idx="1"/>
-          </p:nvPr>
-        </p:nvSpPr>
+          <p:cNvCxnSpPr>
+            <a:cxnSpLocks noGrp="1" noRot="1" noChangeAspect="1" noMove="1" noResize="1" noEditPoints="1" noAdjustHandles="1" noChangeArrowheads="1" noChangeShapeType="1"/>
+          </p:cNvCxnSpPr>
+          <p:nvPr>
+            <p:extLst>
+              <p:ext uri="{386F3935-93C4-4BCD-93E2-E3B085C9AB24}">
+                <p16:designElem xmlns:p16="http://schemas.microsoft.com/office/powerpoint/2015/main" val="1"/>
+              </p:ext>
+            </p:extLst>
+          </p:nvPr>
+        </p:nvCxnSpPr>
         <p:spPr>
           <a:xfrm>
-            <a:off x="1451579" y="1840942"/>
-            <a:ext cx="9603275" cy="4436826"/>
+            <a:off x="659301" y="3528543"/>
+            <a:ext cx="2823919" cy="0"/>
           </a:xfrm>
+          <a:prstGeom prst="line">
+            <a:avLst/>
+          </a:prstGeom>
+          <a:ln w="31750"/>
         </p:spPr>
-        <p:txBody>
-          <a:bodyPr>
-            <a:normAutofit fontScale="25000" lnSpcReduction="20000"/>
-          </a:bodyPr>
+        <p:style>
+          <a:lnRef idx="3">
+            <a:schemeClr val="accent1"/>
+          </a:lnRef>
+          <a:fillRef idx="0">
+            <a:schemeClr val="accent1"/>
+          </a:fillRef>
+          <a:effectRef idx="2">
+            <a:schemeClr val="accent1"/>
+          </a:effectRef>
+          <a:fontRef idx="minor">
+            <a:schemeClr val="tx1"/>
+          </a:fontRef>
+        </p:style>
+      </p:cxnSp>
+      <p:grpSp>
+        <p:nvGrpSpPr>
+          <p:cNvPr id="26" name="Group 25">
+            <a:extLst>
+              <a:ext uri="{FF2B5EF4-FFF2-40B4-BE49-F238E27FC236}">
+                <a16:creationId xmlns:a16="http://schemas.microsoft.com/office/drawing/2014/main" id="{E8ACF89C-CFC3-4D68-B3C4-2BEFB7BBE5F7}"/>
+              </a:ext>
+              <a:ext uri="{C183D7F6-B498-43B3-948B-1728B52AA6E4}">
+                <adec:decorative xmlns:adec="http://schemas.microsoft.com/office/drawing/2017/decorative" val="1"/>
+              </a:ext>
+            </a:extLst>
+          </p:cNvPr>
+          <p:cNvGrpSpPr>
+            <a:grpSpLocks noGrp="1" noUngrp="1" noRot="1" noChangeAspect="1" noMove="1" noResize="1"/>
+          </p:cNvGrpSpPr>
+          <p:nvPr>
+            <p:extLst>
+              <p:ext uri="{386F3935-93C4-4BCD-93E2-E3B085C9AB24}">
+                <p16:designElem xmlns:p16="http://schemas.microsoft.com/office/powerpoint/2015/main" val="1"/>
+              </p:ext>
+            </p:extLst>
+          </p:nvPr>
+        </p:nvGrpSpPr>
+        <p:grpSpPr>
+          <a:xfrm>
+            <a:off x="3979389" y="482171"/>
+            <a:ext cx="7560115" cy="5149101"/>
+            <a:chOff x="3979389" y="482171"/>
+            <a:chExt cx="7560115" cy="5149101"/>
+          </a:xfrm>
+        </p:grpSpPr>
+        <p:sp>
+          <p:nvSpPr>
+            <p:cNvPr id="27" name="Rectangle 26">
+              <a:extLst>
+                <a:ext uri="{FF2B5EF4-FFF2-40B4-BE49-F238E27FC236}">
+                  <a16:creationId xmlns:a16="http://schemas.microsoft.com/office/drawing/2014/main" id="{3B770B7D-3C5C-4682-8DF0-20783592F3B6}"/>
+                </a:ext>
+                <a:ext uri="{C183D7F6-B498-43B3-948B-1728B52AA6E4}">
+                  <adec:decorative xmlns:adec="http://schemas.microsoft.com/office/drawing/2017/decorative" val="1"/>
+                </a:ext>
+              </a:extLst>
+            </p:cNvPr>
+            <p:cNvSpPr/>
+            <p:nvPr>
+              <p:extLst>
+                <p:ext uri="{386F3935-93C4-4BCD-93E2-E3B085C9AB24}">
+                  <p16:designElem xmlns:p16="http://schemas.microsoft.com/office/powerpoint/2015/main" val="1"/>
+                </p:ext>
+              </p:extLst>
+            </p:nvPr>
+          </p:nvSpPr>
+          <p:spPr>
+            <a:xfrm>
+              <a:off x="3979389" y="482171"/>
+              <a:ext cx="7560115" cy="5149101"/>
+            </a:xfrm>
+            <a:prstGeom prst="rect">
+              <a:avLst/>
+            </a:prstGeom>
+            <a:gradFill>
+              <a:gsLst>
+                <a:gs pos="0">
+                  <a:srgbClr val="000001"/>
+                </a:gs>
+                <a:gs pos="100000">
+                  <a:srgbClr val="191919"/>
+                </a:gs>
+              </a:gsLst>
+            </a:gradFill>
+            <a:ln w="76200" cmpd="sng">
+              <a:noFill/>
+              <a:miter lim="800000"/>
+            </a:ln>
+            <a:effectLst>
+              <a:outerShdw blurRad="127000" dist="228600" dir="4740000" sx="98000" sy="98000" algn="tl" rotWithShape="0">
+                <a:srgbClr val="000000">
+                  <a:alpha val="34000"/>
+                </a:srgbClr>
+              </a:outerShdw>
+            </a:effectLst>
+            <a:scene3d>
+              <a:camera prst="orthographicFront"/>
+              <a:lightRig rig="threePt" dir="t"/>
+            </a:scene3d>
+            <a:sp3d>
+              <a:bevelT w="152400" h="50800" prst="softRound"/>
+            </a:sp3d>
+          </p:spPr>
+          <p:style>
+            <a:lnRef idx="1">
+              <a:schemeClr val="accent1"/>
+            </a:lnRef>
+            <a:fillRef idx="3">
+              <a:schemeClr val="accent1"/>
+            </a:fillRef>
+            <a:effectRef idx="2">
+              <a:schemeClr val="accent1"/>
+            </a:effectRef>
+            <a:fontRef idx="minor">
+              <a:schemeClr val="lt1"/>
+            </a:fontRef>
+          </p:style>
+          <p:txBody>
+            <a:bodyPr rtlCol="0" anchor="ctr"/>
+            <a:lstStyle/>
+            <a:p>
+              <a:pPr algn="ctr"/>
+              <a:endParaRPr lang="en-US"/>
+            </a:p>
+          </p:txBody>
+        </p:sp>
+        <p:sp>
+          <p:nvSpPr>
+            <p:cNvPr id="28" name="Rectangle 27">
+              <a:extLst>
+                <a:ext uri="{FF2B5EF4-FFF2-40B4-BE49-F238E27FC236}">
+                  <a16:creationId xmlns:a16="http://schemas.microsoft.com/office/drawing/2014/main" id="{A6893E11-7EC1-4EB6-A2A8-0B693F8FE576}"/>
+                </a:ext>
+                <a:ext uri="{C183D7F6-B498-43B3-948B-1728B52AA6E4}">
+                  <adec:decorative xmlns:adec="http://schemas.microsoft.com/office/drawing/2017/decorative" val="1"/>
+                </a:ext>
+              </a:extLst>
+            </p:cNvPr>
+            <p:cNvSpPr/>
+            <p:nvPr>
+              <p:extLst>
+                <p:ext uri="{386F3935-93C4-4BCD-93E2-E3B085C9AB24}">
+                  <p16:designElem xmlns:p16="http://schemas.microsoft.com/office/powerpoint/2015/main" val="1"/>
+                </p:ext>
+              </p:extLst>
+            </p:nvPr>
+          </p:nvSpPr>
+          <p:spPr>
+            <a:xfrm>
+              <a:off x="4292448" y="812507"/>
+              <a:ext cx="6928279" cy="4466452"/>
+            </a:xfrm>
+            <a:prstGeom prst="rect">
+              <a:avLst/>
+            </a:prstGeom>
+            <a:gradFill>
+              <a:gsLst>
+                <a:gs pos="0">
+                  <a:srgbClr val="DADADA"/>
+                </a:gs>
+                <a:gs pos="100000">
+                  <a:srgbClr val="FFFFFE"/>
+                </a:gs>
+              </a:gsLst>
+              <a:lin ang="16200000" scaled="0"/>
+            </a:gradFill>
+            <a:ln w="50800" cmpd="sng">
+              <a:solidFill>
+                <a:srgbClr val="191919"/>
+              </a:solidFill>
+              <a:miter lim="800000"/>
+            </a:ln>
+            <a:effectLst>
+              <a:innerShdw blurRad="63500" dist="88900" dir="14100000">
+                <a:srgbClr val="000000">
+                  <a:alpha val="30000"/>
+                </a:srgbClr>
+              </a:innerShdw>
+            </a:effectLst>
+            <a:scene3d>
+              <a:camera prst="orthographicFront"/>
+              <a:lightRig rig="threePt" dir="t"/>
+            </a:scene3d>
+            <a:sp3d>
+              <a:bevelT prst="relaxedInset"/>
+            </a:sp3d>
+          </p:spPr>
+          <p:style>
+            <a:lnRef idx="1">
+              <a:schemeClr val="accent1"/>
+            </a:lnRef>
+            <a:fillRef idx="3">
+              <a:schemeClr val="accent1"/>
+            </a:fillRef>
+            <a:effectRef idx="2">
+              <a:schemeClr val="accent1"/>
+            </a:effectRef>
+            <a:fontRef idx="minor">
+              <a:schemeClr val="lt1"/>
+            </a:fontRef>
+          </p:style>
+          <p:txBody>
+            <a:bodyPr rtlCol="0" anchor="ctr"/>
+            <a:lstStyle/>
+            <a:p>
+              <a:pPr algn="ctr"/>
+              <a:endParaRPr lang="en-US"/>
+            </a:p>
+          </p:txBody>
+        </p:sp>
+      </p:grpSp>
+      <p:sp>
+        <p:nvSpPr>
+          <p:cNvPr id="30" name="Rectangle 29">
+            <a:extLst>
+              <a:ext uri="{FF2B5EF4-FFF2-40B4-BE49-F238E27FC236}">
+                <a16:creationId xmlns:a16="http://schemas.microsoft.com/office/drawing/2014/main" id="{622F7FD7-8884-4FD5-95AB-0B5C6033ADF7}"/>
+              </a:ext>
+              <a:ext uri="{C183D7F6-B498-43B3-948B-1728B52AA6E4}">
+                <adec:decorative xmlns:adec="http://schemas.microsoft.com/office/drawing/2017/decorative" val="1"/>
+              </a:ext>
+            </a:extLst>
+          </p:cNvPr>
+          <p:cNvSpPr>
+            <a:spLocks noGrp="1" noRot="1" noChangeAspect="1" noMove="1" noResize="1" noEditPoints="1" noAdjustHandles="1" noChangeArrowheads="1" noChangeShapeType="1" noTextEdit="1"/>
+          </p:cNvSpPr>
+          <p:nvPr>
+            <p:extLst>
+              <p:ext uri="{386F3935-93C4-4BCD-93E2-E3B085C9AB24}">
+                <p16:designElem xmlns:p16="http://schemas.microsoft.com/office/powerpoint/2015/main" val="1"/>
+              </p:ext>
+            </p:extLst>
+          </p:nvPr>
+        </p:nvSpPr>
+        <p:spPr>
+          <a:xfrm>
+            <a:off x="4455487" y="977965"/>
+            <a:ext cx="6615582" cy="4135339"/>
+          </a:xfrm>
+          <a:prstGeom prst="rect">
+            <a:avLst/>
+          </a:prstGeom>
+          <a:solidFill>
+            <a:schemeClr val="bg1"/>
+          </a:solidFill>
+          <a:ln w="6350">
+            <a:solidFill>
+              <a:schemeClr val="bg2"/>
+            </a:solidFill>
+          </a:ln>
+        </p:spPr>
+        <p:style>
+          <a:lnRef idx="2">
+            <a:schemeClr val="accent1">
+              <a:shade val="50000"/>
+            </a:schemeClr>
+          </a:lnRef>
+          <a:fillRef idx="1">
+            <a:schemeClr val="accent1"/>
+          </a:fillRef>
+          <a:effectRef idx="0">
+            <a:schemeClr val="accent1"/>
+          </a:effectRef>
+          <a:fontRef idx="minor">
+            <a:schemeClr val="lt1"/>
+          </a:fontRef>
+        </p:style>
+        <p:txBody>
+          <a:bodyPr rtlCol="0" anchor="ctr"/>
           <a:lstStyle/>
           <a:p>
-            <a:pPr marR="381000" rtl="0" fontAlgn="base">
-              <a:spcBef>
-                <a:spcPts val="1200"/>
-              </a:spcBef>
-              <a:buFont typeface="Arial" panose="020B0604020202020204" pitchFamily="34" charset="0"/>
-              <a:buChar char="•"/>
-            </a:pPr>
-            <a:r>
-              <a:rPr lang="es-CL" sz="5000" b="1" i="0" u="none" strike="noStrike" dirty="0">
-                <a:solidFill>
-                  <a:srgbClr val="000000"/>
-                </a:solidFill>
-                <a:effectLst/>
-                <a:latin typeface="Arial" panose="020B0604020202020204" pitchFamily="34" charset="0"/>
-              </a:rPr>
-              <a:t>Gestión de Usuarios</a:t>
-            </a:r>
-            <a:r>
-              <a:rPr lang="es-CL" sz="5000" b="0" i="0" u="none" strike="noStrike" dirty="0">
-                <a:solidFill>
-                  <a:srgbClr val="000000"/>
-                </a:solidFill>
-                <a:effectLst/>
-                <a:latin typeface="Arial" panose="020B0604020202020204" pitchFamily="34" charset="0"/>
-              </a:rPr>
-              <a:t>: Spring Boot o Express.js + MySQL</a:t>
-            </a:r>
-            <a:br>
-              <a:rPr lang="es-CL" sz="5000" b="0" i="0" u="none" strike="noStrike" dirty="0">
-                <a:solidFill>
-                  <a:srgbClr val="000000"/>
-                </a:solidFill>
-                <a:effectLst/>
-                <a:latin typeface="Arial" panose="020B0604020202020204" pitchFamily="34" charset="0"/>
-              </a:rPr>
-            </a:br>
-            <a:br>
-              <a:rPr lang="es-CL" sz="5000" b="0" i="0" u="none" strike="noStrike" dirty="0">
-                <a:solidFill>
-                  <a:srgbClr val="000000"/>
-                </a:solidFill>
-                <a:effectLst/>
-                <a:latin typeface="Arial" panose="020B0604020202020204" pitchFamily="34" charset="0"/>
-              </a:rPr>
-            </a:br>
-            <a:endParaRPr lang="es-CL" sz="5000" b="0" i="0" u="none" strike="noStrike" dirty="0">
-              <a:solidFill>
-                <a:srgbClr val="000000"/>
-              </a:solidFill>
-              <a:effectLst/>
-              <a:latin typeface="Arial" panose="020B0604020202020204" pitchFamily="34" charset="0"/>
-            </a:endParaRPr>
-          </a:p>
-          <a:p>
-            <a:pPr marR="381000" rtl="0" fontAlgn="base">
-              <a:buFont typeface="Arial" panose="020B0604020202020204" pitchFamily="34" charset="0"/>
-              <a:buChar char="•"/>
-            </a:pPr>
-            <a:r>
-              <a:rPr lang="es-CL" sz="5000" b="1" i="0" u="none" strike="noStrike" dirty="0">
-                <a:solidFill>
-                  <a:srgbClr val="000000"/>
-                </a:solidFill>
-                <a:effectLst/>
-                <a:latin typeface="Arial" panose="020B0604020202020204" pitchFamily="34" charset="0"/>
-              </a:rPr>
-              <a:t>Inventario</a:t>
-            </a:r>
-            <a:r>
-              <a:rPr lang="es-CL" sz="5000" b="0" i="0" u="none" strike="noStrike" dirty="0">
-                <a:solidFill>
-                  <a:srgbClr val="000000"/>
-                </a:solidFill>
-                <a:effectLst/>
-                <a:latin typeface="Arial" panose="020B0604020202020204" pitchFamily="34" charset="0"/>
-              </a:rPr>
-              <a:t>: Django o Flask + MySQL</a:t>
-            </a:r>
-            <a:br>
-              <a:rPr lang="es-CL" sz="5000" b="0" i="0" u="none" strike="noStrike" dirty="0">
-                <a:solidFill>
-                  <a:srgbClr val="000000"/>
-                </a:solidFill>
-                <a:effectLst/>
-                <a:latin typeface="Arial" panose="020B0604020202020204" pitchFamily="34" charset="0"/>
-              </a:rPr>
-            </a:br>
-            <a:br>
-              <a:rPr lang="es-CL" sz="5000" b="0" i="0" u="none" strike="noStrike" dirty="0">
-                <a:solidFill>
-                  <a:srgbClr val="000000"/>
-                </a:solidFill>
-                <a:effectLst/>
-                <a:latin typeface="Arial" panose="020B0604020202020204" pitchFamily="34" charset="0"/>
-              </a:rPr>
-            </a:br>
-            <a:endParaRPr lang="es-CL" sz="5000" b="0" i="0" u="none" strike="noStrike" dirty="0">
-              <a:solidFill>
-                <a:srgbClr val="000000"/>
-              </a:solidFill>
-              <a:effectLst/>
-              <a:latin typeface="Arial" panose="020B0604020202020204" pitchFamily="34" charset="0"/>
-            </a:endParaRPr>
-          </a:p>
-          <a:p>
-            <a:pPr marR="381000" rtl="0" fontAlgn="base">
-              <a:buFont typeface="Arial" panose="020B0604020202020204" pitchFamily="34" charset="0"/>
-              <a:buChar char="•"/>
-            </a:pPr>
-            <a:r>
-              <a:rPr lang="es-CL" sz="5000" b="1" i="0" u="none" strike="noStrike" dirty="0">
-                <a:solidFill>
-                  <a:srgbClr val="000000"/>
-                </a:solidFill>
-                <a:effectLst/>
-                <a:latin typeface="Arial" panose="020B0604020202020204" pitchFamily="34" charset="0"/>
-              </a:rPr>
-              <a:t>Pedidos</a:t>
-            </a:r>
-            <a:r>
-              <a:rPr lang="es-CL" sz="5000" b="0" i="0" u="none" strike="noStrike" dirty="0">
-                <a:solidFill>
-                  <a:srgbClr val="000000"/>
-                </a:solidFill>
-                <a:effectLst/>
-                <a:latin typeface="Arial" panose="020B0604020202020204" pitchFamily="34" charset="0"/>
-              </a:rPr>
-              <a:t>: Spring Boot o Ruby on Rails + MySQL</a:t>
-            </a:r>
-            <a:br>
-              <a:rPr lang="es-CL" sz="5000" b="0" i="0" u="none" strike="noStrike" dirty="0">
-                <a:solidFill>
-                  <a:srgbClr val="000000"/>
-                </a:solidFill>
-                <a:effectLst/>
-                <a:latin typeface="Arial" panose="020B0604020202020204" pitchFamily="34" charset="0"/>
-              </a:rPr>
-            </a:br>
-            <a:br>
-              <a:rPr lang="es-CL" sz="5000" b="0" i="0" u="none" strike="noStrike" dirty="0">
-                <a:solidFill>
-                  <a:srgbClr val="000000"/>
-                </a:solidFill>
-                <a:effectLst/>
-                <a:latin typeface="Arial" panose="020B0604020202020204" pitchFamily="34" charset="0"/>
-              </a:rPr>
-            </a:br>
-            <a:endParaRPr lang="es-CL" sz="5000" b="0" i="0" u="none" strike="noStrike" dirty="0">
-              <a:solidFill>
-                <a:srgbClr val="000000"/>
-              </a:solidFill>
-              <a:effectLst/>
-              <a:latin typeface="Arial" panose="020B0604020202020204" pitchFamily="34" charset="0"/>
-            </a:endParaRPr>
-          </a:p>
-          <a:p>
-            <a:pPr marR="381000" rtl="0" fontAlgn="base">
-              <a:buFont typeface="Arial" panose="020B0604020202020204" pitchFamily="34" charset="0"/>
-              <a:buChar char="•"/>
-            </a:pPr>
-            <a:r>
-              <a:rPr lang="es-CL" sz="5000" b="1" i="0" u="none" strike="noStrike" dirty="0">
-                <a:solidFill>
-                  <a:srgbClr val="000000"/>
-                </a:solidFill>
-                <a:effectLst/>
-                <a:latin typeface="Arial" panose="020B0604020202020204" pitchFamily="34" charset="0"/>
-              </a:rPr>
-              <a:t>Envíos</a:t>
-            </a:r>
-            <a:r>
-              <a:rPr lang="es-CL" sz="5000" b="0" i="0" u="none" strike="noStrike" dirty="0">
-                <a:solidFill>
-                  <a:srgbClr val="000000"/>
-                </a:solidFill>
-                <a:effectLst/>
-                <a:latin typeface="Arial" panose="020B0604020202020204" pitchFamily="34" charset="0"/>
-              </a:rPr>
-              <a:t>: Node.js o ASP.NET Core + MySQL</a:t>
-            </a:r>
-            <a:br>
-              <a:rPr lang="es-CL" sz="5000" b="0" i="0" u="none" strike="noStrike" dirty="0">
-                <a:solidFill>
-                  <a:srgbClr val="000000"/>
-                </a:solidFill>
-                <a:effectLst/>
-                <a:latin typeface="Arial" panose="020B0604020202020204" pitchFamily="34" charset="0"/>
-              </a:rPr>
-            </a:br>
-            <a:br>
-              <a:rPr lang="es-CL" sz="5000" b="0" i="0" u="none" strike="noStrike" dirty="0">
-                <a:solidFill>
-                  <a:srgbClr val="000000"/>
-                </a:solidFill>
-                <a:effectLst/>
-                <a:latin typeface="Arial" panose="020B0604020202020204" pitchFamily="34" charset="0"/>
-              </a:rPr>
-            </a:br>
-            <a:endParaRPr lang="es-CL" sz="5000" b="0" i="0" u="none" strike="noStrike" dirty="0">
-              <a:solidFill>
-                <a:srgbClr val="000000"/>
-              </a:solidFill>
-              <a:effectLst/>
-              <a:latin typeface="Arial" panose="020B0604020202020204" pitchFamily="34" charset="0"/>
-            </a:endParaRPr>
-          </a:p>
-          <a:p>
-            <a:pPr marR="381000" rtl="0" fontAlgn="base">
-              <a:buFont typeface="Arial" panose="020B0604020202020204" pitchFamily="34" charset="0"/>
-              <a:buChar char="•"/>
-            </a:pPr>
-            <a:r>
-              <a:rPr lang="es-CL" sz="5000" b="1" i="0" u="none" strike="noStrike" dirty="0">
-                <a:solidFill>
-                  <a:srgbClr val="000000"/>
-                </a:solidFill>
-                <a:effectLst/>
-                <a:latin typeface="Arial" panose="020B0604020202020204" pitchFamily="34" charset="0"/>
-              </a:rPr>
-              <a:t>Atención al Cliente</a:t>
-            </a:r>
-            <a:r>
-              <a:rPr lang="es-CL" sz="5000" b="0" i="0" u="none" strike="noStrike" dirty="0">
-                <a:solidFill>
-                  <a:srgbClr val="000000"/>
-                </a:solidFill>
-                <a:effectLst/>
-                <a:latin typeface="Arial" panose="020B0604020202020204" pitchFamily="34" charset="0"/>
-              </a:rPr>
-              <a:t>: Flask o Express.js + MySQL</a:t>
-            </a:r>
-            <a:br>
-              <a:rPr lang="es-CL" sz="5000" b="0" i="0" u="none" strike="noStrike" dirty="0">
-                <a:solidFill>
-                  <a:srgbClr val="000000"/>
-                </a:solidFill>
-                <a:effectLst/>
-                <a:latin typeface="Arial" panose="020B0604020202020204" pitchFamily="34" charset="0"/>
-              </a:rPr>
-            </a:br>
-            <a:br>
-              <a:rPr lang="es-CL" sz="5000" b="0" i="0" u="none" strike="noStrike" dirty="0">
-                <a:solidFill>
-                  <a:srgbClr val="000000"/>
-                </a:solidFill>
-                <a:effectLst/>
-                <a:latin typeface="Arial" panose="020B0604020202020204" pitchFamily="34" charset="0"/>
-              </a:rPr>
-            </a:br>
-            <a:endParaRPr lang="es-CL" sz="5000" b="0" i="0" u="none" strike="noStrike" dirty="0">
-              <a:solidFill>
-                <a:srgbClr val="000000"/>
-              </a:solidFill>
-              <a:effectLst/>
-              <a:latin typeface="Arial" panose="020B0604020202020204" pitchFamily="34" charset="0"/>
-            </a:endParaRPr>
-          </a:p>
-          <a:p>
-            <a:pPr marR="381000" rtl="0" fontAlgn="base">
-              <a:buFont typeface="Arial" panose="020B0604020202020204" pitchFamily="34" charset="0"/>
-              <a:buChar char="•"/>
-            </a:pPr>
-            <a:r>
-              <a:rPr lang="es-CL" sz="5000" b="1" i="0" u="none" strike="noStrike" dirty="0">
-                <a:solidFill>
-                  <a:srgbClr val="000000"/>
-                </a:solidFill>
-                <a:effectLst/>
-                <a:latin typeface="Arial" panose="020B0604020202020204" pitchFamily="34" charset="0"/>
-              </a:rPr>
-              <a:t>Reportes</a:t>
-            </a:r>
-            <a:r>
-              <a:rPr lang="es-CL" sz="5000" b="0" i="0" u="none" strike="noStrike" dirty="0">
-                <a:solidFill>
-                  <a:srgbClr val="000000"/>
-                </a:solidFill>
-                <a:effectLst/>
-                <a:latin typeface="Arial" panose="020B0604020202020204" pitchFamily="34" charset="0"/>
-              </a:rPr>
-              <a:t>: Spring Boot o Django + MySQL</a:t>
-            </a:r>
-          </a:p>
-          <a:p>
-            <a:pPr marL="457200" marR="381000" rtl="0">
-              <a:buNone/>
-            </a:pPr>
-            <a:r>
-              <a:rPr lang="es-CL" sz="5000" b="0" i="0" u="none" strike="noStrike" dirty="0">
-                <a:solidFill>
-                  <a:srgbClr val="000000"/>
-                </a:solidFill>
-                <a:effectLst/>
-                <a:latin typeface="Arial" panose="020B0604020202020204" pitchFamily="34" charset="0"/>
-              </a:rPr>
-              <a:t>Estas tecnologías fueron elegidas por su eficiencia, compatibilidad con microservicios y facilidad de integración</a:t>
-            </a:r>
-            <a:r>
-              <a:rPr lang="es-CL" sz="1800" b="0" i="0" u="none" strike="noStrike" dirty="0">
-                <a:solidFill>
-                  <a:srgbClr val="000000"/>
-                </a:solidFill>
-                <a:effectLst/>
-                <a:latin typeface="Arial" panose="020B0604020202020204" pitchFamily="34" charset="0"/>
-              </a:rPr>
-              <a:t>.</a:t>
-            </a:r>
-            <a:endParaRPr lang="es-CL" b="0" dirty="0">
-              <a:effectLst/>
-            </a:endParaRPr>
-          </a:p>
-          <a:p>
-            <a:pPr>
-              <a:buNone/>
-            </a:pPr>
-            <a:br>
-              <a:rPr lang="es-CL" dirty="0"/>
-            </a:br>
-            <a:endParaRPr lang="es-CL" dirty="0"/>
-          </a:p>
-        </p:txBody>
-      </p:sp>
+            <a:pPr algn="ctr"/>
+            <a:endParaRPr lang="en-US"/>
+          </a:p>
+        </p:txBody>
+      </p:sp>
+      <p:pic>
+        <p:nvPicPr>
+          <p:cNvPr id="7" name="image2.png">
+            <a:extLst>
+              <a:ext uri="{FF2B5EF4-FFF2-40B4-BE49-F238E27FC236}">
+                <a16:creationId xmlns:a16="http://schemas.microsoft.com/office/drawing/2014/main" id="{DADD915C-6A7E-4D36-644E-BB94C61B80D4}"/>
+              </a:ext>
+            </a:extLst>
+          </p:cNvPr>
+          <p:cNvPicPr>
+            <a:picLocks noGrp="1"/>
+          </p:cNvPicPr>
+          <p:nvPr>
+            <p:ph idx="1"/>
+          </p:nvPr>
+        </p:nvPicPr>
+        <p:blipFill>
+          <a:blip r:embed="rId3"/>
+          <a:stretch>
+            <a:fillRect/>
+          </a:stretch>
+        </p:blipFill>
+        <p:spPr>
+          <a:xfrm>
+            <a:off x="4618374" y="1627920"/>
+            <a:ext cx="6282919" cy="2843021"/>
+          </a:xfrm>
+          <a:prstGeom prst="rect">
+            <a:avLst/>
+          </a:prstGeom>
+        </p:spPr>
+      </p:pic>
+      <p:pic>
+        <p:nvPicPr>
+          <p:cNvPr id="32" name="Picture 31">
+            <a:extLst>
+              <a:ext uri="{FF2B5EF4-FFF2-40B4-BE49-F238E27FC236}">
+                <a16:creationId xmlns:a16="http://schemas.microsoft.com/office/drawing/2014/main" id="{16EFE474-4FE0-4E8F-8F09-5ED2C9E76A84}"/>
+              </a:ext>
+              <a:ext uri="{C183D7F6-B498-43B3-948B-1728B52AA6E4}">
+                <adec:decorative xmlns:adec="http://schemas.microsoft.com/office/drawing/2017/decorative" val="1"/>
+              </a:ext>
+            </a:extLst>
+          </p:cNvPr>
+          <p:cNvPicPr>
+            <a:picLocks noGrp="1" noRot="1" noChangeAspect="1" noMove="1" noResize="1" noEditPoints="1" noAdjustHandles="1" noChangeArrowheads="1" noChangeShapeType="1" noCrop="1"/>
+          </p:cNvPicPr>
+          <p:nvPr>
+            <p:extLst>
+              <p:ext uri="{386F3935-93C4-4BCD-93E2-E3B085C9AB24}">
+                <p16:designElem xmlns:p16="http://schemas.microsoft.com/office/powerpoint/2015/main" val="1"/>
+              </p:ext>
+            </p:extLst>
+          </p:nvPr>
+        </p:nvPicPr>
+        <p:blipFill rotWithShape="1">
+          <a:blip r:embed="rId2">
+            <a:extLst>
+              <a:ext uri="{28A0092B-C50C-407E-A947-70E740481C1C}">
+                <a14:useLocalDpi xmlns:a14="http://schemas.microsoft.com/office/drawing/2010/main" val="0"/>
+              </a:ext>
+            </a:extLst>
+          </a:blip>
+          <a:srcRect t="1538" b="-1538"/>
+          <a:stretch/>
+        </p:blipFill>
+        <p:spPr bwMode="black">
+          <a:xfrm>
+            <a:off x="0" y="6126480"/>
+            <a:ext cx="12192000" cy="742950"/>
+          </a:xfrm>
+          <a:prstGeom prst="rect">
+            <a:avLst/>
+          </a:prstGeom>
+        </p:spPr>
+      </p:pic>
+      <p:cxnSp>
+        <p:nvCxnSpPr>
+          <p:cNvPr id="34" name="Straight Connector 33">
+            <a:extLst>
+              <a:ext uri="{FF2B5EF4-FFF2-40B4-BE49-F238E27FC236}">
+                <a16:creationId xmlns:a16="http://schemas.microsoft.com/office/drawing/2014/main" id="{CF8B8C81-54DC-4AF5-B682-3A2C70A6B55C}"/>
+              </a:ext>
+              <a:ext uri="{C183D7F6-B498-43B3-948B-1728B52AA6E4}">
+                <adec:decorative xmlns:adec="http://schemas.microsoft.com/office/drawing/2017/decorative" val="1"/>
+              </a:ext>
+            </a:extLst>
+          </p:cNvPr>
+          <p:cNvCxnSpPr>
+            <a:cxnSpLocks noGrp="1" noRot="1" noChangeAspect="1" noMove="1" noResize="1" noEditPoints="1" noAdjustHandles="1" noChangeArrowheads="1" noChangeShapeType="1"/>
+          </p:cNvCxnSpPr>
+          <p:nvPr>
+            <p:extLst>
+              <p:ext uri="{386F3935-93C4-4BCD-93E2-E3B085C9AB24}">
+                <p16:designElem xmlns:p16="http://schemas.microsoft.com/office/powerpoint/2015/main" val="1"/>
+              </p:ext>
+            </p:extLst>
+          </p:nvPr>
+        </p:nvCxnSpPr>
+        <p:spPr>
+          <a:xfrm>
+            <a:off x="0" y="6128413"/>
+            <a:ext cx="12192000" cy="0"/>
+          </a:xfrm>
+          <a:prstGeom prst="line">
+            <a:avLst/>
+          </a:prstGeom>
+          <a:ln w="12700">
+            <a:solidFill>
+              <a:srgbClr val="000001">
+                <a:alpha val="20000"/>
+              </a:srgbClr>
+            </a:solidFill>
+          </a:ln>
+        </p:spPr>
+        <p:style>
+          <a:lnRef idx="1">
+            <a:schemeClr val="accent1"/>
+          </a:lnRef>
+          <a:fillRef idx="0">
+            <a:schemeClr val="accent1"/>
+          </a:fillRef>
+          <a:effectRef idx="0">
+            <a:schemeClr val="accent1"/>
+          </a:effectRef>
+          <a:fontRef idx="minor">
+            <a:schemeClr val="tx1"/>
+          </a:fontRef>
+        </p:style>
+      </p:cxnSp>
     </p:spTree>
     <p:extLst>
       <p:ext uri="{BB962C8B-B14F-4D97-AF65-F5344CB8AC3E}">
-        <p14:creationId xmlns:p14="http://schemas.microsoft.com/office/powerpoint/2010/main" val="3337918867"/>
+        <p14:creationId xmlns:p14="http://schemas.microsoft.com/office/powerpoint/2010/main" val="1280940986"/>
       </p:ext>
     </p:extLst>
   </p:cSld>
@@ -4110,6 +4580,549 @@
           <p:cNvPr id="2" name="Título 1">
             <a:extLst>
               <a:ext uri="{FF2B5EF4-FFF2-40B4-BE49-F238E27FC236}">
+                <a16:creationId xmlns:a16="http://schemas.microsoft.com/office/drawing/2014/main" id="{81B67B40-0D05-367E-11B1-3BB9197AC337}"/>
+              </a:ext>
+            </a:extLst>
+          </p:cNvPr>
+          <p:cNvSpPr>
+            <a:spLocks noGrp="1"/>
+          </p:cNvSpPr>
+          <p:nvPr>
+            <p:ph type="title"/>
+          </p:nvPr>
+        </p:nvSpPr>
+        <p:spPr>
+          <a:xfrm>
+            <a:off x="1451579" y="580232"/>
+            <a:ext cx="9603275" cy="1049235"/>
+          </a:xfrm>
+        </p:spPr>
+        <p:txBody>
+          <a:bodyPr/>
+          <a:lstStyle/>
+          <a:p>
+            <a:pPr algn="ctr"/>
+            <a:r>
+              <a:rPr lang="es-CL" dirty="0"/>
+              <a:t>Herramientas usadas</a:t>
+            </a:r>
+          </a:p>
+        </p:txBody>
+      </p:sp>
+      <p:sp>
+        <p:nvSpPr>
+          <p:cNvPr id="3" name="Marcador de contenido 2">
+            <a:extLst>
+              <a:ext uri="{FF2B5EF4-FFF2-40B4-BE49-F238E27FC236}">
+                <a16:creationId xmlns:a16="http://schemas.microsoft.com/office/drawing/2014/main" id="{2888648A-4786-043C-274B-095D56882F45}"/>
+              </a:ext>
+            </a:extLst>
+          </p:cNvPr>
+          <p:cNvSpPr>
+            <a:spLocks noGrp="1"/>
+          </p:cNvSpPr>
+          <p:nvPr>
+            <p:ph idx="1"/>
+          </p:nvPr>
+        </p:nvSpPr>
+        <p:spPr>
+          <a:xfrm>
+            <a:off x="1451579" y="1840942"/>
+            <a:ext cx="9603275" cy="4436826"/>
+          </a:xfrm>
+        </p:spPr>
+        <p:txBody>
+          <a:bodyPr>
+            <a:normAutofit fontScale="77500" lnSpcReduction="20000"/>
+          </a:bodyPr>
+          <a:lstStyle/>
+          <a:p>
+            <a:pPr marR="381000" rtl="0" fontAlgn="base">
+              <a:spcBef>
+                <a:spcPts val="1200"/>
+              </a:spcBef>
+              <a:buFont typeface="Arial" panose="020B0604020202020204" pitchFamily="34" charset="0"/>
+              <a:buChar char="•"/>
+            </a:pPr>
+            <a:r>
+              <a:rPr lang="es-CL" sz="2600" b="1" i="0" u="none" strike="noStrike" dirty="0">
+                <a:solidFill>
+                  <a:srgbClr val="000000"/>
+                </a:solidFill>
+                <a:effectLst/>
+              </a:rPr>
+              <a:t>Gestión de Usuarios</a:t>
+            </a:r>
+            <a:r>
+              <a:rPr lang="es-CL" sz="2600" b="0" i="0" u="none" strike="noStrike" dirty="0">
+                <a:solidFill>
+                  <a:srgbClr val="000000"/>
+                </a:solidFill>
+                <a:effectLst/>
+              </a:rPr>
+              <a:t>: Spring Boot o Express.js + MySQL</a:t>
+            </a:r>
+          </a:p>
+          <a:p>
+            <a:pPr marR="381000" rtl="0" fontAlgn="base">
+              <a:buFont typeface="Arial" panose="020B0604020202020204" pitchFamily="34" charset="0"/>
+              <a:buChar char="•"/>
+            </a:pPr>
+            <a:r>
+              <a:rPr lang="es-CL" sz="2600" b="1" i="0" u="none" strike="noStrike" dirty="0">
+                <a:solidFill>
+                  <a:srgbClr val="000000"/>
+                </a:solidFill>
+                <a:effectLst/>
+              </a:rPr>
+              <a:t>Inventario</a:t>
+            </a:r>
+            <a:r>
+              <a:rPr lang="es-CL" sz="2600" b="0" i="0" u="none" strike="noStrike" dirty="0">
+                <a:solidFill>
+                  <a:srgbClr val="000000"/>
+                </a:solidFill>
+                <a:effectLst/>
+              </a:rPr>
+              <a:t>: Django o Flask + MySQL</a:t>
+            </a:r>
+          </a:p>
+          <a:p>
+            <a:pPr marR="381000" rtl="0" fontAlgn="base">
+              <a:buFont typeface="Arial" panose="020B0604020202020204" pitchFamily="34" charset="0"/>
+              <a:buChar char="•"/>
+            </a:pPr>
+            <a:r>
+              <a:rPr lang="es-CL" sz="2600" b="1" i="0" u="none" strike="noStrike" dirty="0">
+                <a:solidFill>
+                  <a:srgbClr val="000000"/>
+                </a:solidFill>
+                <a:effectLst/>
+              </a:rPr>
+              <a:t>Pedidos</a:t>
+            </a:r>
+            <a:r>
+              <a:rPr lang="es-CL" sz="2600" b="0" i="0" u="none" strike="noStrike" dirty="0">
+                <a:solidFill>
+                  <a:srgbClr val="000000"/>
+                </a:solidFill>
+                <a:effectLst/>
+              </a:rPr>
+              <a:t>: Spring Boot o Ruby on Rails + MySQL</a:t>
+            </a:r>
+          </a:p>
+          <a:p>
+            <a:pPr marR="381000" rtl="0" fontAlgn="base">
+              <a:buFont typeface="Arial" panose="020B0604020202020204" pitchFamily="34" charset="0"/>
+              <a:buChar char="•"/>
+            </a:pPr>
+            <a:r>
+              <a:rPr lang="es-CL" sz="2600" b="1" i="0" u="none" strike="noStrike" dirty="0">
+                <a:solidFill>
+                  <a:srgbClr val="000000"/>
+                </a:solidFill>
+                <a:effectLst/>
+              </a:rPr>
+              <a:t>Envíos</a:t>
+            </a:r>
+            <a:r>
+              <a:rPr lang="es-CL" sz="2600" b="0" i="0" u="none" strike="noStrike" dirty="0">
+                <a:solidFill>
+                  <a:srgbClr val="000000"/>
+                </a:solidFill>
+                <a:effectLst/>
+              </a:rPr>
+              <a:t>: Node.js o ASP.NET Core + MySQL</a:t>
+            </a:r>
+          </a:p>
+          <a:p>
+            <a:pPr marR="381000" rtl="0" fontAlgn="base">
+              <a:buFont typeface="Arial" panose="020B0604020202020204" pitchFamily="34" charset="0"/>
+              <a:buChar char="•"/>
+            </a:pPr>
+            <a:r>
+              <a:rPr lang="es-CL" sz="2600" b="1" i="0" u="none" strike="noStrike" dirty="0">
+                <a:solidFill>
+                  <a:srgbClr val="000000"/>
+                </a:solidFill>
+                <a:effectLst/>
+              </a:rPr>
+              <a:t>Atención al Cliente</a:t>
+            </a:r>
+            <a:r>
+              <a:rPr lang="es-CL" sz="2600" b="0" i="0" u="none" strike="noStrike" dirty="0">
+                <a:solidFill>
+                  <a:srgbClr val="000000"/>
+                </a:solidFill>
+                <a:effectLst/>
+              </a:rPr>
+              <a:t>: Flask o Express.js + MySQL</a:t>
+            </a:r>
+          </a:p>
+          <a:p>
+            <a:pPr marR="381000" rtl="0" fontAlgn="base">
+              <a:buFont typeface="Arial" panose="020B0604020202020204" pitchFamily="34" charset="0"/>
+              <a:buChar char="•"/>
+            </a:pPr>
+            <a:r>
+              <a:rPr lang="es-CL" sz="2600" b="1" i="0" u="none" strike="noStrike" dirty="0">
+                <a:solidFill>
+                  <a:srgbClr val="000000"/>
+                </a:solidFill>
+                <a:effectLst/>
+              </a:rPr>
+              <a:t>Reportes</a:t>
+            </a:r>
+            <a:r>
+              <a:rPr lang="es-CL" sz="2600" b="0" i="0" u="none" strike="noStrike" dirty="0">
+                <a:solidFill>
+                  <a:srgbClr val="000000"/>
+                </a:solidFill>
+                <a:effectLst/>
+              </a:rPr>
+              <a:t>: Spring Boot o Django + MySQL</a:t>
+            </a:r>
+          </a:p>
+          <a:p>
+            <a:pPr marL="457200" marR="381000" rtl="0">
+              <a:buNone/>
+            </a:pPr>
+            <a:endParaRPr lang="es-CL" sz="2600" b="0" i="0" u="none" strike="noStrike" dirty="0">
+              <a:solidFill>
+                <a:srgbClr val="000000"/>
+              </a:solidFill>
+              <a:effectLst/>
+            </a:endParaRPr>
+          </a:p>
+          <a:p>
+            <a:pPr marL="457200" marR="381000" rtl="0">
+              <a:buNone/>
+            </a:pPr>
+            <a:r>
+              <a:rPr lang="es-CL" sz="2600" b="0" i="0" u="none" strike="noStrike" dirty="0">
+                <a:solidFill>
+                  <a:srgbClr val="000000"/>
+                </a:solidFill>
+                <a:effectLst/>
+              </a:rPr>
+              <a:t>Estas tecnologías fueron elegidas por su eficiencia, compatibilidad con microservicios y facilidad de integración.</a:t>
+            </a:r>
+            <a:endParaRPr lang="es-CL" sz="2600" b="0" dirty="0">
+              <a:effectLst/>
+            </a:endParaRPr>
+          </a:p>
+          <a:p>
+            <a:pPr>
+              <a:buNone/>
+            </a:pPr>
+            <a:br>
+              <a:rPr lang="es-CL" dirty="0"/>
+            </a:br>
+            <a:endParaRPr lang="es-CL" dirty="0"/>
+          </a:p>
+        </p:txBody>
+      </p:sp>
+    </p:spTree>
+    <p:extLst>
+      <p:ext uri="{BB962C8B-B14F-4D97-AF65-F5344CB8AC3E}">
+        <p14:creationId xmlns:p14="http://schemas.microsoft.com/office/powerpoint/2010/main" val="3337918867"/>
+      </p:ext>
+    </p:extLst>
+  </p:cSld>
+  <p:clrMapOvr>
+    <a:masterClrMapping/>
+  </p:clrMapOvr>
+</p:sld>
+</file>
+
+<file path=ppt/slides/slide12.xml><?xml version="1.0" encoding="utf-8"?>
+<p:sld xmlns:a="http://schemas.openxmlformats.org/drawingml/2006/main" xmlns:r="http://schemas.openxmlformats.org/officeDocument/2006/relationships" xmlns:p="http://schemas.openxmlformats.org/presentationml/2006/main">
+  <p:cSld>
+    <p:spTree>
+      <p:nvGrpSpPr>
+        <p:cNvPr id="1" name=""/>
+        <p:cNvGrpSpPr/>
+        <p:nvPr/>
+      </p:nvGrpSpPr>
+      <p:grpSpPr>
+        <a:xfrm>
+          <a:off x="0" y="0"/>
+          <a:ext cx="0" cy="0"/>
+          <a:chOff x="0" y="0"/>
+          <a:chExt cx="0" cy="0"/>
+        </a:xfrm>
+      </p:grpSpPr>
+      <p:sp>
+        <p:nvSpPr>
+          <p:cNvPr id="2" name="Título 1">
+            <a:extLst>
+              <a:ext uri="{FF2B5EF4-FFF2-40B4-BE49-F238E27FC236}">
+                <a16:creationId xmlns:a16="http://schemas.microsoft.com/office/drawing/2014/main" id="{06114AAD-4C7E-3C9D-769C-DB7AFCAE8027}"/>
+              </a:ext>
+            </a:extLst>
+          </p:cNvPr>
+          <p:cNvSpPr>
+            <a:spLocks noGrp="1"/>
+          </p:cNvSpPr>
+          <p:nvPr>
+            <p:ph type="title"/>
+          </p:nvPr>
+        </p:nvSpPr>
+        <p:spPr/>
+        <p:txBody>
+          <a:bodyPr/>
+          <a:lstStyle/>
+          <a:p>
+            <a:r>
+              <a:rPr lang="es-ES" dirty="0"/>
+              <a:t>Plan de </a:t>
+            </a:r>
+            <a:r>
+              <a:rPr lang="es-ES" dirty="0" err="1"/>
+              <a:t>migracion</a:t>
+            </a:r>
+            <a:endParaRPr lang="en-US" dirty="0"/>
+          </a:p>
+        </p:txBody>
+      </p:sp>
+      <p:sp>
+        <p:nvSpPr>
+          <p:cNvPr id="3" name="Marcador de contenido 2">
+            <a:extLst>
+              <a:ext uri="{FF2B5EF4-FFF2-40B4-BE49-F238E27FC236}">
+                <a16:creationId xmlns:a16="http://schemas.microsoft.com/office/drawing/2014/main" id="{E33F82FD-3467-E3D4-05DA-21C72DA89ECF}"/>
+              </a:ext>
+            </a:extLst>
+          </p:cNvPr>
+          <p:cNvSpPr>
+            <a:spLocks noGrp="1"/>
+          </p:cNvSpPr>
+          <p:nvPr>
+            <p:ph idx="1"/>
+          </p:nvPr>
+        </p:nvSpPr>
+        <p:spPr/>
+        <p:txBody>
+          <a:bodyPr/>
+          <a:lstStyle/>
+          <a:p>
+            <a:pPr algn="l">
+              <a:buFont typeface="+mj-lt"/>
+              <a:buAutoNum type="arabicPeriod"/>
+            </a:pPr>
+            <a:r>
+              <a:rPr lang="es-ES" b="1" i="0" dirty="0">
+                <a:solidFill>
+                  <a:srgbClr val="262626"/>
+                </a:solidFill>
+                <a:effectLst/>
+                <a:latin typeface="+mj-lt"/>
+              </a:rPr>
+              <a:t>Fase 1: Migración Gradual</a:t>
+            </a:r>
+            <a:r>
+              <a:rPr lang="es-ES" b="0" i="0" dirty="0">
+                <a:solidFill>
+                  <a:srgbClr val="262626"/>
+                </a:solidFill>
+                <a:effectLst/>
+                <a:latin typeface="+mj-lt"/>
+              </a:rPr>
+              <a:t>, que contempla la separación progresiva de funcionalidades del sistema monolítico y su implementación en microservicios.</a:t>
+            </a:r>
+          </a:p>
+          <a:p>
+            <a:pPr algn="l">
+              <a:buFont typeface="+mj-lt"/>
+              <a:buAutoNum type="arabicPeriod"/>
+            </a:pPr>
+            <a:r>
+              <a:rPr lang="es-ES" b="1" i="0" dirty="0">
+                <a:solidFill>
+                  <a:srgbClr val="262626"/>
+                </a:solidFill>
+                <a:effectLst/>
+                <a:latin typeface="+mj-lt"/>
+              </a:rPr>
+              <a:t>Fase 2: Despliegue y Monitoreo</a:t>
+            </a:r>
+            <a:r>
+              <a:rPr lang="es-ES" b="0" i="0" dirty="0">
+                <a:solidFill>
+                  <a:srgbClr val="262626"/>
+                </a:solidFill>
+                <a:effectLst/>
+                <a:latin typeface="+mj-lt"/>
+              </a:rPr>
+              <a:t>, enfocada en la implementación de contenedores (Docker y </a:t>
+            </a:r>
+            <a:r>
+              <a:rPr lang="es-ES" b="0" i="0" dirty="0" err="1">
+                <a:solidFill>
+                  <a:srgbClr val="262626"/>
+                </a:solidFill>
+                <a:effectLst/>
+                <a:latin typeface="+mj-lt"/>
+              </a:rPr>
+              <a:t>Kubernetes</a:t>
+            </a:r>
+            <a:r>
+              <a:rPr lang="es-ES" b="0" i="0" dirty="0">
+                <a:solidFill>
+                  <a:srgbClr val="262626"/>
+                </a:solidFill>
+                <a:effectLst/>
+                <a:latin typeface="+mj-lt"/>
+              </a:rPr>
+              <a:t>), herramientas de monitoreo (</a:t>
+            </a:r>
+            <a:r>
+              <a:rPr lang="es-ES" b="0" i="0" dirty="0" err="1">
+                <a:solidFill>
+                  <a:srgbClr val="262626"/>
+                </a:solidFill>
+                <a:effectLst/>
+                <a:latin typeface="+mj-lt"/>
+              </a:rPr>
+              <a:t>Prometheus</a:t>
+            </a:r>
+            <a:r>
+              <a:rPr lang="es-ES" b="0" i="0" dirty="0">
+                <a:solidFill>
+                  <a:srgbClr val="262626"/>
+                </a:solidFill>
+                <a:effectLst/>
+                <a:latin typeface="+mj-lt"/>
+              </a:rPr>
+              <a:t> y </a:t>
+            </a:r>
+            <a:r>
+              <a:rPr lang="es-ES" b="0" i="0" dirty="0" err="1">
+                <a:solidFill>
+                  <a:srgbClr val="262626"/>
+                </a:solidFill>
+                <a:effectLst/>
+                <a:latin typeface="+mj-lt"/>
+              </a:rPr>
+              <a:t>Grafana</a:t>
+            </a:r>
+            <a:r>
+              <a:rPr lang="es-ES" b="0" i="0" dirty="0">
+                <a:solidFill>
+                  <a:srgbClr val="262626"/>
+                </a:solidFill>
+                <a:effectLst/>
+                <a:latin typeface="+mj-lt"/>
+              </a:rPr>
+              <a:t>), y sistemas de </a:t>
+            </a:r>
+            <a:r>
+              <a:rPr lang="es-ES" b="0" i="0" dirty="0" err="1">
+                <a:solidFill>
+                  <a:srgbClr val="262626"/>
+                </a:solidFill>
+                <a:effectLst/>
+                <a:latin typeface="+mj-lt"/>
+              </a:rPr>
+              <a:t>logging</a:t>
+            </a:r>
+            <a:r>
+              <a:rPr lang="es-ES" b="0" i="0" dirty="0">
+                <a:solidFill>
+                  <a:srgbClr val="262626"/>
+                </a:solidFill>
+                <a:effectLst/>
+                <a:latin typeface="+mj-lt"/>
+              </a:rPr>
+              <a:t> (ELK </a:t>
+            </a:r>
+            <a:r>
+              <a:rPr lang="es-ES" b="0" i="0" dirty="0" err="1">
+                <a:solidFill>
+                  <a:srgbClr val="262626"/>
+                </a:solidFill>
+                <a:effectLst/>
+                <a:latin typeface="+mj-lt"/>
+              </a:rPr>
+              <a:t>Stack</a:t>
+            </a:r>
+            <a:r>
+              <a:rPr lang="es-ES" b="0" i="0" dirty="0">
+                <a:solidFill>
+                  <a:srgbClr val="262626"/>
+                </a:solidFill>
+                <a:effectLst/>
+                <a:latin typeface="+mj-lt"/>
+              </a:rPr>
+              <a:t>).</a:t>
+            </a:r>
+          </a:p>
+          <a:p>
+            <a:pPr algn="l">
+              <a:buFont typeface="+mj-lt"/>
+              <a:buAutoNum type="arabicPeriod"/>
+            </a:pPr>
+            <a:r>
+              <a:rPr lang="es-ES" b="1" i="0" dirty="0">
+                <a:solidFill>
+                  <a:srgbClr val="262626"/>
+                </a:solidFill>
+                <a:effectLst/>
+                <a:latin typeface="+mj-lt"/>
+              </a:rPr>
+              <a:t>Fase 3: Evaluación y Optimización</a:t>
+            </a:r>
+            <a:r>
+              <a:rPr lang="es-ES" b="0" i="0" dirty="0">
+                <a:solidFill>
+                  <a:srgbClr val="262626"/>
+                </a:solidFill>
+                <a:effectLst/>
+                <a:latin typeface="+mj-lt"/>
+              </a:rPr>
+              <a:t>, destinada a la validación del sistema en producción, pruebas de carga, ajustes de escalabilidad y mejora continua.</a:t>
+            </a:r>
+          </a:p>
+          <a:p>
+            <a:endParaRPr lang="en-US" dirty="0"/>
+          </a:p>
+        </p:txBody>
+      </p:sp>
+    </p:spTree>
+    <p:extLst>
+      <p:ext uri="{BB962C8B-B14F-4D97-AF65-F5344CB8AC3E}">
+        <p14:creationId xmlns:p14="http://schemas.microsoft.com/office/powerpoint/2010/main" val="3273962740"/>
+      </p:ext>
+    </p:extLst>
+  </p:cSld>
+  <p:clrMapOvr>
+    <a:masterClrMapping/>
+  </p:clrMapOvr>
+</p:sld>
+</file>
+
+<file path=ppt/slides/slide13.xml><?xml version="1.0" encoding="utf-8"?>
+<p:sld xmlns:a="http://schemas.openxmlformats.org/drawingml/2006/main" xmlns:r="http://schemas.openxmlformats.org/officeDocument/2006/relationships" xmlns:p="http://schemas.openxmlformats.org/presentationml/2006/main">
+  <p:cSld>
+    <p:spTree>
+      <p:nvGrpSpPr>
+        <p:cNvPr id="1" name=""/>
+        <p:cNvGrpSpPr/>
+        <p:nvPr/>
+      </p:nvGrpSpPr>
+      <p:grpSpPr>
+        <a:xfrm>
+          <a:off x="0" y="0"/>
+          <a:ext cx="0" cy="0"/>
+          <a:chOff x="0" y="0"/>
+          <a:chExt cx="0" cy="0"/>
+        </a:xfrm>
+      </p:grpSpPr>
+      <p:sp>
+        <p:nvSpPr>
+          <p:cNvPr id="2" name="Título 1">
+            <a:extLst>
+              <a:ext uri="{FF2B5EF4-FFF2-40B4-BE49-F238E27FC236}">
                 <a16:creationId xmlns:a16="http://schemas.microsoft.com/office/drawing/2014/main" id="{91CD9692-978A-17DE-38F1-B467E213EB30}"/>
               </a:ext>
             </a:extLst>
@@ -4186,7 +5199,7 @@
 </p:sld>
 </file>
 
-<file path=ppt/slides/slide12.xml><?xml version="1.0" encoding="utf-8"?>
+<file path=ppt/slides/slide14.xml><?xml version="1.0" encoding="utf-8"?>
 <p:sld xmlns:a="http://schemas.openxmlformats.org/drawingml/2006/main" xmlns:r="http://schemas.openxmlformats.org/officeDocument/2006/relationships" xmlns:p="http://schemas.openxmlformats.org/presentationml/2006/main">
   <p:cSld>
     <p:spTree>
@@ -4405,7 +5418,7 @@
           <p:cNvPr id="2" name="Título 1">
             <a:extLst>
               <a:ext uri="{FF2B5EF4-FFF2-40B4-BE49-F238E27FC236}">
-                <a16:creationId xmlns:a16="http://schemas.microsoft.com/office/drawing/2014/main" id="{5B8C9CD1-05EE-002C-787F-FC3E759BC004}"/>
+                <a16:creationId xmlns:a16="http://schemas.microsoft.com/office/drawing/2014/main" id="{7D673930-5496-0C95-8B9F-47D0475AD9BC}"/>
               </a:ext>
             </a:extLst>
           </p:cNvPr>
@@ -4418,22 +5431,14 @@
         </p:nvSpPr>
         <p:spPr/>
         <p:txBody>
-          <a:bodyPr>
-            <a:normAutofit/>
-          </a:bodyPr>
+          <a:bodyPr/>
           <a:lstStyle/>
           <a:p>
-            <a:pPr algn="ctr"/>
-            <a:r>
-              <a:rPr lang="es-CL" sz="4000" b="1" dirty="0">
-                <a:solidFill>
-                  <a:srgbClr val="000000"/>
-                </a:solidFill>
-                <a:latin typeface="Arial" panose="020B0604020202020204" pitchFamily="34" charset="0"/>
-              </a:rPr>
-              <a:t>Nueva arquitectura</a:t>
-            </a:r>
-            <a:endParaRPr lang="es-CL" sz="4000" dirty="0"/>
+            <a:r>
+              <a:rPr lang="es-ES" dirty="0"/>
+              <a:t>Análisis del sistema actual</a:t>
+            </a:r>
+            <a:endParaRPr lang="en-US" dirty="0"/>
           </a:p>
         </p:txBody>
       </p:sp>
@@ -4442,7 +5447,7 @@
           <p:cNvPr id="3" name="Marcador de contenido 2">
             <a:extLst>
               <a:ext uri="{FF2B5EF4-FFF2-40B4-BE49-F238E27FC236}">
-                <a16:creationId xmlns:a16="http://schemas.microsoft.com/office/drawing/2014/main" id="{A60EDEC8-9B8F-4E04-5308-A83F2D285D06}"/>
+                <a16:creationId xmlns:a16="http://schemas.microsoft.com/office/drawing/2014/main" id="{FD1DD91A-EDF0-6A75-F27C-645662CA10C8}"/>
               </a:ext>
             </a:extLst>
           </p:cNvPr>
@@ -4459,31 +5464,17 @@
           <a:lstStyle/>
           <a:p>
             <a:r>
-              <a:rPr lang="es-MX" b="0" i="0" u="none" strike="noStrike" dirty="0">
-                <a:solidFill>
-                  <a:srgbClr val="000000"/>
-                </a:solidFill>
+              <a:rPr lang="es-CL" sz="1800" dirty="0">
                 <a:effectLst/>
-                <a:latin typeface="Arial" panose="020B0604020202020204" pitchFamily="34" charset="0"/>
+                <a:latin typeface="+mj-lt"/>
+                <a:ea typeface="Arial" panose="020B0604020202020204" pitchFamily="34" charset="0"/>
               </a:rPr>
-              <a:t>Diseñamos una arquitectura de microservicios para separar funciones clave como usuarios, reservas y autenticación. Esto mejora el mantenimiento, escalabilidad y permite trabajar por módulos sin afectar el sistema completo</a:t>
-            </a:r>
-            <a:r>
-              <a:rPr lang="es-MX" sz="1800" b="0" i="0" u="none" strike="noStrike" dirty="0">
-                <a:solidFill>
-                  <a:srgbClr val="000000"/>
-                </a:solidFill>
-                <a:effectLst/>
-                <a:latin typeface="Arial" panose="020B0604020202020204" pitchFamily="34" charset="0"/>
-              </a:rPr>
-              <a:t>.</a:t>
-            </a:r>
-            <a:endParaRPr lang="es-CL" sz="1800" b="1" i="0" u="none" strike="noStrike" dirty="0">
-              <a:solidFill>
-                <a:srgbClr val="000000"/>
-              </a:solidFill>
+              <a:t>El sistema monolítico fue el elegido por la empresa en sus inicios debido a que es el más simple y barato, ideal para un emprendimiento nuevo que no dispone de los recursos necesarios para crear un sistema más complejo. Sin embargo, con el crecimiento exponencial que ha tenido la empresa, el sistema monolítico comenzó a presentar sus desventajas, como el mantenimiento complejo una vez que la aplicación crece o la dificultad para escalar horizontalmente. Por lo tanto, se vieron en la necesidad de buscar un sistema más eficiente para satisfacer las crecientes necesidades de la empresa.</a:t>
+            </a:r>
+            <a:endParaRPr lang="en-US" sz="1800" dirty="0">
               <a:effectLst/>
-              <a:latin typeface="Arial" panose="020B0604020202020204" pitchFamily="34" charset="0"/>
+              <a:latin typeface="+mj-lt"/>
+              <a:ea typeface="Calibri" panose="020F0502020204030204" pitchFamily="34" charset="0"/>
             </a:endParaRPr>
           </a:p>
         </p:txBody>
@@ -4491,7 +5482,7 @@
     </p:spTree>
     <p:extLst>
       <p:ext uri="{BB962C8B-B14F-4D97-AF65-F5344CB8AC3E}">
-        <p14:creationId xmlns:p14="http://schemas.microsoft.com/office/powerpoint/2010/main" val="4014550151"/>
+        <p14:creationId xmlns:p14="http://schemas.microsoft.com/office/powerpoint/2010/main" val="3946979184"/>
       </p:ext>
     </p:extLst>
   </p:cSld>
@@ -4588,7 +5579,6 @@
             <a:r>
               <a:rPr lang="es-CL" sz="1800" u="none" strike="noStrike" dirty="0">
                 <a:effectLst/>
-                <a:latin typeface="Arial" panose="020B0604020202020204" pitchFamily="34" charset="0"/>
                 <a:ea typeface="Arial" panose="020B0604020202020204" pitchFamily="34" charset="0"/>
               </a:rPr>
               <a:t>Gestión de Usuarios</a:t>
@@ -4596,14 +5586,12 @@
             <a:r>
               <a:rPr lang="es-CL" sz="1800" dirty="0">
                 <a:effectLst/>
-                <a:latin typeface="Arial" panose="020B0604020202020204" pitchFamily="34" charset="0"/>
                 <a:ea typeface="Arial" panose="020B0604020202020204" pitchFamily="34" charset="0"/>
               </a:rPr>
               <a:t> </a:t>
             </a:r>
             <a:endParaRPr lang="en-US" sz="1800" dirty="0">
               <a:effectLst/>
-              <a:latin typeface="Calibri" panose="020F0502020204030204" pitchFamily="34" charset="0"/>
               <a:ea typeface="Calibri" panose="020F0502020204030204" pitchFamily="34" charset="0"/>
             </a:endParaRPr>
           </a:p>
@@ -4621,7 +5609,6 @@
             <a:r>
               <a:rPr lang="es-CL" sz="1800" u="none" strike="noStrike" dirty="0">
                 <a:effectLst/>
-                <a:latin typeface="Arial" panose="020B0604020202020204" pitchFamily="34" charset="0"/>
                 <a:ea typeface="Arial" panose="020B0604020202020204" pitchFamily="34" charset="0"/>
               </a:rPr>
               <a:t>Configurar Permisos</a:t>
@@ -4629,14 +5616,12 @@
             <a:r>
               <a:rPr lang="es-CL" sz="1800" dirty="0">
                 <a:effectLst/>
-                <a:latin typeface="Arial" panose="020B0604020202020204" pitchFamily="34" charset="0"/>
                 <a:ea typeface="Arial" panose="020B0604020202020204" pitchFamily="34" charset="0"/>
               </a:rPr>
               <a:t> </a:t>
             </a:r>
             <a:endParaRPr lang="en-US" sz="1800" dirty="0">
               <a:effectLst/>
-              <a:latin typeface="Calibri" panose="020F0502020204030204" pitchFamily="34" charset="0"/>
               <a:ea typeface="Calibri" panose="020F0502020204030204" pitchFamily="34" charset="0"/>
             </a:endParaRPr>
           </a:p>
@@ -4654,14 +5639,12 @@
             <a:r>
               <a:rPr lang="es-CL" sz="1800" u="none" strike="noStrike" dirty="0">
                 <a:effectLst/>
-                <a:latin typeface="Arial" panose="020B0604020202020204" pitchFamily="34" charset="0"/>
                 <a:ea typeface="Arial" panose="020B0604020202020204" pitchFamily="34" charset="0"/>
               </a:rPr>
               <a:t>Monitorización Del Sistema</a:t>
             </a:r>
             <a:endParaRPr lang="en-US" sz="1800" dirty="0">
               <a:effectLst/>
-              <a:latin typeface="Calibri" panose="020F0502020204030204" pitchFamily="34" charset="0"/>
               <a:ea typeface="Calibri" panose="020F0502020204030204" pitchFamily="34" charset="0"/>
             </a:endParaRPr>
           </a:p>
@@ -4679,7 +5662,6 @@
             <a:r>
               <a:rPr lang="es-CL" sz="1800" u="none" strike="noStrike" dirty="0">
                 <a:effectLst/>
-                <a:latin typeface="Arial" panose="020B0604020202020204" pitchFamily="34" charset="0"/>
                 <a:ea typeface="Arial" panose="020B0604020202020204" pitchFamily="34" charset="0"/>
               </a:rPr>
               <a:t>Respaldo y Restaurar Datos</a:t>
@@ -4699,7 +5681,6 @@
             <a:r>
               <a:rPr lang="es-CL" sz="1800" u="none" strike="noStrike" dirty="0">
                 <a:effectLst/>
-                <a:latin typeface="Arial" panose="020B0604020202020204" pitchFamily="34" charset="0"/>
                 <a:ea typeface="Arial" panose="020B0604020202020204" pitchFamily="34" charset="0"/>
               </a:rPr>
               <a:t>Gestionar Inventarios</a:t>
@@ -4719,14 +5700,12 @@
             <a:r>
               <a:rPr lang="es-CL" sz="1800" u="none" strike="noStrike" dirty="0">
                 <a:effectLst/>
-                <a:latin typeface="Arial" panose="020B0604020202020204" pitchFamily="34" charset="0"/>
                 <a:ea typeface="Arial" panose="020B0604020202020204" pitchFamily="34" charset="0"/>
               </a:rPr>
               <a:t>Generar Reportes</a:t>
             </a:r>
             <a:endParaRPr lang="en-US" sz="1800" dirty="0">
               <a:effectLst/>
-              <a:latin typeface="Calibri" panose="020F0502020204030204" pitchFamily="34" charset="0"/>
               <a:ea typeface="Calibri" panose="020F0502020204030204" pitchFamily="34" charset="0"/>
             </a:endParaRPr>
           </a:p>
@@ -4744,7 +5723,6 @@
             <a:r>
               <a:rPr lang="es-CL" sz="1800" u="none" strike="noStrike" dirty="0">
                 <a:effectLst/>
-                <a:latin typeface="Arial" panose="020B0604020202020204" pitchFamily="34" charset="0"/>
                 <a:ea typeface="Arial" panose="020B0604020202020204" pitchFamily="34" charset="0"/>
               </a:rPr>
               <a:t>Gestionar Tiendas</a:t>
@@ -4764,7 +5742,6 @@
             <a:r>
               <a:rPr lang="es-CL" sz="1800" dirty="0">
                 <a:effectLst/>
-                <a:latin typeface="Arial" panose="020B0604020202020204" pitchFamily="34" charset="0"/>
                 <a:ea typeface="Arial" panose="020B0604020202020204" pitchFamily="34" charset="0"/>
               </a:rPr>
               <a:t>Gestionar pedidos</a:t>
@@ -5023,7 +6000,6 @@
             <a:r>
               <a:rPr lang="es-CL" sz="1800" u="none" strike="noStrike" dirty="0">
                 <a:effectLst/>
-                <a:latin typeface="Arial" panose="020B0604020202020204" pitchFamily="34" charset="0"/>
                 <a:ea typeface="Arial" panose="020B0604020202020204" pitchFamily="34" charset="0"/>
               </a:rPr>
               <a:t>Registrar Ventas</a:t>
@@ -5043,7 +6019,6 @@
             <a:r>
               <a:rPr lang="es-CL" sz="1800" u="none" strike="noStrike" dirty="0">
                 <a:effectLst/>
-                <a:latin typeface="Arial" panose="020B0604020202020204" pitchFamily="34" charset="0"/>
                 <a:ea typeface="Arial" panose="020B0604020202020204" pitchFamily="34" charset="0"/>
               </a:rPr>
               <a:t>Atender Devoluciones y Reclamaciones</a:t>
@@ -5063,7 +6038,6 @@
             <a:r>
               <a:rPr lang="es-CL" sz="1800" u="none" strike="noStrike" dirty="0">
                 <a:effectLst/>
-                <a:latin typeface="Arial" panose="020B0604020202020204" pitchFamily="34" charset="0"/>
                 <a:ea typeface="Arial" panose="020B0604020202020204" pitchFamily="34" charset="0"/>
               </a:rPr>
               <a:t>Consultar Inventario</a:t>
@@ -5083,7 +6057,6 @@
             <a:r>
               <a:rPr lang="es-CL" sz="1800" dirty="0">
                 <a:effectLst/>
-                <a:latin typeface="Arial" panose="020B0604020202020204" pitchFamily="34" charset="0"/>
                 <a:ea typeface="Arial" panose="020B0604020202020204" pitchFamily="34" charset="0"/>
               </a:rPr>
               <a:t>Generar facturas</a:t>
@@ -5103,7 +6076,6 @@
             <a:r>
               <a:rPr lang="es-CL" sz="1800" u="none" strike="noStrike" dirty="0">
                 <a:effectLst/>
-                <a:latin typeface="Arial" panose="020B0604020202020204" pitchFamily="34" charset="0"/>
                 <a:ea typeface="Arial" panose="020B0604020202020204" pitchFamily="34" charset="0"/>
               </a:rPr>
               <a:t>Gestionar Envíos</a:t>
@@ -5123,7 +6095,6 @@
             <a:r>
               <a:rPr lang="es-CL" sz="1800" u="none" strike="noStrike" dirty="0">
                 <a:effectLst/>
-                <a:latin typeface="Arial" panose="020B0604020202020204" pitchFamily="34" charset="0"/>
                 <a:ea typeface="Arial" panose="020B0604020202020204" pitchFamily="34" charset="0"/>
               </a:rPr>
               <a:t>Optimizar rutas</a:t>
@@ -5143,7 +6114,6 @@
             <a:r>
               <a:rPr lang="es-CL" sz="1800" u="none" strike="noStrike" dirty="0">
                 <a:effectLst/>
-                <a:latin typeface="Arial" panose="020B0604020202020204" pitchFamily="34" charset="0"/>
                 <a:ea typeface="Arial" panose="020B0604020202020204" pitchFamily="34" charset="0"/>
               </a:rPr>
               <a:t>Actualizar Estado De Pedidos</a:t>
@@ -5163,7 +6133,6 @@
             <a:r>
               <a:rPr lang="es-CL" sz="1800" dirty="0">
                 <a:effectLst/>
-                <a:latin typeface="Arial" panose="020B0604020202020204" pitchFamily="34" charset="0"/>
                 <a:ea typeface="Arial" panose="020B0604020202020204" pitchFamily="34" charset="0"/>
               </a:rPr>
               <a:t>Gestionar Proveedores</a:t>
@@ -5243,14 +6212,14 @@
             <a:r>
               <a:rPr lang="es-CL" sz="1800" u="none" strike="noStrike" dirty="0">
                 <a:effectLst/>
-                <a:latin typeface="Arial" panose="020B0604020202020204" pitchFamily="34" charset="0"/>
+                <a:latin typeface="+mj-lt"/>
                 <a:ea typeface="Arial" panose="020B0604020202020204" pitchFamily="34" charset="0"/>
               </a:rPr>
               <a:t>Crear Cuentas</a:t>
             </a:r>
             <a:endParaRPr lang="en-US" sz="1800" dirty="0">
               <a:effectLst/>
-              <a:latin typeface="Calibri" panose="020F0502020204030204" pitchFamily="34" charset="0"/>
+              <a:latin typeface="+mj-lt"/>
               <a:ea typeface="Calibri" panose="020F0502020204030204" pitchFamily="34" charset="0"/>
             </a:endParaRPr>
           </a:p>
@@ -5268,14 +6237,14 @@
             <a:r>
               <a:rPr lang="es-CL" sz="1800" u="none" strike="noStrike" dirty="0">
                 <a:effectLst/>
-                <a:latin typeface="Arial" panose="020B0604020202020204" pitchFamily="34" charset="0"/>
+                <a:latin typeface="+mj-lt"/>
                 <a:ea typeface="Arial" panose="020B0604020202020204" pitchFamily="34" charset="0"/>
               </a:rPr>
               <a:t>Iniciar sesión</a:t>
             </a:r>
             <a:endParaRPr lang="en-US" sz="1800" dirty="0">
               <a:effectLst/>
-              <a:latin typeface="Calibri" panose="020F0502020204030204" pitchFamily="34" charset="0"/>
+              <a:latin typeface="+mj-lt"/>
               <a:ea typeface="Calibri" panose="020F0502020204030204" pitchFamily="34" charset="0"/>
             </a:endParaRPr>
           </a:p>
@@ -5293,7 +6262,7 @@
             <a:r>
               <a:rPr lang="es-CL" sz="1800" u="none" strike="noStrike" dirty="0">
                 <a:effectLst/>
-                <a:latin typeface="Arial" panose="020B0604020202020204" pitchFamily="34" charset="0"/>
+                <a:latin typeface="+mj-lt"/>
                 <a:ea typeface="Arial" panose="020B0604020202020204" pitchFamily="34" charset="0"/>
               </a:rPr>
               <a:t>Navegar y Buscar Productos</a:t>
@@ -5313,14 +6282,14 @@
             <a:r>
               <a:rPr lang="es-CL" sz="1800" u="none" strike="noStrike" dirty="0">
                 <a:effectLst/>
-                <a:latin typeface="Arial" panose="020B0604020202020204" pitchFamily="34" charset="0"/>
+                <a:latin typeface="+mj-lt"/>
                 <a:ea typeface="Arial" panose="020B0604020202020204" pitchFamily="34" charset="0"/>
               </a:rPr>
               <a:t>Agregar Productos Al Carrito</a:t>
             </a:r>
             <a:endParaRPr lang="en-US" sz="1800" dirty="0">
               <a:effectLst/>
-              <a:latin typeface="Calibri" panose="020F0502020204030204" pitchFamily="34" charset="0"/>
+              <a:latin typeface="+mj-lt"/>
               <a:ea typeface="Calibri" panose="020F0502020204030204" pitchFamily="34" charset="0"/>
             </a:endParaRPr>
           </a:p>
@@ -5338,7 +6307,7 @@
             <a:r>
               <a:rPr lang="es-CL" sz="1800" u="none" strike="noStrike" dirty="0">
                 <a:effectLst/>
-                <a:latin typeface="Arial" panose="020B0604020202020204" pitchFamily="34" charset="0"/>
+                <a:latin typeface="+mj-lt"/>
                 <a:ea typeface="Arial" panose="020B0604020202020204" pitchFamily="34" charset="0"/>
               </a:rPr>
               <a:t>Realizar pedidos</a:t>
@@ -5358,7 +6327,7 @@
             <a:r>
               <a:rPr lang="es-CL" sz="1800" u="none" strike="noStrike" dirty="0">
                 <a:effectLst/>
-                <a:latin typeface="Arial" panose="020B0604020202020204" pitchFamily="34" charset="0"/>
+                <a:latin typeface="+mj-lt"/>
                 <a:ea typeface="Arial" panose="020B0604020202020204" pitchFamily="34" charset="0"/>
               </a:rPr>
               <a:t>Consultar Historial</a:t>
@@ -5616,14 +6585,14 @@
             <a:r>
               <a:rPr lang="es-CL" sz="1800" u="none" strike="noStrike" dirty="0">
                 <a:effectLst/>
-                <a:latin typeface="Arial" panose="020B0604020202020204" pitchFamily="34" charset="0"/>
+                <a:latin typeface="+mj-lt"/>
                 <a:ea typeface="Arial" panose="020B0604020202020204" pitchFamily="34" charset="0"/>
               </a:rPr>
               <a:t>Gestionar Perfiles</a:t>
             </a:r>
             <a:endParaRPr lang="en-US" sz="1800" dirty="0">
               <a:effectLst/>
-              <a:latin typeface="Calibri" panose="020F0502020204030204" pitchFamily="34" charset="0"/>
+              <a:latin typeface="+mj-lt"/>
               <a:ea typeface="Calibri" panose="020F0502020204030204" pitchFamily="34" charset="0"/>
             </a:endParaRPr>
           </a:p>
@@ -5641,7 +6610,7 @@
             <a:r>
               <a:rPr lang="es-CL" sz="1800" u="none" strike="noStrike" dirty="0">
                 <a:effectLst/>
-                <a:latin typeface="Arial" panose="020B0604020202020204" pitchFamily="34" charset="0"/>
+                <a:latin typeface="+mj-lt"/>
                 <a:ea typeface="Arial" panose="020B0604020202020204" pitchFamily="34" charset="0"/>
               </a:rPr>
               <a:t>Solicitar Soporte</a:t>
@@ -5661,7 +6630,7 @@
             <a:r>
               <a:rPr lang="es-CL" sz="1800" u="none" strike="noStrike" dirty="0">
                 <a:effectLst/>
-                <a:latin typeface="Arial" panose="020B0604020202020204" pitchFamily="34" charset="0"/>
+                <a:latin typeface="+mj-lt"/>
                 <a:ea typeface="Arial" panose="020B0604020202020204" pitchFamily="34" charset="0"/>
               </a:rPr>
               <a:t>Dejar Reseñas y Calificaciones</a:t>
@@ -5681,12 +6650,14 @@
             <a:r>
               <a:rPr lang="es-CL" sz="1800" dirty="0">
                 <a:effectLst/>
-                <a:latin typeface="Arial" panose="020B0604020202020204" pitchFamily="34" charset="0"/>
+                <a:latin typeface="+mj-lt"/>
                 <a:ea typeface="Arial" panose="020B0604020202020204" pitchFamily="34" charset="0"/>
               </a:rPr>
               <a:t>Aplicar Cupones y Descuentos</a:t>
             </a:r>
-            <a:endParaRPr lang="en-US" sz="1800" dirty="0"/>
+            <a:endParaRPr lang="en-US" sz="1800" dirty="0">
+              <a:latin typeface="+mj-lt"/>
+            </a:endParaRPr>
           </a:p>
         </p:txBody>
       </p:sp>
@@ -5768,7 +6739,7 @@
         <p:spPr/>
         <p:txBody>
           <a:bodyPr>
-            <a:normAutofit fontScale="85000" lnSpcReduction="20000"/>
+            <a:normAutofit fontScale="85000" lnSpcReduction="10000"/>
           </a:bodyPr>
           <a:lstStyle/>
           <a:p>
@@ -5785,7 +6756,7 @@
             <a:r>
               <a:rPr lang="es-CL" sz="1800" u="none" strike="noStrike" dirty="0">
                 <a:effectLst/>
-                <a:latin typeface="Arial" panose="020B0604020202020204" pitchFamily="34" charset="0"/>
+                <a:latin typeface="+mj-lt"/>
                 <a:ea typeface="Arial" panose="020B0604020202020204" pitchFamily="34" charset="0"/>
               </a:rPr>
               <a:t>Rendimiento</a:t>
@@ -5793,7 +6764,7 @@
             <a:r>
               <a:rPr lang="es-CL" sz="1800" b="1" u="none" strike="noStrike" dirty="0">
                 <a:effectLst/>
-                <a:latin typeface="Arial" panose="020B0604020202020204" pitchFamily="34" charset="0"/>
+                <a:latin typeface="+mj-lt"/>
                 <a:ea typeface="Arial" panose="020B0604020202020204" pitchFamily="34" charset="0"/>
               </a:rPr>
               <a:t>:</a:t>
@@ -5801,14 +6772,14 @@
             <a:r>
               <a:rPr lang="es-CL" sz="1800" u="none" strike="noStrike" dirty="0">
                 <a:effectLst/>
-                <a:latin typeface="Arial" panose="020B0604020202020204" pitchFamily="34" charset="0"/>
+                <a:latin typeface="+mj-lt"/>
                 <a:ea typeface="Arial" panose="020B0604020202020204" pitchFamily="34" charset="0"/>
               </a:rPr>
               <a:t> El sistema debe manejar al menos 1000 transacciones simultáneas sin degradar el rendimiento.</a:t>
             </a:r>
             <a:endParaRPr lang="en-US" sz="1800" u="none" strike="noStrike" dirty="0">
               <a:effectLst/>
-              <a:latin typeface="Calibri" panose="020F0502020204030204" pitchFamily="34" charset="0"/>
+              <a:latin typeface="+mj-lt"/>
               <a:ea typeface="Calibri" panose="020F0502020204030204" pitchFamily="34" charset="0"/>
             </a:endParaRPr>
           </a:p>
@@ -5826,14 +6797,14 @@
             <a:r>
               <a:rPr lang="es-CL" sz="1800" u="none" strike="noStrike" dirty="0">
                 <a:effectLst/>
-                <a:latin typeface="Arial" panose="020B0604020202020204" pitchFamily="34" charset="0"/>
+                <a:latin typeface="+mj-lt"/>
                 <a:ea typeface="Arial" panose="020B0604020202020204" pitchFamily="34" charset="0"/>
               </a:rPr>
               <a:t>Escalabilidad: Debe ser capaz de escalar horizontalmente para soportar un aumento en la carga de usuarios y transacciones.</a:t>
             </a:r>
             <a:endParaRPr lang="en-US" sz="1800" u="none" strike="noStrike" dirty="0">
               <a:effectLst/>
-              <a:latin typeface="Calibri" panose="020F0502020204030204" pitchFamily="34" charset="0"/>
+              <a:latin typeface="+mj-lt"/>
               <a:ea typeface="Calibri" panose="020F0502020204030204" pitchFamily="34" charset="0"/>
             </a:endParaRPr>
           </a:p>
@@ -5851,14 +6822,14 @@
             <a:r>
               <a:rPr lang="es-CL" sz="1800" u="none" strike="noStrike" dirty="0">
                 <a:effectLst/>
-                <a:latin typeface="Arial" panose="020B0604020202020204" pitchFamily="34" charset="0"/>
+                <a:latin typeface="+mj-lt"/>
                 <a:ea typeface="Arial" panose="020B0604020202020204" pitchFamily="34" charset="0"/>
               </a:rPr>
               <a:t>Seguridad: Implementar medidas de seguridad para proteger datos sensibles de usuarios y transacciones.</a:t>
             </a:r>
             <a:endParaRPr lang="en-US" sz="1800" dirty="0">
               <a:effectLst/>
-              <a:latin typeface="Calibri" panose="020F0502020204030204" pitchFamily="34" charset="0"/>
+              <a:latin typeface="+mj-lt"/>
               <a:ea typeface="Calibri" panose="020F0502020204030204" pitchFamily="34" charset="0"/>
             </a:endParaRPr>
           </a:p>
@@ -5876,14 +6847,14 @@
             <a:r>
               <a:rPr lang="es-CL" sz="1800" u="none" strike="noStrike" dirty="0">
                 <a:effectLst/>
-                <a:latin typeface="Arial" panose="020B0604020202020204" pitchFamily="34" charset="0"/>
+                <a:latin typeface="+mj-lt"/>
                 <a:ea typeface="Arial" panose="020B0604020202020204" pitchFamily="34" charset="0"/>
               </a:rPr>
               <a:t>Disponibilidad: El sistema debe estar disponible al menos el 99% del tiempo.</a:t>
             </a:r>
             <a:endParaRPr lang="en-US" sz="1800" dirty="0">
               <a:effectLst/>
-              <a:latin typeface="Calibri" panose="020F0502020204030204" pitchFamily="34" charset="0"/>
+              <a:latin typeface="+mj-lt"/>
               <a:ea typeface="Calibri" panose="020F0502020204030204" pitchFamily="34" charset="0"/>
             </a:endParaRPr>
           </a:p>
@@ -5901,14 +6872,14 @@
             <a:r>
               <a:rPr lang="es-CL" sz="1800" u="none" strike="noStrike" dirty="0">
                 <a:effectLst/>
-                <a:latin typeface="Arial" panose="020B0604020202020204" pitchFamily="34" charset="0"/>
+                <a:latin typeface="+mj-lt"/>
                 <a:ea typeface="Arial" panose="020B0604020202020204" pitchFamily="34" charset="0"/>
               </a:rPr>
               <a:t>Usabilidad: La interfaz debe ser intuitiva y fácil de usar para todos los perfiles de usuario.</a:t>
             </a:r>
             <a:endParaRPr lang="en-US" sz="1800" dirty="0">
               <a:effectLst/>
-              <a:latin typeface="Calibri" panose="020F0502020204030204" pitchFamily="34" charset="0"/>
+              <a:latin typeface="+mj-lt"/>
               <a:ea typeface="Calibri" panose="020F0502020204030204" pitchFamily="34" charset="0"/>
             </a:endParaRPr>
           </a:p>
@@ -5926,14 +6897,14 @@
             <a:r>
               <a:rPr lang="es-CL" sz="1800" u="none" strike="noStrike" dirty="0">
                 <a:effectLst/>
-                <a:latin typeface="Arial" panose="020B0604020202020204" pitchFamily="34" charset="0"/>
+                <a:latin typeface="+mj-lt"/>
                 <a:ea typeface="Arial" panose="020B0604020202020204" pitchFamily="34" charset="0"/>
               </a:rPr>
               <a:t>Mantenibilidad: El sistema debe ser fácil de mantener y actualizar sin interrumpir el servicio.</a:t>
             </a:r>
             <a:endParaRPr lang="en-US" sz="1800" u="none" strike="noStrike" dirty="0">
               <a:effectLst/>
-              <a:latin typeface="Calibri" panose="020F0502020204030204" pitchFamily="34" charset="0"/>
+              <a:latin typeface="+mj-lt"/>
               <a:ea typeface="Calibri" panose="020F0502020204030204" pitchFamily="34" charset="0"/>
             </a:endParaRPr>
           </a:p>
@@ -5953,6 +6924,121 @@
 </file>
 
 <file path=ppt/slides/slide7.xml><?xml version="1.0" encoding="utf-8"?>
+<p:sld xmlns:a="http://schemas.openxmlformats.org/drawingml/2006/main" xmlns:r="http://schemas.openxmlformats.org/officeDocument/2006/relationships" xmlns:p="http://schemas.openxmlformats.org/presentationml/2006/main">
+  <p:cSld>
+    <p:spTree>
+      <p:nvGrpSpPr>
+        <p:cNvPr id="1" name=""/>
+        <p:cNvGrpSpPr/>
+        <p:nvPr/>
+      </p:nvGrpSpPr>
+      <p:grpSpPr>
+        <a:xfrm>
+          <a:off x="0" y="0"/>
+          <a:ext cx="0" cy="0"/>
+          <a:chOff x="0" y="0"/>
+          <a:chExt cx="0" cy="0"/>
+        </a:xfrm>
+      </p:grpSpPr>
+      <p:sp>
+        <p:nvSpPr>
+          <p:cNvPr id="2" name="Título 1">
+            <a:extLst>
+              <a:ext uri="{FF2B5EF4-FFF2-40B4-BE49-F238E27FC236}">
+                <a16:creationId xmlns:a16="http://schemas.microsoft.com/office/drawing/2014/main" id="{5B8C9CD1-05EE-002C-787F-FC3E759BC004}"/>
+              </a:ext>
+            </a:extLst>
+          </p:cNvPr>
+          <p:cNvSpPr>
+            <a:spLocks noGrp="1"/>
+          </p:cNvSpPr>
+          <p:nvPr>
+            <p:ph type="title"/>
+          </p:nvPr>
+        </p:nvSpPr>
+        <p:spPr/>
+        <p:txBody>
+          <a:bodyPr>
+            <a:normAutofit/>
+          </a:bodyPr>
+          <a:lstStyle/>
+          <a:p>
+            <a:pPr algn="ctr"/>
+            <a:r>
+              <a:rPr lang="es-CL" sz="4000" b="1" dirty="0">
+                <a:solidFill>
+                  <a:srgbClr val="000000"/>
+                </a:solidFill>
+                <a:latin typeface="Arial" panose="020B0604020202020204" pitchFamily="34" charset="0"/>
+              </a:rPr>
+              <a:t>Nueva arquitectura</a:t>
+            </a:r>
+            <a:endParaRPr lang="es-CL" sz="4000" dirty="0"/>
+          </a:p>
+        </p:txBody>
+      </p:sp>
+      <p:sp>
+        <p:nvSpPr>
+          <p:cNvPr id="3" name="Marcador de contenido 2">
+            <a:extLst>
+              <a:ext uri="{FF2B5EF4-FFF2-40B4-BE49-F238E27FC236}">
+                <a16:creationId xmlns:a16="http://schemas.microsoft.com/office/drawing/2014/main" id="{A60EDEC8-9B8F-4E04-5308-A83F2D285D06}"/>
+              </a:ext>
+            </a:extLst>
+          </p:cNvPr>
+          <p:cNvSpPr>
+            <a:spLocks noGrp="1"/>
+          </p:cNvSpPr>
+          <p:nvPr>
+            <p:ph idx="1"/>
+          </p:nvPr>
+        </p:nvSpPr>
+        <p:spPr/>
+        <p:txBody>
+          <a:bodyPr/>
+          <a:lstStyle/>
+          <a:p>
+            <a:r>
+              <a:rPr lang="es-MX" b="0" i="0" u="none" strike="noStrike" dirty="0">
+                <a:solidFill>
+                  <a:srgbClr val="000000"/>
+                </a:solidFill>
+                <a:effectLst/>
+              </a:rPr>
+              <a:t>Diseñamos una arquitectura de microservicios para separar funciones clave como usuarios, reservas y autenticación. Esto mejora el mantenimiento, escalabilidad y permite trabajar por módulos sin afectar el sistema completo</a:t>
+            </a:r>
+            <a:r>
+              <a:rPr lang="es-MX" sz="1800" b="0" i="0" u="none" strike="noStrike" dirty="0">
+                <a:solidFill>
+                  <a:srgbClr val="000000"/>
+                </a:solidFill>
+                <a:effectLst/>
+              </a:rPr>
+              <a:t>.</a:t>
+            </a:r>
+            <a:endParaRPr lang="es-CL" sz="1800" b="1" i="0" u="none" strike="noStrike" dirty="0">
+              <a:solidFill>
+                <a:srgbClr val="000000"/>
+              </a:solidFill>
+              <a:effectLst/>
+            </a:endParaRPr>
+          </a:p>
+        </p:txBody>
+      </p:sp>
+    </p:spTree>
+    <p:extLst>
+      <p:ext uri="{BB962C8B-B14F-4D97-AF65-F5344CB8AC3E}">
+        <p14:creationId xmlns:p14="http://schemas.microsoft.com/office/powerpoint/2010/main" val="4014550151"/>
+      </p:ext>
+    </p:extLst>
+  </p:cSld>
+  <p:clrMapOvr>
+    <a:masterClrMapping/>
+  </p:clrMapOvr>
+</p:sld>
+</file>
+
+<file path=ppt/slides/slide8.xml><?xml version="1.0" encoding="utf-8"?>
 <p:sld xmlns:a="http://schemas.openxmlformats.org/drawingml/2006/main" xmlns:r="http://schemas.openxmlformats.org/officeDocument/2006/relationships" xmlns:p="http://schemas.openxmlformats.org/presentationml/2006/main">
   <p:cSld>
     <p:bg>
@@ -6834,7 +7920,7 @@
 </p:sld>
 </file>
 
-<file path=ppt/slides/slide8.xml><?xml version="1.0" encoding="utf-8"?>
+<file path=ppt/slides/slide9.xml><?xml version="1.0" encoding="utf-8"?>
 <p:sld xmlns:a="http://schemas.openxmlformats.org/drawingml/2006/main" xmlns:r="http://schemas.openxmlformats.org/officeDocument/2006/relationships" xmlns:p="http://schemas.openxmlformats.org/presentationml/2006/main">
   <p:cSld>
     <p:bg>
@@ -7707,888 +8793,6 @@
     <p:extLst>
       <p:ext uri="{BB962C8B-B14F-4D97-AF65-F5344CB8AC3E}">
         <p14:creationId xmlns:p14="http://schemas.microsoft.com/office/powerpoint/2010/main" val="2975869970"/>
-      </p:ext>
-    </p:extLst>
-  </p:cSld>
-  <p:clrMapOvr>
-    <a:masterClrMapping/>
-  </p:clrMapOvr>
-</p:sld>
-</file>
-
-<file path=ppt/slides/slide9.xml><?xml version="1.0" encoding="utf-8"?>
-<p:sld xmlns:a="http://schemas.openxmlformats.org/drawingml/2006/main" xmlns:r="http://schemas.openxmlformats.org/officeDocument/2006/relationships" xmlns:p="http://schemas.openxmlformats.org/presentationml/2006/main">
-  <p:cSld>
-    <p:bg>
-      <p:bgPr>
-        <a:gradFill rotWithShape="1">
-          <a:gsLst>
-            <a:gs pos="0">
-              <a:schemeClr val="bg2">
-                <a:tint val="94000"/>
-                <a:satMod val="80000"/>
-                <a:lumMod val="106000"/>
-              </a:schemeClr>
-            </a:gs>
-            <a:gs pos="100000">
-              <a:schemeClr val="bg2">
-                <a:shade val="80000"/>
-              </a:schemeClr>
-            </a:gs>
-          </a:gsLst>
-          <a:path path="circle">
-            <a:fillToRect l="43000" r="43000" b="100000"/>
-          </a:path>
-        </a:gradFill>
-        <a:effectLst/>
-      </p:bgPr>
-    </p:bg>
-    <p:spTree>
-      <p:nvGrpSpPr>
-        <p:cNvPr id="1" name=""/>
-        <p:cNvGrpSpPr/>
-        <p:nvPr/>
-      </p:nvGrpSpPr>
-      <p:grpSpPr>
-        <a:xfrm>
-          <a:off x="0" y="0"/>
-          <a:ext cx="0" cy="0"/>
-          <a:chOff x="0" y="0"/>
-          <a:chExt cx="0" cy="0"/>
-        </a:xfrm>
-      </p:grpSpPr>
-      <p:sp>
-        <p:nvSpPr>
-          <p:cNvPr id="12" name="Rectangle 11">
-            <a:extLst>
-              <a:ext uri="{FF2B5EF4-FFF2-40B4-BE49-F238E27FC236}">
-                <a16:creationId xmlns:a16="http://schemas.microsoft.com/office/drawing/2014/main" id="{0CABCAE3-64FC-4149-819F-2C1812824154}"/>
-              </a:ext>
-              <a:ext uri="{C183D7F6-B498-43B3-948B-1728B52AA6E4}">
-                <adec:decorative xmlns:adec="http://schemas.microsoft.com/office/drawing/2017/decorative" val="1"/>
-              </a:ext>
-            </a:extLst>
-          </p:cNvPr>
-          <p:cNvSpPr>
-            <a:spLocks noGrp="1" noRot="1" noChangeAspect="1" noMove="1" noResize="1" noEditPoints="1" noAdjustHandles="1" noChangeArrowheads="1" noChangeShapeType="1" noTextEdit="1"/>
-          </p:cNvSpPr>
-          <p:nvPr>
-            <p:extLst>
-              <p:ext uri="{386F3935-93C4-4BCD-93E2-E3B085C9AB24}">
-                <p16:designElem xmlns:p16="http://schemas.microsoft.com/office/powerpoint/2015/main" val="1"/>
-              </p:ext>
-            </p:extLst>
-          </p:nvPr>
-        </p:nvSpPr>
-        <p:spPr>
-          <a:xfrm>
-            <a:off x="0" y="2019476"/>
-            <a:ext cx="12192000" cy="4105941"/>
-          </a:xfrm>
-          <a:prstGeom prst="rect">
-            <a:avLst/>
-          </a:prstGeom>
-          <a:gradFill flip="none" rotWithShape="1">
-            <a:gsLst>
-              <a:gs pos="0">
-                <a:schemeClr val="bg2">
-                  <a:alpha val="0"/>
-                </a:schemeClr>
-              </a:gs>
-              <a:gs pos="100000">
-                <a:schemeClr val="bg2"/>
-              </a:gs>
-            </a:gsLst>
-            <a:lin ang="5400000" scaled="0"/>
-            <a:tileRect/>
-          </a:gradFill>
-          <a:ln>
-            <a:noFill/>
-          </a:ln>
-        </p:spPr>
-        <p:style>
-          <a:lnRef idx="2">
-            <a:schemeClr val="accent1">
-              <a:shade val="50000"/>
-            </a:schemeClr>
-          </a:lnRef>
-          <a:fillRef idx="1">
-            <a:schemeClr val="accent1"/>
-          </a:fillRef>
-          <a:effectRef idx="0">
-            <a:schemeClr val="accent1"/>
-          </a:effectRef>
-          <a:fontRef idx="minor">
-            <a:schemeClr val="lt1"/>
-          </a:fontRef>
-        </p:style>
-        <p:txBody>
-          <a:bodyPr/>
-          <a:lstStyle/>
-          <a:p>
-            <a:endParaRPr lang="en-US"/>
-          </a:p>
-        </p:txBody>
-      </p:sp>
-      <p:pic>
-        <p:nvPicPr>
-          <p:cNvPr id="14" name="Picture 13">
-            <a:extLst>
-              <a:ext uri="{FF2B5EF4-FFF2-40B4-BE49-F238E27FC236}">
-                <a16:creationId xmlns:a16="http://schemas.microsoft.com/office/drawing/2014/main" id="{012FDCFE-9AD2-4D8A-8CBF-B3AA37EBF6DD}"/>
-              </a:ext>
-              <a:ext uri="{C183D7F6-B498-43B3-948B-1728B52AA6E4}">
-                <adec:decorative xmlns:adec="http://schemas.microsoft.com/office/drawing/2017/decorative" val="1"/>
-              </a:ext>
-            </a:extLst>
-          </p:cNvPr>
-          <p:cNvPicPr>
-            <a:picLocks noGrp="1" noRot="1" noChangeAspect="1" noMove="1" noResize="1" noEditPoints="1" noAdjustHandles="1" noChangeArrowheads="1" noChangeShapeType="1" noCrop="1"/>
-          </p:cNvPicPr>
-          <p:nvPr>
-            <p:extLst>
-              <p:ext uri="{386F3935-93C4-4BCD-93E2-E3B085C9AB24}">
-                <p16:designElem xmlns:p16="http://schemas.microsoft.com/office/powerpoint/2015/main" val="1"/>
-              </p:ext>
-            </p:extLst>
-          </p:nvPr>
-        </p:nvPicPr>
-        <p:blipFill rotWithShape="1">
-          <a:blip r:embed="rId2">
-            <a:extLst>
-              <a:ext uri="{28A0092B-C50C-407E-A947-70E740481C1C}">
-                <a14:useLocalDpi xmlns:a14="http://schemas.microsoft.com/office/drawing/2010/main" val="0"/>
-              </a:ext>
-            </a:extLst>
-          </a:blip>
-          <a:srcRect t="1538" b="-1538"/>
-          <a:stretch/>
-        </p:blipFill>
-        <p:spPr bwMode="black">
-          <a:xfrm>
-            <a:off x="0" y="6126480"/>
-            <a:ext cx="12192000" cy="742950"/>
-          </a:xfrm>
-          <a:prstGeom prst="rect">
-            <a:avLst/>
-          </a:prstGeom>
-        </p:spPr>
-      </p:pic>
-      <p:cxnSp>
-        <p:nvCxnSpPr>
-          <p:cNvPr id="16" name="Straight Connector 15">
-            <a:extLst>
-              <a:ext uri="{FF2B5EF4-FFF2-40B4-BE49-F238E27FC236}">
-                <a16:creationId xmlns:a16="http://schemas.microsoft.com/office/drawing/2014/main" id="{FBD463FC-4CA8-4FF4-85A3-AF9F4B98D210}"/>
-              </a:ext>
-              <a:ext uri="{C183D7F6-B498-43B3-948B-1728B52AA6E4}">
-                <adec:decorative xmlns:adec="http://schemas.microsoft.com/office/drawing/2017/decorative" val="1"/>
-              </a:ext>
-            </a:extLst>
-          </p:cNvPr>
-          <p:cNvCxnSpPr>
-            <a:cxnSpLocks noGrp="1" noRot="1" noChangeAspect="1" noMove="1" noResize="1" noEditPoints="1" noAdjustHandles="1" noChangeArrowheads="1" noChangeShapeType="1"/>
-          </p:cNvCxnSpPr>
-          <p:nvPr>
-            <p:extLst>
-              <p:ext uri="{386F3935-93C4-4BCD-93E2-E3B085C9AB24}">
-                <p16:designElem xmlns:p16="http://schemas.microsoft.com/office/powerpoint/2015/main" val="1"/>
-              </p:ext>
-            </p:extLst>
-          </p:nvPr>
-        </p:nvCxnSpPr>
-        <p:spPr>
-          <a:xfrm>
-            <a:off x="0" y="6128413"/>
-            <a:ext cx="12192000" cy="0"/>
-          </a:xfrm>
-          <a:prstGeom prst="line">
-            <a:avLst/>
-          </a:prstGeom>
-          <a:ln w="12700">
-            <a:solidFill>
-              <a:srgbClr val="000001">
-                <a:alpha val="20000"/>
-              </a:srgbClr>
-            </a:solidFill>
-          </a:ln>
-        </p:spPr>
-        <p:style>
-          <a:lnRef idx="1">
-            <a:schemeClr val="accent1"/>
-          </a:lnRef>
-          <a:fillRef idx="0">
-            <a:schemeClr val="accent1"/>
-          </a:fillRef>
-          <a:effectRef idx="0">
-            <a:schemeClr val="accent1"/>
-          </a:effectRef>
-          <a:fontRef idx="minor">
-            <a:schemeClr val="tx1"/>
-          </a:fontRef>
-        </p:style>
-      </p:cxnSp>
-      <p:cxnSp>
-        <p:nvCxnSpPr>
-          <p:cNvPr id="18" name="Straight Connector 17">
-            <a:extLst>
-              <a:ext uri="{FF2B5EF4-FFF2-40B4-BE49-F238E27FC236}">
-                <a16:creationId xmlns:a16="http://schemas.microsoft.com/office/drawing/2014/main" id="{BECF35C3-8B44-4F4B-BD25-4C01823DB22A}"/>
-              </a:ext>
-              <a:ext uri="{C183D7F6-B498-43B3-948B-1728B52AA6E4}">
-                <adec:decorative xmlns:adec="http://schemas.microsoft.com/office/drawing/2017/decorative" val="1"/>
-              </a:ext>
-            </a:extLst>
-          </p:cNvPr>
-          <p:cNvCxnSpPr>
-            <a:cxnSpLocks noGrp="1" noRot="1" noChangeAspect="1" noMove="1" noResize="1" noEditPoints="1" noAdjustHandles="1" noChangeArrowheads="1" noChangeShapeType="1"/>
-          </p:cNvCxnSpPr>
-          <p:nvPr>
-            <p:extLst>
-              <p:ext uri="{386F3935-93C4-4BCD-93E2-E3B085C9AB24}">
-                <p16:designElem xmlns:p16="http://schemas.microsoft.com/office/powerpoint/2015/main" val="1"/>
-              </p:ext>
-            </p:extLst>
-          </p:nvPr>
-        </p:nvCxnSpPr>
-        <p:spPr>
-          <a:xfrm>
-            <a:off x="2417780" y="3528542"/>
-            <a:ext cx="8637072" cy="0"/>
-          </a:xfrm>
-          <a:prstGeom prst="line">
-            <a:avLst/>
-          </a:prstGeom>
-          <a:ln w="31750"/>
-        </p:spPr>
-        <p:style>
-          <a:lnRef idx="3">
-            <a:schemeClr val="accent1"/>
-          </a:lnRef>
-          <a:fillRef idx="0">
-            <a:schemeClr val="accent1"/>
-          </a:fillRef>
-          <a:effectRef idx="2">
-            <a:schemeClr val="accent1"/>
-          </a:effectRef>
-          <a:fontRef idx="minor">
-            <a:schemeClr val="tx1"/>
-          </a:fontRef>
-        </p:style>
-      </p:cxnSp>
-      <p:sp useBgFill="1">
-        <p:nvSpPr>
-          <p:cNvPr id="20" name="Rectangle 19">
-            <a:extLst>
-              <a:ext uri="{FF2B5EF4-FFF2-40B4-BE49-F238E27FC236}">
-                <a16:creationId xmlns:a16="http://schemas.microsoft.com/office/drawing/2014/main" id="{2FA7AD0A-1871-4DF8-9235-F49D0513B9C1}"/>
-              </a:ext>
-              <a:ext uri="{C183D7F6-B498-43B3-948B-1728B52AA6E4}">
-                <adec:decorative xmlns:adec="http://schemas.microsoft.com/office/drawing/2017/decorative" val="1"/>
-              </a:ext>
-            </a:extLst>
-          </p:cNvPr>
-          <p:cNvSpPr>
-            <a:spLocks noGrp="1" noRot="1" noChangeAspect="1" noMove="1" noResize="1" noEditPoints="1" noAdjustHandles="1" noChangeArrowheads="1" noChangeShapeType="1" noTextEdit="1"/>
-          </p:cNvSpPr>
-          <p:nvPr>
-            <p:extLst>
-              <p:ext uri="{386F3935-93C4-4BCD-93E2-E3B085C9AB24}">
-                <p16:designElem xmlns:p16="http://schemas.microsoft.com/office/powerpoint/2015/main" val="1"/>
-              </p:ext>
-            </p:extLst>
-          </p:nvPr>
-        </p:nvSpPr>
-        <p:spPr>
-          <a:xfrm>
-            <a:off x="2" y="0"/>
-            <a:ext cx="12191695" cy="6858000"/>
-          </a:xfrm>
-          <a:prstGeom prst="rect">
-            <a:avLst/>
-          </a:prstGeom>
-          <a:ln>
-            <a:noFill/>
-          </a:ln>
-        </p:spPr>
-        <p:style>
-          <a:lnRef idx="2">
-            <a:schemeClr val="accent1">
-              <a:shade val="50000"/>
-            </a:schemeClr>
-          </a:lnRef>
-          <a:fillRef idx="1">
-            <a:schemeClr val="accent1"/>
-          </a:fillRef>
-          <a:effectRef idx="0">
-            <a:schemeClr val="accent1"/>
-          </a:effectRef>
-          <a:fontRef idx="minor">
-            <a:schemeClr val="lt1"/>
-          </a:fontRef>
-        </p:style>
-        <p:txBody>
-          <a:bodyPr rtlCol="0" anchor="ctr"/>
-          <a:lstStyle/>
-          <a:p>
-            <a:pPr algn="ctr"/>
-            <a:endParaRPr lang="en-US"/>
-          </a:p>
-        </p:txBody>
-      </p:sp>
-      <p:sp>
-        <p:nvSpPr>
-          <p:cNvPr id="22" name="Rectangle 21">
-            <a:extLst>
-              <a:ext uri="{FF2B5EF4-FFF2-40B4-BE49-F238E27FC236}">
-                <a16:creationId xmlns:a16="http://schemas.microsoft.com/office/drawing/2014/main" id="{36B04CFB-FAE5-47DD-9B3E-4E9BA7A89CC1}"/>
-              </a:ext>
-              <a:ext uri="{C183D7F6-B498-43B3-948B-1728B52AA6E4}">
-                <adec:decorative xmlns:adec="http://schemas.microsoft.com/office/drawing/2017/decorative" val="1"/>
-              </a:ext>
-            </a:extLst>
-          </p:cNvPr>
-          <p:cNvSpPr>
-            <a:spLocks noGrp="1" noRot="1" noChangeAspect="1" noMove="1" noResize="1" noEditPoints="1" noAdjustHandles="1" noChangeArrowheads="1" noChangeShapeType="1" noTextEdit="1"/>
-          </p:cNvSpPr>
-          <p:nvPr>
-            <p:extLst>
-              <p:ext uri="{386F3935-93C4-4BCD-93E2-E3B085C9AB24}">
-                <p16:designElem xmlns:p16="http://schemas.microsoft.com/office/powerpoint/2015/main" val="1"/>
-              </p:ext>
-            </p:extLst>
-          </p:nvPr>
-        </p:nvSpPr>
-        <p:spPr>
-          <a:xfrm>
-            <a:off x="0" y="2019476"/>
-            <a:ext cx="12192000" cy="4105941"/>
-          </a:xfrm>
-          <a:prstGeom prst="rect">
-            <a:avLst/>
-          </a:prstGeom>
-          <a:gradFill flip="none" rotWithShape="1">
-            <a:gsLst>
-              <a:gs pos="0">
-                <a:schemeClr val="bg2">
-                  <a:alpha val="0"/>
-                </a:schemeClr>
-              </a:gs>
-              <a:gs pos="100000">
-                <a:schemeClr val="bg2"/>
-              </a:gs>
-            </a:gsLst>
-            <a:lin ang="5400000" scaled="0"/>
-            <a:tileRect/>
-          </a:gradFill>
-          <a:ln>
-            <a:noFill/>
-          </a:ln>
-        </p:spPr>
-        <p:style>
-          <a:lnRef idx="2">
-            <a:schemeClr val="accent1">
-              <a:shade val="50000"/>
-            </a:schemeClr>
-          </a:lnRef>
-          <a:fillRef idx="1">
-            <a:schemeClr val="accent1"/>
-          </a:fillRef>
-          <a:effectRef idx="0">
-            <a:schemeClr val="accent1"/>
-          </a:effectRef>
-          <a:fontRef idx="minor">
-            <a:schemeClr val="lt1"/>
-          </a:fontRef>
-        </p:style>
-        <p:txBody>
-          <a:bodyPr rtlCol="0" anchor="ctr"/>
-          <a:lstStyle/>
-          <a:p>
-            <a:pPr lvl="0" algn="ctr"/>
-            <a:endParaRPr lang="en-US"/>
-          </a:p>
-        </p:txBody>
-      </p:sp>
-      <p:sp>
-        <p:nvSpPr>
-          <p:cNvPr id="2" name="Título 1">
-            <a:extLst>
-              <a:ext uri="{FF2B5EF4-FFF2-40B4-BE49-F238E27FC236}">
-                <a16:creationId xmlns:a16="http://schemas.microsoft.com/office/drawing/2014/main" id="{2DB70E27-CD28-A56D-EA87-6A4CD92D4B5C}"/>
-              </a:ext>
-            </a:extLst>
-          </p:cNvPr>
-          <p:cNvSpPr>
-            <a:spLocks noGrp="1"/>
-          </p:cNvSpPr>
-          <p:nvPr>
-            <p:ph type="title"/>
-          </p:nvPr>
-        </p:nvSpPr>
-        <p:spPr>
-          <a:xfrm>
-            <a:off x="659301" y="1474969"/>
-            <a:ext cx="2823919" cy="1868760"/>
-          </a:xfrm>
-        </p:spPr>
-        <p:txBody>
-          <a:bodyPr vert="horz" lIns="91440" tIns="45720" rIns="91440" bIns="0" rtlCol="0" anchor="b">
-            <a:normAutofit/>
-          </a:bodyPr>
-          <a:lstStyle/>
-          <a:p>
-            <a:r>
-              <a:rPr lang="en-US" sz="3600"/>
-              <a:t>Diagrama de despliegue</a:t>
-            </a:r>
-          </a:p>
-        </p:txBody>
-      </p:sp>
-      <p:cxnSp>
-        <p:nvCxnSpPr>
-          <p:cNvPr id="24" name="Straight Connector 23">
-            <a:extLst>
-              <a:ext uri="{FF2B5EF4-FFF2-40B4-BE49-F238E27FC236}">
-                <a16:creationId xmlns:a16="http://schemas.microsoft.com/office/drawing/2014/main" id="{EE68D41B-9286-479F-9AB7-678C8E348D71}"/>
-              </a:ext>
-              <a:ext uri="{C183D7F6-B498-43B3-948B-1728B52AA6E4}">
-                <adec:decorative xmlns:adec="http://schemas.microsoft.com/office/drawing/2017/decorative" val="1"/>
-              </a:ext>
-            </a:extLst>
-          </p:cNvPr>
-          <p:cNvCxnSpPr>
-            <a:cxnSpLocks noGrp="1" noRot="1" noChangeAspect="1" noMove="1" noResize="1" noEditPoints="1" noAdjustHandles="1" noChangeArrowheads="1" noChangeShapeType="1"/>
-          </p:cNvCxnSpPr>
-          <p:nvPr>
-            <p:extLst>
-              <p:ext uri="{386F3935-93C4-4BCD-93E2-E3B085C9AB24}">
-                <p16:designElem xmlns:p16="http://schemas.microsoft.com/office/powerpoint/2015/main" val="1"/>
-              </p:ext>
-            </p:extLst>
-          </p:nvPr>
-        </p:nvCxnSpPr>
-        <p:spPr>
-          <a:xfrm>
-            <a:off x="659301" y="3528543"/>
-            <a:ext cx="2823919" cy="0"/>
-          </a:xfrm>
-          <a:prstGeom prst="line">
-            <a:avLst/>
-          </a:prstGeom>
-          <a:ln w="31750"/>
-        </p:spPr>
-        <p:style>
-          <a:lnRef idx="3">
-            <a:schemeClr val="accent1"/>
-          </a:lnRef>
-          <a:fillRef idx="0">
-            <a:schemeClr val="accent1"/>
-          </a:fillRef>
-          <a:effectRef idx="2">
-            <a:schemeClr val="accent1"/>
-          </a:effectRef>
-          <a:fontRef idx="minor">
-            <a:schemeClr val="tx1"/>
-          </a:fontRef>
-        </p:style>
-      </p:cxnSp>
-      <p:grpSp>
-        <p:nvGrpSpPr>
-          <p:cNvPr id="26" name="Group 25">
-            <a:extLst>
-              <a:ext uri="{FF2B5EF4-FFF2-40B4-BE49-F238E27FC236}">
-                <a16:creationId xmlns:a16="http://schemas.microsoft.com/office/drawing/2014/main" id="{E8ACF89C-CFC3-4D68-B3C4-2BEFB7BBE5F7}"/>
-              </a:ext>
-              <a:ext uri="{C183D7F6-B498-43B3-948B-1728B52AA6E4}">
-                <adec:decorative xmlns:adec="http://schemas.microsoft.com/office/drawing/2017/decorative" val="1"/>
-              </a:ext>
-            </a:extLst>
-          </p:cNvPr>
-          <p:cNvGrpSpPr>
-            <a:grpSpLocks noGrp="1" noUngrp="1" noRot="1" noChangeAspect="1" noMove="1" noResize="1"/>
-          </p:cNvGrpSpPr>
-          <p:nvPr>
-            <p:extLst>
-              <p:ext uri="{386F3935-93C4-4BCD-93E2-E3B085C9AB24}">
-                <p16:designElem xmlns:p16="http://schemas.microsoft.com/office/powerpoint/2015/main" val="1"/>
-              </p:ext>
-            </p:extLst>
-          </p:nvPr>
-        </p:nvGrpSpPr>
-        <p:grpSpPr>
-          <a:xfrm>
-            <a:off x="3979389" y="482171"/>
-            <a:ext cx="7560115" cy="5149101"/>
-            <a:chOff x="3979389" y="482171"/>
-            <a:chExt cx="7560115" cy="5149101"/>
-          </a:xfrm>
-        </p:grpSpPr>
-        <p:sp>
-          <p:nvSpPr>
-            <p:cNvPr id="27" name="Rectangle 26">
-              <a:extLst>
-                <a:ext uri="{FF2B5EF4-FFF2-40B4-BE49-F238E27FC236}">
-                  <a16:creationId xmlns:a16="http://schemas.microsoft.com/office/drawing/2014/main" id="{3B770B7D-3C5C-4682-8DF0-20783592F3B6}"/>
-                </a:ext>
-                <a:ext uri="{C183D7F6-B498-43B3-948B-1728B52AA6E4}">
-                  <adec:decorative xmlns:adec="http://schemas.microsoft.com/office/drawing/2017/decorative" val="1"/>
-                </a:ext>
-              </a:extLst>
-            </p:cNvPr>
-            <p:cNvSpPr/>
-            <p:nvPr>
-              <p:extLst>
-                <p:ext uri="{386F3935-93C4-4BCD-93E2-E3B085C9AB24}">
-                  <p16:designElem xmlns:p16="http://schemas.microsoft.com/office/powerpoint/2015/main" val="1"/>
-                </p:ext>
-              </p:extLst>
-            </p:nvPr>
-          </p:nvSpPr>
-          <p:spPr>
-            <a:xfrm>
-              <a:off x="3979389" y="482171"/>
-              <a:ext cx="7560115" cy="5149101"/>
-            </a:xfrm>
-            <a:prstGeom prst="rect">
-              <a:avLst/>
-            </a:prstGeom>
-            <a:gradFill>
-              <a:gsLst>
-                <a:gs pos="0">
-                  <a:srgbClr val="000001"/>
-                </a:gs>
-                <a:gs pos="100000">
-                  <a:srgbClr val="191919"/>
-                </a:gs>
-              </a:gsLst>
-            </a:gradFill>
-            <a:ln w="76200" cmpd="sng">
-              <a:noFill/>
-              <a:miter lim="800000"/>
-            </a:ln>
-            <a:effectLst>
-              <a:outerShdw blurRad="127000" dist="228600" dir="4740000" sx="98000" sy="98000" algn="tl" rotWithShape="0">
-                <a:srgbClr val="000000">
-                  <a:alpha val="34000"/>
-                </a:srgbClr>
-              </a:outerShdw>
-            </a:effectLst>
-            <a:scene3d>
-              <a:camera prst="orthographicFront"/>
-              <a:lightRig rig="threePt" dir="t"/>
-            </a:scene3d>
-            <a:sp3d>
-              <a:bevelT w="152400" h="50800" prst="softRound"/>
-            </a:sp3d>
-          </p:spPr>
-          <p:style>
-            <a:lnRef idx="1">
-              <a:schemeClr val="accent1"/>
-            </a:lnRef>
-            <a:fillRef idx="3">
-              <a:schemeClr val="accent1"/>
-            </a:fillRef>
-            <a:effectRef idx="2">
-              <a:schemeClr val="accent1"/>
-            </a:effectRef>
-            <a:fontRef idx="minor">
-              <a:schemeClr val="lt1"/>
-            </a:fontRef>
-          </p:style>
-          <p:txBody>
-            <a:bodyPr rtlCol="0" anchor="ctr"/>
-            <a:lstStyle/>
-            <a:p>
-              <a:pPr algn="ctr"/>
-              <a:endParaRPr lang="en-US"/>
-            </a:p>
-          </p:txBody>
-        </p:sp>
-        <p:sp>
-          <p:nvSpPr>
-            <p:cNvPr id="28" name="Rectangle 27">
-              <a:extLst>
-                <a:ext uri="{FF2B5EF4-FFF2-40B4-BE49-F238E27FC236}">
-                  <a16:creationId xmlns:a16="http://schemas.microsoft.com/office/drawing/2014/main" id="{A6893E11-7EC1-4EB6-A2A8-0B693F8FE576}"/>
-                </a:ext>
-                <a:ext uri="{C183D7F6-B498-43B3-948B-1728B52AA6E4}">
-                  <adec:decorative xmlns:adec="http://schemas.microsoft.com/office/drawing/2017/decorative" val="1"/>
-                </a:ext>
-              </a:extLst>
-            </p:cNvPr>
-            <p:cNvSpPr/>
-            <p:nvPr>
-              <p:extLst>
-                <p:ext uri="{386F3935-93C4-4BCD-93E2-E3B085C9AB24}">
-                  <p16:designElem xmlns:p16="http://schemas.microsoft.com/office/powerpoint/2015/main" val="1"/>
-                </p:ext>
-              </p:extLst>
-            </p:nvPr>
-          </p:nvSpPr>
-          <p:spPr>
-            <a:xfrm>
-              <a:off x="4292448" y="812507"/>
-              <a:ext cx="6928279" cy="4466452"/>
-            </a:xfrm>
-            <a:prstGeom prst="rect">
-              <a:avLst/>
-            </a:prstGeom>
-            <a:gradFill>
-              <a:gsLst>
-                <a:gs pos="0">
-                  <a:srgbClr val="DADADA"/>
-                </a:gs>
-                <a:gs pos="100000">
-                  <a:srgbClr val="FFFFFE"/>
-                </a:gs>
-              </a:gsLst>
-              <a:lin ang="16200000" scaled="0"/>
-            </a:gradFill>
-            <a:ln w="50800" cmpd="sng">
-              <a:solidFill>
-                <a:srgbClr val="191919"/>
-              </a:solidFill>
-              <a:miter lim="800000"/>
-            </a:ln>
-            <a:effectLst>
-              <a:innerShdw blurRad="63500" dist="88900" dir="14100000">
-                <a:srgbClr val="000000">
-                  <a:alpha val="30000"/>
-                </a:srgbClr>
-              </a:innerShdw>
-            </a:effectLst>
-            <a:scene3d>
-              <a:camera prst="orthographicFront"/>
-              <a:lightRig rig="threePt" dir="t"/>
-            </a:scene3d>
-            <a:sp3d>
-              <a:bevelT prst="relaxedInset"/>
-            </a:sp3d>
-          </p:spPr>
-          <p:style>
-            <a:lnRef idx="1">
-              <a:schemeClr val="accent1"/>
-            </a:lnRef>
-            <a:fillRef idx="3">
-              <a:schemeClr val="accent1"/>
-            </a:fillRef>
-            <a:effectRef idx="2">
-              <a:schemeClr val="accent1"/>
-            </a:effectRef>
-            <a:fontRef idx="minor">
-              <a:schemeClr val="lt1"/>
-            </a:fontRef>
-          </p:style>
-          <p:txBody>
-            <a:bodyPr rtlCol="0" anchor="ctr"/>
-            <a:lstStyle/>
-            <a:p>
-              <a:pPr algn="ctr"/>
-              <a:endParaRPr lang="en-US"/>
-            </a:p>
-          </p:txBody>
-        </p:sp>
-      </p:grpSp>
-      <p:sp>
-        <p:nvSpPr>
-          <p:cNvPr id="30" name="Rectangle 29">
-            <a:extLst>
-              <a:ext uri="{FF2B5EF4-FFF2-40B4-BE49-F238E27FC236}">
-                <a16:creationId xmlns:a16="http://schemas.microsoft.com/office/drawing/2014/main" id="{622F7FD7-8884-4FD5-95AB-0B5C6033ADF7}"/>
-              </a:ext>
-              <a:ext uri="{C183D7F6-B498-43B3-948B-1728B52AA6E4}">
-                <adec:decorative xmlns:adec="http://schemas.microsoft.com/office/drawing/2017/decorative" val="1"/>
-              </a:ext>
-            </a:extLst>
-          </p:cNvPr>
-          <p:cNvSpPr>
-            <a:spLocks noGrp="1" noRot="1" noChangeAspect="1" noMove="1" noResize="1" noEditPoints="1" noAdjustHandles="1" noChangeArrowheads="1" noChangeShapeType="1" noTextEdit="1"/>
-          </p:cNvSpPr>
-          <p:nvPr>
-            <p:extLst>
-              <p:ext uri="{386F3935-93C4-4BCD-93E2-E3B085C9AB24}">
-                <p16:designElem xmlns:p16="http://schemas.microsoft.com/office/powerpoint/2015/main" val="1"/>
-              </p:ext>
-            </p:extLst>
-          </p:nvPr>
-        </p:nvSpPr>
-        <p:spPr>
-          <a:xfrm>
-            <a:off x="4455487" y="977965"/>
-            <a:ext cx="6615582" cy="4135339"/>
-          </a:xfrm>
-          <a:prstGeom prst="rect">
-            <a:avLst/>
-          </a:prstGeom>
-          <a:solidFill>
-            <a:schemeClr val="bg1"/>
-          </a:solidFill>
-          <a:ln w="6350">
-            <a:solidFill>
-              <a:schemeClr val="bg2"/>
-            </a:solidFill>
-          </a:ln>
-        </p:spPr>
-        <p:style>
-          <a:lnRef idx="2">
-            <a:schemeClr val="accent1">
-              <a:shade val="50000"/>
-            </a:schemeClr>
-          </a:lnRef>
-          <a:fillRef idx="1">
-            <a:schemeClr val="accent1"/>
-          </a:fillRef>
-          <a:effectRef idx="0">
-            <a:schemeClr val="accent1"/>
-          </a:effectRef>
-          <a:fontRef idx="minor">
-            <a:schemeClr val="lt1"/>
-          </a:fontRef>
-        </p:style>
-        <p:txBody>
-          <a:bodyPr rtlCol="0" anchor="ctr"/>
-          <a:lstStyle/>
-          <a:p>
-            <a:pPr algn="ctr"/>
-            <a:endParaRPr lang="en-US"/>
-          </a:p>
-        </p:txBody>
-      </p:sp>
-      <p:pic>
-        <p:nvPicPr>
-          <p:cNvPr id="7" name="image2.png">
-            <a:extLst>
-              <a:ext uri="{FF2B5EF4-FFF2-40B4-BE49-F238E27FC236}">
-                <a16:creationId xmlns:a16="http://schemas.microsoft.com/office/drawing/2014/main" id="{DADD915C-6A7E-4D36-644E-BB94C61B80D4}"/>
-              </a:ext>
-            </a:extLst>
-          </p:cNvPr>
-          <p:cNvPicPr>
-            <a:picLocks noGrp="1"/>
-          </p:cNvPicPr>
-          <p:nvPr>
-            <p:ph idx="1"/>
-          </p:nvPr>
-        </p:nvPicPr>
-        <p:blipFill>
-          <a:blip r:embed="rId3"/>
-          <a:stretch>
-            <a:fillRect/>
-          </a:stretch>
-        </p:blipFill>
-        <p:spPr>
-          <a:xfrm>
-            <a:off x="4618374" y="1627920"/>
-            <a:ext cx="6282919" cy="2843021"/>
-          </a:xfrm>
-          <a:prstGeom prst="rect">
-            <a:avLst/>
-          </a:prstGeom>
-        </p:spPr>
-      </p:pic>
-      <p:pic>
-        <p:nvPicPr>
-          <p:cNvPr id="32" name="Picture 31">
-            <a:extLst>
-              <a:ext uri="{FF2B5EF4-FFF2-40B4-BE49-F238E27FC236}">
-                <a16:creationId xmlns:a16="http://schemas.microsoft.com/office/drawing/2014/main" id="{16EFE474-4FE0-4E8F-8F09-5ED2C9E76A84}"/>
-              </a:ext>
-              <a:ext uri="{C183D7F6-B498-43B3-948B-1728B52AA6E4}">
-                <adec:decorative xmlns:adec="http://schemas.microsoft.com/office/drawing/2017/decorative" val="1"/>
-              </a:ext>
-            </a:extLst>
-          </p:cNvPr>
-          <p:cNvPicPr>
-            <a:picLocks noGrp="1" noRot="1" noChangeAspect="1" noMove="1" noResize="1" noEditPoints="1" noAdjustHandles="1" noChangeArrowheads="1" noChangeShapeType="1" noCrop="1"/>
-          </p:cNvPicPr>
-          <p:nvPr>
-            <p:extLst>
-              <p:ext uri="{386F3935-93C4-4BCD-93E2-E3B085C9AB24}">
-                <p16:designElem xmlns:p16="http://schemas.microsoft.com/office/powerpoint/2015/main" val="1"/>
-              </p:ext>
-            </p:extLst>
-          </p:nvPr>
-        </p:nvPicPr>
-        <p:blipFill rotWithShape="1">
-          <a:blip r:embed="rId2">
-            <a:extLst>
-              <a:ext uri="{28A0092B-C50C-407E-A947-70E740481C1C}">
-                <a14:useLocalDpi xmlns:a14="http://schemas.microsoft.com/office/drawing/2010/main" val="0"/>
-              </a:ext>
-            </a:extLst>
-          </a:blip>
-          <a:srcRect t="1538" b="-1538"/>
-          <a:stretch/>
-        </p:blipFill>
-        <p:spPr bwMode="black">
-          <a:xfrm>
-            <a:off x="0" y="6126480"/>
-            <a:ext cx="12192000" cy="742950"/>
-          </a:xfrm>
-          <a:prstGeom prst="rect">
-            <a:avLst/>
-          </a:prstGeom>
-        </p:spPr>
-      </p:pic>
-      <p:cxnSp>
-        <p:nvCxnSpPr>
-          <p:cNvPr id="34" name="Straight Connector 33">
-            <a:extLst>
-              <a:ext uri="{FF2B5EF4-FFF2-40B4-BE49-F238E27FC236}">
-                <a16:creationId xmlns:a16="http://schemas.microsoft.com/office/drawing/2014/main" id="{CF8B8C81-54DC-4AF5-B682-3A2C70A6B55C}"/>
-              </a:ext>
-              <a:ext uri="{C183D7F6-B498-43B3-948B-1728B52AA6E4}">
-                <adec:decorative xmlns:adec="http://schemas.microsoft.com/office/drawing/2017/decorative" val="1"/>
-              </a:ext>
-            </a:extLst>
-          </p:cNvPr>
-          <p:cNvCxnSpPr>
-            <a:cxnSpLocks noGrp="1" noRot="1" noChangeAspect="1" noMove="1" noResize="1" noEditPoints="1" noAdjustHandles="1" noChangeArrowheads="1" noChangeShapeType="1"/>
-          </p:cNvCxnSpPr>
-          <p:nvPr>
-            <p:extLst>
-              <p:ext uri="{386F3935-93C4-4BCD-93E2-E3B085C9AB24}">
-                <p16:designElem xmlns:p16="http://schemas.microsoft.com/office/powerpoint/2015/main" val="1"/>
-              </p:ext>
-            </p:extLst>
-          </p:nvPr>
-        </p:nvCxnSpPr>
-        <p:spPr>
-          <a:xfrm>
-            <a:off x="0" y="6128413"/>
-            <a:ext cx="12192000" cy="0"/>
-          </a:xfrm>
-          <a:prstGeom prst="line">
-            <a:avLst/>
-          </a:prstGeom>
-          <a:ln w="12700">
-            <a:solidFill>
-              <a:srgbClr val="000001">
-                <a:alpha val="20000"/>
-              </a:srgbClr>
-            </a:solidFill>
-          </a:ln>
-        </p:spPr>
-        <p:style>
-          <a:lnRef idx="1">
-            <a:schemeClr val="accent1"/>
-          </a:lnRef>
-          <a:fillRef idx="0">
-            <a:schemeClr val="accent1"/>
-          </a:fillRef>
-          <a:effectRef idx="0">
-            <a:schemeClr val="accent1"/>
-          </a:effectRef>
-          <a:fontRef idx="minor">
-            <a:schemeClr val="tx1"/>
-          </a:fontRef>
-        </p:style>
-      </p:cxnSp>
-    </p:spTree>
-    <p:extLst>
-      <p:ext uri="{BB962C8B-B14F-4D97-AF65-F5344CB8AC3E}">
-        <p14:creationId xmlns:p14="http://schemas.microsoft.com/office/powerpoint/2010/main" val="1280940986"/>
       </p:ext>
     </p:extLst>
   </p:cSld>

--- a/Presentacion caso 3.pptx
+++ b/Presentacion caso 3.pptx
@@ -4974,7 +4974,27 @@
                 <a:effectLst/>
                 <a:latin typeface="+mj-lt"/>
               </a:rPr>
-              <a:t>), herramientas de monitoreo (</a:t>
+              <a:t>) </a:t>
+            </a:r>
+            <a:r>
+              <a:rPr lang="es-ES" b="0" i="0" dirty="0" err="1">
+                <a:solidFill>
+                  <a:srgbClr val="262626"/>
+                </a:solidFill>
+                <a:effectLst/>
+                <a:latin typeface="+mj-lt"/>
+              </a:rPr>
+              <a:t>yherramientas</a:t>
+            </a:r>
+            <a:r>
+              <a:rPr lang="es-ES" b="0" i="0" dirty="0">
+                <a:solidFill>
+                  <a:srgbClr val="262626"/>
+                </a:solidFill>
+                <a:effectLst/>
+                <a:latin typeface="+mj-lt"/>
+              </a:rPr>
+              <a:t> de monitoreo </a:t>
             </a:r>
             <a:r>
               <a:rPr lang="es-ES" b="0" i="0" dirty="0" err="1">
@@ -4987,75 +5007,21 @@
               <a:t>Prometheus</a:t>
             </a:r>
             <a:r>
-              <a:rPr lang="es-ES" b="0" i="0" dirty="0">
+              <a:rPr lang="es-ES" dirty="0">
                 <a:solidFill>
                   <a:srgbClr val="262626"/>
                 </a:solidFill>
-                <a:effectLst/>
                 <a:latin typeface="+mj-lt"/>
               </a:rPr>
-              <a:t> y </a:t>
-            </a:r>
-            <a:r>
-              <a:rPr lang="es-ES" b="0" i="0" dirty="0" err="1">
-                <a:solidFill>
-                  <a:srgbClr val="262626"/>
-                </a:solidFill>
-                <a:effectLst/>
-                <a:latin typeface="+mj-lt"/>
-              </a:rPr>
-              <a:t>Grafana</a:t>
-            </a:r>
-            <a:r>
-              <a:rPr lang="es-ES" b="0" i="0" dirty="0">
-                <a:solidFill>
-                  <a:srgbClr val="262626"/>
-                </a:solidFill>
-                <a:effectLst/>
-                <a:latin typeface="+mj-lt"/>
-              </a:rPr>
-              <a:t>), y sistemas de </a:t>
-            </a:r>
-            <a:r>
-              <a:rPr lang="es-ES" b="0" i="0" dirty="0" err="1">
-                <a:solidFill>
-                  <a:srgbClr val="262626"/>
-                </a:solidFill>
-                <a:effectLst/>
-                <a:latin typeface="+mj-lt"/>
-              </a:rPr>
-              <a:t>logging</a:t>
-            </a:r>
-            <a:r>
-              <a:rPr lang="es-ES" b="0" i="0" dirty="0">
-                <a:solidFill>
-                  <a:srgbClr val="262626"/>
-                </a:solidFill>
-                <a:effectLst/>
-                <a:latin typeface="+mj-lt"/>
-              </a:rPr>
-              <a:t> (ELK </a:t>
-            </a:r>
-            <a:r>
-              <a:rPr lang="es-ES" b="0" i="0" dirty="0" err="1">
-                <a:solidFill>
-                  <a:srgbClr val="262626"/>
-                </a:solidFill>
-                <a:effectLst/>
-                <a:latin typeface="+mj-lt"/>
-              </a:rPr>
-              <a:t>Stack</a:t>
-            </a:r>
-            <a:r>
-              <a:rPr lang="es-ES" b="0" i="0" dirty="0">
-                <a:solidFill>
-                  <a:srgbClr val="262626"/>
-                </a:solidFill>
-                <a:effectLst/>
-                <a:latin typeface="+mj-lt"/>
-              </a:rPr>
-              <a:t>).</a:t>
-            </a:r>
+              <a:t>.</a:t>
+            </a:r>
+            <a:endParaRPr lang="es-ES" b="0" i="0" dirty="0">
+              <a:solidFill>
+                <a:srgbClr val="262626"/>
+              </a:solidFill>
+              <a:effectLst/>
+              <a:latin typeface="+mj-lt"/>
+            </a:endParaRPr>
           </a:p>
           <a:p>
             <a:pPr algn="l">
